--- a/figs/fig_FSE.pptx
+++ b/figs/fig_FSE.pptx
@@ -2,18 +2,18 @@
 <file path=ppt/presentation.xml><?xml version="1.0" encoding="utf-8"?>
 <p:presentation xmlns:a="http://schemas.openxmlformats.org/drawingml/2006/main" xmlns:r="http://schemas.openxmlformats.org/officeDocument/2006/relationships" xmlns:p="http://schemas.openxmlformats.org/presentationml/2006/main" saveSubsetFonts="1" autoCompressPictures="0">
   <p:sldMasterIdLst>
-    <p:sldMasterId id="2147483648" r:id="rId1"/>
+    <p:sldMasterId id="2147483672" r:id="rId1"/>
   </p:sldMasterIdLst>
   <p:sldIdLst>
     <p:sldId id="256" r:id="rId2"/>
   </p:sldIdLst>
-  <p:sldSz cx="12192000" cy="6858000"/>
+  <p:sldSz cx="13258800" cy="6400800"/>
   <p:notesSz cx="6858000" cy="9144000"/>
   <p:defaultTextStyle>
     <a:defPPr>
       <a:defRPr lang="en-US"/>
     </a:defPPr>
-    <a:lvl1pPr marL="0" algn="l" defTabSz="914400" rtl="0" eaLnBrk="1" latinLnBrk="0" hangingPunct="1">
+    <a:lvl1pPr marL="0" algn="l" defTabSz="457200" rtl="0" eaLnBrk="1" latinLnBrk="0" hangingPunct="1">
       <a:defRPr sz="1800" kern="1200">
         <a:solidFill>
           <a:schemeClr val="tx1"/>
@@ -23,7 +23,7 @@
         <a:cs typeface="+mn-cs"/>
       </a:defRPr>
     </a:lvl1pPr>
-    <a:lvl2pPr marL="457200" algn="l" defTabSz="914400" rtl="0" eaLnBrk="1" latinLnBrk="0" hangingPunct="1">
+    <a:lvl2pPr marL="457200" algn="l" defTabSz="457200" rtl="0" eaLnBrk="1" latinLnBrk="0" hangingPunct="1">
       <a:defRPr sz="1800" kern="1200">
         <a:solidFill>
           <a:schemeClr val="tx1"/>
@@ -33,7 +33,7 @@
         <a:cs typeface="+mn-cs"/>
       </a:defRPr>
     </a:lvl2pPr>
-    <a:lvl3pPr marL="914400" algn="l" defTabSz="914400" rtl="0" eaLnBrk="1" latinLnBrk="0" hangingPunct="1">
+    <a:lvl3pPr marL="914400" algn="l" defTabSz="457200" rtl="0" eaLnBrk="1" latinLnBrk="0" hangingPunct="1">
       <a:defRPr sz="1800" kern="1200">
         <a:solidFill>
           <a:schemeClr val="tx1"/>
@@ -43,7 +43,7 @@
         <a:cs typeface="+mn-cs"/>
       </a:defRPr>
     </a:lvl3pPr>
-    <a:lvl4pPr marL="1371600" algn="l" defTabSz="914400" rtl="0" eaLnBrk="1" latinLnBrk="0" hangingPunct="1">
+    <a:lvl4pPr marL="1371600" algn="l" defTabSz="457200" rtl="0" eaLnBrk="1" latinLnBrk="0" hangingPunct="1">
       <a:defRPr sz="1800" kern="1200">
         <a:solidFill>
           <a:schemeClr val="tx1"/>
@@ -53,7 +53,7 @@
         <a:cs typeface="+mn-cs"/>
       </a:defRPr>
     </a:lvl4pPr>
-    <a:lvl5pPr marL="1828800" algn="l" defTabSz="914400" rtl="0" eaLnBrk="1" latinLnBrk="0" hangingPunct="1">
+    <a:lvl5pPr marL="1828800" algn="l" defTabSz="457200" rtl="0" eaLnBrk="1" latinLnBrk="0" hangingPunct="1">
       <a:defRPr sz="1800" kern="1200">
         <a:solidFill>
           <a:schemeClr val="tx1"/>
@@ -63,7 +63,7 @@
         <a:cs typeface="+mn-cs"/>
       </a:defRPr>
     </a:lvl5pPr>
-    <a:lvl6pPr marL="2286000" algn="l" defTabSz="914400" rtl="0" eaLnBrk="1" latinLnBrk="0" hangingPunct="1">
+    <a:lvl6pPr marL="2286000" algn="l" defTabSz="457200" rtl="0" eaLnBrk="1" latinLnBrk="0" hangingPunct="1">
       <a:defRPr sz="1800" kern="1200">
         <a:solidFill>
           <a:schemeClr val="tx1"/>
@@ -73,7 +73,7 @@
         <a:cs typeface="+mn-cs"/>
       </a:defRPr>
     </a:lvl6pPr>
-    <a:lvl7pPr marL="2743200" algn="l" defTabSz="914400" rtl="0" eaLnBrk="1" latinLnBrk="0" hangingPunct="1">
+    <a:lvl7pPr marL="2743200" algn="l" defTabSz="457200" rtl="0" eaLnBrk="1" latinLnBrk="0" hangingPunct="1">
       <a:defRPr sz="1800" kern="1200">
         <a:solidFill>
           <a:schemeClr val="tx1"/>
@@ -83,7 +83,7 @@
         <a:cs typeface="+mn-cs"/>
       </a:defRPr>
     </a:lvl7pPr>
-    <a:lvl8pPr marL="3200400" algn="l" defTabSz="914400" rtl="0" eaLnBrk="1" latinLnBrk="0" hangingPunct="1">
+    <a:lvl8pPr marL="3200400" algn="l" defTabSz="457200" rtl="0" eaLnBrk="1" latinLnBrk="0" hangingPunct="1">
       <a:defRPr sz="1800" kern="1200">
         <a:solidFill>
           <a:schemeClr val="tx1"/>
@@ -93,7 +93,7 @@
         <a:cs typeface="+mn-cs"/>
       </a:defRPr>
     </a:lvl8pPr>
-    <a:lvl9pPr marL="3657600" algn="l" defTabSz="914400" rtl="0" eaLnBrk="1" latinLnBrk="0" hangingPunct="1">
+    <a:lvl9pPr marL="3657600" algn="l" defTabSz="457200" rtl="0" eaLnBrk="1" latinLnBrk="0" hangingPunct="1">
       <a:defRPr sz="1800" kern="1200">
         <a:solidFill>
           <a:schemeClr val="tx1"/>
@@ -107,12 +107,12 @@
   <p:extLst>
     <p:ext uri="{EFAFB233-063F-42B5-8137-9DF3F51BA10A}">
       <p15:sldGuideLst xmlns:p15="http://schemas.microsoft.com/office/powerpoint/2012/main">
-        <p15:guide id="1" orient="horz" pos="2160" userDrawn="1">
+        <p15:guide id="1" orient="horz" pos="2016" userDrawn="1">
           <p15:clr>
             <a:srgbClr val="A4A3A4"/>
           </p15:clr>
         </p15:guide>
-        <p15:guide id="2" pos="3840" userDrawn="1">
+        <p15:guide id="2" pos="4176" userDrawn="1">
           <p15:clr>
             <a:srgbClr val="A4A3A4"/>
           </p15:clr>
@@ -126,7 +126,7 @@
 <file path=ppt/revisionInfo.xml><?xml version="1.0" encoding="utf-8"?>
 <p1510:revInfo xmlns:a="http://schemas.openxmlformats.org/drawingml/2006/main" xmlns:r="http://schemas.openxmlformats.org/officeDocument/2006/relationships" xmlns:p1510="http://schemas.microsoft.com/office/powerpoint/2015/10/main">
   <p1510:revLst>
-    <p1510:client id="{F19F6765-F9C2-2F4B-B759-1DC0051C5417}" v="30" dt="2025-05-05T22:06:30.662"/>
+    <p1510:client id="{F19F6765-F9C2-2F4B-B759-1DC0051C5417}" v="134" dt="2025-05-20T17:15:26.142"/>
   </p1510:revLst>
 </p1510:revInfo>
 </file>
@@ -135,275 +135,899 @@
 <pc:chgInfo xmlns:a="http://schemas.openxmlformats.org/drawingml/2006/main" xmlns:r="http://schemas.openxmlformats.org/officeDocument/2006/relationships" xmlns:ac="http://schemas.microsoft.com/office/drawing/2013/main/command" xmlns:pc="http://schemas.microsoft.com/office/powerpoint/2013/main/command">
   <pc:docChgLst>
     <pc:chgData name="Barkasi, Michael" userId="604489e9-c8b5-4a18-ae0d-3a3e29c44efc" providerId="ADAL" clId="{F19F6765-F9C2-2F4B-B759-1DC0051C5417}"/>
-    <pc:docChg chg="undo custSel modSld">
-      <pc:chgData name="Barkasi, Michael" userId="604489e9-c8b5-4a18-ae0d-3a3e29c44efc" providerId="ADAL" clId="{F19F6765-F9C2-2F4B-B759-1DC0051C5417}" dt="2025-05-05T22:08:06.706" v="238" actId="1076"/>
+    <pc:docChg chg="undo custSel addSld delSld modSld modMainMaster">
+      <pc:chgData name="Barkasi, Michael" userId="604489e9-c8b5-4a18-ae0d-3a3e29c44efc" providerId="ADAL" clId="{F19F6765-F9C2-2F4B-B759-1DC0051C5417}" dt="2025-05-20T17:16:12.712" v="1253" actId="2696"/>
       <pc:docMkLst>
         <pc:docMk/>
       </pc:docMkLst>
-      <pc:sldChg chg="addSp delSp modSp mod">
-        <pc:chgData name="Barkasi, Michael" userId="604489e9-c8b5-4a18-ae0d-3a3e29c44efc" providerId="ADAL" clId="{F19F6765-F9C2-2F4B-B759-1DC0051C5417}" dt="2025-05-05T22:08:06.706" v="238" actId="1076"/>
+      <pc:sldChg chg="addSp delSp modSp mod modAnim">
+        <pc:chgData name="Barkasi, Michael" userId="604489e9-c8b5-4a18-ae0d-3a3e29c44efc" providerId="ADAL" clId="{F19F6765-F9C2-2F4B-B759-1DC0051C5417}" dt="2025-05-20T17:15:58.539" v="1252" actId="1076"/>
         <pc:sldMkLst>
           <pc:docMk/>
           <pc:sldMk cId="1160241537" sldId="256"/>
         </pc:sldMkLst>
-        <pc:spChg chg="del">
-          <ac:chgData name="Barkasi, Michael" userId="604489e9-c8b5-4a18-ae0d-3a3e29c44efc" providerId="ADAL" clId="{F19F6765-F9C2-2F4B-B759-1DC0051C5417}" dt="2025-05-05T18:42:31.305" v="0" actId="478"/>
+        <pc:spChg chg="del mod topLvl">
+          <ac:chgData name="Barkasi, Michael" userId="604489e9-c8b5-4a18-ae0d-3a3e29c44efc" providerId="ADAL" clId="{F19F6765-F9C2-2F4B-B759-1DC0051C5417}" dt="2025-05-20T15:28:09.232" v="755" actId="478"/>
           <ac:spMkLst>
             <pc:docMk/>
             <pc:sldMk cId="1160241537" sldId="256"/>
-            <ac:spMk id="17" creationId="{0ED99072-BE6C-C6ED-2867-FBA486153AC8}"/>
+            <ac:spMk id="7" creationId="{A65283F6-D47B-6C10-4EDE-CC1FE4C15342}"/>
           </ac:spMkLst>
         </pc:spChg>
-        <pc:spChg chg="del">
-          <ac:chgData name="Barkasi, Michael" userId="604489e9-c8b5-4a18-ae0d-3a3e29c44efc" providerId="ADAL" clId="{F19F6765-F9C2-2F4B-B759-1DC0051C5417}" dt="2025-05-05T18:42:31.305" v="0" actId="478"/>
+        <pc:spChg chg="del mod topLvl">
+          <ac:chgData name="Barkasi, Michael" userId="604489e9-c8b5-4a18-ae0d-3a3e29c44efc" providerId="ADAL" clId="{F19F6765-F9C2-2F4B-B759-1DC0051C5417}" dt="2025-05-20T15:28:10.089" v="756" actId="478"/>
           <ac:spMkLst>
             <pc:docMk/>
             <pc:sldMk cId="1160241537" sldId="256"/>
-            <ac:spMk id="18" creationId="{216C1992-1453-F5DF-D02F-A3FFD0F7D0E6}"/>
+            <ac:spMk id="8" creationId="{5D7C3C3C-F702-EF49-4863-32982B76632E}"/>
           </ac:spMkLst>
         </pc:spChg>
-        <pc:spChg chg="del">
-          <ac:chgData name="Barkasi, Michael" userId="604489e9-c8b5-4a18-ae0d-3a3e29c44efc" providerId="ADAL" clId="{F19F6765-F9C2-2F4B-B759-1DC0051C5417}" dt="2025-05-05T18:42:31.305" v="0" actId="478"/>
+        <pc:spChg chg="del mod topLvl">
+          <ac:chgData name="Barkasi, Michael" userId="604489e9-c8b5-4a18-ae0d-3a3e29c44efc" providerId="ADAL" clId="{F19F6765-F9C2-2F4B-B759-1DC0051C5417}" dt="2025-05-20T15:06:33.033" v="297" actId="478"/>
           <ac:spMkLst>
             <pc:docMk/>
             <pc:sldMk cId="1160241537" sldId="256"/>
-            <ac:spMk id="20" creationId="{555A90AE-553C-0FBA-1AE8-DD3551B66644}"/>
+            <ac:spMk id="18" creationId="{3F70E659-9494-C5C1-DB09-BBB870FA12B7}"/>
           </ac:spMkLst>
         </pc:spChg>
         <pc:spChg chg="mod">
-          <ac:chgData name="Barkasi, Michael" userId="604489e9-c8b5-4a18-ae0d-3a3e29c44efc" providerId="ADAL" clId="{F19F6765-F9C2-2F4B-B759-1DC0051C5417}" dt="2025-05-05T18:47:52.257" v="37" actId="2711"/>
+          <ac:chgData name="Barkasi, Michael" userId="604489e9-c8b5-4a18-ae0d-3a3e29c44efc" providerId="ADAL" clId="{F19F6765-F9C2-2F4B-B759-1DC0051C5417}" dt="2025-05-20T17:15:26.142" v="1249"/>
           <ac:spMkLst>
             <pc:docMk/>
             <pc:sldMk cId="1160241537" sldId="256"/>
             <ac:spMk id="28" creationId="{EC1FBF5A-3333-E899-2543-90256C7B2DC0}"/>
           </ac:spMkLst>
         </pc:spChg>
+        <pc:spChg chg="mod">
+          <ac:chgData name="Barkasi, Michael" userId="604489e9-c8b5-4a18-ae0d-3a3e29c44efc" providerId="ADAL" clId="{F19F6765-F9C2-2F4B-B759-1DC0051C5417}" dt="2025-05-20T17:15:26.142" v="1249"/>
+          <ac:spMkLst>
+            <pc:docMk/>
+            <pc:sldMk cId="1160241537" sldId="256"/>
+            <ac:spMk id="32" creationId="{A3075410-58E7-5FAB-0677-F603233F606C}"/>
+          </ac:spMkLst>
+        </pc:spChg>
         <pc:spChg chg="mod topLvl">
-          <ac:chgData name="Barkasi, Michael" userId="604489e9-c8b5-4a18-ae0d-3a3e29c44efc" providerId="ADAL" clId="{F19F6765-F9C2-2F4B-B759-1DC0051C5417}" dt="2025-05-05T22:08:00.871" v="236" actId="1076"/>
+          <ac:chgData name="Barkasi, Michael" userId="604489e9-c8b5-4a18-ae0d-3a3e29c44efc" providerId="ADAL" clId="{F19F6765-F9C2-2F4B-B759-1DC0051C5417}" dt="2025-05-20T14:07:57.495" v="249" actId="164"/>
           <ac:spMkLst>
             <pc:docMk/>
             <pc:sldMk cId="1160241537" sldId="256"/>
             <ac:spMk id="33" creationId="{6DD1B967-3B7C-B8E3-3AD9-127CC0BB85B5}"/>
           </ac:spMkLst>
         </pc:spChg>
-        <pc:spChg chg="del">
-          <ac:chgData name="Barkasi, Michael" userId="604489e9-c8b5-4a18-ae0d-3a3e29c44efc" providerId="ADAL" clId="{F19F6765-F9C2-2F4B-B759-1DC0051C5417}" dt="2025-05-05T18:42:31.305" v="0" actId="478"/>
+        <pc:spChg chg="add mod">
+          <ac:chgData name="Barkasi, Michael" userId="604489e9-c8b5-4a18-ae0d-3a3e29c44efc" providerId="ADAL" clId="{F19F6765-F9C2-2F4B-B759-1DC0051C5417}" dt="2025-05-20T17:06:54.038" v="1196" actId="165"/>
           <ac:spMkLst>
             <pc:docMk/>
             <pc:sldMk cId="1160241537" sldId="256"/>
-            <ac:spMk id="35" creationId="{173E1837-9B21-091E-CB95-51C6BA675180}"/>
+            <ac:spMk id="35" creationId="{E3CFEEBD-B3A3-4DD4-A67D-99C9207168B2}"/>
           </ac:spMkLst>
         </pc:spChg>
         <pc:spChg chg="add mod">
-          <ac:chgData name="Barkasi, Michael" userId="604489e9-c8b5-4a18-ae0d-3a3e29c44efc" providerId="ADAL" clId="{F19F6765-F9C2-2F4B-B759-1DC0051C5417}" dt="2025-05-05T22:08:00.871" v="236" actId="1076"/>
+          <ac:chgData name="Barkasi, Michael" userId="604489e9-c8b5-4a18-ae0d-3a3e29c44efc" providerId="ADAL" clId="{F19F6765-F9C2-2F4B-B759-1DC0051C5417}" dt="2025-05-20T17:06:54.038" v="1196" actId="165"/>
+          <ac:spMkLst>
+            <pc:docMk/>
+            <pc:sldMk cId="1160241537" sldId="256"/>
+            <ac:spMk id="36" creationId="{6FDA9154-6D2F-4A4A-9556-6290A63FE165}"/>
+          </ac:spMkLst>
+        </pc:spChg>
+        <pc:spChg chg="add mod topLvl">
+          <ac:chgData name="Barkasi, Michael" userId="604489e9-c8b5-4a18-ae0d-3a3e29c44efc" providerId="ADAL" clId="{F19F6765-F9C2-2F4B-B759-1DC0051C5417}" dt="2025-05-20T17:06:54.038" v="1196" actId="165"/>
+          <ac:spMkLst>
+            <pc:docMk/>
+            <pc:sldMk cId="1160241537" sldId="256"/>
+            <ac:spMk id="40" creationId="{7B5F8C9B-DE1D-A2B4-48E4-F738B68D11F2}"/>
+          </ac:spMkLst>
+        </pc:spChg>
+        <pc:spChg chg="add mod">
+          <ac:chgData name="Barkasi, Michael" userId="604489e9-c8b5-4a18-ae0d-3a3e29c44efc" providerId="ADAL" clId="{F19F6765-F9C2-2F4B-B759-1DC0051C5417}" dt="2025-05-20T14:08:50.131" v="253" actId="1076"/>
           <ac:spMkLst>
             <pc:docMk/>
             <pc:sldMk cId="1160241537" sldId="256"/>
             <ac:spMk id="41" creationId="{489C7890-2293-260F-927E-3A0BAF6AE31E}"/>
           </ac:spMkLst>
         </pc:spChg>
-        <pc:spChg chg="add mod">
-          <ac:chgData name="Barkasi, Michael" userId="604489e9-c8b5-4a18-ae0d-3a3e29c44efc" providerId="ADAL" clId="{F19F6765-F9C2-2F4B-B759-1DC0051C5417}" dt="2025-05-05T18:53:24.859" v="170" actId="1076"/>
+        <pc:spChg chg="add mod topLvl">
+          <ac:chgData name="Barkasi, Michael" userId="604489e9-c8b5-4a18-ae0d-3a3e29c44efc" providerId="ADAL" clId="{F19F6765-F9C2-2F4B-B759-1DC0051C5417}" dt="2025-05-20T16:54:06.374" v="1045" actId="338"/>
           <ac:spMkLst>
             <pc:docMk/>
             <pc:sldMk cId="1160241537" sldId="256"/>
             <ac:spMk id="42" creationId="{BB15E696-D7E8-065F-22C9-1F1C225CBEE6}"/>
           </ac:spMkLst>
         </pc:spChg>
-        <pc:spChg chg="add mod">
-          <ac:chgData name="Barkasi, Michael" userId="604489e9-c8b5-4a18-ae0d-3a3e29c44efc" providerId="ADAL" clId="{F19F6765-F9C2-2F4B-B759-1DC0051C5417}" dt="2025-05-05T22:08:03.919" v="237" actId="1076"/>
+        <pc:spChg chg="add del mod">
+          <ac:chgData name="Barkasi, Michael" userId="604489e9-c8b5-4a18-ae0d-3a3e29c44efc" providerId="ADAL" clId="{F19F6765-F9C2-2F4B-B759-1DC0051C5417}" dt="2025-05-20T15:28:11.558" v="757" actId="478"/>
           <ac:spMkLst>
             <pc:docMk/>
             <pc:sldMk cId="1160241537" sldId="256"/>
             <ac:spMk id="43" creationId="{CDC17340-8A6A-952F-C785-2381010C19BF}"/>
           </ac:spMkLst>
         </pc:spChg>
-        <pc:spChg chg="add mod">
-          <ac:chgData name="Barkasi, Michael" userId="604489e9-c8b5-4a18-ae0d-3a3e29c44efc" providerId="ADAL" clId="{F19F6765-F9C2-2F4B-B759-1DC0051C5417}" dt="2025-05-05T22:08:06.706" v="238" actId="1076"/>
+        <pc:spChg chg="add del mod">
+          <ac:chgData name="Barkasi, Michael" userId="604489e9-c8b5-4a18-ae0d-3a3e29c44efc" providerId="ADAL" clId="{F19F6765-F9C2-2F4B-B759-1DC0051C5417}" dt="2025-05-20T15:28:18.366" v="762" actId="478"/>
           <ac:spMkLst>
             <pc:docMk/>
             <pc:sldMk cId="1160241537" sldId="256"/>
             <ac:spMk id="44" creationId="{71DEAC27-2EA9-F41D-4751-9DC0B3CBC65F}"/>
           </ac:spMkLst>
         </pc:spChg>
+        <pc:spChg chg="add mod topLvl">
+          <ac:chgData name="Barkasi, Michael" userId="604489e9-c8b5-4a18-ae0d-3a3e29c44efc" providerId="ADAL" clId="{F19F6765-F9C2-2F4B-B759-1DC0051C5417}" dt="2025-05-20T17:15:26.142" v="1249"/>
+          <ac:spMkLst>
+            <pc:docMk/>
+            <pc:sldMk cId="1160241537" sldId="256"/>
+            <ac:spMk id="50" creationId="{9316C8CA-EF5A-7928-4A64-8F05EA11A88F}"/>
+          </ac:spMkLst>
+        </pc:spChg>
         <pc:spChg chg="mod">
-          <ac:chgData name="Barkasi, Michael" userId="604489e9-c8b5-4a18-ae0d-3a3e29c44efc" providerId="ADAL" clId="{F19F6765-F9C2-2F4B-B759-1DC0051C5417}" dt="2025-05-05T18:49:45.753" v="78"/>
+          <ac:chgData name="Barkasi, Michael" userId="604489e9-c8b5-4a18-ae0d-3a3e29c44efc" providerId="ADAL" clId="{F19F6765-F9C2-2F4B-B759-1DC0051C5417}" dt="2025-05-20T15:25:16.434" v="740" actId="688"/>
           <ac:spMkLst>
             <pc:docMk/>
             <pc:sldMk cId="1160241537" sldId="256"/>
-            <ac:spMk id="53" creationId="{B62E7BC5-ECD8-C3BD-8852-44E3A483EA27}"/>
+            <ac:spMk id="63" creationId="{FDD6AE29-8FDD-DACA-D18C-08AA850D1937}"/>
+          </ac:spMkLst>
+        </pc:spChg>
+        <pc:spChg chg="add mod topLvl">
+          <ac:chgData name="Barkasi, Michael" userId="604489e9-c8b5-4a18-ae0d-3a3e29c44efc" providerId="ADAL" clId="{F19F6765-F9C2-2F4B-B759-1DC0051C5417}" dt="2025-05-20T17:15:26.142" v="1249"/>
+          <ac:spMkLst>
+            <pc:docMk/>
+            <pc:sldMk cId="1160241537" sldId="256"/>
+            <ac:spMk id="64" creationId="{7BA4831B-95DD-C630-EF30-FEBB3DA4C883}"/>
+          </ac:spMkLst>
+        </pc:spChg>
+        <pc:spChg chg="add mod topLvl">
+          <ac:chgData name="Barkasi, Michael" userId="604489e9-c8b5-4a18-ae0d-3a3e29c44efc" providerId="ADAL" clId="{F19F6765-F9C2-2F4B-B759-1DC0051C5417}" dt="2025-05-20T17:06:54.038" v="1196" actId="165"/>
+          <ac:spMkLst>
+            <pc:docMk/>
+            <pc:sldMk cId="1160241537" sldId="256"/>
+            <ac:spMk id="68" creationId="{FE26D807-9A68-F894-F807-D4DE88AD4FC0}"/>
+          </ac:spMkLst>
+        </pc:spChg>
+        <pc:spChg chg="mod">
+          <ac:chgData name="Barkasi, Michael" userId="604489e9-c8b5-4a18-ae0d-3a3e29c44efc" providerId="ADAL" clId="{F19F6765-F9C2-2F4B-B759-1DC0051C5417}" dt="2025-05-20T16:15:39.475" v="781" actId="692"/>
+          <ac:spMkLst>
+            <pc:docMk/>
+            <pc:sldMk cId="1160241537" sldId="256"/>
+            <ac:spMk id="71" creationId="{7FB4963E-FE7B-E9B3-AAF6-C5AE888E5E24}"/>
+          </ac:spMkLst>
+        </pc:spChg>
+        <pc:spChg chg="mod">
+          <ac:chgData name="Barkasi, Michael" userId="604489e9-c8b5-4a18-ae0d-3a3e29c44efc" providerId="ADAL" clId="{F19F6765-F9C2-2F4B-B759-1DC0051C5417}" dt="2025-05-20T15:24:50.708" v="734"/>
+          <ac:spMkLst>
+            <pc:docMk/>
+            <pc:sldMk cId="1160241537" sldId="256"/>
+            <ac:spMk id="77" creationId="{2ECFC52B-E100-9421-B8AD-198610E3E620}"/>
+          </ac:spMkLst>
+        </pc:spChg>
+        <pc:spChg chg="mod">
+          <ac:chgData name="Barkasi, Michael" userId="604489e9-c8b5-4a18-ae0d-3a3e29c44efc" providerId="ADAL" clId="{F19F6765-F9C2-2F4B-B759-1DC0051C5417}" dt="2025-05-20T16:15:59.164" v="784" actId="692"/>
+          <ac:spMkLst>
+            <pc:docMk/>
+            <pc:sldMk cId="1160241537" sldId="256"/>
+            <ac:spMk id="78" creationId="{54BDA467-B6C8-DDEE-CC0A-F6127F9E038E}"/>
+          </ac:spMkLst>
+        </pc:spChg>
+        <pc:spChg chg="mod">
+          <ac:chgData name="Barkasi, Michael" userId="604489e9-c8b5-4a18-ae0d-3a3e29c44efc" providerId="ADAL" clId="{F19F6765-F9C2-2F4B-B759-1DC0051C5417}" dt="2025-05-20T17:06:35.795" v="1194" actId="165"/>
+          <ac:spMkLst>
+            <pc:docMk/>
+            <pc:sldMk cId="1160241537" sldId="256"/>
+            <ac:spMk id="92" creationId="{4BDE5564-FDBB-2E9F-4A79-62701D44C591}"/>
+          </ac:spMkLst>
+        </pc:spChg>
+        <pc:spChg chg="mod">
+          <ac:chgData name="Barkasi, Michael" userId="604489e9-c8b5-4a18-ae0d-3a3e29c44efc" providerId="ADAL" clId="{F19F6765-F9C2-2F4B-B759-1DC0051C5417}" dt="2025-05-20T15:29:06.077" v="766"/>
+          <ac:spMkLst>
+            <pc:docMk/>
+            <pc:sldMk cId="1160241537" sldId="256"/>
+            <ac:spMk id="100" creationId="{F043DA36-8CC1-6F6A-B465-9EFEBF9002A1}"/>
+          </ac:spMkLst>
+        </pc:spChg>
+        <pc:spChg chg="add mod topLvl">
+          <ac:chgData name="Barkasi, Michael" userId="604489e9-c8b5-4a18-ae0d-3a3e29c44efc" providerId="ADAL" clId="{F19F6765-F9C2-2F4B-B759-1DC0051C5417}" dt="2025-05-20T17:06:54.038" v="1196" actId="165"/>
+          <ac:spMkLst>
+            <pc:docMk/>
+            <pc:sldMk cId="1160241537" sldId="256"/>
+            <ac:spMk id="102" creationId="{1A3C6997-4E40-38F4-EB1E-1C61067AAE9F}"/>
+          </ac:spMkLst>
+        </pc:spChg>
+        <pc:spChg chg="add del mod">
+          <ac:chgData name="Barkasi, Michael" userId="604489e9-c8b5-4a18-ae0d-3a3e29c44efc" providerId="ADAL" clId="{F19F6765-F9C2-2F4B-B759-1DC0051C5417}" dt="2025-05-20T15:28:13.835" v="760" actId="478"/>
+          <ac:spMkLst>
+            <pc:docMk/>
+            <pc:sldMk cId="1160241537" sldId="256"/>
+            <ac:spMk id="103" creationId="{74CFA3CB-217D-96DE-8D0B-AA3628379351}"/>
+          </ac:spMkLst>
+        </pc:spChg>
+        <pc:spChg chg="add del mod">
+          <ac:chgData name="Barkasi, Michael" userId="604489e9-c8b5-4a18-ae0d-3a3e29c44efc" providerId="ADAL" clId="{F19F6765-F9C2-2F4B-B759-1DC0051C5417}" dt="2025-05-20T15:28:00.051" v="752" actId="478"/>
+          <ac:spMkLst>
+            <pc:docMk/>
+            <pc:sldMk cId="1160241537" sldId="256"/>
+            <ac:spMk id="104" creationId="{B493F746-8314-8F87-5519-0151F9AFD43C}"/>
+          </ac:spMkLst>
+        </pc:spChg>
+        <pc:spChg chg="mod">
+          <ac:chgData name="Barkasi, Michael" userId="604489e9-c8b5-4a18-ae0d-3a3e29c44efc" providerId="ADAL" clId="{F19F6765-F9C2-2F4B-B759-1DC0051C5417}" dt="2025-05-20T15:29:06.077" v="766"/>
+          <ac:spMkLst>
+            <pc:docMk/>
+            <pc:sldMk cId="1160241537" sldId="256"/>
+            <ac:spMk id="107" creationId="{24B848E4-820D-72B6-8978-881654243BE9}"/>
+          </ac:spMkLst>
+        </pc:spChg>
+        <pc:spChg chg="add del mod">
+          <ac:chgData name="Barkasi, Michael" userId="604489e9-c8b5-4a18-ae0d-3a3e29c44efc" providerId="ADAL" clId="{F19F6765-F9C2-2F4B-B759-1DC0051C5417}" dt="2025-05-20T15:28:16.372" v="761" actId="478"/>
+          <ac:spMkLst>
+            <pc:docMk/>
+            <pc:sldMk cId="1160241537" sldId="256"/>
+            <ac:spMk id="109" creationId="{C0CECDFC-29DC-9E49-F628-C98AF3712AF1}"/>
+          </ac:spMkLst>
+        </pc:spChg>
+        <pc:spChg chg="add mod topLvl">
+          <ac:chgData name="Barkasi, Michael" userId="604489e9-c8b5-4a18-ae0d-3a3e29c44efc" providerId="ADAL" clId="{F19F6765-F9C2-2F4B-B759-1DC0051C5417}" dt="2025-05-20T17:06:35.795" v="1194" actId="165"/>
+          <ac:spMkLst>
+            <pc:docMk/>
+            <pc:sldMk cId="1160241537" sldId="256"/>
+            <ac:spMk id="110" creationId="{DD6AAAD2-9A51-A203-8D3E-39A30D638981}"/>
+          </ac:spMkLst>
+        </pc:spChg>
+        <pc:spChg chg="del mod">
+          <ac:chgData name="Barkasi, Michael" userId="604489e9-c8b5-4a18-ae0d-3a3e29c44efc" providerId="ADAL" clId="{F19F6765-F9C2-2F4B-B759-1DC0051C5417}" dt="2025-05-20T16:13:56.976" v="773" actId="478"/>
+          <ac:spMkLst>
+            <pc:docMk/>
+            <pc:sldMk cId="1160241537" sldId="256"/>
+            <ac:spMk id="113" creationId="{3A8ECA80-D6DF-C565-52AC-E1E6A8F86583}"/>
+          </ac:spMkLst>
+        </pc:spChg>
+        <pc:spChg chg="del mod topLvl">
+          <ac:chgData name="Barkasi, Michael" userId="604489e9-c8b5-4a18-ae0d-3a3e29c44efc" providerId="ADAL" clId="{F19F6765-F9C2-2F4B-B759-1DC0051C5417}" dt="2025-05-20T16:13:59.867" v="774" actId="478"/>
+          <ac:spMkLst>
+            <pc:docMk/>
+            <pc:sldMk cId="1160241537" sldId="256"/>
+            <ac:spMk id="114" creationId="{493C5719-4E3D-7FD0-9908-4B7DF32A6EE4}"/>
+          </ac:spMkLst>
+        </pc:spChg>
+        <pc:spChg chg="del mod">
+          <ac:chgData name="Barkasi, Michael" userId="604489e9-c8b5-4a18-ae0d-3a3e29c44efc" providerId="ADAL" clId="{F19F6765-F9C2-2F4B-B759-1DC0051C5417}" dt="2025-05-20T16:13:53" v="772" actId="478"/>
+          <ac:spMkLst>
+            <pc:docMk/>
+            <pc:sldMk cId="1160241537" sldId="256"/>
+            <ac:spMk id="115" creationId="{FEFAB52B-E757-AD59-9720-4D73DF0660CC}"/>
+          </ac:spMkLst>
+        </pc:spChg>
+        <pc:spChg chg="add del mod">
+          <ac:chgData name="Barkasi, Michael" userId="604489e9-c8b5-4a18-ae0d-3a3e29c44efc" providerId="ADAL" clId="{F19F6765-F9C2-2F4B-B759-1DC0051C5417}" dt="2025-05-20T17:15:26.142" v="1249"/>
+          <ac:spMkLst>
+            <pc:docMk/>
+            <pc:sldMk cId="1160241537" sldId="256"/>
+            <ac:spMk id="117" creationId="{FFFA2B60-14DC-D4AF-1B34-723767EC5F38}"/>
+          </ac:spMkLst>
+        </pc:spChg>
+        <pc:spChg chg="add mod">
+          <ac:chgData name="Barkasi, Michael" userId="604489e9-c8b5-4a18-ae0d-3a3e29c44efc" providerId="ADAL" clId="{F19F6765-F9C2-2F4B-B759-1DC0051C5417}" dt="2025-05-20T16:45:06.322" v="987" actId="692"/>
+          <ac:spMkLst>
+            <pc:docMk/>
+            <pc:sldMk cId="1160241537" sldId="256"/>
+            <ac:spMk id="118" creationId="{FF80155E-BAC0-E66B-52DF-E6A0ADDFA323}"/>
           </ac:spMkLst>
         </pc:spChg>
         <pc:spChg chg="mod topLvl">
-          <ac:chgData name="Barkasi, Michael" userId="604489e9-c8b5-4a18-ae0d-3a3e29c44efc" providerId="ADAL" clId="{F19F6765-F9C2-2F4B-B759-1DC0051C5417}" dt="2025-05-05T18:52:21.998" v="110" actId="164"/>
+          <ac:chgData name="Barkasi, Michael" userId="604489e9-c8b5-4a18-ae0d-3a3e29c44efc" providerId="ADAL" clId="{F19F6765-F9C2-2F4B-B759-1DC0051C5417}" dt="2025-05-20T17:15:26.142" v="1249"/>
           <ac:spMkLst>
             <pc:docMk/>
             <pc:sldMk cId="1160241537" sldId="256"/>
-            <ac:spMk id="75" creationId="{D4FA8A0E-0BBD-D32F-54AE-54E7BD6C418D}"/>
+            <ac:spMk id="122" creationId="{94F0D5ED-F579-5836-7C72-CAB8552BFBBF}"/>
           </ac:spMkLst>
         </pc:spChg>
-        <pc:spChg chg="del">
-          <ac:chgData name="Barkasi, Michael" userId="604489e9-c8b5-4a18-ae0d-3a3e29c44efc" providerId="ADAL" clId="{F19F6765-F9C2-2F4B-B759-1DC0051C5417}" dt="2025-05-05T18:42:31.305" v="0" actId="478"/>
+        <pc:spChg chg="mod">
+          <ac:chgData name="Barkasi, Michael" userId="604489e9-c8b5-4a18-ae0d-3a3e29c44efc" providerId="ADAL" clId="{F19F6765-F9C2-2F4B-B759-1DC0051C5417}" dt="2025-05-20T16:43:47.853" v="977" actId="165"/>
           <ac:spMkLst>
             <pc:docMk/>
             <pc:sldMk cId="1160241537" sldId="256"/>
-            <ac:spMk id="77" creationId="{BD84AEB1-6662-C56D-7E67-69415C00445B}"/>
+            <ac:spMk id="124" creationId="{82051162-7158-D1C2-8ECC-4BE5ABB1E509}"/>
+          </ac:spMkLst>
+        </pc:spChg>
+        <pc:spChg chg="mod">
+          <ac:chgData name="Barkasi, Michael" userId="604489e9-c8b5-4a18-ae0d-3a3e29c44efc" providerId="ADAL" clId="{F19F6765-F9C2-2F4B-B759-1DC0051C5417}" dt="2025-05-20T16:25:23.526" v="910"/>
+          <ac:spMkLst>
+            <pc:docMk/>
+            <pc:sldMk cId="1160241537" sldId="256"/>
+            <ac:spMk id="127" creationId="{02B12E7F-F71E-E4C5-461D-6E14EEBDEE04}"/>
+          </ac:spMkLst>
+        </pc:spChg>
+        <pc:spChg chg="mod">
+          <ac:chgData name="Barkasi, Michael" userId="604489e9-c8b5-4a18-ae0d-3a3e29c44efc" providerId="ADAL" clId="{F19F6765-F9C2-2F4B-B759-1DC0051C5417}" dt="2025-05-20T16:25:23.526" v="910"/>
+          <ac:spMkLst>
+            <pc:docMk/>
+            <pc:sldMk cId="1160241537" sldId="256"/>
+            <ac:spMk id="130" creationId="{5F5ADC40-D898-8E2C-E752-2A01F9CA5B1B}"/>
+          </ac:spMkLst>
+        </pc:spChg>
+        <pc:spChg chg="mod">
+          <ac:chgData name="Barkasi, Michael" userId="604489e9-c8b5-4a18-ae0d-3a3e29c44efc" providerId="ADAL" clId="{F19F6765-F9C2-2F4B-B759-1DC0051C5417}" dt="2025-05-20T17:06:35.795" v="1194" actId="165"/>
+          <ac:spMkLst>
+            <pc:docMk/>
+            <pc:sldMk cId="1160241537" sldId="256"/>
+            <ac:spMk id="133" creationId="{5326F9BF-BA8B-220C-1E4F-EF4E2D0CEBD9}"/>
+          </ac:spMkLst>
+        </pc:spChg>
+        <pc:spChg chg="mod">
+          <ac:chgData name="Barkasi, Michael" userId="604489e9-c8b5-4a18-ae0d-3a3e29c44efc" providerId="ADAL" clId="{F19F6765-F9C2-2F4B-B759-1DC0051C5417}" dt="2025-05-20T16:43:37.824" v="976" actId="165"/>
+          <ac:spMkLst>
+            <pc:docMk/>
+            <pc:sldMk cId="1160241537" sldId="256"/>
+            <ac:spMk id="136" creationId="{97BDF13A-A893-407C-095C-6D54ABFE875B}"/>
           </ac:spMkLst>
         </pc:spChg>
         <pc:spChg chg="add mod">
-          <ac:chgData name="Barkasi, Michael" userId="604489e9-c8b5-4a18-ae0d-3a3e29c44efc" providerId="ADAL" clId="{F19F6765-F9C2-2F4B-B759-1DC0051C5417}" dt="2025-05-05T18:53:09.134" v="157" actId="14100"/>
+          <ac:chgData name="Barkasi, Michael" userId="604489e9-c8b5-4a18-ae0d-3a3e29c44efc" providerId="ADAL" clId="{F19F6765-F9C2-2F4B-B759-1DC0051C5417}" dt="2025-05-20T16:30:38.030" v="946" actId="164"/>
           <ac:spMkLst>
             <pc:docMk/>
             <pc:sldMk cId="1160241537" sldId="256"/>
-            <ac:spMk id="102" creationId="{1A3C6997-4E40-38F4-EB1E-1C61067AAE9F}"/>
+            <ac:spMk id="138" creationId="{FFB33957-C7D5-2272-4F29-57CB3E60E8D5}"/>
           </ac:spMkLst>
         </pc:spChg>
         <pc:spChg chg="add mod">
-          <ac:chgData name="Barkasi, Michael" userId="604489e9-c8b5-4a18-ae0d-3a3e29c44efc" providerId="ADAL" clId="{F19F6765-F9C2-2F4B-B759-1DC0051C5417}" dt="2025-05-05T22:07:37.363" v="233" actId="1076"/>
+          <ac:chgData name="Barkasi, Michael" userId="604489e9-c8b5-4a18-ae0d-3a3e29c44efc" providerId="ADAL" clId="{F19F6765-F9C2-2F4B-B759-1DC0051C5417}" dt="2025-05-20T17:15:26.142" v="1249"/>
           <ac:spMkLst>
             <pc:docMk/>
             <pc:sldMk cId="1160241537" sldId="256"/>
-            <ac:spMk id="103" creationId="{74CFA3CB-217D-96DE-8D0B-AA3628379351}"/>
+            <ac:spMk id="139" creationId="{2293D57C-EC8B-5FBD-4115-099B2922BF81}"/>
           </ac:spMkLst>
         </pc:spChg>
         <pc:spChg chg="add mod">
-          <ac:chgData name="Barkasi, Michael" userId="604489e9-c8b5-4a18-ae0d-3a3e29c44efc" providerId="ADAL" clId="{F19F6765-F9C2-2F4B-B759-1DC0051C5417}" dt="2025-05-05T22:07:40.584" v="234" actId="1076"/>
+          <ac:chgData name="Barkasi, Michael" userId="604489e9-c8b5-4a18-ae0d-3a3e29c44efc" providerId="ADAL" clId="{F19F6765-F9C2-2F4B-B759-1DC0051C5417}" dt="2025-05-20T16:30:38.030" v="946" actId="164"/>
           <ac:spMkLst>
             <pc:docMk/>
             <pc:sldMk cId="1160241537" sldId="256"/>
-            <ac:spMk id="104" creationId="{B493F746-8314-8F87-5519-0151F9AFD43C}"/>
+            <ac:spMk id="140" creationId="{4D13E371-1A41-9EFE-6480-A5F8E8AB352E}"/>
           </ac:spMkLst>
         </pc:spChg>
         <pc:spChg chg="add mod">
-          <ac:chgData name="Barkasi, Michael" userId="604489e9-c8b5-4a18-ae0d-3a3e29c44efc" providerId="ADAL" clId="{F19F6765-F9C2-2F4B-B759-1DC0051C5417}" dt="2025-05-05T22:07:37.363" v="233" actId="1076"/>
+          <ac:chgData name="Barkasi, Michael" userId="604489e9-c8b5-4a18-ae0d-3a3e29c44efc" providerId="ADAL" clId="{F19F6765-F9C2-2F4B-B759-1DC0051C5417}" dt="2025-05-20T17:06:54.038" v="1196" actId="165"/>
           <ac:spMkLst>
             <pc:docMk/>
             <pc:sldMk cId="1160241537" sldId="256"/>
-            <ac:spMk id="109" creationId="{C0CECDFC-29DC-9E49-F628-C98AF3712AF1}"/>
+            <ac:spMk id="141" creationId="{84827807-33C5-4A50-46EC-767F2558440A}"/>
           </ac:spMkLst>
         </pc:spChg>
         <pc:spChg chg="add mod">
-          <ac:chgData name="Barkasi, Michael" userId="604489e9-c8b5-4a18-ae0d-3a3e29c44efc" providerId="ADAL" clId="{F19F6765-F9C2-2F4B-B759-1DC0051C5417}" dt="2025-05-05T22:06:51.096" v="232" actId="1076"/>
+          <ac:chgData name="Barkasi, Michael" userId="604489e9-c8b5-4a18-ae0d-3a3e29c44efc" providerId="ADAL" clId="{F19F6765-F9C2-2F4B-B759-1DC0051C5417}" dt="2025-05-20T17:15:35.738" v="1250" actId="1076"/>
           <ac:spMkLst>
             <pc:docMk/>
             <pc:sldMk cId="1160241537" sldId="256"/>
-            <ac:spMk id="110" creationId="{DD6AAAD2-9A51-A203-8D3E-39A30D638981}"/>
+            <ac:spMk id="184" creationId="{0F69969E-C89D-FC3B-3D75-9F48D5BF9959}"/>
           </ac:spMkLst>
         </pc:spChg>
-        <pc:spChg chg="del">
-          <ac:chgData name="Barkasi, Michael" userId="604489e9-c8b5-4a18-ae0d-3a3e29c44efc" providerId="ADAL" clId="{F19F6765-F9C2-2F4B-B759-1DC0051C5417}" dt="2025-05-05T18:42:31.305" v="0" actId="478"/>
+        <pc:spChg chg="add mod">
+          <ac:chgData name="Barkasi, Michael" userId="604489e9-c8b5-4a18-ae0d-3a3e29c44efc" providerId="ADAL" clId="{F19F6765-F9C2-2F4B-B759-1DC0051C5417}" dt="2025-05-20T17:15:44.723" v="1251" actId="1076"/>
           <ac:spMkLst>
             <pc:docMk/>
             <pc:sldMk cId="1160241537" sldId="256"/>
-            <ac:spMk id="367" creationId="{F4C22F3B-FB9B-9308-09F3-2FB2B62FA620}"/>
+            <ac:spMk id="185" creationId="{292B5B58-2FC4-A32B-E7BB-38300C5BBC38}"/>
           </ac:spMkLst>
         </pc:spChg>
-        <pc:spChg chg="del">
-          <ac:chgData name="Barkasi, Michael" userId="604489e9-c8b5-4a18-ae0d-3a3e29c44efc" providerId="ADAL" clId="{F19F6765-F9C2-2F4B-B759-1DC0051C5417}" dt="2025-05-05T18:42:31.305" v="0" actId="478"/>
+        <pc:spChg chg="add mod">
+          <ac:chgData name="Barkasi, Michael" userId="604489e9-c8b5-4a18-ae0d-3a3e29c44efc" providerId="ADAL" clId="{F19F6765-F9C2-2F4B-B759-1DC0051C5417}" dt="2025-05-20T17:13:20.862" v="1243" actId="164"/>
           <ac:spMkLst>
             <pc:docMk/>
             <pc:sldMk cId="1160241537" sldId="256"/>
-            <ac:spMk id="372" creationId="{D0BF1455-2E79-FFD7-87A9-61ADBC848FC6}"/>
+            <ac:spMk id="192" creationId="{DD1375E4-34B2-EE72-C956-1670D95DFA51}"/>
           </ac:spMkLst>
         </pc:spChg>
-        <pc:spChg chg="del">
-          <ac:chgData name="Barkasi, Michael" userId="604489e9-c8b5-4a18-ae0d-3a3e29c44efc" providerId="ADAL" clId="{F19F6765-F9C2-2F4B-B759-1DC0051C5417}" dt="2025-05-05T18:42:31.305" v="0" actId="478"/>
+        <pc:spChg chg="add mod">
+          <ac:chgData name="Barkasi, Michael" userId="604489e9-c8b5-4a18-ae0d-3a3e29c44efc" providerId="ADAL" clId="{F19F6765-F9C2-2F4B-B759-1DC0051C5417}" dt="2025-05-20T17:10:41.666" v="1225"/>
           <ac:spMkLst>
             <pc:docMk/>
             <pc:sldMk cId="1160241537" sldId="256"/>
-            <ac:spMk id="382" creationId="{CC033841-BB8D-857B-FA99-FFD6B744A559}"/>
+            <ac:spMk id="193" creationId="{50B1E969-950D-91CB-53A6-C3E97A6B431E}"/>
           </ac:spMkLst>
         </pc:spChg>
-        <pc:spChg chg="del">
-          <ac:chgData name="Barkasi, Michael" userId="604489e9-c8b5-4a18-ae0d-3a3e29c44efc" providerId="ADAL" clId="{F19F6765-F9C2-2F4B-B759-1DC0051C5417}" dt="2025-05-05T18:42:31.305" v="0" actId="478"/>
+        <pc:spChg chg="add mod">
+          <ac:chgData name="Barkasi, Michael" userId="604489e9-c8b5-4a18-ae0d-3a3e29c44efc" providerId="ADAL" clId="{F19F6765-F9C2-2F4B-B759-1DC0051C5417}" dt="2025-05-20T17:15:26.142" v="1249"/>
           <ac:spMkLst>
             <pc:docMk/>
             <pc:sldMk cId="1160241537" sldId="256"/>
-            <ac:spMk id="387" creationId="{83378D40-C98B-B342-9AD3-C6064275E58F}"/>
+            <ac:spMk id="194" creationId="{D7510943-98D5-B205-C2A0-C0A0077566F8}"/>
           </ac:spMkLst>
         </pc:spChg>
-        <pc:spChg chg="del">
-          <ac:chgData name="Barkasi, Michael" userId="604489e9-c8b5-4a18-ae0d-3a3e29c44efc" providerId="ADAL" clId="{F19F6765-F9C2-2F4B-B759-1DC0051C5417}" dt="2025-05-05T18:42:31.305" v="0" actId="478"/>
+        <pc:spChg chg="add mod">
+          <ac:chgData name="Barkasi, Michael" userId="604489e9-c8b5-4a18-ae0d-3a3e29c44efc" providerId="ADAL" clId="{F19F6765-F9C2-2F4B-B759-1DC0051C5417}" dt="2025-05-20T17:13:20.862" v="1243" actId="164"/>
           <ac:spMkLst>
             <pc:docMk/>
             <pc:sldMk cId="1160241537" sldId="256"/>
-            <ac:spMk id="392" creationId="{47A8D240-36A6-246F-5E31-18BBA477F933}"/>
+            <ac:spMk id="195" creationId="{4C04DCD4-F294-DBBF-DE89-FACEC363BA5E}"/>
+          </ac:spMkLst>
+        </pc:spChg>
+        <pc:spChg chg="add mod">
+          <ac:chgData name="Barkasi, Michael" userId="604489e9-c8b5-4a18-ae0d-3a3e29c44efc" providerId="ADAL" clId="{F19F6765-F9C2-2F4B-B759-1DC0051C5417}" dt="2025-05-20T17:12:57.941" v="1241" actId="164"/>
+          <ac:spMkLst>
+            <pc:docMk/>
+            <pc:sldMk cId="1160241537" sldId="256"/>
+            <ac:spMk id="196" creationId="{94B2DCD7-D35D-F5A8-570B-21B4E35EAD37}"/>
+          </ac:spMkLst>
+        </pc:spChg>
+        <pc:spChg chg="add mod">
+          <ac:chgData name="Barkasi, Michael" userId="604489e9-c8b5-4a18-ae0d-3a3e29c44efc" providerId="ADAL" clId="{F19F6765-F9C2-2F4B-B759-1DC0051C5417}" dt="2025-05-20T17:12:57.941" v="1241" actId="164"/>
+          <ac:spMkLst>
+            <pc:docMk/>
+            <pc:sldMk cId="1160241537" sldId="256"/>
+            <ac:spMk id="197" creationId="{6D7CD4F6-C114-0C27-861E-85CD05973F0C}"/>
+          </ac:spMkLst>
+        </pc:spChg>
+        <pc:spChg chg="add mod">
+          <ac:chgData name="Barkasi, Michael" userId="604489e9-c8b5-4a18-ae0d-3a3e29c44efc" providerId="ADAL" clId="{F19F6765-F9C2-2F4B-B759-1DC0051C5417}" dt="2025-05-20T17:15:26.142" v="1249"/>
+          <ac:spMkLst>
+            <pc:docMk/>
+            <pc:sldMk cId="1160241537" sldId="256"/>
+            <ac:spMk id="198" creationId="{3B8BAC3B-89DB-69AD-8EEE-304EBF3113D4}"/>
           </ac:spMkLst>
         </pc:spChg>
         <pc:grpChg chg="add del mod">
-          <ac:chgData name="Barkasi, Michael" userId="604489e9-c8b5-4a18-ae0d-3a3e29c44efc" providerId="ADAL" clId="{F19F6765-F9C2-2F4B-B759-1DC0051C5417}" dt="2025-05-05T18:42:52.205" v="2" actId="165"/>
+          <ac:chgData name="Barkasi, Michael" userId="604489e9-c8b5-4a18-ae0d-3a3e29c44efc" providerId="ADAL" clId="{F19F6765-F9C2-2F4B-B759-1DC0051C5417}" dt="2025-05-20T14:07:07.134" v="241" actId="165"/>
           <ac:grpSpMkLst>
             <pc:docMk/>
             <pc:sldMk cId="1160241537" sldId="256"/>
-            <ac:grpSpMk id="2" creationId="{99E59B1D-9A3B-88D2-0630-A39582C90776}"/>
+            <ac:grpSpMk id="2" creationId="{BA07E182-16F6-8C15-D158-58B94AD4E86F}"/>
+          </ac:grpSpMkLst>
+        </pc:grpChg>
+        <pc:grpChg chg="add del mod">
+          <ac:chgData name="Barkasi, Michael" userId="604489e9-c8b5-4a18-ae0d-3a3e29c44efc" providerId="ADAL" clId="{F19F6765-F9C2-2F4B-B759-1DC0051C5417}" dt="2025-05-20T15:06:36.646" v="299" actId="478"/>
+          <ac:grpSpMkLst>
+            <pc:docMk/>
+            <pc:sldMk cId="1160241537" sldId="256"/>
+            <ac:grpSpMk id="9" creationId="{21732A3C-C774-15F2-FF32-8E54782CE242}"/>
+          </ac:grpSpMkLst>
+        </pc:grpChg>
+        <pc:grpChg chg="add del mod">
+          <ac:chgData name="Barkasi, Michael" userId="604489e9-c8b5-4a18-ae0d-3a3e29c44efc" providerId="ADAL" clId="{F19F6765-F9C2-2F4B-B759-1DC0051C5417}" dt="2025-05-20T15:06:35.958" v="298" actId="478"/>
+          <ac:grpSpMkLst>
+            <pc:docMk/>
+            <pc:sldMk cId="1160241537" sldId="256"/>
+            <ac:grpSpMk id="10" creationId="{0F694047-C1AC-B54B-A565-5CC22B788BE6}"/>
+          </ac:grpSpMkLst>
+        </pc:grpChg>
+        <pc:grpChg chg="add del mod">
+          <ac:chgData name="Barkasi, Michael" userId="604489e9-c8b5-4a18-ae0d-3a3e29c44efc" providerId="ADAL" clId="{F19F6765-F9C2-2F4B-B759-1DC0051C5417}" dt="2025-05-20T14:22:33.899" v="277" actId="165"/>
+          <ac:grpSpMkLst>
+            <pc:docMk/>
+            <pc:sldMk cId="1160241537" sldId="256"/>
+            <ac:grpSpMk id="14" creationId="{3A385F74-B03A-8AB2-33A2-ADCE967BDAE4}"/>
+          </ac:grpSpMkLst>
+        </pc:grpChg>
+        <pc:grpChg chg="mod topLvl">
+          <ac:chgData name="Barkasi, Michael" userId="604489e9-c8b5-4a18-ae0d-3a3e29c44efc" providerId="ADAL" clId="{F19F6765-F9C2-2F4B-B759-1DC0051C5417}" dt="2025-05-20T16:54:06.374" v="1045" actId="338"/>
+          <ac:grpSpMkLst>
+            <pc:docMk/>
+            <pc:sldMk cId="1160241537" sldId="256"/>
+            <ac:grpSpMk id="16" creationId="{4112BF9C-FBFD-F6FF-1DA6-8D81C6C1BDD8}"/>
+          </ac:grpSpMkLst>
+        </pc:grpChg>
+        <pc:grpChg chg="add mod">
+          <ac:chgData name="Barkasi, Michael" userId="604489e9-c8b5-4a18-ae0d-3a3e29c44efc" providerId="ADAL" clId="{F19F6765-F9C2-2F4B-B759-1DC0051C5417}" dt="2025-05-20T16:39:56.258" v="961" actId="164"/>
+          <ac:grpSpMkLst>
+            <pc:docMk/>
+            <pc:sldMk cId="1160241537" sldId="256"/>
+            <ac:grpSpMk id="25" creationId="{9C0464E5-BF56-6BC8-18D0-430219D1F32C}"/>
+          </ac:grpSpMkLst>
+        </pc:grpChg>
+        <pc:grpChg chg="add mod">
+          <ac:chgData name="Barkasi, Michael" userId="604489e9-c8b5-4a18-ae0d-3a3e29c44efc" providerId="ADAL" clId="{F19F6765-F9C2-2F4B-B759-1DC0051C5417}" dt="2025-05-20T16:39:56.258" v="961" actId="164"/>
+          <ac:grpSpMkLst>
+            <pc:docMk/>
+            <pc:sldMk cId="1160241537" sldId="256"/>
+            <ac:grpSpMk id="37" creationId="{46CC87C5-872E-FF3A-8A85-ADDB3FD4AF80}"/>
+          </ac:grpSpMkLst>
+        </pc:grpChg>
+        <pc:grpChg chg="add mod">
+          <ac:chgData name="Barkasi, Michael" userId="604489e9-c8b5-4a18-ae0d-3a3e29c44efc" providerId="ADAL" clId="{F19F6765-F9C2-2F4B-B759-1DC0051C5417}" dt="2025-05-20T16:39:56.258" v="961" actId="164"/>
+          <ac:grpSpMkLst>
+            <pc:docMk/>
+            <pc:sldMk cId="1160241537" sldId="256"/>
+            <ac:grpSpMk id="38" creationId="{A025C0CE-7EE4-6B2E-7F8C-576D54AD0479}"/>
+          </ac:grpSpMkLst>
+        </pc:grpChg>
+        <pc:grpChg chg="del mod">
+          <ac:chgData name="Barkasi, Michael" userId="604489e9-c8b5-4a18-ae0d-3a3e29c44efc" providerId="ADAL" clId="{F19F6765-F9C2-2F4B-B759-1DC0051C5417}" dt="2025-05-20T15:28:05.260" v="753" actId="478"/>
+          <ac:grpSpMkLst>
+            <pc:docMk/>
+            <pc:sldMk cId="1160241537" sldId="256"/>
+            <ac:grpSpMk id="45" creationId="{4FF82988-8CD1-293B-C955-4394041791E5}"/>
+          </ac:grpSpMkLst>
+        </pc:grpChg>
+        <pc:grpChg chg="add del mod topLvl">
+          <ac:chgData name="Barkasi, Michael" userId="604489e9-c8b5-4a18-ae0d-3a3e29c44efc" providerId="ADAL" clId="{F19F6765-F9C2-2F4B-B759-1DC0051C5417}" dt="2025-05-20T16:28:13.670" v="928" actId="165"/>
+          <ac:grpSpMkLst>
+            <pc:docMk/>
+            <pc:sldMk cId="1160241537" sldId="256"/>
+            <ac:grpSpMk id="48" creationId="{E9AC409A-1903-5BD4-6A45-355D4B527312}"/>
+          </ac:grpSpMkLst>
+        </pc:grpChg>
+        <pc:grpChg chg="add mod">
+          <ac:chgData name="Barkasi, Michael" userId="604489e9-c8b5-4a18-ae0d-3a3e29c44efc" providerId="ADAL" clId="{F19F6765-F9C2-2F4B-B759-1DC0051C5417}" dt="2025-05-20T15:26:10.507" v="748" actId="164"/>
+          <ac:grpSpMkLst>
+            <pc:docMk/>
+            <pc:sldMk cId="1160241537" sldId="256"/>
+            <ac:grpSpMk id="51" creationId="{91B13722-EE3D-923C-F3FF-57665BF6331A}"/>
+          </ac:grpSpMkLst>
+        </pc:grpChg>
+        <pc:grpChg chg="add del mod topLvl">
+          <ac:chgData name="Barkasi, Michael" userId="604489e9-c8b5-4a18-ae0d-3a3e29c44efc" providerId="ADAL" clId="{F19F6765-F9C2-2F4B-B759-1DC0051C5417}" dt="2025-05-20T16:28:58.560" v="936" actId="165"/>
+          <ac:grpSpMkLst>
+            <pc:docMk/>
+            <pc:sldMk cId="1160241537" sldId="256"/>
+            <ac:grpSpMk id="69" creationId="{2792B2B5-C974-63DF-1604-4D304CF4D80A}"/>
+          </ac:grpSpMkLst>
+        </pc:grpChg>
+        <pc:grpChg chg="add mod">
+          <ac:chgData name="Barkasi, Michael" userId="604489e9-c8b5-4a18-ae0d-3a3e29c44efc" providerId="ADAL" clId="{F19F6765-F9C2-2F4B-B759-1DC0051C5417}" dt="2025-05-20T15:26:10.507" v="748" actId="164"/>
+          <ac:grpSpMkLst>
+            <pc:docMk/>
+            <pc:sldMk cId="1160241537" sldId="256"/>
+            <ac:grpSpMk id="70" creationId="{B8BA9937-4DFE-ABE8-3996-476C1E3F9274}"/>
+          </ac:grpSpMkLst>
+        </pc:grpChg>
+        <pc:grpChg chg="add del mod">
+          <ac:chgData name="Barkasi, Michael" userId="604489e9-c8b5-4a18-ae0d-3a3e29c44efc" providerId="ADAL" clId="{F19F6765-F9C2-2F4B-B759-1DC0051C5417}" dt="2025-05-20T16:28:08.062" v="927" actId="165"/>
+          <ac:grpSpMkLst>
+            <pc:docMk/>
+            <pc:sldMk cId="1160241537" sldId="256"/>
+            <ac:grpSpMk id="80" creationId="{E3A00164-5450-BD68-5D71-E5BB80E7835D}"/>
+          </ac:grpSpMkLst>
+        </pc:grpChg>
+        <pc:grpChg chg="add del mod">
+          <ac:chgData name="Barkasi, Michael" userId="604489e9-c8b5-4a18-ae0d-3a3e29c44efc" providerId="ADAL" clId="{F19F6765-F9C2-2F4B-B759-1DC0051C5417}" dt="2025-05-20T16:30:13.999" v="943" actId="478"/>
+          <ac:grpSpMkLst>
+            <pc:docMk/>
+            <pc:sldMk cId="1160241537" sldId="256"/>
+            <ac:grpSpMk id="83" creationId="{188D050E-0A2F-7A81-74CA-4304FC2D8D7D}"/>
+          </ac:grpSpMkLst>
+        </pc:grpChg>
+        <pc:grpChg chg="add mod">
+          <ac:chgData name="Barkasi, Michael" userId="604489e9-c8b5-4a18-ae0d-3a3e29c44efc" providerId="ADAL" clId="{F19F6765-F9C2-2F4B-B759-1DC0051C5417}" dt="2025-05-20T16:47:23.345" v="1004" actId="164"/>
+          <ac:grpSpMkLst>
+            <pc:docMk/>
+            <pc:sldMk cId="1160241537" sldId="256"/>
+            <ac:grpSpMk id="86" creationId="{71E1B3D1-DC81-EDD7-7C52-3DBB70FED54F}"/>
+          </ac:grpSpMkLst>
+        </pc:grpChg>
+        <pc:grpChg chg="add del mod">
+          <ac:chgData name="Barkasi, Michael" userId="604489e9-c8b5-4a18-ae0d-3a3e29c44efc" providerId="ADAL" clId="{F19F6765-F9C2-2F4B-B759-1DC0051C5417}" dt="2025-05-20T16:25:49.411" v="916" actId="478"/>
+          <ac:grpSpMkLst>
+            <pc:docMk/>
+            <pc:sldMk cId="1160241537" sldId="256"/>
+            <ac:grpSpMk id="95" creationId="{310227D5-968F-31E3-5605-7E727D6FF2DB}"/>
+          </ac:grpSpMkLst>
+        </pc:grpChg>
+        <pc:grpChg chg="del mod">
+          <ac:chgData name="Barkasi, Michael" userId="604489e9-c8b5-4a18-ae0d-3a3e29c44efc" providerId="ADAL" clId="{F19F6765-F9C2-2F4B-B759-1DC0051C5417}" dt="2025-05-20T15:28:07.494" v="754" actId="478"/>
+          <ac:grpSpMkLst>
+            <pc:docMk/>
+            <pc:sldMk cId="1160241537" sldId="256"/>
+            <ac:grpSpMk id="101" creationId="{289FB2F7-62B1-6DC0-4D26-83891CDF8F1C}"/>
+          </ac:grpSpMkLst>
+        </pc:grpChg>
+        <pc:grpChg chg="add del mod">
+          <ac:chgData name="Barkasi, Michael" userId="604489e9-c8b5-4a18-ae0d-3a3e29c44efc" providerId="ADAL" clId="{F19F6765-F9C2-2F4B-B759-1DC0051C5417}" dt="2025-05-20T16:25:44.117" v="912" actId="478"/>
+          <ac:grpSpMkLst>
+            <pc:docMk/>
+            <pc:sldMk cId="1160241537" sldId="256"/>
+            <ac:grpSpMk id="105" creationId="{59CA3A4D-5CCC-CB67-181C-FD7258AD9394}"/>
+          </ac:grpSpMkLst>
+        </pc:grpChg>
+        <pc:grpChg chg="add del mod">
+          <ac:chgData name="Barkasi, Michael" userId="604489e9-c8b5-4a18-ae0d-3a3e29c44efc" providerId="ADAL" clId="{F19F6765-F9C2-2F4B-B759-1DC0051C5417}" dt="2025-05-20T16:13:59.867" v="774" actId="478"/>
+          <ac:grpSpMkLst>
+            <pc:docMk/>
+            <pc:sldMk cId="1160241537" sldId="256"/>
+            <ac:grpSpMk id="108" creationId="{460F4209-DF46-4219-1E84-90F92FB6F006}"/>
+          </ac:grpSpMkLst>
+        </pc:grpChg>
+        <pc:grpChg chg="add del mod topLvl">
+          <ac:chgData name="Barkasi, Michael" userId="604489e9-c8b5-4a18-ae0d-3a3e29c44efc" providerId="ADAL" clId="{F19F6765-F9C2-2F4B-B759-1DC0051C5417}" dt="2025-05-20T16:17:12.118" v="787" actId="164"/>
+          <ac:grpSpMkLst>
+            <pc:docMk/>
+            <pc:sldMk cId="1160241537" sldId="256"/>
+            <ac:grpSpMk id="111" creationId="{64F0C550-ECCD-28B9-5466-2F47BCEF0238}"/>
+          </ac:grpSpMkLst>
+        </pc:grpChg>
+        <pc:grpChg chg="del mod">
+          <ac:chgData name="Barkasi, Michael" userId="604489e9-c8b5-4a18-ae0d-3a3e29c44efc" providerId="ADAL" clId="{F19F6765-F9C2-2F4B-B759-1DC0051C5417}" dt="2025-05-20T16:13:56.976" v="773" actId="478"/>
+          <ac:grpSpMkLst>
+            <pc:docMk/>
+            <pc:sldMk cId="1160241537" sldId="256"/>
+            <ac:grpSpMk id="112" creationId="{40A51AEE-D750-5580-9196-095316E54B43}"/>
+          </ac:grpSpMkLst>
+        </pc:grpChg>
+        <pc:grpChg chg="add mod">
+          <ac:chgData name="Barkasi, Michael" userId="604489e9-c8b5-4a18-ae0d-3a3e29c44efc" providerId="ADAL" clId="{F19F6765-F9C2-2F4B-B759-1DC0051C5417}" dt="2025-05-20T16:46:53.879" v="1002" actId="164"/>
+          <ac:grpSpMkLst>
+            <pc:docMk/>
+            <pc:sldMk cId="1160241537" sldId="256"/>
+            <ac:grpSpMk id="119" creationId="{D0A8173B-3F57-ABDF-96D0-40DADB369986}"/>
+          </ac:grpSpMkLst>
+        </pc:grpChg>
+        <pc:grpChg chg="add del mod">
+          <ac:chgData name="Barkasi, Michael" userId="604489e9-c8b5-4a18-ae0d-3a3e29c44efc" providerId="ADAL" clId="{F19F6765-F9C2-2F4B-B759-1DC0051C5417}" dt="2025-05-20T16:43:47.853" v="977" actId="165"/>
+          <ac:grpSpMkLst>
+            <pc:docMk/>
+            <pc:sldMk cId="1160241537" sldId="256"/>
+            <ac:grpSpMk id="120" creationId="{A83F168B-92D8-10B7-612B-B7EF9ED1963C}"/>
           </ac:grpSpMkLst>
         </pc:grpChg>
         <pc:grpChg chg="del mod topLvl">
-          <ac:chgData name="Barkasi, Michael" userId="604489e9-c8b5-4a18-ae0d-3a3e29c44efc" providerId="ADAL" clId="{F19F6765-F9C2-2F4B-B759-1DC0051C5417}" dt="2025-05-05T18:43:01.917" v="6" actId="165"/>
+          <ac:chgData name="Barkasi, Michael" userId="604489e9-c8b5-4a18-ae0d-3a3e29c44efc" providerId="ADAL" clId="{F19F6765-F9C2-2F4B-B759-1DC0051C5417}" dt="2025-05-20T16:43:53.307" v="979" actId="478"/>
           <ac:grpSpMkLst>
             <pc:docMk/>
             <pc:sldMk cId="1160241537" sldId="256"/>
-            <ac:grpSpMk id="3" creationId="{9CB92955-812B-32B0-44B1-9ADAA7A999B1}"/>
-          </ac:grpSpMkLst>
-        </pc:grpChg>
-        <pc:grpChg chg="mod topLvl">
-          <ac:chgData name="Barkasi, Michael" userId="604489e9-c8b5-4a18-ae0d-3a3e29c44efc" providerId="ADAL" clId="{F19F6765-F9C2-2F4B-B759-1DC0051C5417}" dt="2025-05-05T18:46:56.125" v="28" actId="1076"/>
-          <ac:grpSpMkLst>
-            <pc:docMk/>
-            <pc:sldMk cId="1160241537" sldId="256"/>
-            <ac:grpSpMk id="16" creationId="{4112BF9C-FBFD-F6FF-1DA6-8D81C6C1BDD8}"/>
+            <ac:grpSpMk id="121" creationId="{38C3E24F-D685-8B24-A528-AF54904EA22A}"/>
           </ac:grpSpMkLst>
         </pc:grpChg>
         <pc:grpChg chg="add del mod">
-          <ac:chgData name="Barkasi, Michael" userId="604489e9-c8b5-4a18-ae0d-3a3e29c44efc" providerId="ADAL" clId="{F19F6765-F9C2-2F4B-B759-1DC0051C5417}" dt="2025-05-05T18:45:18.126" v="11" actId="165"/>
+          <ac:chgData name="Barkasi, Michael" userId="604489e9-c8b5-4a18-ae0d-3a3e29c44efc" providerId="ADAL" clId="{F19F6765-F9C2-2F4B-B759-1DC0051C5417}" dt="2025-05-20T16:26:13.532" v="918" actId="478"/>
           <ac:grpSpMkLst>
             <pc:docMk/>
             <pc:sldMk cId="1160241537" sldId="256"/>
-            <ac:grpSpMk id="29" creationId="{9153AD00-8DE2-C198-EDC0-2E46C0B835DF}"/>
+            <ac:grpSpMk id="125" creationId="{0DCB5A39-A1BF-4DFD-A454-C8FE8C59B17E}"/>
           </ac:grpSpMkLst>
         </pc:grpChg>
-        <pc:grpChg chg="mod">
-          <ac:chgData name="Barkasi, Michael" userId="604489e9-c8b5-4a18-ae0d-3a3e29c44efc" providerId="ADAL" clId="{F19F6765-F9C2-2F4B-B759-1DC0051C5417}" dt="2025-05-05T22:07:37.363" v="233" actId="1076"/>
+        <pc:grpChg chg="add del mod">
+          <ac:chgData name="Barkasi, Michael" userId="604489e9-c8b5-4a18-ae0d-3a3e29c44efc" providerId="ADAL" clId="{F19F6765-F9C2-2F4B-B759-1DC0051C5417}" dt="2025-05-20T16:26:13.532" v="918" actId="478"/>
           <ac:grpSpMkLst>
             <pc:docMk/>
             <pc:sldMk cId="1160241537" sldId="256"/>
-            <ac:grpSpMk id="45" creationId="{4FF82988-8CD1-293B-C955-4394041791E5}"/>
+            <ac:grpSpMk id="128" creationId="{A6857E31-146E-E17B-5FE0-B2F10D4ED9CF}"/>
           </ac:grpSpMkLst>
         </pc:grpChg>
-        <pc:grpChg chg="mod">
-          <ac:chgData name="Barkasi, Michael" userId="604489e9-c8b5-4a18-ae0d-3a3e29c44efc" providerId="ADAL" clId="{F19F6765-F9C2-2F4B-B759-1DC0051C5417}" dt="2025-05-05T18:50:48.756" v="88" actId="1076"/>
+        <pc:grpChg chg="add mod">
+          <ac:chgData name="Barkasi, Michael" userId="604489e9-c8b5-4a18-ae0d-3a3e29c44efc" providerId="ADAL" clId="{F19F6765-F9C2-2F4B-B759-1DC0051C5417}" dt="2025-05-20T16:47:23.345" v="1004" actId="164"/>
           <ac:grpSpMkLst>
             <pc:docMk/>
             <pc:sldMk cId="1160241537" sldId="256"/>
-            <ac:grpSpMk id="68" creationId="{D3EDAE39-25BE-88A8-12BB-B59A99F9C6FB}"/>
+            <ac:grpSpMk id="131" creationId="{76AAE9F0-9A16-40E0-25EB-09E2701D4BBC}"/>
           </ac:grpSpMkLst>
         </pc:grpChg>
-        <pc:grpChg chg="mod">
-          <ac:chgData name="Barkasi, Michael" userId="604489e9-c8b5-4a18-ae0d-3a3e29c44efc" providerId="ADAL" clId="{F19F6765-F9C2-2F4B-B759-1DC0051C5417}" dt="2025-05-05T22:07:37.363" v="233" actId="1076"/>
+        <pc:grpChg chg="add mod">
+          <ac:chgData name="Barkasi, Michael" userId="604489e9-c8b5-4a18-ae0d-3a3e29c44efc" providerId="ADAL" clId="{F19F6765-F9C2-2F4B-B759-1DC0051C5417}" dt="2025-05-20T16:47:23.345" v="1004" actId="164"/>
           <ac:grpSpMkLst>
             <pc:docMk/>
             <pc:sldMk cId="1160241537" sldId="256"/>
-            <ac:grpSpMk id="101" creationId="{289FB2F7-62B1-6DC0-4D26-83891CDF8F1C}"/>
+            <ac:grpSpMk id="134" creationId="{0E3CC465-6D9A-BA27-66D0-A50753484861}"/>
           </ac:grpSpMkLst>
         </pc:grpChg>
-        <pc:picChg chg="del mod topLvl">
-          <ac:chgData name="Barkasi, Michael" userId="604489e9-c8b5-4a18-ae0d-3a3e29c44efc" providerId="ADAL" clId="{F19F6765-F9C2-2F4B-B759-1DC0051C5417}" dt="2025-05-05T18:42:54.783" v="3" actId="478"/>
+        <pc:grpChg chg="add mod">
+          <ac:chgData name="Barkasi, Michael" userId="604489e9-c8b5-4a18-ae0d-3a3e29c44efc" providerId="ADAL" clId="{F19F6765-F9C2-2F4B-B759-1DC0051C5417}" dt="2025-05-20T16:39:56.258" v="961" actId="164"/>
+          <ac:grpSpMkLst>
+            <pc:docMk/>
+            <pc:sldMk cId="1160241537" sldId="256"/>
+            <ac:grpSpMk id="142" creationId="{3A008576-BADA-58D0-E0DC-5FFA225BD27D}"/>
+          </ac:grpSpMkLst>
+        </pc:grpChg>
+        <pc:grpChg chg="add mod">
+          <ac:chgData name="Barkasi, Michael" userId="604489e9-c8b5-4a18-ae0d-3a3e29c44efc" providerId="ADAL" clId="{F19F6765-F9C2-2F4B-B759-1DC0051C5417}" dt="2025-05-20T16:39:56.258" v="961" actId="164"/>
+          <ac:grpSpMkLst>
+            <pc:docMk/>
+            <pc:sldMk cId="1160241537" sldId="256"/>
+            <ac:grpSpMk id="143" creationId="{B01C5DC6-D44F-B272-A2A1-249EEC3FF885}"/>
+          </ac:grpSpMkLst>
+        </pc:grpChg>
+        <pc:grpChg chg="add del mod">
+          <ac:chgData name="Barkasi, Michael" userId="604489e9-c8b5-4a18-ae0d-3a3e29c44efc" providerId="ADAL" clId="{F19F6765-F9C2-2F4B-B759-1DC0051C5417}" dt="2025-05-20T16:51:20.404" v="1032" actId="165"/>
+          <ac:grpSpMkLst>
+            <pc:docMk/>
+            <pc:sldMk cId="1160241537" sldId="256"/>
+            <ac:grpSpMk id="144" creationId="{DC4C44C4-8BDE-7C63-6E9C-3594773BCB94}"/>
+          </ac:grpSpMkLst>
+        </pc:grpChg>
+        <pc:grpChg chg="add mod">
+          <ac:chgData name="Barkasi, Michael" userId="604489e9-c8b5-4a18-ae0d-3a3e29c44efc" providerId="ADAL" clId="{F19F6765-F9C2-2F4B-B759-1DC0051C5417}" dt="2025-05-20T17:06:57.009" v="1197" actId="164"/>
+          <ac:grpSpMkLst>
+            <pc:docMk/>
+            <pc:sldMk cId="1160241537" sldId="256"/>
+            <ac:grpSpMk id="145" creationId="{95C3F5A5-58AA-8C23-6C90-A93557A95D43}"/>
+          </ac:grpSpMkLst>
+        </pc:grpChg>
+        <pc:grpChg chg="add mod">
+          <ac:chgData name="Barkasi, Michael" userId="604489e9-c8b5-4a18-ae0d-3a3e29c44efc" providerId="ADAL" clId="{F19F6765-F9C2-2F4B-B759-1DC0051C5417}" dt="2025-05-20T16:42:42.731" v="975" actId="1076"/>
+          <ac:grpSpMkLst>
+            <pc:docMk/>
+            <pc:sldMk cId="1160241537" sldId="256"/>
+            <ac:grpSpMk id="146" creationId="{78EC8A49-3900-AB80-2701-935D4D3CADE8}"/>
+          </ac:grpSpMkLst>
+        </pc:grpChg>
+        <pc:grpChg chg="add mod">
+          <ac:chgData name="Barkasi, Michael" userId="604489e9-c8b5-4a18-ae0d-3a3e29c44efc" providerId="ADAL" clId="{F19F6765-F9C2-2F4B-B759-1DC0051C5417}" dt="2025-05-20T16:47:23.345" v="1004" actId="164"/>
+          <ac:grpSpMkLst>
+            <pc:docMk/>
+            <pc:sldMk cId="1160241537" sldId="256"/>
+            <ac:grpSpMk id="155" creationId="{84B6E706-79B8-7A95-0953-3AD1938BC187}"/>
+          </ac:grpSpMkLst>
+        </pc:grpChg>
+        <pc:grpChg chg="add mod">
+          <ac:chgData name="Barkasi, Michael" userId="604489e9-c8b5-4a18-ae0d-3a3e29c44efc" providerId="ADAL" clId="{F19F6765-F9C2-2F4B-B759-1DC0051C5417}" dt="2025-05-20T17:07:04.330" v="1198" actId="164"/>
+          <ac:grpSpMkLst>
+            <pc:docMk/>
+            <pc:sldMk cId="1160241537" sldId="256"/>
+            <ac:grpSpMk id="156" creationId="{6F21B6B4-01CE-6FD0-73DE-9177204423B2}"/>
+          </ac:grpSpMkLst>
+        </pc:grpChg>
+        <pc:grpChg chg="add mod">
+          <ac:chgData name="Barkasi, Michael" userId="604489e9-c8b5-4a18-ae0d-3a3e29c44efc" providerId="ADAL" clId="{F19F6765-F9C2-2F4B-B759-1DC0051C5417}" dt="2025-05-20T16:49:58.682" v="1018" actId="1076"/>
+          <ac:grpSpMkLst>
+            <pc:docMk/>
+            <pc:sldMk cId="1160241537" sldId="256"/>
+            <ac:grpSpMk id="160" creationId="{E0A1B6D8-AFE8-07F3-9DC1-347125AFF7D2}"/>
+          </ac:grpSpMkLst>
+        </pc:grpChg>
+        <pc:grpChg chg="add del mod">
+          <ac:chgData name="Barkasi, Michael" userId="604489e9-c8b5-4a18-ae0d-3a3e29c44efc" providerId="ADAL" clId="{F19F6765-F9C2-2F4B-B759-1DC0051C5417}" dt="2025-05-20T16:53:33.141" v="1043" actId="165"/>
+          <ac:grpSpMkLst>
+            <pc:docMk/>
+            <pc:sldMk cId="1160241537" sldId="256"/>
+            <ac:grpSpMk id="163" creationId="{9D94A2AD-4649-965D-1778-CFE6F51B117D}"/>
+          </ac:grpSpMkLst>
+        </pc:grpChg>
+        <pc:grpChg chg="add mod">
+          <ac:chgData name="Barkasi, Michael" userId="604489e9-c8b5-4a18-ae0d-3a3e29c44efc" providerId="ADAL" clId="{F19F6765-F9C2-2F4B-B759-1DC0051C5417}" dt="2025-05-20T17:06:07.899" v="1190" actId="164"/>
+          <ac:grpSpMkLst>
+            <pc:docMk/>
+            <pc:sldMk cId="1160241537" sldId="256"/>
+            <ac:grpSpMk id="164" creationId="{32D46C8E-17F8-6B0C-2559-3712748258FD}"/>
+          </ac:grpSpMkLst>
+        </pc:grpChg>
+        <pc:grpChg chg="add mod">
+          <ac:chgData name="Barkasi, Michael" userId="604489e9-c8b5-4a18-ae0d-3a3e29c44efc" providerId="ADAL" clId="{F19F6765-F9C2-2F4B-B759-1DC0051C5417}" dt="2025-05-20T16:52:18.390" v="1036" actId="164"/>
+          <ac:grpSpMkLst>
+            <pc:docMk/>
+            <pc:sldMk cId="1160241537" sldId="256"/>
+            <ac:grpSpMk id="165" creationId="{44511EF5-C7DD-037F-95BC-55F67FFA6B30}"/>
+          </ac:grpSpMkLst>
+        </pc:grpChg>
+        <pc:grpChg chg="add mod">
+          <ac:chgData name="Barkasi, Michael" userId="604489e9-c8b5-4a18-ae0d-3a3e29c44efc" providerId="ADAL" clId="{F19F6765-F9C2-2F4B-B759-1DC0051C5417}" dt="2025-05-20T17:06:01.741" v="1189" actId="164"/>
+          <ac:grpSpMkLst>
+            <pc:docMk/>
+            <pc:sldMk cId="1160241537" sldId="256"/>
+            <ac:grpSpMk id="167" creationId="{36DE713A-8CF2-594A-44D7-52E4BBCFA18A}"/>
+          </ac:grpSpMkLst>
+        </pc:grpChg>
+        <pc:grpChg chg="add mod">
+          <ac:chgData name="Barkasi, Michael" userId="604489e9-c8b5-4a18-ae0d-3a3e29c44efc" providerId="ADAL" clId="{F19F6765-F9C2-2F4B-B759-1DC0051C5417}" dt="2025-05-20T16:54:29.556" v="1046" actId="164"/>
+          <ac:grpSpMkLst>
+            <pc:docMk/>
+            <pc:sldMk cId="1160241537" sldId="256"/>
+            <ac:grpSpMk id="168" creationId="{3CCA89CF-1C95-F7A0-0A72-457901BC30C4}"/>
+          </ac:grpSpMkLst>
+        </pc:grpChg>
+        <pc:grpChg chg="add mod">
+          <ac:chgData name="Barkasi, Michael" userId="604489e9-c8b5-4a18-ae0d-3a3e29c44efc" providerId="ADAL" clId="{F19F6765-F9C2-2F4B-B759-1DC0051C5417}" dt="2025-05-20T17:15:58.539" v="1252" actId="1076"/>
+          <ac:grpSpMkLst>
+            <pc:docMk/>
+            <pc:sldMk cId="1160241537" sldId="256"/>
+            <ac:grpSpMk id="186" creationId="{E341C37D-6060-D94A-DECD-063F334E4673}"/>
+          </ac:grpSpMkLst>
+        </pc:grpChg>
+        <pc:grpChg chg="add mod">
+          <ac:chgData name="Barkasi, Michael" userId="604489e9-c8b5-4a18-ae0d-3a3e29c44efc" providerId="ADAL" clId="{F19F6765-F9C2-2F4B-B759-1DC0051C5417}" dt="2025-05-20T17:06:07.899" v="1190" actId="164"/>
+          <ac:grpSpMkLst>
+            <pc:docMk/>
+            <pc:sldMk cId="1160241537" sldId="256"/>
+            <ac:grpSpMk id="187" creationId="{7152DFDF-957D-C7C6-FE25-440B9B5E1DF8}"/>
+          </ac:grpSpMkLst>
+        </pc:grpChg>
+        <pc:grpChg chg="add mod">
+          <ac:chgData name="Barkasi, Michael" userId="604489e9-c8b5-4a18-ae0d-3a3e29c44efc" providerId="ADAL" clId="{F19F6765-F9C2-2F4B-B759-1DC0051C5417}" dt="2025-05-20T17:15:58.539" v="1252" actId="1076"/>
+          <ac:grpSpMkLst>
+            <pc:docMk/>
+            <pc:sldMk cId="1160241537" sldId="256"/>
+            <ac:grpSpMk id="188" creationId="{E40BF04C-D254-2888-5982-D8F51CE558C0}"/>
+          </ac:grpSpMkLst>
+        </pc:grpChg>
+        <pc:grpChg chg="add mod">
+          <ac:chgData name="Barkasi, Michael" userId="604489e9-c8b5-4a18-ae0d-3a3e29c44efc" providerId="ADAL" clId="{F19F6765-F9C2-2F4B-B759-1DC0051C5417}" dt="2025-05-20T17:15:58.539" v="1252" actId="1076"/>
+          <ac:grpSpMkLst>
+            <pc:docMk/>
+            <pc:sldMk cId="1160241537" sldId="256"/>
+            <ac:grpSpMk id="189" creationId="{84B508D5-4790-168B-0F85-F57F9D5430A9}"/>
+          </ac:grpSpMkLst>
+        </pc:grpChg>
+        <pc:grpChg chg="add mod">
+          <ac:chgData name="Barkasi, Michael" userId="604489e9-c8b5-4a18-ae0d-3a3e29c44efc" providerId="ADAL" clId="{F19F6765-F9C2-2F4B-B759-1DC0051C5417}" dt="2025-05-20T17:15:58.539" v="1252" actId="1076"/>
+          <ac:grpSpMkLst>
+            <pc:docMk/>
+            <pc:sldMk cId="1160241537" sldId="256"/>
+            <ac:grpSpMk id="199" creationId="{638CAE59-3ACA-31DE-F1ED-D412BA9E80F5}"/>
+          </ac:grpSpMkLst>
+        </pc:grpChg>
+        <pc:grpChg chg="add mod">
+          <ac:chgData name="Barkasi, Michael" userId="604489e9-c8b5-4a18-ae0d-3a3e29c44efc" providerId="ADAL" clId="{F19F6765-F9C2-2F4B-B759-1DC0051C5417}" dt="2025-05-20T17:15:58.539" v="1252" actId="1076"/>
+          <ac:grpSpMkLst>
+            <pc:docMk/>
+            <pc:sldMk cId="1160241537" sldId="256"/>
+            <ac:grpSpMk id="200" creationId="{62FF7366-DFD8-D478-5CEC-9F314A591E3D}"/>
+          </ac:grpSpMkLst>
+        </pc:grpChg>
+        <pc:picChg chg="mod topLvl">
+          <ac:chgData name="Barkasi, Michael" userId="604489e9-c8b5-4a18-ae0d-3a3e29c44efc" providerId="ADAL" clId="{F19F6765-F9C2-2F4B-B759-1DC0051C5417}" dt="2025-05-20T16:54:06.374" v="1045" actId="338"/>
           <ac:picMkLst>
             <pc:docMk/>
             <pc:sldMk cId="1160241537" sldId="256"/>
-            <ac:picMk id="11" creationId="{F35A443D-0281-D8B6-2B6A-55ECB33D07ED}"/>
+            <ac:picMk id="3" creationId="{E3A423F9-121E-9144-389D-86BF08D82B70}"/>
           </ac:picMkLst>
         </pc:picChg>
         <pc:picChg chg="del mod topLvl">
-          <ac:chgData name="Barkasi, Michael" userId="604489e9-c8b5-4a18-ae0d-3a3e29c44efc" providerId="ADAL" clId="{F19F6765-F9C2-2F4B-B759-1DC0051C5417}" dt="2025-05-05T18:42:55.730" v="4" actId="478"/>
+          <ac:chgData name="Barkasi, Michael" userId="604489e9-c8b5-4a18-ae0d-3a3e29c44efc" providerId="ADAL" clId="{F19F6765-F9C2-2F4B-B759-1DC0051C5417}" dt="2025-05-20T15:28:12.306" v="758" actId="478"/>
           <ac:picMkLst>
             <pc:docMk/>
             <pc:sldMk cId="1160241537" sldId="256"/>
-            <ac:picMk id="15" creationId="{5BA6DBDC-7D79-BD91-219F-0030AD690F81}"/>
+            <ac:picMk id="4" creationId="{A81ED27C-7B60-F674-81BF-00C2CE97DB0A}"/>
           </ac:picMkLst>
         </pc:picChg>
-        <pc:picChg chg="mod topLvl">
-          <ac:chgData name="Barkasi, Michael" userId="604489e9-c8b5-4a18-ae0d-3a3e29c44efc" providerId="ADAL" clId="{F19F6765-F9C2-2F4B-B759-1DC0051C5417}" dt="2025-05-05T18:52:41.622" v="113" actId="1076"/>
+        <pc:picChg chg="del mod topLvl">
+          <ac:chgData name="Barkasi, Michael" userId="604489e9-c8b5-4a18-ae0d-3a3e29c44efc" providerId="ADAL" clId="{F19F6765-F9C2-2F4B-B759-1DC0051C5417}" dt="2025-05-20T15:28:19.113" v="763" actId="478"/>
+          <ac:picMkLst>
+            <pc:docMk/>
+            <pc:sldMk cId="1160241537" sldId="256"/>
+            <ac:picMk id="5" creationId="{F149C215-0B00-0C7B-AD6B-9441C3814BA7}"/>
+          </ac:picMkLst>
+        </pc:picChg>
+        <pc:picChg chg="del mod topLvl">
+          <ac:chgData name="Barkasi, Michael" userId="604489e9-c8b5-4a18-ae0d-3a3e29c44efc" providerId="ADAL" clId="{F19F6765-F9C2-2F4B-B759-1DC0051C5417}" dt="2025-05-20T15:28:12.943" v="759" actId="478"/>
+          <ac:picMkLst>
+            <pc:docMk/>
+            <pc:sldMk cId="1160241537" sldId="256"/>
+            <ac:picMk id="6" creationId="{AD851FCB-E838-2B09-F97C-7929B3AF17D7}"/>
+          </ac:picMkLst>
+        </pc:picChg>
+        <pc:picChg chg="add mod topLvl">
+          <ac:chgData name="Barkasi, Michael" userId="604489e9-c8b5-4a18-ae0d-3a3e29c44efc" providerId="ADAL" clId="{F19F6765-F9C2-2F4B-B759-1DC0051C5417}" dt="2025-05-20T16:54:06.374" v="1045" actId="338"/>
+          <ac:picMkLst>
+            <pc:docMk/>
+            <pc:sldMk cId="1160241537" sldId="256"/>
+            <ac:picMk id="12" creationId="{9C39DF87-DE4F-0F20-9282-C0EF4BBF038B}"/>
+          </ac:picMkLst>
+        </pc:picChg>
+        <pc:picChg chg="add mod topLvl">
+          <ac:chgData name="Barkasi, Michael" userId="604489e9-c8b5-4a18-ae0d-3a3e29c44efc" providerId="ADAL" clId="{F19F6765-F9C2-2F4B-B759-1DC0051C5417}" dt="2025-05-20T16:54:06.374" v="1045" actId="338"/>
+          <ac:picMkLst>
+            <pc:docMk/>
+            <pc:sldMk cId="1160241537" sldId="256"/>
+            <ac:picMk id="13" creationId="{997B0F20-AB6A-106F-B24A-0604B016B50A}"/>
+          </ac:picMkLst>
+        </pc:picChg>
+        <pc:picChg chg="del mod topLvl">
+          <ac:chgData name="Barkasi, Michael" userId="604489e9-c8b5-4a18-ae0d-3a3e29c44efc" providerId="ADAL" clId="{F19F6765-F9C2-2F4B-B759-1DC0051C5417}" dt="2025-05-20T15:06:33.033" v="297" actId="478"/>
+          <ac:picMkLst>
+            <pc:docMk/>
+            <pc:sldMk cId="1160241537" sldId="256"/>
+            <ac:picMk id="15" creationId="{6301C614-CA11-C6EF-967C-1FD0120BE8A4}"/>
+          </ac:picMkLst>
+        </pc:picChg>
+        <pc:picChg chg="add mod">
+          <ac:chgData name="Barkasi, Michael" userId="604489e9-c8b5-4a18-ae0d-3a3e29c44efc" providerId="ADAL" clId="{F19F6765-F9C2-2F4B-B759-1DC0051C5417}" dt="2025-05-20T15:09:43.089" v="692" actId="164"/>
+          <ac:picMkLst>
+            <pc:docMk/>
+            <pc:sldMk cId="1160241537" sldId="256"/>
+            <ac:picMk id="20" creationId="{141E12E8-8546-E0CF-D1D5-547DD97B3731}"/>
+          </ac:picMkLst>
+        </pc:picChg>
+        <pc:picChg chg="add del mod">
+          <ac:chgData name="Barkasi, Michael" userId="604489e9-c8b5-4a18-ae0d-3a3e29c44efc" providerId="ADAL" clId="{F19F6765-F9C2-2F4B-B759-1DC0051C5417}" dt="2025-05-20T15:04:15.403" v="290" actId="478"/>
+          <ac:picMkLst>
+            <pc:docMk/>
+            <pc:sldMk cId="1160241537" sldId="256"/>
+            <ac:picMk id="22" creationId="{0E742206-F595-502E-A900-AB64DE290D15}"/>
+          </ac:picMkLst>
+        </pc:picChg>
+        <pc:picChg chg="add mod">
+          <ac:chgData name="Barkasi, Michael" userId="604489e9-c8b5-4a18-ae0d-3a3e29c44efc" providerId="ADAL" clId="{F19F6765-F9C2-2F4B-B759-1DC0051C5417}" dt="2025-05-20T15:10:22.157" v="697" actId="164"/>
+          <ac:picMkLst>
+            <pc:docMk/>
+            <pc:sldMk cId="1160241537" sldId="256"/>
+            <ac:picMk id="23" creationId="{0D6163F7-F13D-70A1-591D-3B2B9CB653DE}"/>
+          </ac:picMkLst>
+        </pc:picChg>
+        <pc:picChg chg="del mod topLvl">
+          <ac:chgData name="Barkasi, Michael" userId="604489e9-c8b5-4a18-ae0d-3a3e29c44efc" providerId="ADAL" clId="{F19F6765-F9C2-2F4B-B759-1DC0051C5417}" dt="2025-05-20T14:14:05.673" v="270" actId="478"/>
           <ac:picMkLst>
             <pc:docMk/>
             <pc:sldMk cId="1160241537" sldId="256"/>
@@ -411,15 +1035,23 @@
           </ac:picMkLst>
         </pc:picChg>
         <pc:picChg chg="mod">
-          <ac:chgData name="Barkasi, Michael" userId="604489e9-c8b5-4a18-ae0d-3a3e29c44efc" providerId="ADAL" clId="{F19F6765-F9C2-2F4B-B759-1DC0051C5417}" dt="2025-05-05T18:43:01.917" v="6" actId="165"/>
+          <ac:chgData name="Barkasi, Michael" userId="604489e9-c8b5-4a18-ae0d-3a3e29c44efc" providerId="ADAL" clId="{F19F6765-F9C2-2F4B-B759-1DC0051C5417}" dt="2025-05-20T16:53:33.141" v="1043" actId="165"/>
           <ac:picMkLst>
             <pc:docMk/>
             <pc:sldMk cId="1160241537" sldId="256"/>
             <ac:picMk id="26" creationId="{C9231AFA-391C-14C4-C56E-524D53B6A033}"/>
           </ac:picMkLst>
         </pc:picChg>
+        <pc:picChg chg="mod">
+          <ac:chgData name="Barkasi, Michael" userId="604489e9-c8b5-4a18-ae0d-3a3e29c44efc" providerId="ADAL" clId="{F19F6765-F9C2-2F4B-B759-1DC0051C5417}" dt="2025-05-20T15:06:38.993" v="300"/>
+          <ac:picMkLst>
+            <pc:docMk/>
+            <pc:sldMk cId="1160241537" sldId="256"/>
+            <ac:picMk id="29" creationId="{868C0546-6005-D1C1-44EE-E30888C94466}"/>
+          </ac:picMkLst>
+        </pc:picChg>
         <pc:picChg chg="mod topLvl modCrop">
-          <ac:chgData name="Barkasi, Michael" userId="604489e9-c8b5-4a18-ae0d-3a3e29c44efc" providerId="ADAL" clId="{F19F6765-F9C2-2F4B-B759-1DC0051C5417}" dt="2025-05-05T22:08:00.871" v="236" actId="1076"/>
+          <ac:chgData name="Barkasi, Michael" userId="604489e9-c8b5-4a18-ae0d-3a3e29c44efc" providerId="ADAL" clId="{F19F6765-F9C2-2F4B-B759-1DC0051C5417}" dt="2025-05-20T14:07:57.495" v="249" actId="164"/>
           <ac:picMkLst>
             <pc:docMk/>
             <pc:sldMk cId="1160241537" sldId="256"/>
@@ -427,222 +1059,961 @@
           </ac:picMkLst>
         </pc:picChg>
         <pc:picChg chg="add mod modCrop">
-          <ac:chgData name="Barkasi, Michael" userId="604489e9-c8b5-4a18-ae0d-3a3e29c44efc" providerId="ADAL" clId="{F19F6765-F9C2-2F4B-B759-1DC0051C5417}" dt="2025-05-05T22:08:00.871" v="236" actId="1076"/>
+          <ac:chgData name="Barkasi, Michael" userId="604489e9-c8b5-4a18-ae0d-3a3e29c44efc" providerId="ADAL" clId="{F19F6765-F9C2-2F4B-B759-1DC0051C5417}" dt="2025-05-20T14:08:13.959" v="250" actId="164"/>
           <ac:picMkLst>
             <pc:docMk/>
             <pc:sldMk cId="1160241537" sldId="256"/>
             <ac:picMk id="34" creationId="{A19C1B91-2F0C-834D-5D19-0D9DCE67831D}"/>
           </ac:picMkLst>
         </pc:picChg>
-        <pc:picChg chg="mod">
-          <ac:chgData name="Barkasi, Michael" userId="604489e9-c8b5-4a18-ae0d-3a3e29c44efc" providerId="ADAL" clId="{F19F6765-F9C2-2F4B-B759-1DC0051C5417}" dt="2025-05-05T18:49:45.753" v="78"/>
+        <pc:picChg chg="add mod topLvl">
+          <ac:chgData name="Barkasi, Michael" userId="604489e9-c8b5-4a18-ae0d-3a3e29c44efc" providerId="ADAL" clId="{F19F6765-F9C2-2F4B-B759-1DC0051C5417}" dt="2025-05-20T16:31:12.182" v="950" actId="164"/>
           <ac:picMkLst>
             <pc:docMk/>
             <pc:sldMk cId="1160241537" sldId="256"/>
-            <ac:picMk id="52" creationId="{5A60C0C9-5C59-AF4B-BD84-C5FC09133228}"/>
+            <ac:picMk id="39" creationId="{69D302A1-C458-A769-07C2-1DC5FE9AA927}"/>
           </ac:picMkLst>
         </pc:picChg>
         <pc:picChg chg="mod">
-          <ac:chgData name="Barkasi, Michael" userId="604489e9-c8b5-4a18-ae0d-3a3e29c44efc" providerId="ADAL" clId="{F19F6765-F9C2-2F4B-B759-1DC0051C5417}" dt="2025-05-05T18:49:45.753" v="78"/>
+          <ac:chgData name="Barkasi, Michael" userId="604489e9-c8b5-4a18-ae0d-3a3e29c44efc" providerId="ADAL" clId="{F19F6765-F9C2-2F4B-B759-1DC0051C5417}" dt="2025-05-20T15:22:27.003" v="708"/>
           <ac:picMkLst>
             <pc:docMk/>
             <pc:sldMk cId="1160241537" sldId="256"/>
-            <ac:picMk id="55" creationId="{F4F16760-2EB2-347B-0E91-D5351863D39B}"/>
+            <ac:picMk id="61" creationId="{EE09B292-B462-2332-556D-BFC6D61727AF}"/>
+          </ac:picMkLst>
+        </pc:picChg>
+        <pc:picChg chg="add del mod">
+          <ac:chgData name="Barkasi, Michael" userId="604489e9-c8b5-4a18-ae0d-3a3e29c44efc" providerId="ADAL" clId="{F19F6765-F9C2-2F4B-B759-1DC0051C5417}" dt="2025-05-20T14:14:06.827" v="271" actId="478"/>
+          <ac:picMkLst>
+            <pc:docMk/>
+            <pc:sldMk cId="1160241537" sldId="256"/>
+            <ac:picMk id="67" creationId="{2AEEA982-89AD-E6DA-4767-5E12320F1BCF}"/>
           </ac:picMkLst>
         </pc:picChg>
         <pc:picChg chg="mod">
-          <ac:chgData name="Barkasi, Michael" userId="604489e9-c8b5-4a18-ae0d-3a3e29c44efc" providerId="ADAL" clId="{F19F6765-F9C2-2F4B-B759-1DC0051C5417}" dt="2025-05-05T18:49:45.753" v="78"/>
+          <ac:chgData name="Barkasi, Michael" userId="604489e9-c8b5-4a18-ae0d-3a3e29c44efc" providerId="ADAL" clId="{F19F6765-F9C2-2F4B-B759-1DC0051C5417}" dt="2025-05-20T15:28:23.885" v="764"/>
           <ac:picMkLst>
             <pc:docMk/>
             <pc:sldMk cId="1160241537" sldId="256"/>
-            <ac:picMk id="56" creationId="{BDF45D0D-DC02-F2BA-7330-D2FD1FE6B29C}"/>
+            <ac:picMk id="87" creationId="{3B96F61D-49D3-DB8A-F3D8-A713E68F6E36}"/>
           </ac:picMkLst>
         </pc:picChg>
         <pc:picChg chg="mod">
-          <ac:chgData name="Barkasi, Michael" userId="604489e9-c8b5-4a18-ae0d-3a3e29c44efc" providerId="ADAL" clId="{F19F6765-F9C2-2F4B-B759-1DC0051C5417}" dt="2025-05-05T18:49:45.753" v="78"/>
+          <ac:chgData name="Barkasi, Michael" userId="604489e9-c8b5-4a18-ae0d-3a3e29c44efc" providerId="ADAL" clId="{F19F6765-F9C2-2F4B-B759-1DC0051C5417}" dt="2025-05-20T15:29:06.077" v="766"/>
           <ac:picMkLst>
             <pc:docMk/>
             <pc:sldMk cId="1160241537" sldId="256"/>
-            <ac:picMk id="57" creationId="{E6696328-4CA1-ECA6-CB89-BCC0A938875B}"/>
+            <ac:picMk id="98" creationId="{3DB4FBE4-9736-DA19-DA56-74B4CF7FD724}"/>
           </ac:picMkLst>
         </pc:picChg>
         <pc:picChg chg="mod">
-          <ac:chgData name="Barkasi, Michael" userId="604489e9-c8b5-4a18-ae0d-3a3e29c44efc" providerId="ADAL" clId="{F19F6765-F9C2-2F4B-B759-1DC0051C5417}" dt="2025-05-05T18:49:45.753" v="78"/>
+          <ac:chgData name="Barkasi, Michael" userId="604489e9-c8b5-4a18-ae0d-3a3e29c44efc" providerId="ADAL" clId="{F19F6765-F9C2-2F4B-B759-1DC0051C5417}" dt="2025-05-20T15:29:06.077" v="766"/>
           <ac:picMkLst>
             <pc:docMk/>
             <pc:sldMk cId="1160241537" sldId="256"/>
-            <ac:picMk id="58" creationId="{55EEB0BF-F004-366F-3C12-BFAF34BB728B}"/>
+            <ac:picMk id="106" creationId="{E11FF205-FA15-A461-9A58-76B12AE2C03C}"/>
           </ac:picMkLst>
         </pc:picChg>
         <pc:picChg chg="mod">
-          <ac:chgData name="Barkasi, Michael" userId="604489e9-c8b5-4a18-ae0d-3a3e29c44efc" providerId="ADAL" clId="{F19F6765-F9C2-2F4B-B759-1DC0051C5417}" dt="2025-05-05T18:49:45.753" v="78"/>
+          <ac:chgData name="Barkasi, Michael" userId="604489e9-c8b5-4a18-ae0d-3a3e29c44efc" providerId="ADAL" clId="{F19F6765-F9C2-2F4B-B759-1DC0051C5417}" dt="2025-05-20T16:43:37.824" v="976" actId="165"/>
           <ac:picMkLst>
             <pc:docMk/>
             <pc:sldMk cId="1160241537" sldId="256"/>
-            <ac:picMk id="59" creationId="{14628946-491E-187E-5D16-D18631C92B4A}"/>
+            <ac:picMk id="116" creationId="{72E6E8E1-3D4B-D85E-A547-BEAC67A8F7B6}"/>
           </ac:picMkLst>
         </pc:picChg>
         <pc:picChg chg="mod">
-          <ac:chgData name="Barkasi, Michael" userId="604489e9-c8b5-4a18-ae0d-3a3e29c44efc" providerId="ADAL" clId="{F19F6765-F9C2-2F4B-B759-1DC0051C5417}" dt="2025-05-05T18:49:45.753" v="78"/>
+          <ac:chgData name="Barkasi, Michael" userId="604489e9-c8b5-4a18-ae0d-3a3e29c44efc" providerId="ADAL" clId="{F19F6765-F9C2-2F4B-B759-1DC0051C5417}" dt="2025-05-20T16:43:47.853" v="977" actId="165"/>
           <ac:picMkLst>
             <pc:docMk/>
             <pc:sldMk cId="1160241537" sldId="256"/>
-            <ac:picMk id="60" creationId="{720E4CD2-DC57-35AF-3CB1-B8EA8DF0D6BC}"/>
+            <ac:picMk id="123" creationId="{85C3924F-5F03-3CC4-92C8-AFC6210DF3CE}"/>
           </ac:picMkLst>
         </pc:picChg>
         <pc:picChg chg="mod">
-          <ac:chgData name="Barkasi, Michael" userId="604489e9-c8b5-4a18-ae0d-3a3e29c44efc" providerId="ADAL" clId="{F19F6765-F9C2-2F4B-B759-1DC0051C5417}" dt="2025-05-05T18:49:45.753" v="78"/>
+          <ac:chgData name="Barkasi, Michael" userId="604489e9-c8b5-4a18-ae0d-3a3e29c44efc" providerId="ADAL" clId="{F19F6765-F9C2-2F4B-B759-1DC0051C5417}" dt="2025-05-20T16:25:23.526" v="910"/>
           <ac:picMkLst>
             <pc:docMk/>
             <pc:sldMk cId="1160241537" sldId="256"/>
-            <ac:picMk id="62" creationId="{317A05D2-7672-B423-84F6-595EC2ABB8B3}"/>
+            <ac:picMk id="126" creationId="{CB497FCE-7363-EBCA-63FD-0D97DFFE236E}"/>
+          </ac:picMkLst>
+        </pc:picChg>
+        <pc:picChg chg="mod">
+          <ac:chgData name="Barkasi, Michael" userId="604489e9-c8b5-4a18-ae0d-3a3e29c44efc" providerId="ADAL" clId="{F19F6765-F9C2-2F4B-B759-1DC0051C5417}" dt="2025-05-20T16:25:23.526" v="910"/>
+          <ac:picMkLst>
+            <pc:docMk/>
+            <pc:sldMk cId="1160241537" sldId="256"/>
+            <ac:picMk id="129" creationId="{210E1C6F-7E26-4C19-012A-9454C2F223EA}"/>
+          </ac:picMkLst>
+        </pc:picChg>
+        <pc:picChg chg="mod">
+          <ac:chgData name="Barkasi, Michael" userId="604489e9-c8b5-4a18-ae0d-3a3e29c44efc" providerId="ADAL" clId="{F19F6765-F9C2-2F4B-B759-1DC0051C5417}" dt="2025-05-20T16:26:26.312" v="921"/>
+          <ac:picMkLst>
+            <pc:docMk/>
+            <pc:sldMk cId="1160241537" sldId="256"/>
+            <ac:picMk id="132" creationId="{FD5BA5F0-A733-29B7-49CF-099D07EE37F9}"/>
+          </ac:picMkLst>
+        </pc:picChg>
+        <pc:picChg chg="mod">
+          <ac:chgData name="Barkasi, Michael" userId="604489e9-c8b5-4a18-ae0d-3a3e29c44efc" providerId="ADAL" clId="{F19F6765-F9C2-2F4B-B759-1DC0051C5417}" dt="2025-05-20T16:43:37.824" v="976" actId="165"/>
+          <ac:picMkLst>
+            <pc:docMk/>
+            <pc:sldMk cId="1160241537" sldId="256"/>
+            <ac:picMk id="135" creationId="{A3D55B86-582A-C046-49A8-4290464C191E}"/>
           </ac:picMkLst>
         </pc:picChg>
         <pc:picChg chg="add mod">
-          <ac:chgData name="Barkasi, Michael" userId="604489e9-c8b5-4a18-ae0d-3a3e29c44efc" providerId="ADAL" clId="{F19F6765-F9C2-2F4B-B759-1DC0051C5417}" dt="2025-05-05T18:52:45.304" v="114" actId="1076"/>
+          <ac:chgData name="Barkasi, Michael" userId="604489e9-c8b5-4a18-ae0d-3a3e29c44efc" providerId="ADAL" clId="{F19F6765-F9C2-2F4B-B759-1DC0051C5417}" dt="2025-05-20T16:30:38.030" v="946" actId="164"/>
           <ac:picMkLst>
             <pc:docMk/>
             <pc:sldMk cId="1160241537" sldId="256"/>
-            <ac:picMk id="67" creationId="{2AEEA982-89AD-E6DA-4767-5E12320F1BCF}"/>
+            <ac:picMk id="137" creationId="{58F8D6FA-FECC-63A9-B4C2-F05F650A6058}"/>
           </ac:picMkLst>
         </pc:picChg>
-        <pc:picChg chg="mod topLvl">
-          <ac:chgData name="Barkasi, Michael" userId="604489e9-c8b5-4a18-ae0d-3a3e29c44efc" providerId="ADAL" clId="{F19F6765-F9C2-2F4B-B759-1DC0051C5417}" dt="2025-05-05T18:50:57.679" v="90" actId="165"/>
-          <ac:picMkLst>
-            <pc:docMk/>
-            <pc:sldMk cId="1160241537" sldId="256"/>
-            <ac:picMk id="74" creationId="{9F82882C-D6ED-26E2-87C1-62569E364ACF}"/>
-          </ac:picMkLst>
-        </pc:picChg>
-        <pc:picChg chg="mod topLvl">
-          <ac:chgData name="Barkasi, Michael" userId="604489e9-c8b5-4a18-ae0d-3a3e29c44efc" providerId="ADAL" clId="{F19F6765-F9C2-2F4B-B759-1DC0051C5417}" dt="2025-05-05T18:52:21.998" v="110" actId="164"/>
-          <ac:picMkLst>
-            <pc:docMk/>
-            <pc:sldMk cId="1160241537" sldId="256"/>
-            <ac:picMk id="76" creationId="{D8AE5246-E369-3C53-4D82-E6B986A1C612}"/>
-          </ac:picMkLst>
-        </pc:picChg>
-        <pc:picChg chg="mod topLvl">
-          <ac:chgData name="Barkasi, Michael" userId="604489e9-c8b5-4a18-ae0d-3a3e29c44efc" providerId="ADAL" clId="{F19F6765-F9C2-2F4B-B759-1DC0051C5417}" dt="2025-05-05T18:52:21.998" v="110" actId="164"/>
-          <ac:picMkLst>
-            <pc:docMk/>
-            <pc:sldMk cId="1160241537" sldId="256"/>
-            <ac:picMk id="79" creationId="{4EEFF05C-0B9A-4B87-4BBA-44FD43E8FE1F}"/>
-          </ac:picMkLst>
-        </pc:picChg>
-        <pc:picChg chg="mod topLvl">
-          <ac:chgData name="Barkasi, Michael" userId="604489e9-c8b5-4a18-ae0d-3a3e29c44efc" providerId="ADAL" clId="{F19F6765-F9C2-2F4B-B759-1DC0051C5417}" dt="2025-05-05T18:52:21.998" v="110" actId="164"/>
-          <ac:picMkLst>
-            <pc:docMk/>
-            <pc:sldMk cId="1160241537" sldId="256"/>
-            <ac:picMk id="81" creationId="{277D2C22-B5FC-7C56-CD57-DEF5706D8A81}"/>
-          </ac:picMkLst>
-        </pc:picChg>
-        <pc:picChg chg="mod topLvl">
-          <ac:chgData name="Barkasi, Michael" userId="604489e9-c8b5-4a18-ae0d-3a3e29c44efc" providerId="ADAL" clId="{F19F6765-F9C2-2F4B-B759-1DC0051C5417}" dt="2025-05-05T18:52:21.998" v="110" actId="164"/>
-          <ac:picMkLst>
-            <pc:docMk/>
-            <pc:sldMk cId="1160241537" sldId="256"/>
-            <ac:picMk id="82" creationId="{89CC01B9-9CE2-84B2-0602-CD869B0BD25D}"/>
-          </ac:picMkLst>
-        </pc:picChg>
-        <pc:picChg chg="mod topLvl">
-          <ac:chgData name="Barkasi, Michael" userId="604489e9-c8b5-4a18-ae0d-3a3e29c44efc" providerId="ADAL" clId="{F19F6765-F9C2-2F4B-B759-1DC0051C5417}" dt="2025-05-05T18:52:21.998" v="110" actId="164"/>
-          <ac:picMkLst>
-            <pc:docMk/>
-            <pc:sldMk cId="1160241537" sldId="256"/>
-            <ac:picMk id="84" creationId="{D96EA791-3966-80ED-A8C6-B57B6F96966B}"/>
-          </ac:picMkLst>
-        </pc:picChg>
-        <pc:picChg chg="mod topLvl">
-          <ac:chgData name="Barkasi, Michael" userId="604489e9-c8b5-4a18-ae0d-3a3e29c44efc" providerId="ADAL" clId="{F19F6765-F9C2-2F4B-B759-1DC0051C5417}" dt="2025-05-05T18:51:10.270" v="92" actId="1076"/>
-          <ac:picMkLst>
-            <pc:docMk/>
-            <pc:sldMk cId="1160241537" sldId="256"/>
-            <ac:picMk id="85" creationId="{B0544BF0-ABFB-7C23-6561-080A5D7551E8}"/>
-          </ac:picMkLst>
-        </pc:picChg>
-        <pc:picChg chg="mod topLvl">
-          <ac:chgData name="Barkasi, Michael" userId="604489e9-c8b5-4a18-ae0d-3a3e29c44efc" providerId="ADAL" clId="{F19F6765-F9C2-2F4B-B759-1DC0051C5417}" dt="2025-05-05T18:52:21.998" v="110" actId="164"/>
-          <ac:picMkLst>
-            <pc:docMk/>
-            <pc:sldMk cId="1160241537" sldId="256"/>
-            <ac:picMk id="89" creationId="{7929F190-A752-4010-3357-80CC399F85F6}"/>
-          </ac:picMkLst>
-        </pc:picChg>
-        <pc:picChg chg="mod">
-          <ac:chgData name="Barkasi, Michael" userId="604489e9-c8b5-4a18-ae0d-3a3e29c44efc" providerId="ADAL" clId="{F19F6765-F9C2-2F4B-B759-1DC0051C5417}" dt="2025-05-05T18:51:14.674" v="94" actId="1076"/>
-          <ac:picMkLst>
-            <pc:docMk/>
-            <pc:sldMk cId="1160241537" sldId="256"/>
-            <ac:picMk id="91" creationId="{1EEED4F3-8791-582C-B098-77B2253030D1}"/>
-          </ac:picMkLst>
-        </pc:picChg>
-        <pc:picChg chg="mod topLvl">
-          <ac:chgData name="Barkasi, Michael" userId="604489e9-c8b5-4a18-ae0d-3a3e29c44efc" providerId="ADAL" clId="{F19F6765-F9C2-2F4B-B759-1DC0051C5417}" dt="2025-05-05T18:51:19.364" v="96" actId="1076"/>
-          <ac:picMkLst>
-            <pc:docMk/>
-            <pc:sldMk cId="1160241537" sldId="256"/>
-            <ac:picMk id="93" creationId="{E76476C7-11C9-593E-8F53-0BF0E78CCEEA}"/>
-          </ac:picMkLst>
-        </pc:picChg>
-        <pc:picChg chg="add mod">
-          <ac:chgData name="Barkasi, Michael" userId="604489e9-c8b5-4a18-ae0d-3a3e29c44efc" providerId="ADAL" clId="{F19F6765-F9C2-2F4B-B759-1DC0051C5417}" dt="2025-05-05T18:51:46.691" v="105" actId="1076"/>
-          <ac:picMkLst>
-            <pc:docMk/>
-            <pc:sldMk cId="1160241537" sldId="256"/>
-            <ac:picMk id="94" creationId="{CC4669BA-5BD3-FC69-9B44-9E76C82D06D5}"/>
-          </ac:picMkLst>
-        </pc:picChg>
-        <pc:picChg chg="add mod">
-          <ac:chgData name="Barkasi, Michael" userId="604489e9-c8b5-4a18-ae0d-3a3e29c44efc" providerId="ADAL" clId="{F19F6765-F9C2-2F4B-B759-1DC0051C5417}" dt="2025-05-05T18:52:21.998" v="110" actId="164"/>
-          <ac:picMkLst>
-            <pc:docMk/>
-            <pc:sldMk cId="1160241537" sldId="256"/>
-            <ac:picMk id="96" creationId="{77F20841-A361-B805-210E-AAD9C91A5A12}"/>
-          </ac:picMkLst>
-        </pc:picChg>
-        <pc:picChg chg="add mod">
-          <ac:chgData name="Barkasi, Michael" userId="604489e9-c8b5-4a18-ae0d-3a3e29c44efc" providerId="ADAL" clId="{F19F6765-F9C2-2F4B-B759-1DC0051C5417}" dt="2025-05-05T18:52:21.998" v="110" actId="164"/>
-          <ac:picMkLst>
-            <pc:docMk/>
-            <pc:sldMk cId="1160241537" sldId="256"/>
-            <ac:picMk id="97" creationId="{B17B312D-3E66-1D63-A133-3E02B4198FF8}"/>
-          </ac:picMkLst>
-        </pc:picChg>
-        <pc:picChg chg="add mod">
-          <ac:chgData name="Barkasi, Michael" userId="604489e9-c8b5-4a18-ae0d-3a3e29c44efc" providerId="ADAL" clId="{F19F6765-F9C2-2F4B-B759-1DC0051C5417}" dt="2025-05-05T18:52:21.998" v="110" actId="164"/>
-          <ac:picMkLst>
-            <pc:docMk/>
-            <pc:sldMk cId="1160241537" sldId="256"/>
-            <ac:picMk id="99" creationId="{EE274D67-B5BF-6D84-6A4D-038EC6EF92C0}"/>
-          </ac:picMkLst>
-        </pc:picChg>
+        <pc:cxnChg chg="del mod topLvl">
+          <ac:chgData name="Barkasi, Michael" userId="604489e9-c8b5-4a18-ae0d-3a3e29c44efc" providerId="ADAL" clId="{F19F6765-F9C2-2F4B-B759-1DC0051C5417}" dt="2025-05-20T15:06:33.033" v="297" actId="478"/>
+          <ac:cxnSpMkLst>
+            <pc:docMk/>
+            <pc:sldMk cId="1160241537" sldId="256"/>
+            <ac:cxnSpMk id="17" creationId="{BA976B49-905E-A04A-AEB1-E048FFFA272A}"/>
+          </ac:cxnSpMkLst>
+        </pc:cxnChg>
         <pc:cxnChg chg="mod">
-          <ac:chgData name="Barkasi, Michael" userId="604489e9-c8b5-4a18-ae0d-3a3e29c44efc" providerId="ADAL" clId="{F19F6765-F9C2-2F4B-B759-1DC0051C5417}" dt="2025-05-05T18:43:01.917" v="6" actId="165"/>
+          <ac:chgData name="Barkasi, Michael" userId="604489e9-c8b5-4a18-ae0d-3a3e29c44efc" providerId="ADAL" clId="{F19F6765-F9C2-2F4B-B759-1DC0051C5417}" dt="2025-05-20T16:53:33.141" v="1043" actId="165"/>
           <ac:cxnSpMkLst>
             <pc:docMk/>
             <pc:sldMk cId="1160241537" sldId="256"/>
             <ac:cxnSpMk id="27" creationId="{C9BCD99F-272A-E300-9470-ECE18F355444}"/>
           </ac:cxnSpMkLst>
         </pc:cxnChg>
-        <pc:cxnChg chg="del mod topLvl">
-          <ac:chgData name="Barkasi, Michael" userId="604489e9-c8b5-4a18-ae0d-3a3e29c44efc" providerId="ADAL" clId="{F19F6765-F9C2-2F4B-B759-1DC0051C5417}" dt="2025-05-05T18:46:23.294" v="18" actId="478"/>
+        <pc:cxnChg chg="mod">
+          <ac:chgData name="Barkasi, Michael" userId="604489e9-c8b5-4a18-ae0d-3a3e29c44efc" providerId="ADAL" clId="{F19F6765-F9C2-2F4B-B759-1DC0051C5417}" dt="2025-05-20T15:06:38.993" v="300"/>
           <ac:cxnSpMkLst>
             <pc:docMk/>
             <pc:sldMk cId="1160241537" sldId="256"/>
-            <ac:cxnSpMk id="32" creationId="{CCD59E53-ACEF-460B-B3B9-51DC861CC393}"/>
+            <ac:cxnSpMk id="30" creationId="{E54F3572-AB21-F2C4-A1AB-861577B0C288}"/>
+          </ac:cxnSpMkLst>
+        </pc:cxnChg>
+        <pc:cxnChg chg="mod">
+          <ac:chgData name="Barkasi, Michael" userId="604489e9-c8b5-4a18-ae0d-3a3e29c44efc" providerId="ADAL" clId="{F19F6765-F9C2-2F4B-B759-1DC0051C5417}" dt="2025-05-20T15:28:23.885" v="764"/>
+          <ac:cxnSpMkLst>
+            <pc:docMk/>
+            <pc:sldMk cId="1160241537" sldId="256"/>
+            <ac:cxnSpMk id="88" creationId="{8EE9B2AA-52FC-B032-A408-E9A78BD78599}"/>
+          </ac:cxnSpMkLst>
+        </pc:cxnChg>
+        <pc:cxnChg chg="add del">
+          <ac:chgData name="Barkasi, Michael" userId="604489e9-c8b5-4a18-ae0d-3a3e29c44efc" providerId="ADAL" clId="{F19F6765-F9C2-2F4B-B759-1DC0051C5417}" dt="2025-05-20T16:42:17.423" v="973" actId="478"/>
+          <ac:cxnSpMkLst>
+            <pc:docMk/>
+            <pc:sldMk cId="1160241537" sldId="256"/>
+            <ac:cxnSpMk id="148" creationId="{39EE0CFC-A27E-A08D-CDB9-E0C060E560B4}"/>
           </ac:cxnSpMkLst>
         </pc:cxnChg>
         <pc:cxnChg chg="add del mod">
-          <ac:chgData name="Barkasi, Michael" userId="604489e9-c8b5-4a18-ae0d-3a3e29c44efc" providerId="ADAL" clId="{F19F6765-F9C2-2F4B-B759-1DC0051C5417}" dt="2025-05-05T18:46:38.573" v="24" actId="478"/>
+          <ac:chgData name="Barkasi, Michael" userId="604489e9-c8b5-4a18-ae0d-3a3e29c44efc" providerId="ADAL" clId="{F19F6765-F9C2-2F4B-B759-1DC0051C5417}" dt="2025-05-20T16:42:16.236" v="972" actId="478"/>
           <ac:cxnSpMkLst>
             <pc:docMk/>
             <pc:sldMk cId="1160241537" sldId="256"/>
-            <ac:cxnSpMk id="38" creationId="{78CCE442-8DC8-2E3D-CC94-2C8B64959F79}"/>
+            <ac:cxnSpMk id="149" creationId="{7BE99F5B-B0D7-30F2-F05E-1622B5129186}"/>
+          </ac:cxnSpMkLst>
+        </pc:cxnChg>
+        <pc:cxnChg chg="add mod">
+          <ac:chgData name="Barkasi, Michael" userId="604489e9-c8b5-4a18-ae0d-3a3e29c44efc" providerId="ADAL" clId="{F19F6765-F9C2-2F4B-B759-1DC0051C5417}" dt="2025-05-20T16:46:53.879" v="1002" actId="164"/>
+          <ac:cxnSpMkLst>
+            <pc:docMk/>
+            <pc:sldMk cId="1160241537" sldId="256"/>
+            <ac:cxnSpMk id="151" creationId="{EA4CDD37-288A-B2A9-5F0D-2AD5C4034158}"/>
+          </ac:cxnSpMkLst>
+        </pc:cxnChg>
+        <pc:cxnChg chg="add del">
+          <ac:chgData name="Barkasi, Michael" userId="604489e9-c8b5-4a18-ae0d-3a3e29c44efc" providerId="ADAL" clId="{F19F6765-F9C2-2F4B-B759-1DC0051C5417}" dt="2025-05-20T16:46:36.298" v="999" actId="478"/>
+          <ac:cxnSpMkLst>
+            <pc:docMk/>
+            <pc:sldMk cId="1160241537" sldId="256"/>
+            <ac:cxnSpMk id="153" creationId="{853BF357-F7A9-4875-B312-2C64014CF750}"/>
+          </ac:cxnSpMkLst>
+        </pc:cxnChg>
+        <pc:cxnChg chg="add del mod">
+          <ac:chgData name="Barkasi, Michael" userId="604489e9-c8b5-4a18-ae0d-3a3e29c44efc" providerId="ADAL" clId="{F19F6765-F9C2-2F4B-B759-1DC0051C5417}" dt="2025-05-20T16:49:27.964" v="1015" actId="478"/>
+          <ac:cxnSpMkLst>
+            <pc:docMk/>
+            <pc:sldMk cId="1160241537" sldId="256"/>
+            <ac:cxnSpMk id="158" creationId="{8588EA19-5C96-88EB-E6C5-9ABBA9FB33D4}"/>
+          </ac:cxnSpMkLst>
+        </pc:cxnChg>
+        <pc:cxnChg chg="add del mod">
+          <ac:chgData name="Barkasi, Michael" userId="604489e9-c8b5-4a18-ae0d-3a3e29c44efc" providerId="ADAL" clId="{F19F6765-F9C2-2F4B-B759-1DC0051C5417}" dt="2025-05-20T16:49:29.163" v="1016" actId="478"/>
+          <ac:cxnSpMkLst>
+            <pc:docMk/>
+            <pc:sldMk cId="1160241537" sldId="256"/>
+            <ac:cxnSpMk id="159" creationId="{1BA0CCE6-FCC7-ACF7-8373-B3AA42212962}"/>
+          </ac:cxnSpMkLst>
+        </pc:cxnChg>
+        <pc:cxnChg chg="add mod">
+          <ac:chgData name="Barkasi, Michael" userId="604489e9-c8b5-4a18-ae0d-3a3e29c44efc" providerId="ADAL" clId="{F19F6765-F9C2-2F4B-B759-1DC0051C5417}" dt="2025-05-20T17:06:01.741" v="1189" actId="164"/>
+          <ac:cxnSpMkLst>
+            <pc:docMk/>
+            <pc:sldMk cId="1160241537" sldId="256"/>
+            <ac:cxnSpMk id="162" creationId="{48E10EE6-9415-511A-9FB1-9B28E04DEBB1}"/>
+          </ac:cxnSpMkLst>
+        </pc:cxnChg>
+        <pc:cxnChg chg="add mod">
+          <ac:chgData name="Barkasi, Michael" userId="604489e9-c8b5-4a18-ae0d-3a3e29c44efc" providerId="ADAL" clId="{F19F6765-F9C2-2F4B-B759-1DC0051C5417}" dt="2025-05-20T17:06:01.741" v="1189" actId="164"/>
+          <ac:cxnSpMkLst>
+            <pc:docMk/>
+            <pc:sldMk cId="1160241537" sldId="256"/>
+            <ac:cxnSpMk id="166" creationId="{9F3AD9B0-6D33-40D1-EDF9-B12507915D25}"/>
+          </ac:cxnSpMkLst>
+        </pc:cxnChg>
+        <pc:cxnChg chg="add mod">
+          <ac:chgData name="Barkasi, Michael" userId="604489e9-c8b5-4a18-ae0d-3a3e29c44efc" providerId="ADAL" clId="{F19F6765-F9C2-2F4B-B759-1DC0051C5417}" dt="2025-05-20T17:06:01.741" v="1189" actId="164"/>
+          <ac:cxnSpMkLst>
+            <pc:docMk/>
+            <pc:sldMk cId="1160241537" sldId="256"/>
+            <ac:cxnSpMk id="169" creationId="{BC3A11C1-5CF4-1A5F-47CD-3452030CFDD8}"/>
+          </ac:cxnSpMkLst>
+        </pc:cxnChg>
+        <pc:cxnChg chg="add mod">
+          <ac:chgData name="Barkasi, Michael" userId="604489e9-c8b5-4a18-ae0d-3a3e29c44efc" providerId="ADAL" clId="{F19F6765-F9C2-2F4B-B759-1DC0051C5417}" dt="2025-05-20T17:06:01.741" v="1189" actId="164"/>
+          <ac:cxnSpMkLst>
+            <pc:docMk/>
+            <pc:sldMk cId="1160241537" sldId="256"/>
+            <ac:cxnSpMk id="170" creationId="{C2E5EC6A-142D-8AB2-704D-E03693425C02}"/>
+          </ac:cxnSpMkLst>
+        </pc:cxnChg>
+        <pc:cxnChg chg="add mod">
+          <ac:chgData name="Barkasi, Michael" userId="604489e9-c8b5-4a18-ae0d-3a3e29c44efc" providerId="ADAL" clId="{F19F6765-F9C2-2F4B-B759-1DC0051C5417}" dt="2025-05-20T17:06:57.009" v="1197" actId="164"/>
+          <ac:cxnSpMkLst>
+            <pc:docMk/>
+            <pc:sldMk cId="1160241537" sldId="256"/>
+            <ac:cxnSpMk id="171" creationId="{9847A009-9C96-3B25-89B1-5015E0DAEF60}"/>
+          </ac:cxnSpMkLst>
+        </pc:cxnChg>
+        <pc:cxnChg chg="add mod">
+          <ac:chgData name="Barkasi, Michael" userId="604489e9-c8b5-4a18-ae0d-3a3e29c44efc" providerId="ADAL" clId="{F19F6765-F9C2-2F4B-B759-1DC0051C5417}" dt="2025-05-20T17:06:57.009" v="1197" actId="164"/>
+          <ac:cxnSpMkLst>
+            <pc:docMk/>
+            <pc:sldMk cId="1160241537" sldId="256"/>
+            <ac:cxnSpMk id="172" creationId="{252B7414-7C08-E9B7-188C-3BF22D881A8D}"/>
+          </ac:cxnSpMkLst>
+        </pc:cxnChg>
+        <pc:cxnChg chg="add mod">
+          <ac:chgData name="Barkasi, Michael" userId="604489e9-c8b5-4a18-ae0d-3a3e29c44efc" providerId="ADAL" clId="{F19F6765-F9C2-2F4B-B759-1DC0051C5417}" dt="2025-05-20T17:07:04.330" v="1198" actId="164"/>
+          <ac:cxnSpMkLst>
+            <pc:docMk/>
+            <pc:sldMk cId="1160241537" sldId="256"/>
+            <ac:cxnSpMk id="173" creationId="{0762801A-4D9C-483C-AFD4-18EAE506E776}"/>
+          </ac:cxnSpMkLst>
+        </pc:cxnChg>
+        <pc:cxnChg chg="add mod">
+          <ac:chgData name="Barkasi, Michael" userId="604489e9-c8b5-4a18-ae0d-3a3e29c44efc" providerId="ADAL" clId="{F19F6765-F9C2-2F4B-B759-1DC0051C5417}" dt="2025-05-20T17:07:04.330" v="1198" actId="164"/>
+          <ac:cxnSpMkLst>
+            <pc:docMk/>
+            <pc:sldMk cId="1160241537" sldId="256"/>
+            <ac:cxnSpMk id="174" creationId="{64EEE992-19CC-11C3-9AFD-92F7CCECCC03}"/>
+          </ac:cxnSpMkLst>
+        </pc:cxnChg>
+        <pc:cxnChg chg="add del mod">
+          <ac:chgData name="Barkasi, Michael" userId="604489e9-c8b5-4a18-ae0d-3a3e29c44efc" providerId="ADAL" clId="{F19F6765-F9C2-2F4B-B759-1DC0051C5417}" dt="2025-05-20T16:58:23.118" v="1086" actId="478"/>
+          <ac:cxnSpMkLst>
+            <pc:docMk/>
+            <pc:sldMk cId="1160241537" sldId="256"/>
+            <ac:cxnSpMk id="175" creationId="{41360DFA-B0B1-AB21-37C6-553FA25DCF2C}"/>
+          </ac:cxnSpMkLst>
+        </pc:cxnChg>
+        <pc:cxnChg chg="add mod">
+          <ac:chgData name="Barkasi, Michael" userId="604489e9-c8b5-4a18-ae0d-3a3e29c44efc" providerId="ADAL" clId="{F19F6765-F9C2-2F4B-B759-1DC0051C5417}" dt="2025-05-20T17:07:04.330" v="1198" actId="164"/>
+          <ac:cxnSpMkLst>
+            <pc:docMk/>
+            <pc:sldMk cId="1160241537" sldId="256"/>
+            <ac:cxnSpMk id="176" creationId="{4D393FFA-9817-BB1D-318E-A549EDA51366}"/>
+          </ac:cxnSpMkLst>
+        </pc:cxnChg>
+        <pc:cxnChg chg="add mod">
+          <ac:chgData name="Barkasi, Michael" userId="604489e9-c8b5-4a18-ae0d-3a3e29c44efc" providerId="ADAL" clId="{F19F6765-F9C2-2F4B-B759-1DC0051C5417}" dt="2025-05-20T17:07:04.330" v="1198" actId="164"/>
+          <ac:cxnSpMkLst>
+            <pc:docMk/>
+            <pc:sldMk cId="1160241537" sldId="256"/>
+            <ac:cxnSpMk id="177" creationId="{C9BF565C-1FB2-3757-5FC4-E48A80BC7244}"/>
+          </ac:cxnSpMkLst>
+        </pc:cxnChg>
+        <pc:cxnChg chg="add mod">
+          <ac:chgData name="Barkasi, Michael" userId="604489e9-c8b5-4a18-ae0d-3a3e29c44efc" providerId="ADAL" clId="{F19F6765-F9C2-2F4B-B759-1DC0051C5417}" dt="2025-05-20T17:06:57.009" v="1197" actId="164"/>
+          <ac:cxnSpMkLst>
+            <pc:docMk/>
+            <pc:sldMk cId="1160241537" sldId="256"/>
+            <ac:cxnSpMk id="178" creationId="{EDA566E4-E547-A1DF-F439-5D57E93E07F3}"/>
+          </ac:cxnSpMkLst>
+        </pc:cxnChg>
+        <pc:cxnChg chg="add del mod">
+          <ac:chgData name="Barkasi, Michael" userId="604489e9-c8b5-4a18-ae0d-3a3e29c44efc" providerId="ADAL" clId="{F19F6765-F9C2-2F4B-B759-1DC0051C5417}" dt="2025-05-20T16:59:10.322" v="1093" actId="478"/>
+          <ac:cxnSpMkLst>
+            <pc:docMk/>
+            <pc:sldMk cId="1160241537" sldId="256"/>
+            <ac:cxnSpMk id="179" creationId="{FD57596A-13DC-C017-244B-FF96E65206D0}"/>
+          </ac:cxnSpMkLst>
+        </pc:cxnChg>
+        <pc:cxnChg chg="add mod">
+          <ac:chgData name="Barkasi, Michael" userId="604489e9-c8b5-4a18-ae0d-3a3e29c44efc" providerId="ADAL" clId="{F19F6765-F9C2-2F4B-B759-1DC0051C5417}" dt="2025-05-20T17:06:57.009" v="1197" actId="164"/>
+          <ac:cxnSpMkLst>
+            <pc:docMk/>
+            <pc:sldMk cId="1160241537" sldId="256"/>
+            <ac:cxnSpMk id="181" creationId="{19C0C6A8-2348-465B-AAD4-971B229D26B3}"/>
+          </ac:cxnSpMkLst>
+        </pc:cxnChg>
+        <pc:cxnChg chg="add del mod">
+          <ac:chgData name="Barkasi, Michael" userId="604489e9-c8b5-4a18-ae0d-3a3e29c44efc" providerId="ADAL" clId="{F19F6765-F9C2-2F4B-B759-1DC0051C5417}" dt="2025-05-20T17:00:46.661" v="1100" actId="478"/>
+          <ac:cxnSpMkLst>
+            <pc:docMk/>
+            <pc:sldMk cId="1160241537" sldId="256"/>
+            <ac:cxnSpMk id="183" creationId="{23E4C5AB-85FD-3758-FC90-AE0D12AD2FD5}"/>
+          </ac:cxnSpMkLst>
+        </pc:cxnChg>
+        <pc:cxnChg chg="add del mod">
+          <ac:chgData name="Barkasi, Michael" userId="604489e9-c8b5-4a18-ae0d-3a3e29c44efc" providerId="ADAL" clId="{F19F6765-F9C2-2F4B-B759-1DC0051C5417}" dt="2025-05-20T17:08:14.447" v="1204" actId="478"/>
+          <ac:cxnSpMkLst>
+            <pc:docMk/>
+            <pc:sldMk cId="1160241537" sldId="256"/>
+            <ac:cxnSpMk id="191" creationId="{6071DB81-435F-154E-FF55-0C0940FBDE75}"/>
           </ac:cxnSpMkLst>
         </pc:cxnChg>
       </pc:sldChg>
+      <pc:sldChg chg="modSp add del">
+        <pc:chgData name="Barkasi, Michael" userId="604489e9-c8b5-4a18-ae0d-3a3e29c44efc" providerId="ADAL" clId="{F19F6765-F9C2-2F4B-B759-1DC0051C5417}" dt="2025-05-20T17:16:12.712" v="1253" actId="2696"/>
+        <pc:sldMkLst>
+          <pc:docMk/>
+          <pc:sldMk cId="1281726417" sldId="257"/>
+        </pc:sldMkLst>
+        <pc:spChg chg="mod">
+          <ac:chgData name="Barkasi, Michael" userId="604489e9-c8b5-4a18-ae0d-3a3e29c44efc" providerId="ADAL" clId="{F19F6765-F9C2-2F4B-B759-1DC0051C5417}" dt="2025-05-20T17:15:26.142" v="1249"/>
+          <ac:spMkLst>
+            <pc:docMk/>
+            <pc:sldMk cId="1281726417" sldId="257"/>
+            <ac:spMk id="28" creationId="{F899B2EB-898E-32B2-89E1-86912641F942}"/>
+          </ac:spMkLst>
+        </pc:spChg>
+        <pc:spChg chg="mod">
+          <ac:chgData name="Barkasi, Michael" userId="604489e9-c8b5-4a18-ae0d-3a3e29c44efc" providerId="ADAL" clId="{F19F6765-F9C2-2F4B-B759-1DC0051C5417}" dt="2025-05-20T17:15:26.142" v="1249"/>
+          <ac:spMkLst>
+            <pc:docMk/>
+            <pc:sldMk cId="1281726417" sldId="257"/>
+            <ac:spMk id="33" creationId="{F6E0FE24-08DE-0E63-8DF5-1F98B92B6CB0}"/>
+          </ac:spMkLst>
+        </pc:spChg>
+        <pc:spChg chg="mod">
+          <ac:chgData name="Barkasi, Michael" userId="604489e9-c8b5-4a18-ae0d-3a3e29c44efc" providerId="ADAL" clId="{F19F6765-F9C2-2F4B-B759-1DC0051C5417}" dt="2025-05-20T17:15:26.142" v="1249"/>
+          <ac:spMkLst>
+            <pc:docMk/>
+            <pc:sldMk cId="1281726417" sldId="257"/>
+            <ac:spMk id="41" creationId="{CFE5E298-3960-F8F7-1EDE-79498465C3FD}"/>
+          </ac:spMkLst>
+        </pc:spChg>
+        <pc:spChg chg="mod">
+          <ac:chgData name="Barkasi, Michael" userId="604489e9-c8b5-4a18-ae0d-3a3e29c44efc" providerId="ADAL" clId="{F19F6765-F9C2-2F4B-B759-1DC0051C5417}" dt="2025-05-20T17:15:26.142" v="1249"/>
+          <ac:spMkLst>
+            <pc:docMk/>
+            <pc:sldMk cId="1281726417" sldId="257"/>
+            <ac:spMk id="42" creationId="{61C76460-D51E-3CA9-15BF-970CE88779FA}"/>
+          </ac:spMkLst>
+        </pc:spChg>
+        <pc:spChg chg="mod">
+          <ac:chgData name="Barkasi, Michael" userId="604489e9-c8b5-4a18-ae0d-3a3e29c44efc" providerId="ADAL" clId="{F19F6765-F9C2-2F4B-B759-1DC0051C5417}" dt="2025-05-20T17:15:26.142" v="1249"/>
+          <ac:spMkLst>
+            <pc:docMk/>
+            <pc:sldMk cId="1281726417" sldId="257"/>
+            <ac:spMk id="43" creationId="{6C09BF8F-1B2A-0DA7-ACD9-4AF21DD70FB0}"/>
+          </ac:spMkLst>
+        </pc:spChg>
+        <pc:spChg chg="mod">
+          <ac:chgData name="Barkasi, Michael" userId="604489e9-c8b5-4a18-ae0d-3a3e29c44efc" providerId="ADAL" clId="{F19F6765-F9C2-2F4B-B759-1DC0051C5417}" dt="2025-05-20T17:15:26.142" v="1249"/>
+          <ac:spMkLst>
+            <pc:docMk/>
+            <pc:sldMk cId="1281726417" sldId="257"/>
+            <ac:spMk id="44" creationId="{60F9239F-3769-A9BB-C0F4-9E7B64698370}"/>
+          </ac:spMkLst>
+        </pc:spChg>
+        <pc:spChg chg="mod">
+          <ac:chgData name="Barkasi, Michael" userId="604489e9-c8b5-4a18-ae0d-3a3e29c44efc" providerId="ADAL" clId="{F19F6765-F9C2-2F4B-B759-1DC0051C5417}" dt="2025-05-20T17:15:26.142" v="1249"/>
+          <ac:spMkLst>
+            <pc:docMk/>
+            <pc:sldMk cId="1281726417" sldId="257"/>
+            <ac:spMk id="53" creationId="{43251E3C-0D05-A0B9-94C1-C29096A37F0C}"/>
+          </ac:spMkLst>
+        </pc:spChg>
+        <pc:spChg chg="mod">
+          <ac:chgData name="Barkasi, Michael" userId="604489e9-c8b5-4a18-ae0d-3a3e29c44efc" providerId="ADAL" clId="{F19F6765-F9C2-2F4B-B759-1DC0051C5417}" dt="2025-05-20T17:15:26.142" v="1249"/>
+          <ac:spMkLst>
+            <pc:docMk/>
+            <pc:sldMk cId="1281726417" sldId="257"/>
+            <ac:spMk id="75" creationId="{9C76B7D0-1564-4E25-B0CF-12D3D7604D88}"/>
+          </ac:spMkLst>
+        </pc:spChg>
+        <pc:spChg chg="mod">
+          <ac:chgData name="Barkasi, Michael" userId="604489e9-c8b5-4a18-ae0d-3a3e29c44efc" providerId="ADAL" clId="{F19F6765-F9C2-2F4B-B759-1DC0051C5417}" dt="2025-05-20T17:15:26.142" v="1249"/>
+          <ac:spMkLst>
+            <pc:docMk/>
+            <pc:sldMk cId="1281726417" sldId="257"/>
+            <ac:spMk id="102" creationId="{DF2ECEB3-B457-E98D-DBCE-73CE3B64AA53}"/>
+          </ac:spMkLst>
+        </pc:spChg>
+        <pc:spChg chg="mod">
+          <ac:chgData name="Barkasi, Michael" userId="604489e9-c8b5-4a18-ae0d-3a3e29c44efc" providerId="ADAL" clId="{F19F6765-F9C2-2F4B-B759-1DC0051C5417}" dt="2025-05-20T17:15:26.142" v="1249"/>
+          <ac:spMkLst>
+            <pc:docMk/>
+            <pc:sldMk cId="1281726417" sldId="257"/>
+            <ac:spMk id="110" creationId="{996BDB56-5FDA-006B-4E2C-DA71E9AB7DAE}"/>
+          </ac:spMkLst>
+        </pc:spChg>
+      </pc:sldChg>
+      <pc:sldMasterChg chg="modSp modSldLayout">
+        <pc:chgData name="Barkasi, Michael" userId="604489e9-c8b5-4a18-ae0d-3a3e29c44efc" providerId="ADAL" clId="{F19F6765-F9C2-2F4B-B759-1DC0051C5417}" dt="2025-05-20T17:14:49.637" v="1247"/>
+        <pc:sldMasterMkLst>
+          <pc:docMk/>
+          <pc:sldMasterMk cId="1703888869" sldId="2147483648"/>
+        </pc:sldMasterMkLst>
+        <pc:spChg chg="mod">
+          <ac:chgData name="Barkasi, Michael" userId="604489e9-c8b5-4a18-ae0d-3a3e29c44efc" providerId="ADAL" clId="{F19F6765-F9C2-2F4B-B759-1DC0051C5417}" dt="2025-05-20T17:14:49.637" v="1247"/>
+          <ac:spMkLst>
+            <pc:docMk/>
+            <pc:sldMasterMk cId="1703888869" sldId="2147483648"/>
+            <ac:spMk id="2" creationId="{2465A266-885A-B0E2-7875-2CE5BB48E795}"/>
+          </ac:spMkLst>
+        </pc:spChg>
+        <pc:spChg chg="mod">
+          <ac:chgData name="Barkasi, Michael" userId="604489e9-c8b5-4a18-ae0d-3a3e29c44efc" providerId="ADAL" clId="{F19F6765-F9C2-2F4B-B759-1DC0051C5417}" dt="2025-05-20T17:14:49.637" v="1247"/>
+          <ac:spMkLst>
+            <pc:docMk/>
+            <pc:sldMasterMk cId="1703888869" sldId="2147483648"/>
+            <ac:spMk id="3" creationId="{BE87D7C2-B556-E78F-FE64-4F29F45B76BA}"/>
+          </ac:spMkLst>
+        </pc:spChg>
+        <pc:spChg chg="mod">
+          <ac:chgData name="Barkasi, Michael" userId="604489e9-c8b5-4a18-ae0d-3a3e29c44efc" providerId="ADAL" clId="{F19F6765-F9C2-2F4B-B759-1DC0051C5417}" dt="2025-05-20T17:14:49.637" v="1247"/>
+          <ac:spMkLst>
+            <pc:docMk/>
+            <pc:sldMasterMk cId="1703888869" sldId="2147483648"/>
+            <ac:spMk id="4" creationId="{0252BC6A-06AE-F3C1-B327-8DD5C55E606E}"/>
+          </ac:spMkLst>
+        </pc:spChg>
+        <pc:spChg chg="mod">
+          <ac:chgData name="Barkasi, Michael" userId="604489e9-c8b5-4a18-ae0d-3a3e29c44efc" providerId="ADAL" clId="{F19F6765-F9C2-2F4B-B759-1DC0051C5417}" dt="2025-05-20T17:14:49.637" v="1247"/>
+          <ac:spMkLst>
+            <pc:docMk/>
+            <pc:sldMasterMk cId="1703888869" sldId="2147483648"/>
+            <ac:spMk id="5" creationId="{A4195665-D3A0-E52C-EC63-BD0C96C8BEE0}"/>
+          </ac:spMkLst>
+        </pc:spChg>
+        <pc:spChg chg="mod">
+          <ac:chgData name="Barkasi, Michael" userId="604489e9-c8b5-4a18-ae0d-3a3e29c44efc" providerId="ADAL" clId="{F19F6765-F9C2-2F4B-B759-1DC0051C5417}" dt="2025-05-20T17:14:49.637" v="1247"/>
+          <ac:spMkLst>
+            <pc:docMk/>
+            <pc:sldMasterMk cId="1703888869" sldId="2147483648"/>
+            <ac:spMk id="6" creationId="{390F9AD5-7365-81DC-A9D9-4EA2A607C80E}"/>
+          </ac:spMkLst>
+        </pc:spChg>
+        <pc:sldLayoutChg chg="modSp">
+          <pc:chgData name="Barkasi, Michael" userId="604489e9-c8b5-4a18-ae0d-3a3e29c44efc" providerId="ADAL" clId="{F19F6765-F9C2-2F4B-B759-1DC0051C5417}" dt="2025-05-20T17:14:49.637" v="1247"/>
+          <pc:sldLayoutMkLst>
+            <pc:docMk/>
+            <pc:sldMasterMk cId="1703888869" sldId="2147483648"/>
+            <pc:sldLayoutMk cId="1294584495" sldId="2147483649"/>
+          </pc:sldLayoutMkLst>
+          <pc:spChg chg="mod">
+            <ac:chgData name="Barkasi, Michael" userId="604489e9-c8b5-4a18-ae0d-3a3e29c44efc" providerId="ADAL" clId="{F19F6765-F9C2-2F4B-B759-1DC0051C5417}" dt="2025-05-20T17:14:49.637" v="1247"/>
+            <ac:spMkLst>
+              <pc:docMk/>
+              <pc:sldMasterMk cId="1703888869" sldId="2147483648"/>
+              <pc:sldLayoutMk cId="1294584495" sldId="2147483649"/>
+              <ac:spMk id="2" creationId="{6F0B5B33-68A3-EC2E-BBC7-8FC014EC24D4}"/>
+            </ac:spMkLst>
+          </pc:spChg>
+          <pc:spChg chg="mod">
+            <ac:chgData name="Barkasi, Michael" userId="604489e9-c8b5-4a18-ae0d-3a3e29c44efc" providerId="ADAL" clId="{F19F6765-F9C2-2F4B-B759-1DC0051C5417}" dt="2025-05-20T17:14:49.637" v="1247"/>
+            <ac:spMkLst>
+              <pc:docMk/>
+              <pc:sldMasterMk cId="1703888869" sldId="2147483648"/>
+              <pc:sldLayoutMk cId="1294584495" sldId="2147483649"/>
+              <ac:spMk id="3" creationId="{C3916706-3932-9698-FEE8-6E21C4E76C72}"/>
+            </ac:spMkLst>
+          </pc:spChg>
+        </pc:sldLayoutChg>
+        <pc:sldLayoutChg chg="modSp">
+          <pc:chgData name="Barkasi, Michael" userId="604489e9-c8b5-4a18-ae0d-3a3e29c44efc" providerId="ADAL" clId="{F19F6765-F9C2-2F4B-B759-1DC0051C5417}" dt="2025-05-20T17:14:49.637" v="1247"/>
+          <pc:sldLayoutMkLst>
+            <pc:docMk/>
+            <pc:sldMasterMk cId="1703888869" sldId="2147483648"/>
+            <pc:sldLayoutMk cId="3860423307" sldId="2147483651"/>
+          </pc:sldLayoutMkLst>
+          <pc:spChg chg="mod">
+            <ac:chgData name="Barkasi, Michael" userId="604489e9-c8b5-4a18-ae0d-3a3e29c44efc" providerId="ADAL" clId="{F19F6765-F9C2-2F4B-B759-1DC0051C5417}" dt="2025-05-20T17:14:49.637" v="1247"/>
+            <ac:spMkLst>
+              <pc:docMk/>
+              <pc:sldMasterMk cId="1703888869" sldId="2147483648"/>
+              <pc:sldLayoutMk cId="3860423307" sldId="2147483651"/>
+              <ac:spMk id="2" creationId="{5D47E0B5-82F7-E56A-116C-292CBED374B1}"/>
+            </ac:spMkLst>
+          </pc:spChg>
+          <pc:spChg chg="mod">
+            <ac:chgData name="Barkasi, Michael" userId="604489e9-c8b5-4a18-ae0d-3a3e29c44efc" providerId="ADAL" clId="{F19F6765-F9C2-2F4B-B759-1DC0051C5417}" dt="2025-05-20T17:14:49.637" v="1247"/>
+            <ac:spMkLst>
+              <pc:docMk/>
+              <pc:sldMasterMk cId="1703888869" sldId="2147483648"/>
+              <pc:sldLayoutMk cId="3860423307" sldId="2147483651"/>
+              <ac:spMk id="3" creationId="{F8EA85A3-C622-21A0-FDCB-0F7D32B64A84}"/>
+            </ac:spMkLst>
+          </pc:spChg>
+        </pc:sldLayoutChg>
+        <pc:sldLayoutChg chg="modSp">
+          <pc:chgData name="Barkasi, Michael" userId="604489e9-c8b5-4a18-ae0d-3a3e29c44efc" providerId="ADAL" clId="{F19F6765-F9C2-2F4B-B759-1DC0051C5417}" dt="2025-05-20T17:14:49.637" v="1247"/>
+          <pc:sldLayoutMkLst>
+            <pc:docMk/>
+            <pc:sldMasterMk cId="1703888869" sldId="2147483648"/>
+            <pc:sldLayoutMk cId="2310068252" sldId="2147483652"/>
+          </pc:sldLayoutMkLst>
+          <pc:spChg chg="mod">
+            <ac:chgData name="Barkasi, Michael" userId="604489e9-c8b5-4a18-ae0d-3a3e29c44efc" providerId="ADAL" clId="{F19F6765-F9C2-2F4B-B759-1DC0051C5417}" dt="2025-05-20T17:14:49.637" v="1247"/>
+            <ac:spMkLst>
+              <pc:docMk/>
+              <pc:sldMasterMk cId="1703888869" sldId="2147483648"/>
+              <pc:sldLayoutMk cId="2310068252" sldId="2147483652"/>
+              <ac:spMk id="3" creationId="{1B95B245-CECA-0578-A530-294517537981}"/>
+            </ac:spMkLst>
+          </pc:spChg>
+          <pc:spChg chg="mod">
+            <ac:chgData name="Barkasi, Michael" userId="604489e9-c8b5-4a18-ae0d-3a3e29c44efc" providerId="ADAL" clId="{F19F6765-F9C2-2F4B-B759-1DC0051C5417}" dt="2025-05-20T17:14:49.637" v="1247"/>
+            <ac:spMkLst>
+              <pc:docMk/>
+              <pc:sldMasterMk cId="1703888869" sldId="2147483648"/>
+              <pc:sldLayoutMk cId="2310068252" sldId="2147483652"/>
+              <ac:spMk id="4" creationId="{07B1CD16-C23E-C436-F993-8CE8BABC54CA}"/>
+            </ac:spMkLst>
+          </pc:spChg>
+        </pc:sldLayoutChg>
+        <pc:sldLayoutChg chg="modSp">
+          <pc:chgData name="Barkasi, Michael" userId="604489e9-c8b5-4a18-ae0d-3a3e29c44efc" providerId="ADAL" clId="{F19F6765-F9C2-2F4B-B759-1DC0051C5417}" dt="2025-05-20T17:14:49.637" v="1247"/>
+          <pc:sldLayoutMkLst>
+            <pc:docMk/>
+            <pc:sldMasterMk cId="1703888869" sldId="2147483648"/>
+            <pc:sldLayoutMk cId="2182980002" sldId="2147483653"/>
+          </pc:sldLayoutMkLst>
+          <pc:spChg chg="mod">
+            <ac:chgData name="Barkasi, Michael" userId="604489e9-c8b5-4a18-ae0d-3a3e29c44efc" providerId="ADAL" clId="{F19F6765-F9C2-2F4B-B759-1DC0051C5417}" dt="2025-05-20T17:14:49.637" v="1247"/>
+            <ac:spMkLst>
+              <pc:docMk/>
+              <pc:sldMasterMk cId="1703888869" sldId="2147483648"/>
+              <pc:sldLayoutMk cId="2182980002" sldId="2147483653"/>
+              <ac:spMk id="2" creationId="{EAE902F9-3FBB-DC16-0AA7-7F5D5961BB43}"/>
+            </ac:spMkLst>
+          </pc:spChg>
+          <pc:spChg chg="mod">
+            <ac:chgData name="Barkasi, Michael" userId="604489e9-c8b5-4a18-ae0d-3a3e29c44efc" providerId="ADAL" clId="{F19F6765-F9C2-2F4B-B759-1DC0051C5417}" dt="2025-05-20T17:14:49.637" v="1247"/>
+            <ac:spMkLst>
+              <pc:docMk/>
+              <pc:sldMasterMk cId="1703888869" sldId="2147483648"/>
+              <pc:sldLayoutMk cId="2182980002" sldId="2147483653"/>
+              <ac:spMk id="3" creationId="{CC8BD7FB-7A1C-B3CE-8B02-F0B9FA031987}"/>
+            </ac:spMkLst>
+          </pc:spChg>
+          <pc:spChg chg="mod">
+            <ac:chgData name="Barkasi, Michael" userId="604489e9-c8b5-4a18-ae0d-3a3e29c44efc" providerId="ADAL" clId="{F19F6765-F9C2-2F4B-B759-1DC0051C5417}" dt="2025-05-20T17:14:49.637" v="1247"/>
+            <ac:spMkLst>
+              <pc:docMk/>
+              <pc:sldMasterMk cId="1703888869" sldId="2147483648"/>
+              <pc:sldLayoutMk cId="2182980002" sldId="2147483653"/>
+              <ac:spMk id="4" creationId="{5AB8E58E-56E2-CE1D-FF3C-D4B7008814D8}"/>
+            </ac:spMkLst>
+          </pc:spChg>
+          <pc:spChg chg="mod">
+            <ac:chgData name="Barkasi, Michael" userId="604489e9-c8b5-4a18-ae0d-3a3e29c44efc" providerId="ADAL" clId="{F19F6765-F9C2-2F4B-B759-1DC0051C5417}" dt="2025-05-20T17:14:49.637" v="1247"/>
+            <ac:spMkLst>
+              <pc:docMk/>
+              <pc:sldMasterMk cId="1703888869" sldId="2147483648"/>
+              <pc:sldLayoutMk cId="2182980002" sldId="2147483653"/>
+              <ac:spMk id="5" creationId="{9FF20E81-21CB-1830-C4B3-5DDFEC2F67C7}"/>
+            </ac:spMkLst>
+          </pc:spChg>
+          <pc:spChg chg="mod">
+            <ac:chgData name="Barkasi, Michael" userId="604489e9-c8b5-4a18-ae0d-3a3e29c44efc" providerId="ADAL" clId="{F19F6765-F9C2-2F4B-B759-1DC0051C5417}" dt="2025-05-20T17:14:49.637" v="1247"/>
+            <ac:spMkLst>
+              <pc:docMk/>
+              <pc:sldMasterMk cId="1703888869" sldId="2147483648"/>
+              <pc:sldLayoutMk cId="2182980002" sldId="2147483653"/>
+              <ac:spMk id="6" creationId="{E7FF56D4-EB03-7603-CF9B-2C1F3E9749FB}"/>
+            </ac:spMkLst>
+          </pc:spChg>
+        </pc:sldLayoutChg>
+        <pc:sldLayoutChg chg="modSp">
+          <pc:chgData name="Barkasi, Michael" userId="604489e9-c8b5-4a18-ae0d-3a3e29c44efc" providerId="ADAL" clId="{F19F6765-F9C2-2F4B-B759-1DC0051C5417}" dt="2025-05-20T17:14:49.637" v="1247"/>
+          <pc:sldLayoutMkLst>
+            <pc:docMk/>
+            <pc:sldMasterMk cId="1703888869" sldId="2147483648"/>
+            <pc:sldLayoutMk cId="2630747394" sldId="2147483656"/>
+          </pc:sldLayoutMkLst>
+          <pc:spChg chg="mod">
+            <ac:chgData name="Barkasi, Michael" userId="604489e9-c8b5-4a18-ae0d-3a3e29c44efc" providerId="ADAL" clId="{F19F6765-F9C2-2F4B-B759-1DC0051C5417}" dt="2025-05-20T17:14:49.637" v="1247"/>
+            <ac:spMkLst>
+              <pc:docMk/>
+              <pc:sldMasterMk cId="1703888869" sldId="2147483648"/>
+              <pc:sldLayoutMk cId="2630747394" sldId="2147483656"/>
+              <ac:spMk id="2" creationId="{A2142746-A4B1-ADF7-08D3-50FF1799EFC0}"/>
+            </ac:spMkLst>
+          </pc:spChg>
+          <pc:spChg chg="mod">
+            <ac:chgData name="Barkasi, Michael" userId="604489e9-c8b5-4a18-ae0d-3a3e29c44efc" providerId="ADAL" clId="{F19F6765-F9C2-2F4B-B759-1DC0051C5417}" dt="2025-05-20T17:14:49.637" v="1247"/>
+            <ac:spMkLst>
+              <pc:docMk/>
+              <pc:sldMasterMk cId="1703888869" sldId="2147483648"/>
+              <pc:sldLayoutMk cId="2630747394" sldId="2147483656"/>
+              <ac:spMk id="3" creationId="{07597DE4-5BE5-1999-A809-09B238328FDB}"/>
+            </ac:spMkLst>
+          </pc:spChg>
+          <pc:spChg chg="mod">
+            <ac:chgData name="Barkasi, Michael" userId="604489e9-c8b5-4a18-ae0d-3a3e29c44efc" providerId="ADAL" clId="{F19F6765-F9C2-2F4B-B759-1DC0051C5417}" dt="2025-05-20T17:14:49.637" v="1247"/>
+            <ac:spMkLst>
+              <pc:docMk/>
+              <pc:sldMasterMk cId="1703888869" sldId="2147483648"/>
+              <pc:sldLayoutMk cId="2630747394" sldId="2147483656"/>
+              <ac:spMk id="4" creationId="{376124B4-9140-EA66-B70A-D8B834096F4C}"/>
+            </ac:spMkLst>
+          </pc:spChg>
+        </pc:sldLayoutChg>
+        <pc:sldLayoutChg chg="modSp">
+          <pc:chgData name="Barkasi, Michael" userId="604489e9-c8b5-4a18-ae0d-3a3e29c44efc" providerId="ADAL" clId="{F19F6765-F9C2-2F4B-B759-1DC0051C5417}" dt="2025-05-20T17:14:49.637" v="1247"/>
+          <pc:sldLayoutMkLst>
+            <pc:docMk/>
+            <pc:sldMasterMk cId="1703888869" sldId="2147483648"/>
+            <pc:sldLayoutMk cId="1146306857" sldId="2147483657"/>
+          </pc:sldLayoutMkLst>
+          <pc:spChg chg="mod">
+            <ac:chgData name="Barkasi, Michael" userId="604489e9-c8b5-4a18-ae0d-3a3e29c44efc" providerId="ADAL" clId="{F19F6765-F9C2-2F4B-B759-1DC0051C5417}" dt="2025-05-20T17:14:49.637" v="1247"/>
+            <ac:spMkLst>
+              <pc:docMk/>
+              <pc:sldMasterMk cId="1703888869" sldId="2147483648"/>
+              <pc:sldLayoutMk cId="1146306857" sldId="2147483657"/>
+              <ac:spMk id="2" creationId="{D054348B-8418-9AB3-68BA-FDFD0F58C843}"/>
+            </ac:spMkLst>
+          </pc:spChg>
+          <pc:spChg chg="mod">
+            <ac:chgData name="Barkasi, Michael" userId="604489e9-c8b5-4a18-ae0d-3a3e29c44efc" providerId="ADAL" clId="{F19F6765-F9C2-2F4B-B759-1DC0051C5417}" dt="2025-05-20T17:14:49.637" v="1247"/>
+            <ac:spMkLst>
+              <pc:docMk/>
+              <pc:sldMasterMk cId="1703888869" sldId="2147483648"/>
+              <pc:sldLayoutMk cId="1146306857" sldId="2147483657"/>
+              <ac:spMk id="3" creationId="{C160D014-C410-FF05-6ED6-FCDD1AFA0E56}"/>
+            </ac:spMkLst>
+          </pc:spChg>
+          <pc:spChg chg="mod">
+            <ac:chgData name="Barkasi, Michael" userId="604489e9-c8b5-4a18-ae0d-3a3e29c44efc" providerId="ADAL" clId="{F19F6765-F9C2-2F4B-B759-1DC0051C5417}" dt="2025-05-20T17:14:49.637" v="1247"/>
+            <ac:spMkLst>
+              <pc:docMk/>
+              <pc:sldMasterMk cId="1703888869" sldId="2147483648"/>
+              <pc:sldLayoutMk cId="1146306857" sldId="2147483657"/>
+              <ac:spMk id="4" creationId="{29D73979-D6B9-B7E7-339C-71798B5B8AC5}"/>
+            </ac:spMkLst>
+          </pc:spChg>
+        </pc:sldLayoutChg>
+        <pc:sldLayoutChg chg="modSp">
+          <pc:chgData name="Barkasi, Michael" userId="604489e9-c8b5-4a18-ae0d-3a3e29c44efc" providerId="ADAL" clId="{F19F6765-F9C2-2F4B-B759-1DC0051C5417}" dt="2025-05-20T17:14:49.637" v="1247"/>
+          <pc:sldLayoutMkLst>
+            <pc:docMk/>
+            <pc:sldMasterMk cId="1703888869" sldId="2147483648"/>
+            <pc:sldLayoutMk cId="2326339952" sldId="2147483659"/>
+          </pc:sldLayoutMkLst>
+          <pc:spChg chg="mod">
+            <ac:chgData name="Barkasi, Michael" userId="604489e9-c8b5-4a18-ae0d-3a3e29c44efc" providerId="ADAL" clId="{F19F6765-F9C2-2F4B-B759-1DC0051C5417}" dt="2025-05-20T17:14:49.637" v="1247"/>
+            <ac:spMkLst>
+              <pc:docMk/>
+              <pc:sldMasterMk cId="1703888869" sldId="2147483648"/>
+              <pc:sldLayoutMk cId="2326339952" sldId="2147483659"/>
+              <ac:spMk id="2" creationId="{E5EB7D9C-8176-F359-9274-ED96EA562217}"/>
+            </ac:spMkLst>
+          </pc:spChg>
+          <pc:spChg chg="mod">
+            <ac:chgData name="Barkasi, Michael" userId="604489e9-c8b5-4a18-ae0d-3a3e29c44efc" providerId="ADAL" clId="{F19F6765-F9C2-2F4B-B759-1DC0051C5417}" dt="2025-05-20T17:14:49.637" v="1247"/>
+            <ac:spMkLst>
+              <pc:docMk/>
+              <pc:sldMasterMk cId="1703888869" sldId="2147483648"/>
+              <pc:sldLayoutMk cId="2326339952" sldId="2147483659"/>
+              <ac:spMk id="3" creationId="{20AD3C8B-6FB2-2897-51C6-3EC3F91A1503}"/>
+            </ac:spMkLst>
+          </pc:spChg>
+        </pc:sldLayoutChg>
+      </pc:sldMasterChg>
+      <pc:sldMasterChg chg="modSp modSldLayout">
+        <pc:chgData name="Barkasi, Michael" userId="604489e9-c8b5-4a18-ae0d-3a3e29c44efc" providerId="ADAL" clId="{F19F6765-F9C2-2F4B-B759-1DC0051C5417}" dt="2025-05-20T17:15:26.142" v="1249"/>
+        <pc:sldMasterMkLst>
+          <pc:docMk/>
+          <pc:sldMasterMk cId="3418025854" sldId="2147483660"/>
+        </pc:sldMasterMkLst>
+        <pc:spChg chg="mod">
+          <ac:chgData name="Barkasi, Michael" userId="604489e9-c8b5-4a18-ae0d-3a3e29c44efc" providerId="ADAL" clId="{F19F6765-F9C2-2F4B-B759-1DC0051C5417}" dt="2025-05-20T17:15:26.142" v="1249"/>
+          <ac:spMkLst>
+            <pc:docMk/>
+            <pc:sldMasterMk cId="3418025854" sldId="2147483660"/>
+            <ac:spMk id="2" creationId="{00000000-0000-0000-0000-000000000000}"/>
+          </ac:spMkLst>
+        </pc:spChg>
+        <pc:spChg chg="mod">
+          <ac:chgData name="Barkasi, Michael" userId="604489e9-c8b5-4a18-ae0d-3a3e29c44efc" providerId="ADAL" clId="{F19F6765-F9C2-2F4B-B759-1DC0051C5417}" dt="2025-05-20T17:15:26.142" v="1249"/>
+          <ac:spMkLst>
+            <pc:docMk/>
+            <pc:sldMasterMk cId="3418025854" sldId="2147483660"/>
+            <ac:spMk id="3" creationId="{00000000-0000-0000-0000-000000000000}"/>
+          </ac:spMkLst>
+        </pc:spChg>
+        <pc:spChg chg="mod">
+          <ac:chgData name="Barkasi, Michael" userId="604489e9-c8b5-4a18-ae0d-3a3e29c44efc" providerId="ADAL" clId="{F19F6765-F9C2-2F4B-B759-1DC0051C5417}" dt="2025-05-20T17:15:26.142" v="1249"/>
+          <ac:spMkLst>
+            <pc:docMk/>
+            <pc:sldMasterMk cId="3418025854" sldId="2147483660"/>
+            <ac:spMk id="4" creationId="{00000000-0000-0000-0000-000000000000}"/>
+          </ac:spMkLst>
+        </pc:spChg>
+        <pc:spChg chg="mod">
+          <ac:chgData name="Barkasi, Michael" userId="604489e9-c8b5-4a18-ae0d-3a3e29c44efc" providerId="ADAL" clId="{F19F6765-F9C2-2F4B-B759-1DC0051C5417}" dt="2025-05-20T17:15:26.142" v="1249"/>
+          <ac:spMkLst>
+            <pc:docMk/>
+            <pc:sldMasterMk cId="3418025854" sldId="2147483660"/>
+            <ac:spMk id="5" creationId="{00000000-0000-0000-0000-000000000000}"/>
+          </ac:spMkLst>
+        </pc:spChg>
+        <pc:spChg chg="mod">
+          <ac:chgData name="Barkasi, Michael" userId="604489e9-c8b5-4a18-ae0d-3a3e29c44efc" providerId="ADAL" clId="{F19F6765-F9C2-2F4B-B759-1DC0051C5417}" dt="2025-05-20T17:15:26.142" v="1249"/>
+          <ac:spMkLst>
+            <pc:docMk/>
+            <pc:sldMasterMk cId="3418025854" sldId="2147483660"/>
+            <ac:spMk id="6" creationId="{00000000-0000-0000-0000-000000000000}"/>
+          </ac:spMkLst>
+        </pc:spChg>
+        <pc:sldLayoutChg chg="modSp">
+          <pc:chgData name="Barkasi, Michael" userId="604489e9-c8b5-4a18-ae0d-3a3e29c44efc" providerId="ADAL" clId="{F19F6765-F9C2-2F4B-B759-1DC0051C5417}" dt="2025-05-20T17:15:26.142" v="1249"/>
+          <pc:sldLayoutMkLst>
+            <pc:docMk/>
+            <pc:sldMasterMk cId="3418025854" sldId="2147483660"/>
+            <pc:sldLayoutMk cId="4154619400" sldId="2147483661"/>
+          </pc:sldLayoutMkLst>
+          <pc:spChg chg="mod">
+            <ac:chgData name="Barkasi, Michael" userId="604489e9-c8b5-4a18-ae0d-3a3e29c44efc" providerId="ADAL" clId="{F19F6765-F9C2-2F4B-B759-1DC0051C5417}" dt="2025-05-20T17:15:26.142" v="1249"/>
+            <ac:spMkLst>
+              <pc:docMk/>
+              <pc:sldMasterMk cId="3418025854" sldId="2147483660"/>
+              <pc:sldLayoutMk cId="4154619400" sldId="2147483661"/>
+              <ac:spMk id="2" creationId="{00000000-0000-0000-0000-000000000000}"/>
+            </ac:spMkLst>
+          </pc:spChg>
+          <pc:spChg chg="mod">
+            <ac:chgData name="Barkasi, Michael" userId="604489e9-c8b5-4a18-ae0d-3a3e29c44efc" providerId="ADAL" clId="{F19F6765-F9C2-2F4B-B759-1DC0051C5417}" dt="2025-05-20T17:15:26.142" v="1249"/>
+            <ac:spMkLst>
+              <pc:docMk/>
+              <pc:sldMasterMk cId="3418025854" sldId="2147483660"/>
+              <pc:sldLayoutMk cId="4154619400" sldId="2147483661"/>
+              <ac:spMk id="3" creationId="{00000000-0000-0000-0000-000000000000}"/>
+            </ac:spMkLst>
+          </pc:spChg>
+        </pc:sldLayoutChg>
+        <pc:sldLayoutChg chg="modSp">
+          <pc:chgData name="Barkasi, Michael" userId="604489e9-c8b5-4a18-ae0d-3a3e29c44efc" providerId="ADAL" clId="{F19F6765-F9C2-2F4B-B759-1DC0051C5417}" dt="2025-05-20T17:15:26.142" v="1249"/>
+          <pc:sldLayoutMkLst>
+            <pc:docMk/>
+            <pc:sldMasterMk cId="3418025854" sldId="2147483660"/>
+            <pc:sldLayoutMk cId="643788476" sldId="2147483663"/>
+          </pc:sldLayoutMkLst>
+          <pc:spChg chg="mod">
+            <ac:chgData name="Barkasi, Michael" userId="604489e9-c8b5-4a18-ae0d-3a3e29c44efc" providerId="ADAL" clId="{F19F6765-F9C2-2F4B-B759-1DC0051C5417}" dt="2025-05-20T17:15:26.142" v="1249"/>
+            <ac:spMkLst>
+              <pc:docMk/>
+              <pc:sldMasterMk cId="3418025854" sldId="2147483660"/>
+              <pc:sldLayoutMk cId="643788476" sldId="2147483663"/>
+              <ac:spMk id="2" creationId="{00000000-0000-0000-0000-000000000000}"/>
+            </ac:spMkLst>
+          </pc:spChg>
+          <pc:spChg chg="mod">
+            <ac:chgData name="Barkasi, Michael" userId="604489e9-c8b5-4a18-ae0d-3a3e29c44efc" providerId="ADAL" clId="{F19F6765-F9C2-2F4B-B759-1DC0051C5417}" dt="2025-05-20T17:15:26.142" v="1249"/>
+            <ac:spMkLst>
+              <pc:docMk/>
+              <pc:sldMasterMk cId="3418025854" sldId="2147483660"/>
+              <pc:sldLayoutMk cId="643788476" sldId="2147483663"/>
+              <ac:spMk id="3" creationId="{00000000-0000-0000-0000-000000000000}"/>
+            </ac:spMkLst>
+          </pc:spChg>
+        </pc:sldLayoutChg>
+        <pc:sldLayoutChg chg="modSp">
+          <pc:chgData name="Barkasi, Michael" userId="604489e9-c8b5-4a18-ae0d-3a3e29c44efc" providerId="ADAL" clId="{F19F6765-F9C2-2F4B-B759-1DC0051C5417}" dt="2025-05-20T17:15:26.142" v="1249"/>
+          <pc:sldLayoutMkLst>
+            <pc:docMk/>
+            <pc:sldMasterMk cId="3418025854" sldId="2147483660"/>
+            <pc:sldLayoutMk cId="2869613234" sldId="2147483664"/>
+          </pc:sldLayoutMkLst>
+          <pc:spChg chg="mod">
+            <ac:chgData name="Barkasi, Michael" userId="604489e9-c8b5-4a18-ae0d-3a3e29c44efc" providerId="ADAL" clId="{F19F6765-F9C2-2F4B-B759-1DC0051C5417}" dt="2025-05-20T17:15:26.142" v="1249"/>
+            <ac:spMkLst>
+              <pc:docMk/>
+              <pc:sldMasterMk cId="3418025854" sldId="2147483660"/>
+              <pc:sldLayoutMk cId="2869613234" sldId="2147483664"/>
+              <ac:spMk id="3" creationId="{00000000-0000-0000-0000-000000000000}"/>
+            </ac:spMkLst>
+          </pc:spChg>
+          <pc:spChg chg="mod">
+            <ac:chgData name="Barkasi, Michael" userId="604489e9-c8b5-4a18-ae0d-3a3e29c44efc" providerId="ADAL" clId="{F19F6765-F9C2-2F4B-B759-1DC0051C5417}" dt="2025-05-20T17:15:26.142" v="1249"/>
+            <ac:spMkLst>
+              <pc:docMk/>
+              <pc:sldMasterMk cId="3418025854" sldId="2147483660"/>
+              <pc:sldLayoutMk cId="2869613234" sldId="2147483664"/>
+              <ac:spMk id="4" creationId="{00000000-0000-0000-0000-000000000000}"/>
+            </ac:spMkLst>
+          </pc:spChg>
+        </pc:sldLayoutChg>
+        <pc:sldLayoutChg chg="modSp">
+          <pc:chgData name="Barkasi, Michael" userId="604489e9-c8b5-4a18-ae0d-3a3e29c44efc" providerId="ADAL" clId="{F19F6765-F9C2-2F4B-B759-1DC0051C5417}" dt="2025-05-20T17:15:26.142" v="1249"/>
+          <pc:sldLayoutMkLst>
+            <pc:docMk/>
+            <pc:sldMasterMk cId="3418025854" sldId="2147483660"/>
+            <pc:sldLayoutMk cId="1255117067" sldId="2147483665"/>
+          </pc:sldLayoutMkLst>
+          <pc:spChg chg="mod">
+            <ac:chgData name="Barkasi, Michael" userId="604489e9-c8b5-4a18-ae0d-3a3e29c44efc" providerId="ADAL" clId="{F19F6765-F9C2-2F4B-B759-1DC0051C5417}" dt="2025-05-20T17:15:26.142" v="1249"/>
+            <ac:spMkLst>
+              <pc:docMk/>
+              <pc:sldMasterMk cId="3418025854" sldId="2147483660"/>
+              <pc:sldLayoutMk cId="1255117067" sldId="2147483665"/>
+              <ac:spMk id="2" creationId="{00000000-0000-0000-0000-000000000000}"/>
+            </ac:spMkLst>
+          </pc:spChg>
+          <pc:spChg chg="mod">
+            <ac:chgData name="Barkasi, Michael" userId="604489e9-c8b5-4a18-ae0d-3a3e29c44efc" providerId="ADAL" clId="{F19F6765-F9C2-2F4B-B759-1DC0051C5417}" dt="2025-05-20T17:15:26.142" v="1249"/>
+            <ac:spMkLst>
+              <pc:docMk/>
+              <pc:sldMasterMk cId="3418025854" sldId="2147483660"/>
+              <pc:sldLayoutMk cId="1255117067" sldId="2147483665"/>
+              <ac:spMk id="3" creationId="{00000000-0000-0000-0000-000000000000}"/>
+            </ac:spMkLst>
+          </pc:spChg>
+          <pc:spChg chg="mod">
+            <ac:chgData name="Barkasi, Michael" userId="604489e9-c8b5-4a18-ae0d-3a3e29c44efc" providerId="ADAL" clId="{F19F6765-F9C2-2F4B-B759-1DC0051C5417}" dt="2025-05-20T17:15:26.142" v="1249"/>
+            <ac:spMkLst>
+              <pc:docMk/>
+              <pc:sldMasterMk cId="3418025854" sldId="2147483660"/>
+              <pc:sldLayoutMk cId="1255117067" sldId="2147483665"/>
+              <ac:spMk id="4" creationId="{00000000-0000-0000-0000-000000000000}"/>
+            </ac:spMkLst>
+          </pc:spChg>
+          <pc:spChg chg="mod">
+            <ac:chgData name="Barkasi, Michael" userId="604489e9-c8b5-4a18-ae0d-3a3e29c44efc" providerId="ADAL" clId="{F19F6765-F9C2-2F4B-B759-1DC0051C5417}" dt="2025-05-20T17:15:26.142" v="1249"/>
+            <ac:spMkLst>
+              <pc:docMk/>
+              <pc:sldMasterMk cId="3418025854" sldId="2147483660"/>
+              <pc:sldLayoutMk cId="1255117067" sldId="2147483665"/>
+              <ac:spMk id="5" creationId="{00000000-0000-0000-0000-000000000000}"/>
+            </ac:spMkLst>
+          </pc:spChg>
+          <pc:spChg chg="mod">
+            <ac:chgData name="Barkasi, Michael" userId="604489e9-c8b5-4a18-ae0d-3a3e29c44efc" providerId="ADAL" clId="{F19F6765-F9C2-2F4B-B759-1DC0051C5417}" dt="2025-05-20T17:15:26.142" v="1249"/>
+            <ac:spMkLst>
+              <pc:docMk/>
+              <pc:sldMasterMk cId="3418025854" sldId="2147483660"/>
+              <pc:sldLayoutMk cId="1255117067" sldId="2147483665"/>
+              <ac:spMk id="6" creationId="{00000000-0000-0000-0000-000000000000}"/>
+            </ac:spMkLst>
+          </pc:spChg>
+        </pc:sldLayoutChg>
+        <pc:sldLayoutChg chg="modSp">
+          <pc:chgData name="Barkasi, Michael" userId="604489e9-c8b5-4a18-ae0d-3a3e29c44efc" providerId="ADAL" clId="{F19F6765-F9C2-2F4B-B759-1DC0051C5417}" dt="2025-05-20T17:15:26.142" v="1249"/>
+          <pc:sldLayoutMkLst>
+            <pc:docMk/>
+            <pc:sldMasterMk cId="3418025854" sldId="2147483660"/>
+            <pc:sldLayoutMk cId="3810937757" sldId="2147483668"/>
+          </pc:sldLayoutMkLst>
+          <pc:spChg chg="mod">
+            <ac:chgData name="Barkasi, Michael" userId="604489e9-c8b5-4a18-ae0d-3a3e29c44efc" providerId="ADAL" clId="{F19F6765-F9C2-2F4B-B759-1DC0051C5417}" dt="2025-05-20T17:15:26.142" v="1249"/>
+            <ac:spMkLst>
+              <pc:docMk/>
+              <pc:sldMasterMk cId="3418025854" sldId="2147483660"/>
+              <pc:sldLayoutMk cId="3810937757" sldId="2147483668"/>
+              <ac:spMk id="2" creationId="{00000000-0000-0000-0000-000000000000}"/>
+            </ac:spMkLst>
+          </pc:spChg>
+          <pc:spChg chg="mod">
+            <ac:chgData name="Barkasi, Michael" userId="604489e9-c8b5-4a18-ae0d-3a3e29c44efc" providerId="ADAL" clId="{F19F6765-F9C2-2F4B-B759-1DC0051C5417}" dt="2025-05-20T17:15:26.142" v="1249"/>
+            <ac:spMkLst>
+              <pc:docMk/>
+              <pc:sldMasterMk cId="3418025854" sldId="2147483660"/>
+              <pc:sldLayoutMk cId="3810937757" sldId="2147483668"/>
+              <ac:spMk id="3" creationId="{00000000-0000-0000-0000-000000000000}"/>
+            </ac:spMkLst>
+          </pc:spChg>
+          <pc:spChg chg="mod">
+            <ac:chgData name="Barkasi, Michael" userId="604489e9-c8b5-4a18-ae0d-3a3e29c44efc" providerId="ADAL" clId="{F19F6765-F9C2-2F4B-B759-1DC0051C5417}" dt="2025-05-20T17:15:26.142" v="1249"/>
+            <ac:spMkLst>
+              <pc:docMk/>
+              <pc:sldMasterMk cId="3418025854" sldId="2147483660"/>
+              <pc:sldLayoutMk cId="3810937757" sldId="2147483668"/>
+              <ac:spMk id="4" creationId="{00000000-0000-0000-0000-000000000000}"/>
+            </ac:spMkLst>
+          </pc:spChg>
+        </pc:sldLayoutChg>
+        <pc:sldLayoutChg chg="modSp">
+          <pc:chgData name="Barkasi, Michael" userId="604489e9-c8b5-4a18-ae0d-3a3e29c44efc" providerId="ADAL" clId="{F19F6765-F9C2-2F4B-B759-1DC0051C5417}" dt="2025-05-20T17:15:26.142" v="1249"/>
+          <pc:sldLayoutMkLst>
+            <pc:docMk/>
+            <pc:sldMasterMk cId="3418025854" sldId="2147483660"/>
+            <pc:sldLayoutMk cId="2692747777" sldId="2147483669"/>
+          </pc:sldLayoutMkLst>
+          <pc:spChg chg="mod">
+            <ac:chgData name="Barkasi, Michael" userId="604489e9-c8b5-4a18-ae0d-3a3e29c44efc" providerId="ADAL" clId="{F19F6765-F9C2-2F4B-B759-1DC0051C5417}" dt="2025-05-20T17:15:26.142" v="1249"/>
+            <ac:spMkLst>
+              <pc:docMk/>
+              <pc:sldMasterMk cId="3418025854" sldId="2147483660"/>
+              <pc:sldLayoutMk cId="2692747777" sldId="2147483669"/>
+              <ac:spMk id="2" creationId="{00000000-0000-0000-0000-000000000000}"/>
+            </ac:spMkLst>
+          </pc:spChg>
+          <pc:spChg chg="mod">
+            <ac:chgData name="Barkasi, Michael" userId="604489e9-c8b5-4a18-ae0d-3a3e29c44efc" providerId="ADAL" clId="{F19F6765-F9C2-2F4B-B759-1DC0051C5417}" dt="2025-05-20T17:15:26.142" v="1249"/>
+            <ac:spMkLst>
+              <pc:docMk/>
+              <pc:sldMasterMk cId="3418025854" sldId="2147483660"/>
+              <pc:sldLayoutMk cId="2692747777" sldId="2147483669"/>
+              <ac:spMk id="3" creationId="{00000000-0000-0000-0000-000000000000}"/>
+            </ac:spMkLst>
+          </pc:spChg>
+          <pc:spChg chg="mod">
+            <ac:chgData name="Barkasi, Michael" userId="604489e9-c8b5-4a18-ae0d-3a3e29c44efc" providerId="ADAL" clId="{F19F6765-F9C2-2F4B-B759-1DC0051C5417}" dt="2025-05-20T17:15:26.142" v="1249"/>
+            <ac:spMkLst>
+              <pc:docMk/>
+              <pc:sldMasterMk cId="3418025854" sldId="2147483660"/>
+              <pc:sldLayoutMk cId="2692747777" sldId="2147483669"/>
+              <ac:spMk id="4" creationId="{00000000-0000-0000-0000-000000000000}"/>
+            </ac:spMkLst>
+          </pc:spChg>
+        </pc:sldLayoutChg>
+        <pc:sldLayoutChg chg="modSp">
+          <pc:chgData name="Barkasi, Michael" userId="604489e9-c8b5-4a18-ae0d-3a3e29c44efc" providerId="ADAL" clId="{F19F6765-F9C2-2F4B-B759-1DC0051C5417}" dt="2025-05-20T17:15:26.142" v="1249"/>
+          <pc:sldLayoutMkLst>
+            <pc:docMk/>
+            <pc:sldMasterMk cId="3418025854" sldId="2147483660"/>
+            <pc:sldLayoutMk cId="3745215703" sldId="2147483671"/>
+          </pc:sldLayoutMkLst>
+          <pc:spChg chg="mod">
+            <ac:chgData name="Barkasi, Michael" userId="604489e9-c8b5-4a18-ae0d-3a3e29c44efc" providerId="ADAL" clId="{F19F6765-F9C2-2F4B-B759-1DC0051C5417}" dt="2025-05-20T17:15:26.142" v="1249"/>
+            <ac:spMkLst>
+              <pc:docMk/>
+              <pc:sldMasterMk cId="3418025854" sldId="2147483660"/>
+              <pc:sldLayoutMk cId="3745215703" sldId="2147483671"/>
+              <ac:spMk id="2" creationId="{00000000-0000-0000-0000-000000000000}"/>
+            </ac:spMkLst>
+          </pc:spChg>
+          <pc:spChg chg="mod">
+            <ac:chgData name="Barkasi, Michael" userId="604489e9-c8b5-4a18-ae0d-3a3e29c44efc" providerId="ADAL" clId="{F19F6765-F9C2-2F4B-B759-1DC0051C5417}" dt="2025-05-20T17:15:26.142" v="1249"/>
+            <ac:spMkLst>
+              <pc:docMk/>
+              <pc:sldMasterMk cId="3418025854" sldId="2147483660"/>
+              <pc:sldLayoutMk cId="3745215703" sldId="2147483671"/>
+              <ac:spMk id="3" creationId="{00000000-0000-0000-0000-000000000000}"/>
+            </ac:spMkLst>
+          </pc:spChg>
+        </pc:sldLayoutChg>
+      </pc:sldMasterChg>
     </pc:docChg>
   </pc:docChgLst>
 </pc:chgInfo>
@@ -667,13 +2038,7 @@
       </p:grpSpPr>
       <p:sp>
         <p:nvSpPr>
-          <p:cNvPr id="2" name="Title 1">
-            <a:extLst>
-              <a:ext uri="{FF2B5EF4-FFF2-40B4-BE49-F238E27FC236}">
-                <a16:creationId xmlns:a16="http://schemas.microsoft.com/office/drawing/2014/main" id="{6F0B5B33-68A3-EC2E-BBC7-8FC014EC24D4}"/>
-              </a:ext>
-            </a:extLst>
-          </p:cNvPr>
+          <p:cNvPr id="2" name="Title 1"/>
           <p:cNvSpPr>
             <a:spLocks noGrp="1"/>
           </p:cNvSpPr>
@@ -683,15 +2048,15 @@
         </p:nvSpPr>
         <p:spPr>
           <a:xfrm>
-            <a:off x="1524000" y="1122363"/>
-            <a:ext cx="9144000" cy="2387600"/>
+            <a:off x="1657350" y="1047539"/>
+            <a:ext cx="9944100" cy="2228427"/>
           </a:xfrm>
         </p:spPr>
         <p:txBody>
           <a:bodyPr anchor="b"/>
           <a:lstStyle>
             <a:lvl1pPr algn="ctr">
-              <a:defRPr sz="6000"/>
+              <a:defRPr sz="5600"/>
             </a:lvl1pPr>
           </a:lstStyle>
           <a:p>
@@ -699,18 +2064,13 @@
               <a:rPr lang="en-US"/>
               <a:t>Click to edit Master title style</a:t>
             </a:r>
+            <a:endParaRPr lang="en-US" dirty="0"/>
           </a:p>
         </p:txBody>
       </p:sp>
       <p:sp>
         <p:nvSpPr>
-          <p:cNvPr id="3" name="Subtitle 2">
-            <a:extLst>
-              <a:ext uri="{FF2B5EF4-FFF2-40B4-BE49-F238E27FC236}">
-                <a16:creationId xmlns:a16="http://schemas.microsoft.com/office/drawing/2014/main" id="{C3916706-3932-9698-FEE8-6E21C4E76C72}"/>
-              </a:ext>
-            </a:extLst>
-          </p:cNvPr>
+          <p:cNvPr id="3" name="Subtitle 2"/>
           <p:cNvSpPr>
             <a:spLocks noGrp="1"/>
           </p:cNvSpPr>
@@ -720,8 +2080,8 @@
         </p:nvSpPr>
         <p:spPr>
           <a:xfrm>
-            <a:off x="1524000" y="3602038"/>
-            <a:ext cx="9144000" cy="1655762"/>
+            <a:off x="1657350" y="3361902"/>
+            <a:ext cx="9944100" cy="1545378"/>
           </a:xfrm>
         </p:spPr>
         <p:txBody>
@@ -729,39 +2089,39 @@
           <a:lstStyle>
             <a:lvl1pPr marL="0" indent="0" algn="ctr">
               <a:buNone/>
-              <a:defRPr sz="2400"/>
+              <a:defRPr sz="2240"/>
             </a:lvl1pPr>
-            <a:lvl2pPr marL="457200" indent="0" algn="ctr">
+            <a:lvl2pPr marL="426705" indent="0" algn="ctr">
               <a:buNone/>
-              <a:defRPr sz="2000"/>
+              <a:defRPr sz="1867"/>
             </a:lvl2pPr>
-            <a:lvl3pPr marL="914400" indent="0" algn="ctr">
+            <a:lvl3pPr marL="853410" indent="0" algn="ctr">
               <a:buNone/>
-              <a:defRPr sz="1800"/>
+              <a:defRPr sz="1680"/>
             </a:lvl3pPr>
-            <a:lvl4pPr marL="1371600" indent="0" algn="ctr">
+            <a:lvl4pPr marL="1280114" indent="0" algn="ctr">
               <a:buNone/>
-              <a:defRPr sz="1600"/>
+              <a:defRPr sz="1493"/>
             </a:lvl4pPr>
-            <a:lvl5pPr marL="1828800" indent="0" algn="ctr">
+            <a:lvl5pPr marL="1706819" indent="0" algn="ctr">
               <a:buNone/>
-              <a:defRPr sz="1600"/>
+              <a:defRPr sz="1493"/>
             </a:lvl5pPr>
-            <a:lvl6pPr marL="2286000" indent="0" algn="ctr">
+            <a:lvl6pPr marL="2133524" indent="0" algn="ctr">
               <a:buNone/>
-              <a:defRPr sz="1600"/>
+              <a:defRPr sz="1493"/>
             </a:lvl6pPr>
-            <a:lvl7pPr marL="2743200" indent="0" algn="ctr">
+            <a:lvl7pPr marL="2560229" indent="0" algn="ctr">
               <a:buNone/>
-              <a:defRPr sz="1600"/>
+              <a:defRPr sz="1493"/>
             </a:lvl7pPr>
-            <a:lvl8pPr marL="3200400" indent="0" algn="ctr">
+            <a:lvl8pPr marL="2986933" indent="0" algn="ctr">
               <a:buNone/>
-              <a:defRPr sz="1600"/>
+              <a:defRPr sz="1493"/>
             </a:lvl8pPr>
-            <a:lvl9pPr marL="3657600" indent="0" algn="ctr">
+            <a:lvl9pPr marL="3413638" indent="0" algn="ctr">
               <a:buNone/>
-              <a:defRPr sz="1600"/>
+              <a:defRPr sz="1493"/>
             </a:lvl9pPr>
           </a:lstStyle>
           <a:p>
@@ -769,18 +2129,13 @@
               <a:rPr lang="en-US"/>
               <a:t>Click to edit Master subtitle style</a:t>
             </a:r>
+            <a:endParaRPr lang="en-US" dirty="0"/>
           </a:p>
         </p:txBody>
       </p:sp>
       <p:sp>
         <p:nvSpPr>
-          <p:cNvPr id="4" name="Date Placeholder 3">
-            <a:extLst>
-              <a:ext uri="{FF2B5EF4-FFF2-40B4-BE49-F238E27FC236}">
-                <a16:creationId xmlns:a16="http://schemas.microsoft.com/office/drawing/2014/main" id="{07B98756-A934-542A-0D15-BADEC191470F}"/>
-              </a:ext>
-            </a:extLst>
-          </p:cNvPr>
+          <p:cNvPr id="4" name="Date Placeholder 3"/>
           <p:cNvSpPr>
             <a:spLocks noGrp="1"/>
           </p:cNvSpPr>
@@ -795,7 +2150,7 @@
           <a:p>
             <a:fld id="{0671BF96-9467-0B49-AF35-7149D7F70E39}" type="datetimeFigureOut">
               <a:rPr lang="en-US" smtClean="0"/>
-              <a:t>5/5/25</a:t>
+              <a:t>5/20/25</a:t>
             </a:fld>
             <a:endParaRPr lang="en-US"/>
           </a:p>
@@ -803,13 +2158,7 @@
       </p:sp>
       <p:sp>
         <p:nvSpPr>
-          <p:cNvPr id="5" name="Footer Placeholder 4">
-            <a:extLst>
-              <a:ext uri="{FF2B5EF4-FFF2-40B4-BE49-F238E27FC236}">
-                <a16:creationId xmlns:a16="http://schemas.microsoft.com/office/drawing/2014/main" id="{350670EE-540F-DC6A-1250-0DE5CED67020}"/>
-              </a:ext>
-            </a:extLst>
-          </p:cNvPr>
+          <p:cNvPr id="5" name="Footer Placeholder 4"/>
           <p:cNvSpPr>
             <a:spLocks noGrp="1"/>
           </p:cNvSpPr>
@@ -828,13 +2177,7 @@
       </p:sp>
       <p:sp>
         <p:nvSpPr>
-          <p:cNvPr id="6" name="Slide Number Placeholder 5">
-            <a:extLst>
-              <a:ext uri="{FF2B5EF4-FFF2-40B4-BE49-F238E27FC236}">
-                <a16:creationId xmlns:a16="http://schemas.microsoft.com/office/drawing/2014/main" id="{4EDBA342-7071-6441-16EB-95E198351265}"/>
-              </a:ext>
-            </a:extLst>
-          </p:cNvPr>
+          <p:cNvPr id="6" name="Slide Number Placeholder 5"/>
           <p:cNvSpPr>
             <a:spLocks noGrp="1"/>
           </p:cNvSpPr>
@@ -858,7 +2201,7 @@
     </p:spTree>
     <p:extLst>
       <p:ext uri="{BB962C8B-B14F-4D97-AF65-F5344CB8AC3E}">
-        <p14:creationId xmlns:p14="http://schemas.microsoft.com/office/powerpoint/2010/main" val="1294584495"/>
+        <p14:creationId xmlns:p14="http://schemas.microsoft.com/office/powerpoint/2010/main" val="69657434"/>
       </p:ext>
     </p:extLst>
   </p:cSld>
@@ -887,13 +2230,7 @@
       </p:grpSpPr>
       <p:sp>
         <p:nvSpPr>
-          <p:cNvPr id="2" name="Title 1">
-            <a:extLst>
-              <a:ext uri="{FF2B5EF4-FFF2-40B4-BE49-F238E27FC236}">
-                <a16:creationId xmlns:a16="http://schemas.microsoft.com/office/drawing/2014/main" id="{62407B59-5BDB-4CDF-BC47-F94C842EAEFB}"/>
-              </a:ext>
-            </a:extLst>
-          </p:cNvPr>
+          <p:cNvPr id="2" name="Title 1"/>
           <p:cNvSpPr>
             <a:spLocks noGrp="1"/>
           </p:cNvSpPr>
@@ -910,18 +2247,13 @@
               <a:rPr lang="en-US"/>
               <a:t>Click to edit Master title style</a:t>
             </a:r>
+            <a:endParaRPr lang="en-US" dirty="0"/>
           </a:p>
         </p:txBody>
       </p:sp>
       <p:sp>
         <p:nvSpPr>
-          <p:cNvPr id="3" name="Vertical Text Placeholder 2">
-            <a:extLst>
-              <a:ext uri="{FF2B5EF4-FFF2-40B4-BE49-F238E27FC236}">
-                <a16:creationId xmlns:a16="http://schemas.microsoft.com/office/drawing/2014/main" id="{1F25F2D6-9308-4590-2DF5-6DFBB07824A0}"/>
-              </a:ext>
-            </a:extLst>
-          </p:cNvPr>
+          <p:cNvPr id="3" name="Vertical Text Placeholder 2"/>
           <p:cNvSpPr>
             <a:spLocks noGrp="1"/>
           </p:cNvSpPr>
@@ -967,18 +2299,13 @@
               <a:rPr lang="en-US"/>
               <a:t>Fifth level</a:t>
             </a:r>
+            <a:endParaRPr lang="en-US" dirty="0"/>
           </a:p>
         </p:txBody>
       </p:sp>
       <p:sp>
         <p:nvSpPr>
-          <p:cNvPr id="4" name="Date Placeholder 3">
-            <a:extLst>
-              <a:ext uri="{FF2B5EF4-FFF2-40B4-BE49-F238E27FC236}">
-                <a16:creationId xmlns:a16="http://schemas.microsoft.com/office/drawing/2014/main" id="{17A21FE5-94F5-9CFE-741D-D90DC48D7EB1}"/>
-              </a:ext>
-            </a:extLst>
-          </p:cNvPr>
+          <p:cNvPr id="4" name="Date Placeholder 3"/>
           <p:cNvSpPr>
             <a:spLocks noGrp="1"/>
           </p:cNvSpPr>
@@ -993,7 +2320,7 @@
           <a:p>
             <a:fld id="{0671BF96-9467-0B49-AF35-7149D7F70E39}" type="datetimeFigureOut">
               <a:rPr lang="en-US" smtClean="0"/>
-              <a:t>5/5/25</a:t>
+              <a:t>5/20/25</a:t>
             </a:fld>
             <a:endParaRPr lang="en-US"/>
           </a:p>
@@ -1001,13 +2328,7 @@
       </p:sp>
       <p:sp>
         <p:nvSpPr>
-          <p:cNvPr id="5" name="Footer Placeholder 4">
-            <a:extLst>
-              <a:ext uri="{FF2B5EF4-FFF2-40B4-BE49-F238E27FC236}">
-                <a16:creationId xmlns:a16="http://schemas.microsoft.com/office/drawing/2014/main" id="{5C19F1CE-57A3-3EC5-283D-D3A927AA7083}"/>
-              </a:ext>
-            </a:extLst>
-          </p:cNvPr>
+          <p:cNvPr id="5" name="Footer Placeholder 4"/>
           <p:cNvSpPr>
             <a:spLocks noGrp="1"/>
           </p:cNvSpPr>
@@ -1026,13 +2347,7 @@
       </p:sp>
       <p:sp>
         <p:nvSpPr>
-          <p:cNvPr id="6" name="Slide Number Placeholder 5">
-            <a:extLst>
-              <a:ext uri="{FF2B5EF4-FFF2-40B4-BE49-F238E27FC236}">
-                <a16:creationId xmlns:a16="http://schemas.microsoft.com/office/drawing/2014/main" id="{FDC9CC00-84EC-1830-D5C8-529E2563E407}"/>
-              </a:ext>
-            </a:extLst>
-          </p:cNvPr>
+          <p:cNvPr id="6" name="Slide Number Placeholder 5"/>
           <p:cNvSpPr>
             <a:spLocks noGrp="1"/>
           </p:cNvSpPr>
@@ -1056,7 +2371,7 @@
     </p:spTree>
     <p:extLst>
       <p:ext uri="{BB962C8B-B14F-4D97-AF65-F5344CB8AC3E}">
-        <p14:creationId xmlns:p14="http://schemas.microsoft.com/office/powerpoint/2010/main" val="4254257358"/>
+        <p14:creationId xmlns:p14="http://schemas.microsoft.com/office/powerpoint/2010/main" val="2395012046"/>
       </p:ext>
     </p:extLst>
   </p:cSld>
@@ -1085,13 +2400,7 @@
       </p:grpSpPr>
       <p:sp>
         <p:nvSpPr>
-          <p:cNvPr id="2" name="Vertical Title 1">
-            <a:extLst>
-              <a:ext uri="{FF2B5EF4-FFF2-40B4-BE49-F238E27FC236}">
-                <a16:creationId xmlns:a16="http://schemas.microsoft.com/office/drawing/2014/main" id="{E5EB7D9C-8176-F359-9274-ED96EA562217}"/>
-              </a:ext>
-            </a:extLst>
-          </p:cNvPr>
+          <p:cNvPr id="2" name="Vertical Title 1"/>
           <p:cNvSpPr>
             <a:spLocks noGrp="1"/>
           </p:cNvSpPr>
@@ -1101,8 +2410,8 @@
         </p:nvSpPr>
         <p:spPr>
           <a:xfrm>
-            <a:off x="8724900" y="365125"/>
-            <a:ext cx="2628900" cy="5811838"/>
+            <a:off x="9488329" y="340783"/>
+            <a:ext cx="2858929" cy="5424382"/>
           </a:xfrm>
         </p:spPr>
         <p:txBody>
@@ -1113,18 +2422,13 @@
               <a:rPr lang="en-US"/>
               <a:t>Click to edit Master title style</a:t>
             </a:r>
+            <a:endParaRPr lang="en-US" dirty="0"/>
           </a:p>
         </p:txBody>
       </p:sp>
       <p:sp>
         <p:nvSpPr>
-          <p:cNvPr id="3" name="Vertical Text Placeholder 2">
-            <a:extLst>
-              <a:ext uri="{FF2B5EF4-FFF2-40B4-BE49-F238E27FC236}">
-                <a16:creationId xmlns:a16="http://schemas.microsoft.com/office/drawing/2014/main" id="{20AD3C8B-6FB2-2897-51C6-3EC3F91A1503}"/>
-              </a:ext>
-            </a:extLst>
-          </p:cNvPr>
+          <p:cNvPr id="3" name="Vertical Text Placeholder 2"/>
           <p:cNvSpPr>
             <a:spLocks noGrp="1"/>
           </p:cNvSpPr>
@@ -1134,8 +2438,8 @@
         </p:nvSpPr>
         <p:spPr>
           <a:xfrm>
-            <a:off x="838200" y="365125"/>
-            <a:ext cx="7734300" cy="5811838"/>
+            <a:off x="911543" y="340783"/>
+            <a:ext cx="8411051" cy="5424382"/>
           </a:xfrm>
         </p:spPr>
         <p:txBody>
@@ -1175,18 +2479,13 @@
               <a:rPr lang="en-US"/>
               <a:t>Fifth level</a:t>
             </a:r>
+            <a:endParaRPr lang="en-US" dirty="0"/>
           </a:p>
         </p:txBody>
       </p:sp>
       <p:sp>
         <p:nvSpPr>
-          <p:cNvPr id="4" name="Date Placeholder 3">
-            <a:extLst>
-              <a:ext uri="{FF2B5EF4-FFF2-40B4-BE49-F238E27FC236}">
-                <a16:creationId xmlns:a16="http://schemas.microsoft.com/office/drawing/2014/main" id="{8250E567-A47D-09D2-ADCE-194175FFDA9E}"/>
-              </a:ext>
-            </a:extLst>
-          </p:cNvPr>
+          <p:cNvPr id="4" name="Date Placeholder 3"/>
           <p:cNvSpPr>
             <a:spLocks noGrp="1"/>
           </p:cNvSpPr>
@@ -1201,7 +2500,7 @@
           <a:p>
             <a:fld id="{0671BF96-9467-0B49-AF35-7149D7F70E39}" type="datetimeFigureOut">
               <a:rPr lang="en-US" smtClean="0"/>
-              <a:t>5/5/25</a:t>
+              <a:t>5/20/25</a:t>
             </a:fld>
             <a:endParaRPr lang="en-US"/>
           </a:p>
@@ -1209,13 +2508,7 @@
       </p:sp>
       <p:sp>
         <p:nvSpPr>
-          <p:cNvPr id="5" name="Footer Placeholder 4">
-            <a:extLst>
-              <a:ext uri="{FF2B5EF4-FFF2-40B4-BE49-F238E27FC236}">
-                <a16:creationId xmlns:a16="http://schemas.microsoft.com/office/drawing/2014/main" id="{BA8A5755-63A4-994B-62CE-900AF8F240C8}"/>
-              </a:ext>
-            </a:extLst>
-          </p:cNvPr>
+          <p:cNvPr id="5" name="Footer Placeholder 4"/>
           <p:cNvSpPr>
             <a:spLocks noGrp="1"/>
           </p:cNvSpPr>
@@ -1234,13 +2527,7 @@
       </p:sp>
       <p:sp>
         <p:nvSpPr>
-          <p:cNvPr id="6" name="Slide Number Placeholder 5">
-            <a:extLst>
-              <a:ext uri="{FF2B5EF4-FFF2-40B4-BE49-F238E27FC236}">
-                <a16:creationId xmlns:a16="http://schemas.microsoft.com/office/drawing/2014/main" id="{3280982D-4C97-0A2B-E81C-7414ACDFC733}"/>
-              </a:ext>
-            </a:extLst>
-          </p:cNvPr>
+          <p:cNvPr id="6" name="Slide Number Placeholder 5"/>
           <p:cNvSpPr>
             <a:spLocks noGrp="1"/>
           </p:cNvSpPr>
@@ -1264,7 +2551,7 @@
     </p:spTree>
     <p:extLst>
       <p:ext uri="{BB962C8B-B14F-4D97-AF65-F5344CB8AC3E}">
-        <p14:creationId xmlns:p14="http://schemas.microsoft.com/office/powerpoint/2010/main" val="2326339952"/>
+        <p14:creationId xmlns:p14="http://schemas.microsoft.com/office/powerpoint/2010/main" val="1772471420"/>
       </p:ext>
     </p:extLst>
   </p:cSld>
@@ -1293,13 +2580,7 @@
       </p:grpSpPr>
       <p:sp>
         <p:nvSpPr>
-          <p:cNvPr id="2" name="Title 1">
-            <a:extLst>
-              <a:ext uri="{FF2B5EF4-FFF2-40B4-BE49-F238E27FC236}">
-                <a16:creationId xmlns:a16="http://schemas.microsoft.com/office/drawing/2014/main" id="{77480EBF-31D9-637C-2E3E-180D6325E424}"/>
-              </a:ext>
-            </a:extLst>
-          </p:cNvPr>
+          <p:cNvPr id="2" name="Title 1"/>
           <p:cNvSpPr>
             <a:spLocks noGrp="1"/>
           </p:cNvSpPr>
@@ -1316,18 +2597,13 @@
               <a:rPr lang="en-US"/>
               <a:t>Click to edit Master title style</a:t>
             </a:r>
+            <a:endParaRPr lang="en-US" dirty="0"/>
           </a:p>
         </p:txBody>
       </p:sp>
       <p:sp>
         <p:nvSpPr>
-          <p:cNvPr id="3" name="Content Placeholder 2">
-            <a:extLst>
-              <a:ext uri="{FF2B5EF4-FFF2-40B4-BE49-F238E27FC236}">
-                <a16:creationId xmlns:a16="http://schemas.microsoft.com/office/drawing/2014/main" id="{76E4D70B-A67E-67D0-9198-4FE621528C3A}"/>
-              </a:ext>
-            </a:extLst>
-          </p:cNvPr>
+          <p:cNvPr id="3" name="Content Placeholder 2"/>
           <p:cNvSpPr>
             <a:spLocks noGrp="1"/>
           </p:cNvSpPr>
@@ -1373,18 +2649,13 @@
               <a:rPr lang="en-US"/>
               <a:t>Fifth level</a:t>
             </a:r>
+            <a:endParaRPr lang="en-US" dirty="0"/>
           </a:p>
         </p:txBody>
       </p:sp>
       <p:sp>
         <p:nvSpPr>
-          <p:cNvPr id="4" name="Date Placeholder 3">
-            <a:extLst>
-              <a:ext uri="{FF2B5EF4-FFF2-40B4-BE49-F238E27FC236}">
-                <a16:creationId xmlns:a16="http://schemas.microsoft.com/office/drawing/2014/main" id="{3458EF09-F9BC-81F8-2990-E9193ADEEEBB}"/>
-              </a:ext>
-            </a:extLst>
-          </p:cNvPr>
+          <p:cNvPr id="4" name="Date Placeholder 3"/>
           <p:cNvSpPr>
             <a:spLocks noGrp="1"/>
           </p:cNvSpPr>
@@ -1399,7 +2670,7 @@
           <a:p>
             <a:fld id="{0671BF96-9467-0B49-AF35-7149D7F70E39}" type="datetimeFigureOut">
               <a:rPr lang="en-US" smtClean="0"/>
-              <a:t>5/5/25</a:t>
+              <a:t>5/20/25</a:t>
             </a:fld>
             <a:endParaRPr lang="en-US"/>
           </a:p>
@@ -1407,13 +2678,7 @@
       </p:sp>
       <p:sp>
         <p:nvSpPr>
-          <p:cNvPr id="5" name="Footer Placeholder 4">
-            <a:extLst>
-              <a:ext uri="{FF2B5EF4-FFF2-40B4-BE49-F238E27FC236}">
-                <a16:creationId xmlns:a16="http://schemas.microsoft.com/office/drawing/2014/main" id="{C407B844-4F21-379C-CFAE-35CBF479F5A5}"/>
-              </a:ext>
-            </a:extLst>
-          </p:cNvPr>
+          <p:cNvPr id="5" name="Footer Placeholder 4"/>
           <p:cNvSpPr>
             <a:spLocks noGrp="1"/>
           </p:cNvSpPr>
@@ -1432,13 +2697,7 @@
       </p:sp>
       <p:sp>
         <p:nvSpPr>
-          <p:cNvPr id="6" name="Slide Number Placeholder 5">
-            <a:extLst>
-              <a:ext uri="{FF2B5EF4-FFF2-40B4-BE49-F238E27FC236}">
-                <a16:creationId xmlns:a16="http://schemas.microsoft.com/office/drawing/2014/main" id="{D869AB73-8CCE-2BB5-5C8E-CA3722F5C8C7}"/>
-              </a:ext>
-            </a:extLst>
-          </p:cNvPr>
+          <p:cNvPr id="6" name="Slide Number Placeholder 5"/>
           <p:cNvSpPr>
             <a:spLocks noGrp="1"/>
           </p:cNvSpPr>
@@ -1462,7 +2721,7 @@
     </p:spTree>
     <p:extLst>
       <p:ext uri="{BB962C8B-B14F-4D97-AF65-F5344CB8AC3E}">
-        <p14:creationId xmlns:p14="http://schemas.microsoft.com/office/powerpoint/2010/main" val="2049271670"/>
+        <p14:creationId xmlns:p14="http://schemas.microsoft.com/office/powerpoint/2010/main" val="160574733"/>
       </p:ext>
     </p:extLst>
   </p:cSld>
@@ -1491,13 +2750,7 @@
       </p:grpSpPr>
       <p:sp>
         <p:nvSpPr>
-          <p:cNvPr id="2" name="Title 1">
-            <a:extLst>
-              <a:ext uri="{FF2B5EF4-FFF2-40B4-BE49-F238E27FC236}">
-                <a16:creationId xmlns:a16="http://schemas.microsoft.com/office/drawing/2014/main" id="{5D47E0B5-82F7-E56A-116C-292CBED374B1}"/>
-              </a:ext>
-            </a:extLst>
-          </p:cNvPr>
+          <p:cNvPr id="2" name="Title 1"/>
           <p:cNvSpPr>
             <a:spLocks noGrp="1"/>
           </p:cNvSpPr>
@@ -1507,15 +2760,15 @@
         </p:nvSpPr>
         <p:spPr>
           <a:xfrm>
-            <a:off x="831850" y="1709738"/>
-            <a:ext cx="10515600" cy="2852737"/>
+            <a:off x="904637" y="1595756"/>
+            <a:ext cx="11435715" cy="2662555"/>
           </a:xfrm>
         </p:spPr>
         <p:txBody>
           <a:bodyPr anchor="b"/>
           <a:lstStyle>
             <a:lvl1pPr>
-              <a:defRPr sz="6000"/>
+              <a:defRPr sz="5600"/>
             </a:lvl1pPr>
           </a:lstStyle>
           <a:p>
@@ -1523,18 +2776,13 @@
               <a:rPr lang="en-US"/>
               <a:t>Click to edit Master title style</a:t>
             </a:r>
+            <a:endParaRPr lang="en-US" dirty="0"/>
           </a:p>
         </p:txBody>
       </p:sp>
       <p:sp>
         <p:nvSpPr>
-          <p:cNvPr id="3" name="Text Placeholder 2">
-            <a:extLst>
-              <a:ext uri="{FF2B5EF4-FFF2-40B4-BE49-F238E27FC236}">
-                <a16:creationId xmlns:a16="http://schemas.microsoft.com/office/drawing/2014/main" id="{F8EA85A3-C622-21A0-FDCB-0F7D32B64A84}"/>
-              </a:ext>
-            </a:extLst>
-          </p:cNvPr>
+          <p:cNvPr id="3" name="Text Placeholder 2"/>
           <p:cNvSpPr>
             <a:spLocks noGrp="1"/>
           </p:cNvSpPr>
@@ -1544,8 +2792,8 @@
         </p:nvSpPr>
         <p:spPr>
           <a:xfrm>
-            <a:off x="831850" y="4589463"/>
-            <a:ext cx="10515600" cy="1500187"/>
+            <a:off x="904637" y="4283499"/>
+            <a:ext cx="11435715" cy="1400175"/>
           </a:xfrm>
         </p:spPr>
         <p:txBody>
@@ -1553,7 +2801,7 @@
           <a:lstStyle>
             <a:lvl1pPr marL="0" indent="0">
               <a:buNone/>
-              <a:defRPr sz="2400">
+              <a:defRPr sz="2240">
                 <a:solidFill>
                   <a:schemeClr val="tx1">
                     <a:tint val="82000"/>
@@ -1561,9 +2809,9 @@
                 </a:solidFill>
               </a:defRPr>
             </a:lvl1pPr>
-            <a:lvl2pPr marL="457200" indent="0">
+            <a:lvl2pPr marL="426705" indent="0">
               <a:buNone/>
-              <a:defRPr sz="2000">
+              <a:defRPr sz="1867">
                 <a:solidFill>
                   <a:schemeClr val="tx1">
                     <a:tint val="82000"/>
@@ -1571,9 +2819,9 @@
                 </a:solidFill>
               </a:defRPr>
             </a:lvl2pPr>
-            <a:lvl3pPr marL="914400" indent="0">
+            <a:lvl3pPr marL="853410" indent="0">
               <a:buNone/>
-              <a:defRPr sz="1800">
+              <a:defRPr sz="1680">
                 <a:solidFill>
                   <a:schemeClr val="tx1">
                     <a:tint val="82000"/>
@@ -1581,9 +2829,9 @@
                 </a:solidFill>
               </a:defRPr>
             </a:lvl3pPr>
-            <a:lvl4pPr marL="1371600" indent="0">
+            <a:lvl4pPr marL="1280114" indent="0">
               <a:buNone/>
-              <a:defRPr sz="1600">
+              <a:defRPr sz="1493">
                 <a:solidFill>
                   <a:schemeClr val="tx1">
                     <a:tint val="82000"/>
@@ -1591,9 +2839,9 @@
                 </a:solidFill>
               </a:defRPr>
             </a:lvl4pPr>
-            <a:lvl5pPr marL="1828800" indent="0">
+            <a:lvl5pPr marL="1706819" indent="0">
               <a:buNone/>
-              <a:defRPr sz="1600">
+              <a:defRPr sz="1493">
                 <a:solidFill>
                   <a:schemeClr val="tx1">
                     <a:tint val="82000"/>
@@ -1601,9 +2849,9 @@
                 </a:solidFill>
               </a:defRPr>
             </a:lvl5pPr>
-            <a:lvl6pPr marL="2286000" indent="0">
+            <a:lvl6pPr marL="2133524" indent="0">
               <a:buNone/>
-              <a:defRPr sz="1600">
+              <a:defRPr sz="1493">
                 <a:solidFill>
                   <a:schemeClr val="tx1">
                     <a:tint val="82000"/>
@@ -1611,9 +2859,9 @@
                 </a:solidFill>
               </a:defRPr>
             </a:lvl6pPr>
-            <a:lvl7pPr marL="2743200" indent="0">
+            <a:lvl7pPr marL="2560229" indent="0">
               <a:buNone/>
-              <a:defRPr sz="1600">
+              <a:defRPr sz="1493">
                 <a:solidFill>
                   <a:schemeClr val="tx1">
                     <a:tint val="82000"/>
@@ -1621,9 +2869,9 @@
                 </a:solidFill>
               </a:defRPr>
             </a:lvl7pPr>
-            <a:lvl8pPr marL="3200400" indent="0">
+            <a:lvl8pPr marL="2986933" indent="0">
               <a:buNone/>
-              <a:defRPr sz="1600">
+              <a:defRPr sz="1493">
                 <a:solidFill>
                   <a:schemeClr val="tx1">
                     <a:tint val="82000"/>
@@ -1631,9 +2879,9 @@
                 </a:solidFill>
               </a:defRPr>
             </a:lvl8pPr>
-            <a:lvl9pPr marL="3657600" indent="0">
+            <a:lvl9pPr marL="3413638" indent="0">
               <a:buNone/>
-              <a:defRPr sz="1600">
+              <a:defRPr sz="1493">
                 <a:solidFill>
                   <a:schemeClr val="tx1">
                     <a:tint val="82000"/>
@@ -1653,13 +2901,7 @@
       </p:sp>
       <p:sp>
         <p:nvSpPr>
-          <p:cNvPr id="4" name="Date Placeholder 3">
-            <a:extLst>
-              <a:ext uri="{FF2B5EF4-FFF2-40B4-BE49-F238E27FC236}">
-                <a16:creationId xmlns:a16="http://schemas.microsoft.com/office/drawing/2014/main" id="{65BD7BF1-13AE-4BAA-71D9-9C899F3E5F8E}"/>
-              </a:ext>
-            </a:extLst>
-          </p:cNvPr>
+          <p:cNvPr id="4" name="Date Placeholder 3"/>
           <p:cNvSpPr>
             <a:spLocks noGrp="1"/>
           </p:cNvSpPr>
@@ -1674,7 +2916,7 @@
           <a:p>
             <a:fld id="{0671BF96-9467-0B49-AF35-7149D7F70E39}" type="datetimeFigureOut">
               <a:rPr lang="en-US" smtClean="0"/>
-              <a:t>5/5/25</a:t>
+              <a:t>5/20/25</a:t>
             </a:fld>
             <a:endParaRPr lang="en-US"/>
           </a:p>
@@ -1682,13 +2924,7 @@
       </p:sp>
       <p:sp>
         <p:nvSpPr>
-          <p:cNvPr id="5" name="Footer Placeholder 4">
-            <a:extLst>
-              <a:ext uri="{FF2B5EF4-FFF2-40B4-BE49-F238E27FC236}">
-                <a16:creationId xmlns:a16="http://schemas.microsoft.com/office/drawing/2014/main" id="{E99B0B39-5EFB-2525-9452-22731995B243}"/>
-              </a:ext>
-            </a:extLst>
-          </p:cNvPr>
+          <p:cNvPr id="5" name="Footer Placeholder 4"/>
           <p:cNvSpPr>
             <a:spLocks noGrp="1"/>
           </p:cNvSpPr>
@@ -1707,13 +2943,7 @@
       </p:sp>
       <p:sp>
         <p:nvSpPr>
-          <p:cNvPr id="6" name="Slide Number Placeholder 5">
-            <a:extLst>
-              <a:ext uri="{FF2B5EF4-FFF2-40B4-BE49-F238E27FC236}">
-                <a16:creationId xmlns:a16="http://schemas.microsoft.com/office/drawing/2014/main" id="{DE0C6D77-E88D-9F83-6066-8FA65009F4F0}"/>
-              </a:ext>
-            </a:extLst>
-          </p:cNvPr>
+          <p:cNvPr id="6" name="Slide Number Placeholder 5"/>
           <p:cNvSpPr>
             <a:spLocks noGrp="1"/>
           </p:cNvSpPr>
@@ -1737,7 +2967,7 @@
     </p:spTree>
     <p:extLst>
       <p:ext uri="{BB962C8B-B14F-4D97-AF65-F5344CB8AC3E}">
-        <p14:creationId xmlns:p14="http://schemas.microsoft.com/office/powerpoint/2010/main" val="3860423307"/>
+        <p14:creationId xmlns:p14="http://schemas.microsoft.com/office/powerpoint/2010/main" val="3535915611"/>
       </p:ext>
     </p:extLst>
   </p:cSld>
@@ -1766,13 +2996,7 @@
       </p:grpSpPr>
       <p:sp>
         <p:nvSpPr>
-          <p:cNvPr id="2" name="Title 1">
-            <a:extLst>
-              <a:ext uri="{FF2B5EF4-FFF2-40B4-BE49-F238E27FC236}">
-                <a16:creationId xmlns:a16="http://schemas.microsoft.com/office/drawing/2014/main" id="{2114CD9B-9AC2-F6DD-2A39-FCBD17B232FB}"/>
-              </a:ext>
-            </a:extLst>
-          </p:cNvPr>
+          <p:cNvPr id="2" name="Title 1"/>
           <p:cNvSpPr>
             <a:spLocks noGrp="1"/>
           </p:cNvSpPr>
@@ -1789,18 +3013,13 @@
               <a:rPr lang="en-US"/>
               <a:t>Click to edit Master title style</a:t>
             </a:r>
+            <a:endParaRPr lang="en-US" dirty="0"/>
           </a:p>
         </p:txBody>
       </p:sp>
       <p:sp>
         <p:nvSpPr>
-          <p:cNvPr id="3" name="Content Placeholder 2">
-            <a:extLst>
-              <a:ext uri="{FF2B5EF4-FFF2-40B4-BE49-F238E27FC236}">
-                <a16:creationId xmlns:a16="http://schemas.microsoft.com/office/drawing/2014/main" id="{1B95B245-CECA-0578-A530-294517537981}"/>
-              </a:ext>
-            </a:extLst>
-          </p:cNvPr>
+          <p:cNvPr id="3" name="Content Placeholder 2"/>
           <p:cNvSpPr>
             <a:spLocks noGrp="1"/>
           </p:cNvSpPr>
@@ -1810,8 +3029,8 @@
         </p:nvSpPr>
         <p:spPr>
           <a:xfrm>
-            <a:off x="838200" y="1825625"/>
-            <a:ext cx="5181600" cy="4351338"/>
+            <a:off x="911543" y="1703917"/>
+            <a:ext cx="5634990" cy="4061249"/>
           </a:xfrm>
         </p:spPr>
         <p:txBody>
@@ -1851,18 +3070,13 @@
               <a:rPr lang="en-US"/>
               <a:t>Fifth level</a:t>
             </a:r>
+            <a:endParaRPr lang="en-US" dirty="0"/>
           </a:p>
         </p:txBody>
       </p:sp>
       <p:sp>
         <p:nvSpPr>
-          <p:cNvPr id="4" name="Content Placeholder 3">
-            <a:extLst>
-              <a:ext uri="{FF2B5EF4-FFF2-40B4-BE49-F238E27FC236}">
-                <a16:creationId xmlns:a16="http://schemas.microsoft.com/office/drawing/2014/main" id="{07B1CD16-C23E-C436-F993-8CE8BABC54CA}"/>
-              </a:ext>
-            </a:extLst>
-          </p:cNvPr>
+          <p:cNvPr id="4" name="Content Placeholder 3"/>
           <p:cNvSpPr>
             <a:spLocks noGrp="1"/>
           </p:cNvSpPr>
@@ -1872,8 +3086,8 @@
         </p:nvSpPr>
         <p:spPr>
           <a:xfrm>
-            <a:off x="6172200" y="1825625"/>
-            <a:ext cx="5181600" cy="4351338"/>
+            <a:off x="6712268" y="1703917"/>
+            <a:ext cx="5634990" cy="4061249"/>
           </a:xfrm>
         </p:spPr>
         <p:txBody>
@@ -1913,18 +3127,13 @@
               <a:rPr lang="en-US"/>
               <a:t>Fifth level</a:t>
             </a:r>
+            <a:endParaRPr lang="en-US" dirty="0"/>
           </a:p>
         </p:txBody>
       </p:sp>
       <p:sp>
         <p:nvSpPr>
-          <p:cNvPr id="5" name="Date Placeholder 4">
-            <a:extLst>
-              <a:ext uri="{FF2B5EF4-FFF2-40B4-BE49-F238E27FC236}">
-                <a16:creationId xmlns:a16="http://schemas.microsoft.com/office/drawing/2014/main" id="{5A57D22D-D838-6CAA-CA45-CAF028E83B67}"/>
-              </a:ext>
-            </a:extLst>
-          </p:cNvPr>
+          <p:cNvPr id="5" name="Date Placeholder 4"/>
           <p:cNvSpPr>
             <a:spLocks noGrp="1"/>
           </p:cNvSpPr>
@@ -1939,7 +3148,7 @@
           <a:p>
             <a:fld id="{0671BF96-9467-0B49-AF35-7149D7F70E39}" type="datetimeFigureOut">
               <a:rPr lang="en-US" smtClean="0"/>
-              <a:t>5/5/25</a:t>
+              <a:t>5/20/25</a:t>
             </a:fld>
             <a:endParaRPr lang="en-US"/>
           </a:p>
@@ -1947,13 +3156,7 @@
       </p:sp>
       <p:sp>
         <p:nvSpPr>
-          <p:cNvPr id="6" name="Footer Placeholder 5">
-            <a:extLst>
-              <a:ext uri="{FF2B5EF4-FFF2-40B4-BE49-F238E27FC236}">
-                <a16:creationId xmlns:a16="http://schemas.microsoft.com/office/drawing/2014/main" id="{881097D7-58B9-4657-2D60-FDCCA3FC9224}"/>
-              </a:ext>
-            </a:extLst>
-          </p:cNvPr>
+          <p:cNvPr id="6" name="Footer Placeholder 5"/>
           <p:cNvSpPr>
             <a:spLocks noGrp="1"/>
           </p:cNvSpPr>
@@ -1972,13 +3175,7 @@
       </p:sp>
       <p:sp>
         <p:nvSpPr>
-          <p:cNvPr id="7" name="Slide Number Placeholder 6">
-            <a:extLst>
-              <a:ext uri="{FF2B5EF4-FFF2-40B4-BE49-F238E27FC236}">
-                <a16:creationId xmlns:a16="http://schemas.microsoft.com/office/drawing/2014/main" id="{B406243B-5F0B-8AA4-4455-ECAF1762C176}"/>
-              </a:ext>
-            </a:extLst>
-          </p:cNvPr>
+          <p:cNvPr id="7" name="Slide Number Placeholder 6"/>
           <p:cNvSpPr>
             <a:spLocks noGrp="1"/>
           </p:cNvSpPr>
@@ -2002,7 +3199,7 @@
     </p:spTree>
     <p:extLst>
       <p:ext uri="{BB962C8B-B14F-4D97-AF65-F5344CB8AC3E}">
-        <p14:creationId xmlns:p14="http://schemas.microsoft.com/office/powerpoint/2010/main" val="2310068252"/>
+        <p14:creationId xmlns:p14="http://schemas.microsoft.com/office/powerpoint/2010/main" val="3192792159"/>
       </p:ext>
     </p:extLst>
   </p:cSld>
@@ -2031,13 +3228,7 @@
       </p:grpSpPr>
       <p:sp>
         <p:nvSpPr>
-          <p:cNvPr id="2" name="Title 1">
-            <a:extLst>
-              <a:ext uri="{FF2B5EF4-FFF2-40B4-BE49-F238E27FC236}">
-                <a16:creationId xmlns:a16="http://schemas.microsoft.com/office/drawing/2014/main" id="{EAE902F9-3FBB-DC16-0AA7-7F5D5961BB43}"/>
-              </a:ext>
-            </a:extLst>
-          </p:cNvPr>
+          <p:cNvPr id="2" name="Title 1"/>
           <p:cNvSpPr>
             <a:spLocks noGrp="1"/>
           </p:cNvSpPr>
@@ -2047,8 +3238,8 @@
         </p:nvSpPr>
         <p:spPr>
           <a:xfrm>
-            <a:off x="839788" y="365125"/>
-            <a:ext cx="10515600" cy="1325563"/>
+            <a:off x="913269" y="340784"/>
+            <a:ext cx="11435715" cy="1237192"/>
           </a:xfrm>
         </p:spPr>
         <p:txBody>
@@ -2059,18 +3250,13 @@
               <a:rPr lang="en-US"/>
               <a:t>Click to edit Master title style</a:t>
             </a:r>
+            <a:endParaRPr lang="en-US" dirty="0"/>
           </a:p>
         </p:txBody>
       </p:sp>
       <p:sp>
         <p:nvSpPr>
-          <p:cNvPr id="3" name="Text Placeholder 2">
-            <a:extLst>
-              <a:ext uri="{FF2B5EF4-FFF2-40B4-BE49-F238E27FC236}">
-                <a16:creationId xmlns:a16="http://schemas.microsoft.com/office/drawing/2014/main" id="{CC8BD7FB-7A1C-B3CE-8B02-F0B9FA031987}"/>
-              </a:ext>
-            </a:extLst>
-          </p:cNvPr>
+          <p:cNvPr id="3" name="Text Placeholder 2"/>
           <p:cNvSpPr>
             <a:spLocks noGrp="1"/>
           </p:cNvSpPr>
@@ -2080,8 +3266,8 @@
         </p:nvSpPr>
         <p:spPr>
           <a:xfrm>
-            <a:off x="839788" y="1681163"/>
-            <a:ext cx="5157787" cy="823912"/>
+            <a:off x="913270" y="1569085"/>
+            <a:ext cx="5609093" cy="768985"/>
           </a:xfrm>
         </p:spPr>
         <p:txBody>
@@ -2089,39 +3275,39 @@
           <a:lstStyle>
             <a:lvl1pPr marL="0" indent="0">
               <a:buNone/>
-              <a:defRPr sz="2400" b="1"/>
+              <a:defRPr sz="2240" b="1"/>
             </a:lvl1pPr>
-            <a:lvl2pPr marL="457200" indent="0">
+            <a:lvl2pPr marL="426705" indent="0">
               <a:buNone/>
-              <a:defRPr sz="2000" b="1"/>
+              <a:defRPr sz="1867" b="1"/>
             </a:lvl2pPr>
-            <a:lvl3pPr marL="914400" indent="0">
+            <a:lvl3pPr marL="853410" indent="0">
               <a:buNone/>
-              <a:defRPr sz="1800" b="1"/>
+              <a:defRPr sz="1680" b="1"/>
             </a:lvl3pPr>
-            <a:lvl4pPr marL="1371600" indent="0">
+            <a:lvl4pPr marL="1280114" indent="0">
               <a:buNone/>
-              <a:defRPr sz="1600" b="1"/>
+              <a:defRPr sz="1493" b="1"/>
             </a:lvl4pPr>
-            <a:lvl5pPr marL="1828800" indent="0">
+            <a:lvl5pPr marL="1706819" indent="0">
               <a:buNone/>
-              <a:defRPr sz="1600" b="1"/>
+              <a:defRPr sz="1493" b="1"/>
             </a:lvl5pPr>
-            <a:lvl6pPr marL="2286000" indent="0">
+            <a:lvl6pPr marL="2133524" indent="0">
               <a:buNone/>
-              <a:defRPr sz="1600" b="1"/>
+              <a:defRPr sz="1493" b="1"/>
             </a:lvl6pPr>
-            <a:lvl7pPr marL="2743200" indent="0">
+            <a:lvl7pPr marL="2560229" indent="0">
               <a:buNone/>
-              <a:defRPr sz="1600" b="1"/>
+              <a:defRPr sz="1493" b="1"/>
             </a:lvl7pPr>
-            <a:lvl8pPr marL="3200400" indent="0">
+            <a:lvl8pPr marL="2986933" indent="0">
               <a:buNone/>
-              <a:defRPr sz="1600" b="1"/>
+              <a:defRPr sz="1493" b="1"/>
             </a:lvl8pPr>
-            <a:lvl9pPr marL="3657600" indent="0">
+            <a:lvl9pPr marL="3413638" indent="0">
               <a:buNone/>
-              <a:defRPr sz="1600" b="1"/>
+              <a:defRPr sz="1493" b="1"/>
             </a:lvl9pPr>
           </a:lstStyle>
           <a:p>
@@ -2135,13 +3321,7 @@
       </p:sp>
       <p:sp>
         <p:nvSpPr>
-          <p:cNvPr id="4" name="Content Placeholder 3">
-            <a:extLst>
-              <a:ext uri="{FF2B5EF4-FFF2-40B4-BE49-F238E27FC236}">
-                <a16:creationId xmlns:a16="http://schemas.microsoft.com/office/drawing/2014/main" id="{5AB8E58E-56E2-CE1D-FF3C-D4B7008814D8}"/>
-              </a:ext>
-            </a:extLst>
-          </p:cNvPr>
+          <p:cNvPr id="4" name="Content Placeholder 3"/>
           <p:cNvSpPr>
             <a:spLocks noGrp="1"/>
           </p:cNvSpPr>
@@ -2151,8 +3331,8 @@
         </p:nvSpPr>
         <p:spPr>
           <a:xfrm>
-            <a:off x="839788" y="2505075"/>
-            <a:ext cx="5157787" cy="3684588"/>
+            <a:off x="913270" y="2338070"/>
+            <a:ext cx="5609093" cy="3438949"/>
           </a:xfrm>
         </p:spPr>
         <p:txBody>
@@ -2192,18 +3372,13 @@
               <a:rPr lang="en-US"/>
               <a:t>Fifth level</a:t>
             </a:r>
+            <a:endParaRPr lang="en-US" dirty="0"/>
           </a:p>
         </p:txBody>
       </p:sp>
       <p:sp>
         <p:nvSpPr>
-          <p:cNvPr id="5" name="Text Placeholder 4">
-            <a:extLst>
-              <a:ext uri="{FF2B5EF4-FFF2-40B4-BE49-F238E27FC236}">
-                <a16:creationId xmlns:a16="http://schemas.microsoft.com/office/drawing/2014/main" id="{9FF20E81-21CB-1830-C4B3-5DDFEC2F67C7}"/>
-              </a:ext>
-            </a:extLst>
-          </p:cNvPr>
+          <p:cNvPr id="5" name="Text Placeholder 4"/>
           <p:cNvSpPr>
             <a:spLocks noGrp="1"/>
           </p:cNvSpPr>
@@ -2213,8 +3388,8 @@
         </p:nvSpPr>
         <p:spPr>
           <a:xfrm>
-            <a:off x="6172200" y="1681163"/>
-            <a:ext cx="5183188" cy="823912"/>
+            <a:off x="6712267" y="1569085"/>
+            <a:ext cx="5636717" cy="768985"/>
           </a:xfrm>
         </p:spPr>
         <p:txBody>
@@ -2222,39 +3397,39 @@
           <a:lstStyle>
             <a:lvl1pPr marL="0" indent="0">
               <a:buNone/>
-              <a:defRPr sz="2400" b="1"/>
+              <a:defRPr sz="2240" b="1"/>
             </a:lvl1pPr>
-            <a:lvl2pPr marL="457200" indent="0">
+            <a:lvl2pPr marL="426705" indent="0">
               <a:buNone/>
-              <a:defRPr sz="2000" b="1"/>
+              <a:defRPr sz="1867" b="1"/>
             </a:lvl2pPr>
-            <a:lvl3pPr marL="914400" indent="0">
+            <a:lvl3pPr marL="853410" indent="0">
               <a:buNone/>
-              <a:defRPr sz="1800" b="1"/>
+              <a:defRPr sz="1680" b="1"/>
             </a:lvl3pPr>
-            <a:lvl4pPr marL="1371600" indent="0">
+            <a:lvl4pPr marL="1280114" indent="0">
               <a:buNone/>
-              <a:defRPr sz="1600" b="1"/>
+              <a:defRPr sz="1493" b="1"/>
             </a:lvl4pPr>
-            <a:lvl5pPr marL="1828800" indent="0">
+            <a:lvl5pPr marL="1706819" indent="0">
               <a:buNone/>
-              <a:defRPr sz="1600" b="1"/>
+              <a:defRPr sz="1493" b="1"/>
             </a:lvl5pPr>
-            <a:lvl6pPr marL="2286000" indent="0">
+            <a:lvl6pPr marL="2133524" indent="0">
               <a:buNone/>
-              <a:defRPr sz="1600" b="1"/>
+              <a:defRPr sz="1493" b="1"/>
             </a:lvl6pPr>
-            <a:lvl7pPr marL="2743200" indent="0">
+            <a:lvl7pPr marL="2560229" indent="0">
               <a:buNone/>
-              <a:defRPr sz="1600" b="1"/>
+              <a:defRPr sz="1493" b="1"/>
             </a:lvl7pPr>
-            <a:lvl8pPr marL="3200400" indent="0">
+            <a:lvl8pPr marL="2986933" indent="0">
               <a:buNone/>
-              <a:defRPr sz="1600" b="1"/>
+              <a:defRPr sz="1493" b="1"/>
             </a:lvl8pPr>
-            <a:lvl9pPr marL="3657600" indent="0">
+            <a:lvl9pPr marL="3413638" indent="0">
               <a:buNone/>
-              <a:defRPr sz="1600" b="1"/>
+              <a:defRPr sz="1493" b="1"/>
             </a:lvl9pPr>
           </a:lstStyle>
           <a:p>
@@ -2268,13 +3443,7 @@
       </p:sp>
       <p:sp>
         <p:nvSpPr>
-          <p:cNvPr id="6" name="Content Placeholder 5">
-            <a:extLst>
-              <a:ext uri="{FF2B5EF4-FFF2-40B4-BE49-F238E27FC236}">
-                <a16:creationId xmlns:a16="http://schemas.microsoft.com/office/drawing/2014/main" id="{E7FF56D4-EB03-7603-CF9B-2C1F3E9749FB}"/>
-              </a:ext>
-            </a:extLst>
-          </p:cNvPr>
+          <p:cNvPr id="6" name="Content Placeholder 5"/>
           <p:cNvSpPr>
             <a:spLocks noGrp="1"/>
           </p:cNvSpPr>
@@ -2284,8 +3453,8 @@
         </p:nvSpPr>
         <p:spPr>
           <a:xfrm>
-            <a:off x="6172200" y="2505075"/>
-            <a:ext cx="5183188" cy="3684588"/>
+            <a:off x="6712267" y="2338070"/>
+            <a:ext cx="5636717" cy="3438949"/>
           </a:xfrm>
         </p:spPr>
         <p:txBody>
@@ -2325,18 +3494,13 @@
               <a:rPr lang="en-US"/>
               <a:t>Fifth level</a:t>
             </a:r>
+            <a:endParaRPr lang="en-US" dirty="0"/>
           </a:p>
         </p:txBody>
       </p:sp>
       <p:sp>
         <p:nvSpPr>
-          <p:cNvPr id="7" name="Date Placeholder 6">
-            <a:extLst>
-              <a:ext uri="{FF2B5EF4-FFF2-40B4-BE49-F238E27FC236}">
-                <a16:creationId xmlns:a16="http://schemas.microsoft.com/office/drawing/2014/main" id="{F51A0361-F006-59DE-3B22-9FAA47128692}"/>
-              </a:ext>
-            </a:extLst>
-          </p:cNvPr>
+          <p:cNvPr id="7" name="Date Placeholder 6"/>
           <p:cNvSpPr>
             <a:spLocks noGrp="1"/>
           </p:cNvSpPr>
@@ -2351,7 +3515,7 @@
           <a:p>
             <a:fld id="{0671BF96-9467-0B49-AF35-7149D7F70E39}" type="datetimeFigureOut">
               <a:rPr lang="en-US" smtClean="0"/>
-              <a:t>5/5/25</a:t>
+              <a:t>5/20/25</a:t>
             </a:fld>
             <a:endParaRPr lang="en-US"/>
           </a:p>
@@ -2359,13 +3523,7 @@
       </p:sp>
       <p:sp>
         <p:nvSpPr>
-          <p:cNvPr id="8" name="Footer Placeholder 7">
-            <a:extLst>
-              <a:ext uri="{FF2B5EF4-FFF2-40B4-BE49-F238E27FC236}">
-                <a16:creationId xmlns:a16="http://schemas.microsoft.com/office/drawing/2014/main" id="{9B5C5A94-2C6E-9ABB-FFF8-0E542EB56B41}"/>
-              </a:ext>
-            </a:extLst>
-          </p:cNvPr>
+          <p:cNvPr id="8" name="Footer Placeholder 7"/>
           <p:cNvSpPr>
             <a:spLocks noGrp="1"/>
           </p:cNvSpPr>
@@ -2384,13 +3542,7 @@
       </p:sp>
       <p:sp>
         <p:nvSpPr>
-          <p:cNvPr id="9" name="Slide Number Placeholder 8">
-            <a:extLst>
-              <a:ext uri="{FF2B5EF4-FFF2-40B4-BE49-F238E27FC236}">
-                <a16:creationId xmlns:a16="http://schemas.microsoft.com/office/drawing/2014/main" id="{459CA022-F016-9DF3-4581-DBCE0BBA1196}"/>
-              </a:ext>
-            </a:extLst>
-          </p:cNvPr>
+          <p:cNvPr id="9" name="Slide Number Placeholder 8"/>
           <p:cNvSpPr>
             <a:spLocks noGrp="1"/>
           </p:cNvSpPr>
@@ -2414,7 +3566,7 @@
     </p:spTree>
     <p:extLst>
       <p:ext uri="{BB962C8B-B14F-4D97-AF65-F5344CB8AC3E}">
-        <p14:creationId xmlns:p14="http://schemas.microsoft.com/office/powerpoint/2010/main" val="2182980002"/>
+        <p14:creationId xmlns:p14="http://schemas.microsoft.com/office/powerpoint/2010/main" val="3544962617"/>
       </p:ext>
     </p:extLst>
   </p:cSld>
@@ -2443,13 +3595,7 @@
       </p:grpSpPr>
       <p:sp>
         <p:nvSpPr>
-          <p:cNvPr id="2" name="Title 1">
-            <a:extLst>
-              <a:ext uri="{FF2B5EF4-FFF2-40B4-BE49-F238E27FC236}">
-                <a16:creationId xmlns:a16="http://schemas.microsoft.com/office/drawing/2014/main" id="{8DA216B0-A8DE-4225-91B7-A88ED789401D}"/>
-              </a:ext>
-            </a:extLst>
-          </p:cNvPr>
+          <p:cNvPr id="2" name="Title 1"/>
           <p:cNvSpPr>
             <a:spLocks noGrp="1"/>
           </p:cNvSpPr>
@@ -2466,18 +3612,13 @@
               <a:rPr lang="en-US"/>
               <a:t>Click to edit Master title style</a:t>
             </a:r>
+            <a:endParaRPr lang="en-US" dirty="0"/>
           </a:p>
         </p:txBody>
       </p:sp>
       <p:sp>
         <p:nvSpPr>
-          <p:cNvPr id="3" name="Date Placeholder 2">
-            <a:extLst>
-              <a:ext uri="{FF2B5EF4-FFF2-40B4-BE49-F238E27FC236}">
-                <a16:creationId xmlns:a16="http://schemas.microsoft.com/office/drawing/2014/main" id="{24704AD9-65D9-0CE8-2E84-97B3E7F59DD4}"/>
-              </a:ext>
-            </a:extLst>
-          </p:cNvPr>
+          <p:cNvPr id="3" name="Date Placeholder 2"/>
           <p:cNvSpPr>
             <a:spLocks noGrp="1"/>
           </p:cNvSpPr>
@@ -2492,7 +3633,7 @@
           <a:p>
             <a:fld id="{0671BF96-9467-0B49-AF35-7149D7F70E39}" type="datetimeFigureOut">
               <a:rPr lang="en-US" smtClean="0"/>
-              <a:t>5/5/25</a:t>
+              <a:t>5/20/25</a:t>
             </a:fld>
             <a:endParaRPr lang="en-US"/>
           </a:p>
@@ -2500,13 +3641,7 @@
       </p:sp>
       <p:sp>
         <p:nvSpPr>
-          <p:cNvPr id="4" name="Footer Placeholder 3">
-            <a:extLst>
-              <a:ext uri="{FF2B5EF4-FFF2-40B4-BE49-F238E27FC236}">
-                <a16:creationId xmlns:a16="http://schemas.microsoft.com/office/drawing/2014/main" id="{E59F9EB1-97F8-6501-8876-9AEF24FDF9DF}"/>
-              </a:ext>
-            </a:extLst>
-          </p:cNvPr>
+          <p:cNvPr id="4" name="Footer Placeholder 3"/>
           <p:cNvSpPr>
             <a:spLocks noGrp="1"/>
           </p:cNvSpPr>
@@ -2525,13 +3660,7 @@
       </p:sp>
       <p:sp>
         <p:nvSpPr>
-          <p:cNvPr id="5" name="Slide Number Placeholder 4">
-            <a:extLst>
-              <a:ext uri="{FF2B5EF4-FFF2-40B4-BE49-F238E27FC236}">
-                <a16:creationId xmlns:a16="http://schemas.microsoft.com/office/drawing/2014/main" id="{D7D99A05-3285-0919-1037-FE1180D20CD1}"/>
-              </a:ext>
-            </a:extLst>
-          </p:cNvPr>
+          <p:cNvPr id="5" name="Slide Number Placeholder 4"/>
           <p:cNvSpPr>
             <a:spLocks noGrp="1"/>
           </p:cNvSpPr>
@@ -2555,7 +3684,7 @@
     </p:spTree>
     <p:extLst>
       <p:ext uri="{BB962C8B-B14F-4D97-AF65-F5344CB8AC3E}">
-        <p14:creationId xmlns:p14="http://schemas.microsoft.com/office/powerpoint/2010/main" val="1018402009"/>
+        <p14:creationId xmlns:p14="http://schemas.microsoft.com/office/powerpoint/2010/main" val="1116029150"/>
       </p:ext>
     </p:extLst>
   </p:cSld>
@@ -2584,13 +3713,7 @@
       </p:grpSpPr>
       <p:sp>
         <p:nvSpPr>
-          <p:cNvPr id="2" name="Date Placeholder 1">
-            <a:extLst>
-              <a:ext uri="{FF2B5EF4-FFF2-40B4-BE49-F238E27FC236}">
-                <a16:creationId xmlns:a16="http://schemas.microsoft.com/office/drawing/2014/main" id="{35F7013E-4AF3-BCB5-95EB-CFFDF2180FCD}"/>
-              </a:ext>
-            </a:extLst>
-          </p:cNvPr>
+          <p:cNvPr id="2" name="Date Placeholder 1"/>
           <p:cNvSpPr>
             <a:spLocks noGrp="1"/>
           </p:cNvSpPr>
@@ -2605,7 +3728,7 @@
           <a:p>
             <a:fld id="{0671BF96-9467-0B49-AF35-7149D7F70E39}" type="datetimeFigureOut">
               <a:rPr lang="en-US" smtClean="0"/>
-              <a:t>5/5/25</a:t>
+              <a:t>5/20/25</a:t>
             </a:fld>
             <a:endParaRPr lang="en-US"/>
           </a:p>
@@ -2613,13 +3736,7 @@
       </p:sp>
       <p:sp>
         <p:nvSpPr>
-          <p:cNvPr id="3" name="Footer Placeholder 2">
-            <a:extLst>
-              <a:ext uri="{FF2B5EF4-FFF2-40B4-BE49-F238E27FC236}">
-                <a16:creationId xmlns:a16="http://schemas.microsoft.com/office/drawing/2014/main" id="{CC7EA3CE-F728-0DC5-C2A0-873FC5FE5127}"/>
-              </a:ext>
-            </a:extLst>
-          </p:cNvPr>
+          <p:cNvPr id="3" name="Footer Placeholder 2"/>
           <p:cNvSpPr>
             <a:spLocks noGrp="1"/>
           </p:cNvSpPr>
@@ -2638,13 +3755,7 @@
       </p:sp>
       <p:sp>
         <p:nvSpPr>
-          <p:cNvPr id="4" name="Slide Number Placeholder 3">
-            <a:extLst>
-              <a:ext uri="{FF2B5EF4-FFF2-40B4-BE49-F238E27FC236}">
-                <a16:creationId xmlns:a16="http://schemas.microsoft.com/office/drawing/2014/main" id="{8587F034-2B04-7097-D827-91D86BDC8080}"/>
-              </a:ext>
-            </a:extLst>
-          </p:cNvPr>
+          <p:cNvPr id="4" name="Slide Number Placeholder 3"/>
           <p:cNvSpPr>
             <a:spLocks noGrp="1"/>
           </p:cNvSpPr>
@@ -2668,7 +3779,7 @@
     </p:spTree>
     <p:extLst>
       <p:ext uri="{BB962C8B-B14F-4D97-AF65-F5344CB8AC3E}">
-        <p14:creationId xmlns:p14="http://schemas.microsoft.com/office/powerpoint/2010/main" val="1503787139"/>
+        <p14:creationId xmlns:p14="http://schemas.microsoft.com/office/powerpoint/2010/main" val="204368515"/>
       </p:ext>
     </p:extLst>
   </p:cSld>
@@ -2697,13 +3808,7 @@
       </p:grpSpPr>
       <p:sp>
         <p:nvSpPr>
-          <p:cNvPr id="2" name="Title 1">
-            <a:extLst>
-              <a:ext uri="{FF2B5EF4-FFF2-40B4-BE49-F238E27FC236}">
-                <a16:creationId xmlns:a16="http://schemas.microsoft.com/office/drawing/2014/main" id="{A2142746-A4B1-ADF7-08D3-50FF1799EFC0}"/>
-              </a:ext>
-            </a:extLst>
-          </p:cNvPr>
+          <p:cNvPr id="2" name="Title 1"/>
           <p:cNvSpPr>
             <a:spLocks noGrp="1"/>
           </p:cNvSpPr>
@@ -2713,15 +3818,15 @@
         </p:nvSpPr>
         <p:spPr>
           <a:xfrm>
-            <a:off x="839788" y="457200"/>
-            <a:ext cx="3932237" cy="1600200"/>
+            <a:off x="913270" y="426720"/>
+            <a:ext cx="4276308" cy="1493520"/>
           </a:xfrm>
         </p:spPr>
         <p:txBody>
           <a:bodyPr anchor="b"/>
           <a:lstStyle>
             <a:lvl1pPr>
-              <a:defRPr sz="3200"/>
+              <a:defRPr sz="2987"/>
             </a:lvl1pPr>
           </a:lstStyle>
           <a:p>
@@ -2729,18 +3834,13 @@
               <a:rPr lang="en-US"/>
               <a:t>Click to edit Master title style</a:t>
             </a:r>
+            <a:endParaRPr lang="en-US" dirty="0"/>
           </a:p>
         </p:txBody>
       </p:sp>
       <p:sp>
         <p:nvSpPr>
-          <p:cNvPr id="3" name="Content Placeholder 2">
-            <a:extLst>
-              <a:ext uri="{FF2B5EF4-FFF2-40B4-BE49-F238E27FC236}">
-                <a16:creationId xmlns:a16="http://schemas.microsoft.com/office/drawing/2014/main" id="{07597DE4-5BE5-1999-A809-09B238328FDB}"/>
-              </a:ext>
-            </a:extLst>
-          </p:cNvPr>
+          <p:cNvPr id="3" name="Content Placeholder 2"/>
           <p:cNvSpPr>
             <a:spLocks noGrp="1"/>
           </p:cNvSpPr>
@@ -2750,39 +3850,39 @@
         </p:nvSpPr>
         <p:spPr>
           <a:xfrm>
-            <a:off x="5183188" y="987425"/>
-            <a:ext cx="6172200" cy="4873625"/>
+            <a:off x="5636717" y="921597"/>
+            <a:ext cx="6712268" cy="4548717"/>
           </a:xfrm>
         </p:spPr>
         <p:txBody>
           <a:bodyPr/>
           <a:lstStyle>
             <a:lvl1pPr>
-              <a:defRPr sz="3200"/>
+              <a:defRPr sz="2987"/>
             </a:lvl1pPr>
             <a:lvl2pPr>
-              <a:defRPr sz="2800"/>
+              <a:defRPr sz="2613"/>
             </a:lvl2pPr>
             <a:lvl3pPr>
-              <a:defRPr sz="2400"/>
+              <a:defRPr sz="2240"/>
             </a:lvl3pPr>
             <a:lvl4pPr>
-              <a:defRPr sz="2000"/>
+              <a:defRPr sz="1867"/>
             </a:lvl4pPr>
             <a:lvl5pPr>
-              <a:defRPr sz="2000"/>
+              <a:defRPr sz="1867"/>
             </a:lvl5pPr>
             <a:lvl6pPr>
-              <a:defRPr sz="2000"/>
+              <a:defRPr sz="1867"/>
             </a:lvl6pPr>
             <a:lvl7pPr>
-              <a:defRPr sz="2000"/>
+              <a:defRPr sz="1867"/>
             </a:lvl7pPr>
             <a:lvl8pPr>
-              <a:defRPr sz="2000"/>
+              <a:defRPr sz="1867"/>
             </a:lvl8pPr>
             <a:lvl9pPr>
-              <a:defRPr sz="2000"/>
+              <a:defRPr sz="1867"/>
             </a:lvl9pPr>
           </a:lstStyle>
           <a:p>
@@ -2819,18 +3919,13 @@
               <a:rPr lang="en-US"/>
               <a:t>Fifth level</a:t>
             </a:r>
+            <a:endParaRPr lang="en-US" dirty="0"/>
           </a:p>
         </p:txBody>
       </p:sp>
       <p:sp>
         <p:nvSpPr>
-          <p:cNvPr id="4" name="Text Placeholder 3">
-            <a:extLst>
-              <a:ext uri="{FF2B5EF4-FFF2-40B4-BE49-F238E27FC236}">
-                <a16:creationId xmlns:a16="http://schemas.microsoft.com/office/drawing/2014/main" id="{376124B4-9140-EA66-B70A-D8B834096F4C}"/>
-              </a:ext>
-            </a:extLst>
-          </p:cNvPr>
+          <p:cNvPr id="4" name="Text Placeholder 3"/>
           <p:cNvSpPr>
             <a:spLocks noGrp="1"/>
           </p:cNvSpPr>
@@ -2840,8 +3935,8 @@
         </p:nvSpPr>
         <p:spPr>
           <a:xfrm>
-            <a:off x="839788" y="2057400"/>
-            <a:ext cx="3932237" cy="3811588"/>
+            <a:off x="913270" y="1920240"/>
+            <a:ext cx="4276308" cy="3557482"/>
           </a:xfrm>
         </p:spPr>
         <p:txBody>
@@ -2849,39 +3944,39 @@
           <a:lstStyle>
             <a:lvl1pPr marL="0" indent="0">
               <a:buNone/>
-              <a:defRPr sz="1600"/>
+              <a:defRPr sz="1493"/>
             </a:lvl1pPr>
-            <a:lvl2pPr marL="457200" indent="0">
+            <a:lvl2pPr marL="426705" indent="0">
               <a:buNone/>
-              <a:defRPr sz="1400"/>
+              <a:defRPr sz="1307"/>
             </a:lvl2pPr>
-            <a:lvl3pPr marL="914400" indent="0">
+            <a:lvl3pPr marL="853410" indent="0">
               <a:buNone/>
-              <a:defRPr sz="1200"/>
+              <a:defRPr sz="1120"/>
             </a:lvl3pPr>
-            <a:lvl4pPr marL="1371600" indent="0">
+            <a:lvl4pPr marL="1280114" indent="0">
               <a:buNone/>
-              <a:defRPr sz="1000"/>
+              <a:defRPr sz="933"/>
             </a:lvl4pPr>
-            <a:lvl5pPr marL="1828800" indent="0">
+            <a:lvl5pPr marL="1706819" indent="0">
               <a:buNone/>
-              <a:defRPr sz="1000"/>
+              <a:defRPr sz="933"/>
             </a:lvl5pPr>
-            <a:lvl6pPr marL="2286000" indent="0">
+            <a:lvl6pPr marL="2133524" indent="0">
               <a:buNone/>
-              <a:defRPr sz="1000"/>
+              <a:defRPr sz="933"/>
             </a:lvl6pPr>
-            <a:lvl7pPr marL="2743200" indent="0">
+            <a:lvl7pPr marL="2560229" indent="0">
               <a:buNone/>
-              <a:defRPr sz="1000"/>
+              <a:defRPr sz="933"/>
             </a:lvl7pPr>
-            <a:lvl8pPr marL="3200400" indent="0">
+            <a:lvl8pPr marL="2986933" indent="0">
               <a:buNone/>
-              <a:defRPr sz="1000"/>
+              <a:defRPr sz="933"/>
             </a:lvl8pPr>
-            <a:lvl9pPr marL="3657600" indent="0">
+            <a:lvl9pPr marL="3413638" indent="0">
               <a:buNone/>
-              <a:defRPr sz="1000"/>
+              <a:defRPr sz="933"/>
             </a:lvl9pPr>
           </a:lstStyle>
           <a:p>
@@ -2895,13 +3990,7 @@
       </p:sp>
       <p:sp>
         <p:nvSpPr>
-          <p:cNvPr id="5" name="Date Placeholder 4">
-            <a:extLst>
-              <a:ext uri="{FF2B5EF4-FFF2-40B4-BE49-F238E27FC236}">
-                <a16:creationId xmlns:a16="http://schemas.microsoft.com/office/drawing/2014/main" id="{025F7491-824E-D4B1-E6C7-6E3633D2D943}"/>
-              </a:ext>
-            </a:extLst>
-          </p:cNvPr>
+          <p:cNvPr id="5" name="Date Placeholder 4"/>
           <p:cNvSpPr>
             <a:spLocks noGrp="1"/>
           </p:cNvSpPr>
@@ -2916,7 +4005,7 @@
           <a:p>
             <a:fld id="{0671BF96-9467-0B49-AF35-7149D7F70E39}" type="datetimeFigureOut">
               <a:rPr lang="en-US" smtClean="0"/>
-              <a:t>5/5/25</a:t>
+              <a:t>5/20/25</a:t>
             </a:fld>
             <a:endParaRPr lang="en-US"/>
           </a:p>
@@ -2924,13 +4013,7 @@
       </p:sp>
       <p:sp>
         <p:nvSpPr>
-          <p:cNvPr id="6" name="Footer Placeholder 5">
-            <a:extLst>
-              <a:ext uri="{FF2B5EF4-FFF2-40B4-BE49-F238E27FC236}">
-                <a16:creationId xmlns:a16="http://schemas.microsoft.com/office/drawing/2014/main" id="{6BCCEDB3-C23A-4A41-E0FF-FB90B9DC57D7}"/>
-              </a:ext>
-            </a:extLst>
-          </p:cNvPr>
+          <p:cNvPr id="6" name="Footer Placeholder 5"/>
           <p:cNvSpPr>
             <a:spLocks noGrp="1"/>
           </p:cNvSpPr>
@@ -2949,13 +4032,7 @@
       </p:sp>
       <p:sp>
         <p:nvSpPr>
-          <p:cNvPr id="7" name="Slide Number Placeholder 6">
-            <a:extLst>
-              <a:ext uri="{FF2B5EF4-FFF2-40B4-BE49-F238E27FC236}">
-                <a16:creationId xmlns:a16="http://schemas.microsoft.com/office/drawing/2014/main" id="{4509E30D-21C8-87E4-1ECF-46227B9EBAA4}"/>
-              </a:ext>
-            </a:extLst>
-          </p:cNvPr>
+          <p:cNvPr id="7" name="Slide Number Placeholder 6"/>
           <p:cNvSpPr>
             <a:spLocks noGrp="1"/>
           </p:cNvSpPr>
@@ -2979,7 +4056,7 @@
     </p:spTree>
     <p:extLst>
       <p:ext uri="{BB962C8B-B14F-4D97-AF65-F5344CB8AC3E}">
-        <p14:creationId xmlns:p14="http://schemas.microsoft.com/office/powerpoint/2010/main" val="2630747394"/>
+        <p14:creationId xmlns:p14="http://schemas.microsoft.com/office/powerpoint/2010/main" val="3329222126"/>
       </p:ext>
     </p:extLst>
   </p:cSld>
@@ -3008,13 +4085,7 @@
       </p:grpSpPr>
       <p:sp>
         <p:nvSpPr>
-          <p:cNvPr id="2" name="Title 1">
-            <a:extLst>
-              <a:ext uri="{FF2B5EF4-FFF2-40B4-BE49-F238E27FC236}">
-                <a16:creationId xmlns:a16="http://schemas.microsoft.com/office/drawing/2014/main" id="{D054348B-8418-9AB3-68BA-FDFD0F58C843}"/>
-              </a:ext>
-            </a:extLst>
-          </p:cNvPr>
+          <p:cNvPr id="2" name="Title 1"/>
           <p:cNvSpPr>
             <a:spLocks noGrp="1"/>
           </p:cNvSpPr>
@@ -3024,15 +4095,15 @@
         </p:nvSpPr>
         <p:spPr>
           <a:xfrm>
-            <a:off x="839788" y="457200"/>
-            <a:ext cx="3932237" cy="1600200"/>
+            <a:off x="913270" y="426720"/>
+            <a:ext cx="4276308" cy="1493520"/>
           </a:xfrm>
         </p:spPr>
         <p:txBody>
           <a:bodyPr anchor="b"/>
           <a:lstStyle>
             <a:lvl1pPr>
-              <a:defRPr sz="3200"/>
+              <a:defRPr sz="2987"/>
             </a:lvl1pPr>
           </a:lstStyle>
           <a:p>
@@ -3040,20 +4111,15 @@
               <a:rPr lang="en-US"/>
               <a:t>Click to edit Master title style</a:t>
             </a:r>
+            <a:endParaRPr lang="en-US" dirty="0"/>
           </a:p>
         </p:txBody>
       </p:sp>
       <p:sp>
         <p:nvSpPr>
-          <p:cNvPr id="3" name="Picture Placeholder 2">
-            <a:extLst>
-              <a:ext uri="{FF2B5EF4-FFF2-40B4-BE49-F238E27FC236}">
-                <a16:creationId xmlns:a16="http://schemas.microsoft.com/office/drawing/2014/main" id="{C160D014-C410-FF05-6ED6-FCDD1AFA0E56}"/>
-              </a:ext>
-            </a:extLst>
-          </p:cNvPr>
+          <p:cNvPr id="3" name="Picture Placeholder 2"/>
           <p:cNvSpPr>
-            <a:spLocks noGrp="1"/>
+            <a:spLocks noGrp="1" noChangeAspect="1"/>
           </p:cNvSpPr>
           <p:nvPr>
             <p:ph type="pic" idx="1"/>
@@ -3061,64 +4127,62 @@
         </p:nvSpPr>
         <p:spPr>
           <a:xfrm>
-            <a:off x="5183188" y="987425"/>
-            <a:ext cx="6172200" cy="4873625"/>
+            <a:off x="5636717" y="921597"/>
+            <a:ext cx="6712268" cy="4548717"/>
           </a:xfrm>
         </p:spPr>
         <p:txBody>
-          <a:bodyPr/>
+          <a:bodyPr anchor="t"/>
           <a:lstStyle>
             <a:lvl1pPr marL="0" indent="0">
               <a:buNone/>
-              <a:defRPr sz="3200"/>
+              <a:defRPr sz="2987"/>
             </a:lvl1pPr>
-            <a:lvl2pPr marL="457200" indent="0">
+            <a:lvl2pPr marL="426705" indent="0">
               <a:buNone/>
-              <a:defRPr sz="2800"/>
+              <a:defRPr sz="2613"/>
             </a:lvl2pPr>
-            <a:lvl3pPr marL="914400" indent="0">
+            <a:lvl3pPr marL="853410" indent="0">
               <a:buNone/>
-              <a:defRPr sz="2400"/>
+              <a:defRPr sz="2240"/>
             </a:lvl3pPr>
-            <a:lvl4pPr marL="1371600" indent="0">
+            <a:lvl4pPr marL="1280114" indent="0">
               <a:buNone/>
-              <a:defRPr sz="2000"/>
+              <a:defRPr sz="1867"/>
             </a:lvl4pPr>
-            <a:lvl5pPr marL="1828800" indent="0">
+            <a:lvl5pPr marL="1706819" indent="0">
               <a:buNone/>
-              <a:defRPr sz="2000"/>
+              <a:defRPr sz="1867"/>
             </a:lvl5pPr>
-            <a:lvl6pPr marL="2286000" indent="0">
+            <a:lvl6pPr marL="2133524" indent="0">
               <a:buNone/>
-              <a:defRPr sz="2000"/>
+              <a:defRPr sz="1867"/>
             </a:lvl6pPr>
-            <a:lvl7pPr marL="2743200" indent="0">
+            <a:lvl7pPr marL="2560229" indent="0">
               <a:buNone/>
-              <a:defRPr sz="2000"/>
+              <a:defRPr sz="1867"/>
             </a:lvl7pPr>
-            <a:lvl8pPr marL="3200400" indent="0">
+            <a:lvl8pPr marL="2986933" indent="0">
               <a:buNone/>
-              <a:defRPr sz="2000"/>
+              <a:defRPr sz="1867"/>
             </a:lvl8pPr>
-            <a:lvl9pPr marL="3657600" indent="0">
+            <a:lvl9pPr marL="3413638" indent="0">
               <a:buNone/>
-              <a:defRPr sz="2000"/>
+              <a:defRPr sz="1867"/>
             </a:lvl9pPr>
           </a:lstStyle>
           <a:p>
-            <a:endParaRPr lang="en-US"/>
+            <a:r>
+              <a:rPr lang="en-US"/>
+              <a:t>Click icon to add picture</a:t>
+            </a:r>
+            <a:endParaRPr lang="en-US" dirty="0"/>
           </a:p>
         </p:txBody>
       </p:sp>
       <p:sp>
         <p:nvSpPr>
-          <p:cNvPr id="4" name="Text Placeholder 3">
-            <a:extLst>
-              <a:ext uri="{FF2B5EF4-FFF2-40B4-BE49-F238E27FC236}">
-                <a16:creationId xmlns:a16="http://schemas.microsoft.com/office/drawing/2014/main" id="{29D73979-D6B9-B7E7-339C-71798B5B8AC5}"/>
-              </a:ext>
-            </a:extLst>
-          </p:cNvPr>
+          <p:cNvPr id="4" name="Text Placeholder 3"/>
           <p:cNvSpPr>
             <a:spLocks noGrp="1"/>
           </p:cNvSpPr>
@@ -3128,8 +4192,8 @@
         </p:nvSpPr>
         <p:spPr>
           <a:xfrm>
-            <a:off x="839788" y="2057400"/>
-            <a:ext cx="3932237" cy="3811588"/>
+            <a:off x="913270" y="1920240"/>
+            <a:ext cx="4276308" cy="3557482"/>
           </a:xfrm>
         </p:spPr>
         <p:txBody>
@@ -3137,39 +4201,39 @@
           <a:lstStyle>
             <a:lvl1pPr marL="0" indent="0">
               <a:buNone/>
-              <a:defRPr sz="1600"/>
+              <a:defRPr sz="1493"/>
             </a:lvl1pPr>
-            <a:lvl2pPr marL="457200" indent="0">
+            <a:lvl2pPr marL="426705" indent="0">
               <a:buNone/>
-              <a:defRPr sz="1400"/>
+              <a:defRPr sz="1307"/>
             </a:lvl2pPr>
-            <a:lvl3pPr marL="914400" indent="0">
+            <a:lvl3pPr marL="853410" indent="0">
               <a:buNone/>
-              <a:defRPr sz="1200"/>
+              <a:defRPr sz="1120"/>
             </a:lvl3pPr>
-            <a:lvl4pPr marL="1371600" indent="0">
+            <a:lvl4pPr marL="1280114" indent="0">
               <a:buNone/>
-              <a:defRPr sz="1000"/>
+              <a:defRPr sz="933"/>
             </a:lvl4pPr>
-            <a:lvl5pPr marL="1828800" indent="0">
+            <a:lvl5pPr marL="1706819" indent="0">
               <a:buNone/>
-              <a:defRPr sz="1000"/>
+              <a:defRPr sz="933"/>
             </a:lvl5pPr>
-            <a:lvl6pPr marL="2286000" indent="0">
+            <a:lvl6pPr marL="2133524" indent="0">
               <a:buNone/>
-              <a:defRPr sz="1000"/>
+              <a:defRPr sz="933"/>
             </a:lvl6pPr>
-            <a:lvl7pPr marL="2743200" indent="0">
+            <a:lvl7pPr marL="2560229" indent="0">
               <a:buNone/>
-              <a:defRPr sz="1000"/>
+              <a:defRPr sz="933"/>
             </a:lvl7pPr>
-            <a:lvl8pPr marL="3200400" indent="0">
+            <a:lvl8pPr marL="2986933" indent="0">
               <a:buNone/>
-              <a:defRPr sz="1000"/>
+              <a:defRPr sz="933"/>
             </a:lvl8pPr>
-            <a:lvl9pPr marL="3657600" indent="0">
+            <a:lvl9pPr marL="3413638" indent="0">
               <a:buNone/>
-              <a:defRPr sz="1000"/>
+              <a:defRPr sz="933"/>
             </a:lvl9pPr>
           </a:lstStyle>
           <a:p>
@@ -3183,13 +4247,7 @@
       </p:sp>
       <p:sp>
         <p:nvSpPr>
-          <p:cNvPr id="5" name="Date Placeholder 4">
-            <a:extLst>
-              <a:ext uri="{FF2B5EF4-FFF2-40B4-BE49-F238E27FC236}">
-                <a16:creationId xmlns:a16="http://schemas.microsoft.com/office/drawing/2014/main" id="{E0DAA8FB-2409-1B62-7A8F-ECAC9C59D5A5}"/>
-              </a:ext>
-            </a:extLst>
-          </p:cNvPr>
+          <p:cNvPr id="5" name="Date Placeholder 4"/>
           <p:cNvSpPr>
             <a:spLocks noGrp="1"/>
           </p:cNvSpPr>
@@ -3204,7 +4262,7 @@
           <a:p>
             <a:fld id="{0671BF96-9467-0B49-AF35-7149D7F70E39}" type="datetimeFigureOut">
               <a:rPr lang="en-US" smtClean="0"/>
-              <a:t>5/5/25</a:t>
+              <a:t>5/20/25</a:t>
             </a:fld>
             <a:endParaRPr lang="en-US"/>
           </a:p>
@@ -3212,13 +4270,7 @@
       </p:sp>
       <p:sp>
         <p:nvSpPr>
-          <p:cNvPr id="6" name="Footer Placeholder 5">
-            <a:extLst>
-              <a:ext uri="{FF2B5EF4-FFF2-40B4-BE49-F238E27FC236}">
-                <a16:creationId xmlns:a16="http://schemas.microsoft.com/office/drawing/2014/main" id="{04B2390B-AA2E-CF7B-8C48-33A7D67F983E}"/>
-              </a:ext>
-            </a:extLst>
-          </p:cNvPr>
+          <p:cNvPr id="6" name="Footer Placeholder 5"/>
           <p:cNvSpPr>
             <a:spLocks noGrp="1"/>
           </p:cNvSpPr>
@@ -3237,13 +4289,7 @@
       </p:sp>
       <p:sp>
         <p:nvSpPr>
-          <p:cNvPr id="7" name="Slide Number Placeholder 6">
-            <a:extLst>
-              <a:ext uri="{FF2B5EF4-FFF2-40B4-BE49-F238E27FC236}">
-                <a16:creationId xmlns:a16="http://schemas.microsoft.com/office/drawing/2014/main" id="{64B5060E-8672-F32B-CF1D-B419EDF66645}"/>
-              </a:ext>
-            </a:extLst>
-          </p:cNvPr>
+          <p:cNvPr id="7" name="Slide Number Placeholder 6"/>
           <p:cNvSpPr>
             <a:spLocks noGrp="1"/>
           </p:cNvSpPr>
@@ -3267,7 +4313,7 @@
     </p:spTree>
     <p:extLst>
       <p:ext uri="{BB962C8B-B14F-4D97-AF65-F5344CB8AC3E}">
-        <p14:creationId xmlns:p14="http://schemas.microsoft.com/office/powerpoint/2010/main" val="1146306857"/>
+        <p14:creationId xmlns:p14="http://schemas.microsoft.com/office/powerpoint/2010/main" val="2241992417"/>
       </p:ext>
     </p:extLst>
   </p:cSld>
@@ -3301,13 +4347,7 @@
       </p:grpSpPr>
       <p:sp>
         <p:nvSpPr>
-          <p:cNvPr id="2" name="Title Placeholder 1">
-            <a:extLst>
-              <a:ext uri="{FF2B5EF4-FFF2-40B4-BE49-F238E27FC236}">
-                <a16:creationId xmlns:a16="http://schemas.microsoft.com/office/drawing/2014/main" id="{2465A266-885A-B0E2-7875-2CE5BB48E795}"/>
-              </a:ext>
-            </a:extLst>
-          </p:cNvPr>
+          <p:cNvPr id="2" name="Title Placeholder 1"/>
           <p:cNvSpPr>
             <a:spLocks noGrp="1"/>
           </p:cNvSpPr>
@@ -3317,8 +4357,8 @@
         </p:nvSpPr>
         <p:spPr>
           <a:xfrm>
-            <a:off x="838200" y="365125"/>
-            <a:ext cx="10515600" cy="1325563"/>
+            <a:off x="911543" y="340784"/>
+            <a:ext cx="11435715" cy="1237192"/>
           </a:xfrm>
           <a:prstGeom prst="rect">
             <a:avLst/>
@@ -3331,21 +4371,16 @@
           <a:lstStyle/>
           <a:p>
             <a:r>
-              <a:rPr lang="en-US" dirty="0"/>
+              <a:rPr lang="en-US"/>
               <a:t>Click to edit Master title style</a:t>
             </a:r>
+            <a:endParaRPr lang="en-US" dirty="0"/>
           </a:p>
         </p:txBody>
       </p:sp>
       <p:sp>
         <p:nvSpPr>
-          <p:cNvPr id="3" name="Text Placeholder 2">
-            <a:extLst>
-              <a:ext uri="{FF2B5EF4-FFF2-40B4-BE49-F238E27FC236}">
-                <a16:creationId xmlns:a16="http://schemas.microsoft.com/office/drawing/2014/main" id="{BE87D7C2-B556-E78F-FE64-4F29F45B76BA}"/>
-              </a:ext>
-            </a:extLst>
-          </p:cNvPr>
+          <p:cNvPr id="3" name="Text Placeholder 2"/>
           <p:cNvSpPr>
             <a:spLocks noGrp="1"/>
           </p:cNvSpPr>
@@ -3355,8 +4390,8 @@
         </p:nvSpPr>
         <p:spPr>
           <a:xfrm>
-            <a:off x="838200" y="1825625"/>
-            <a:ext cx="10515600" cy="4351338"/>
+            <a:off x="911543" y="1703917"/>
+            <a:ext cx="11435715" cy="4061249"/>
           </a:xfrm>
           <a:prstGeom prst="rect">
             <a:avLst/>
@@ -3370,49 +4405,44 @@
           <a:p>
             <a:pPr lvl="0"/>
             <a:r>
-              <a:rPr lang="en-US" dirty="0"/>
+              <a:rPr lang="en-US"/>
               <a:t>Click to edit Master text styles</a:t>
             </a:r>
           </a:p>
           <a:p>
             <a:pPr lvl="1"/>
             <a:r>
-              <a:rPr lang="en-US" dirty="0"/>
+              <a:rPr lang="en-US"/>
               <a:t>Second level</a:t>
             </a:r>
           </a:p>
           <a:p>
             <a:pPr lvl="2"/>
             <a:r>
-              <a:rPr lang="en-US" dirty="0"/>
+              <a:rPr lang="en-US"/>
               <a:t>Third level</a:t>
             </a:r>
           </a:p>
           <a:p>
             <a:pPr lvl="3"/>
             <a:r>
-              <a:rPr lang="en-US" dirty="0"/>
+              <a:rPr lang="en-US"/>
               <a:t>Fourth level</a:t>
             </a:r>
           </a:p>
           <a:p>
             <a:pPr lvl="4"/>
             <a:r>
-              <a:rPr lang="en-US" dirty="0"/>
+              <a:rPr lang="en-US"/>
               <a:t>Fifth level</a:t>
             </a:r>
+            <a:endParaRPr lang="en-US" dirty="0"/>
           </a:p>
         </p:txBody>
       </p:sp>
       <p:sp>
         <p:nvSpPr>
-          <p:cNvPr id="4" name="Date Placeholder 3">
-            <a:extLst>
-              <a:ext uri="{FF2B5EF4-FFF2-40B4-BE49-F238E27FC236}">
-                <a16:creationId xmlns:a16="http://schemas.microsoft.com/office/drawing/2014/main" id="{0252BC6A-06AE-F3C1-B327-8DD5C55E606E}"/>
-              </a:ext>
-            </a:extLst>
-          </p:cNvPr>
+          <p:cNvPr id="4" name="Date Placeholder 3"/>
           <p:cNvSpPr>
             <a:spLocks noGrp="1"/>
           </p:cNvSpPr>
@@ -3422,8 +4452,8 @@
         </p:nvSpPr>
         <p:spPr>
           <a:xfrm>
-            <a:off x="838200" y="6356350"/>
-            <a:ext cx="2743200" cy="365125"/>
+            <a:off x="911542" y="5932594"/>
+            <a:ext cx="2983230" cy="340783"/>
           </a:xfrm>
           <a:prstGeom prst="rect">
             <a:avLst/>
@@ -3433,13 +4463,12 @@
           <a:bodyPr vert="horz" lIns="91440" tIns="45720" rIns="91440" bIns="45720" rtlCol="0" anchor="ctr"/>
           <a:lstStyle>
             <a:lvl1pPr algn="l">
-              <a:defRPr sz="1200" b="0" i="0">
+              <a:defRPr sz="1120">
                 <a:solidFill>
                   <a:schemeClr val="tx1">
                     <a:tint val="82000"/>
                   </a:schemeClr>
                 </a:solidFill>
-                <a:latin typeface="Arial" panose="020B0604020202020204" pitchFamily="34" charset="0"/>
               </a:defRPr>
             </a:lvl1pPr>
           </a:lstStyle>
@@ -3447,7 +4476,7 @@
             <a:fld id="{0671BF96-9467-0B49-AF35-7149D7F70E39}" type="datetimeFigureOut">
               <a:rPr lang="en-US" smtClean="0"/>
               <a:pPr/>
-              <a:t>5/5/25</a:t>
+              <a:t>5/20/25</a:t>
             </a:fld>
             <a:endParaRPr lang="en-US" dirty="0"/>
           </a:p>
@@ -3455,13 +4484,7 @@
       </p:sp>
       <p:sp>
         <p:nvSpPr>
-          <p:cNvPr id="5" name="Footer Placeholder 4">
-            <a:extLst>
-              <a:ext uri="{FF2B5EF4-FFF2-40B4-BE49-F238E27FC236}">
-                <a16:creationId xmlns:a16="http://schemas.microsoft.com/office/drawing/2014/main" id="{A4195665-D3A0-E52C-EC63-BD0C96C8BEE0}"/>
-              </a:ext>
-            </a:extLst>
-          </p:cNvPr>
+          <p:cNvPr id="5" name="Footer Placeholder 4"/>
           <p:cNvSpPr>
             <a:spLocks noGrp="1"/>
           </p:cNvSpPr>
@@ -3471,8 +4494,8 @@
         </p:nvSpPr>
         <p:spPr>
           <a:xfrm>
-            <a:off x="4038600" y="6356350"/>
-            <a:ext cx="4114800" cy="365125"/>
+            <a:off x="4391978" y="5932594"/>
+            <a:ext cx="4474845" cy="340783"/>
           </a:xfrm>
           <a:prstGeom prst="rect">
             <a:avLst/>
@@ -3482,13 +4505,12 @@
           <a:bodyPr vert="horz" lIns="91440" tIns="45720" rIns="91440" bIns="45720" rtlCol="0" anchor="ctr"/>
           <a:lstStyle>
             <a:lvl1pPr algn="ctr">
-              <a:defRPr sz="1200" b="0" i="0">
+              <a:defRPr sz="1120">
                 <a:solidFill>
                   <a:schemeClr val="tx1">
                     <a:tint val="82000"/>
                   </a:schemeClr>
                 </a:solidFill>
-                <a:latin typeface="Arial" panose="020B0604020202020204" pitchFamily="34" charset="0"/>
               </a:defRPr>
             </a:lvl1pPr>
           </a:lstStyle>
@@ -3499,13 +4521,7 @@
       </p:sp>
       <p:sp>
         <p:nvSpPr>
-          <p:cNvPr id="6" name="Slide Number Placeholder 5">
-            <a:extLst>
-              <a:ext uri="{FF2B5EF4-FFF2-40B4-BE49-F238E27FC236}">
-                <a16:creationId xmlns:a16="http://schemas.microsoft.com/office/drawing/2014/main" id="{390F9AD5-7365-81DC-A9D9-4EA2A607C80E}"/>
-              </a:ext>
-            </a:extLst>
-          </p:cNvPr>
+          <p:cNvPr id="6" name="Slide Number Placeholder 5"/>
           <p:cNvSpPr>
             <a:spLocks noGrp="1"/>
           </p:cNvSpPr>
@@ -3515,8 +4531,8 @@
         </p:nvSpPr>
         <p:spPr>
           <a:xfrm>
-            <a:off x="8610600" y="6356350"/>
-            <a:ext cx="2743200" cy="365125"/>
+            <a:off x="9364028" y="5932594"/>
+            <a:ext cx="2983230" cy="340783"/>
           </a:xfrm>
           <a:prstGeom prst="rect">
             <a:avLst/>
@@ -3526,13 +4542,12 @@
           <a:bodyPr vert="horz" lIns="91440" tIns="45720" rIns="91440" bIns="45720" rtlCol="0" anchor="ctr"/>
           <a:lstStyle>
             <a:lvl1pPr algn="r">
-              <a:defRPr sz="1200" b="0" i="0">
+              <a:defRPr sz="1120">
                 <a:solidFill>
                   <a:schemeClr val="tx1">
                     <a:tint val="82000"/>
                   </a:schemeClr>
                 </a:solidFill>
-                <a:latin typeface="Arial" panose="020B0604020202020204" pitchFamily="34" charset="0"/>
               </a:defRPr>
             </a:lvl1pPr>
           </a:lstStyle>
@@ -3549,27 +4564,27 @@
     </p:spTree>
     <p:extLst>
       <p:ext uri="{BB962C8B-B14F-4D97-AF65-F5344CB8AC3E}">
-        <p14:creationId xmlns:p14="http://schemas.microsoft.com/office/powerpoint/2010/main" val="1703888869"/>
+        <p14:creationId xmlns:p14="http://schemas.microsoft.com/office/powerpoint/2010/main" val="171461312"/>
       </p:ext>
     </p:extLst>
   </p:cSld>
   <p:clrMap bg1="lt1" tx1="dk1" bg2="lt2" tx2="dk2" accent1="accent1" accent2="accent2" accent3="accent3" accent4="accent4" accent5="accent5" accent6="accent6" hlink="hlink" folHlink="folHlink"/>
   <p:sldLayoutIdLst>
-    <p:sldLayoutId id="2147483649" r:id="rId1"/>
-    <p:sldLayoutId id="2147483650" r:id="rId2"/>
-    <p:sldLayoutId id="2147483651" r:id="rId3"/>
-    <p:sldLayoutId id="2147483652" r:id="rId4"/>
-    <p:sldLayoutId id="2147483653" r:id="rId5"/>
-    <p:sldLayoutId id="2147483654" r:id="rId6"/>
-    <p:sldLayoutId id="2147483655" r:id="rId7"/>
-    <p:sldLayoutId id="2147483656" r:id="rId8"/>
-    <p:sldLayoutId id="2147483657" r:id="rId9"/>
-    <p:sldLayoutId id="2147483658" r:id="rId10"/>
-    <p:sldLayoutId id="2147483659" r:id="rId11"/>
+    <p:sldLayoutId id="2147483673" r:id="rId1"/>
+    <p:sldLayoutId id="2147483674" r:id="rId2"/>
+    <p:sldLayoutId id="2147483675" r:id="rId3"/>
+    <p:sldLayoutId id="2147483676" r:id="rId4"/>
+    <p:sldLayoutId id="2147483677" r:id="rId5"/>
+    <p:sldLayoutId id="2147483678" r:id="rId6"/>
+    <p:sldLayoutId id="2147483679" r:id="rId7"/>
+    <p:sldLayoutId id="2147483680" r:id="rId8"/>
+    <p:sldLayoutId id="2147483681" r:id="rId9"/>
+    <p:sldLayoutId id="2147483682" r:id="rId10"/>
+    <p:sldLayoutId id="2147483683" r:id="rId11"/>
   </p:sldLayoutIdLst>
   <p:txStyles>
     <p:titleStyle>
-      <a:lvl1pPr algn="l" defTabSz="914400" rtl="0" eaLnBrk="1" latinLnBrk="0" hangingPunct="1">
+      <a:lvl1pPr algn="l" defTabSz="853410" rtl="0" eaLnBrk="1" latinLnBrk="0" hangingPunct="1">
         <a:lnSpc>
           <a:spcPct val="90000"/>
         </a:lnSpc>
@@ -3577,117 +4592,117 @@
           <a:spcPct val="0"/>
         </a:spcBef>
         <a:buNone/>
-        <a:defRPr sz="4400" b="0" i="0" kern="1200">
+        <a:defRPr sz="4107" kern="1200">
           <a:solidFill>
             <a:schemeClr val="tx1"/>
           </a:solidFill>
-          <a:latin typeface="Arial" panose="020B0604020202020204" pitchFamily="34" charset="0"/>
+          <a:latin typeface="+mj-lt"/>
           <a:ea typeface="+mj-ea"/>
           <a:cs typeface="+mj-cs"/>
         </a:defRPr>
       </a:lvl1pPr>
     </p:titleStyle>
     <p:bodyStyle>
-      <a:lvl1pPr marL="228600" indent="-228600" algn="l" defTabSz="914400" rtl="0" eaLnBrk="1" latinLnBrk="0" hangingPunct="1">
+      <a:lvl1pPr marL="213352" indent="-213352" algn="l" defTabSz="853410" rtl="0" eaLnBrk="1" latinLnBrk="0" hangingPunct="1">
         <a:lnSpc>
           <a:spcPct val="90000"/>
         </a:lnSpc>
         <a:spcBef>
-          <a:spcPts val="1000"/>
+          <a:spcPts val="933"/>
         </a:spcBef>
         <a:buFont typeface="Arial" panose="020B0604020202020204" pitchFamily="34" charset="0"/>
         <a:buChar char="•"/>
-        <a:defRPr sz="2800" b="0" i="0" kern="1200">
+        <a:defRPr sz="2613" kern="1200">
           <a:solidFill>
             <a:schemeClr val="tx1"/>
           </a:solidFill>
-          <a:latin typeface="Arial" panose="020B0604020202020204" pitchFamily="34" charset="0"/>
+          <a:latin typeface="+mn-lt"/>
           <a:ea typeface="+mn-ea"/>
           <a:cs typeface="+mn-cs"/>
         </a:defRPr>
       </a:lvl1pPr>
-      <a:lvl2pPr marL="685800" indent="-228600" algn="l" defTabSz="914400" rtl="0" eaLnBrk="1" latinLnBrk="0" hangingPunct="1">
+      <a:lvl2pPr marL="640057" indent="-213352" algn="l" defTabSz="853410" rtl="0" eaLnBrk="1" latinLnBrk="0" hangingPunct="1">
         <a:lnSpc>
           <a:spcPct val="90000"/>
         </a:lnSpc>
         <a:spcBef>
-          <a:spcPts val="500"/>
+          <a:spcPts val="467"/>
         </a:spcBef>
         <a:buFont typeface="Arial" panose="020B0604020202020204" pitchFamily="34" charset="0"/>
         <a:buChar char="•"/>
-        <a:defRPr sz="2400" b="0" i="0" kern="1200">
+        <a:defRPr sz="2240" kern="1200">
           <a:solidFill>
             <a:schemeClr val="tx1"/>
           </a:solidFill>
-          <a:latin typeface="Arial" panose="020B0604020202020204" pitchFamily="34" charset="0"/>
+          <a:latin typeface="+mn-lt"/>
           <a:ea typeface="+mn-ea"/>
           <a:cs typeface="+mn-cs"/>
         </a:defRPr>
       </a:lvl2pPr>
-      <a:lvl3pPr marL="1143000" indent="-228600" algn="l" defTabSz="914400" rtl="0" eaLnBrk="1" latinLnBrk="0" hangingPunct="1">
+      <a:lvl3pPr marL="1066762" indent="-213352" algn="l" defTabSz="853410" rtl="0" eaLnBrk="1" latinLnBrk="0" hangingPunct="1">
         <a:lnSpc>
           <a:spcPct val="90000"/>
         </a:lnSpc>
         <a:spcBef>
-          <a:spcPts val="500"/>
+          <a:spcPts val="467"/>
         </a:spcBef>
         <a:buFont typeface="Arial" panose="020B0604020202020204" pitchFamily="34" charset="0"/>
         <a:buChar char="•"/>
-        <a:defRPr sz="2000" b="0" i="0" kern="1200">
+        <a:defRPr sz="1867" kern="1200">
           <a:solidFill>
             <a:schemeClr val="tx1"/>
           </a:solidFill>
-          <a:latin typeface="Arial" panose="020B0604020202020204" pitchFamily="34" charset="0"/>
+          <a:latin typeface="+mn-lt"/>
           <a:ea typeface="+mn-ea"/>
           <a:cs typeface="+mn-cs"/>
         </a:defRPr>
       </a:lvl3pPr>
-      <a:lvl4pPr marL="1600200" indent="-228600" algn="l" defTabSz="914400" rtl="0" eaLnBrk="1" latinLnBrk="0" hangingPunct="1">
+      <a:lvl4pPr marL="1493467" indent="-213352" algn="l" defTabSz="853410" rtl="0" eaLnBrk="1" latinLnBrk="0" hangingPunct="1">
         <a:lnSpc>
           <a:spcPct val="90000"/>
         </a:lnSpc>
         <a:spcBef>
-          <a:spcPts val="500"/>
+          <a:spcPts val="467"/>
         </a:spcBef>
         <a:buFont typeface="Arial" panose="020B0604020202020204" pitchFamily="34" charset="0"/>
         <a:buChar char="•"/>
-        <a:defRPr sz="1800" b="0" i="0" kern="1200">
+        <a:defRPr sz="1680" kern="1200">
           <a:solidFill>
             <a:schemeClr val="tx1"/>
           </a:solidFill>
-          <a:latin typeface="Arial" panose="020B0604020202020204" pitchFamily="34" charset="0"/>
+          <a:latin typeface="+mn-lt"/>
           <a:ea typeface="+mn-ea"/>
           <a:cs typeface="+mn-cs"/>
         </a:defRPr>
       </a:lvl4pPr>
-      <a:lvl5pPr marL="2057400" indent="-228600" algn="l" defTabSz="914400" rtl="0" eaLnBrk="1" latinLnBrk="0" hangingPunct="1">
+      <a:lvl5pPr marL="1920171" indent="-213352" algn="l" defTabSz="853410" rtl="0" eaLnBrk="1" latinLnBrk="0" hangingPunct="1">
         <a:lnSpc>
           <a:spcPct val="90000"/>
         </a:lnSpc>
         <a:spcBef>
-          <a:spcPts val="500"/>
+          <a:spcPts val="467"/>
         </a:spcBef>
         <a:buFont typeface="Arial" panose="020B0604020202020204" pitchFamily="34" charset="0"/>
         <a:buChar char="•"/>
-        <a:defRPr sz="1800" b="0" i="0" kern="1200">
+        <a:defRPr sz="1680" kern="1200">
           <a:solidFill>
             <a:schemeClr val="tx1"/>
           </a:solidFill>
-          <a:latin typeface="Arial" panose="020B0604020202020204" pitchFamily="34" charset="0"/>
+          <a:latin typeface="+mn-lt"/>
           <a:ea typeface="+mn-ea"/>
           <a:cs typeface="+mn-cs"/>
         </a:defRPr>
       </a:lvl5pPr>
-      <a:lvl6pPr marL="2514600" indent="-228600" algn="l" defTabSz="914400" rtl="0" eaLnBrk="1" latinLnBrk="0" hangingPunct="1">
+      <a:lvl6pPr marL="2346876" indent="-213352" algn="l" defTabSz="853410" rtl="0" eaLnBrk="1" latinLnBrk="0" hangingPunct="1">
         <a:lnSpc>
           <a:spcPct val="90000"/>
         </a:lnSpc>
         <a:spcBef>
-          <a:spcPts val="500"/>
+          <a:spcPts val="467"/>
         </a:spcBef>
         <a:buFont typeface="Arial" panose="020B0604020202020204" pitchFamily="34" charset="0"/>
         <a:buChar char="•"/>
-        <a:defRPr sz="1800" kern="1200">
+        <a:defRPr sz="1680" kern="1200">
           <a:solidFill>
             <a:schemeClr val="tx1"/>
           </a:solidFill>
@@ -3696,16 +4711,16 @@
           <a:cs typeface="+mn-cs"/>
         </a:defRPr>
       </a:lvl6pPr>
-      <a:lvl7pPr marL="2971800" indent="-228600" algn="l" defTabSz="914400" rtl="0" eaLnBrk="1" latinLnBrk="0" hangingPunct="1">
+      <a:lvl7pPr marL="2773581" indent="-213352" algn="l" defTabSz="853410" rtl="0" eaLnBrk="1" latinLnBrk="0" hangingPunct="1">
         <a:lnSpc>
           <a:spcPct val="90000"/>
         </a:lnSpc>
         <a:spcBef>
-          <a:spcPts val="500"/>
+          <a:spcPts val="467"/>
         </a:spcBef>
         <a:buFont typeface="Arial" panose="020B0604020202020204" pitchFamily="34" charset="0"/>
         <a:buChar char="•"/>
-        <a:defRPr sz="1800" kern="1200">
+        <a:defRPr sz="1680" kern="1200">
           <a:solidFill>
             <a:schemeClr val="tx1"/>
           </a:solidFill>
@@ -3714,16 +4729,16 @@
           <a:cs typeface="+mn-cs"/>
         </a:defRPr>
       </a:lvl7pPr>
-      <a:lvl8pPr marL="3429000" indent="-228600" algn="l" defTabSz="914400" rtl="0" eaLnBrk="1" latinLnBrk="0" hangingPunct="1">
+      <a:lvl8pPr marL="3200286" indent="-213352" algn="l" defTabSz="853410" rtl="0" eaLnBrk="1" latinLnBrk="0" hangingPunct="1">
         <a:lnSpc>
           <a:spcPct val="90000"/>
         </a:lnSpc>
         <a:spcBef>
-          <a:spcPts val="500"/>
+          <a:spcPts val="467"/>
         </a:spcBef>
         <a:buFont typeface="Arial" panose="020B0604020202020204" pitchFamily="34" charset="0"/>
         <a:buChar char="•"/>
-        <a:defRPr sz="1800" kern="1200">
+        <a:defRPr sz="1680" kern="1200">
           <a:solidFill>
             <a:schemeClr val="tx1"/>
           </a:solidFill>
@@ -3732,16 +4747,16 @@
           <a:cs typeface="+mn-cs"/>
         </a:defRPr>
       </a:lvl8pPr>
-      <a:lvl9pPr marL="3886200" indent="-228600" algn="l" defTabSz="914400" rtl="0" eaLnBrk="1" latinLnBrk="0" hangingPunct="1">
+      <a:lvl9pPr marL="3626990" indent="-213352" algn="l" defTabSz="853410" rtl="0" eaLnBrk="1" latinLnBrk="0" hangingPunct="1">
         <a:lnSpc>
           <a:spcPct val="90000"/>
         </a:lnSpc>
         <a:spcBef>
-          <a:spcPts val="500"/>
+          <a:spcPts val="467"/>
         </a:spcBef>
         <a:buFont typeface="Arial" panose="020B0604020202020204" pitchFamily="34" charset="0"/>
         <a:buChar char="•"/>
-        <a:defRPr sz="1800" kern="1200">
+        <a:defRPr sz="1680" kern="1200">
           <a:solidFill>
             <a:schemeClr val="tx1"/>
           </a:solidFill>
@@ -3755,8 +4770,8 @@
       <a:defPPr>
         <a:defRPr lang="en-US"/>
       </a:defPPr>
-      <a:lvl1pPr marL="0" algn="l" defTabSz="914400" rtl="0" eaLnBrk="1" latinLnBrk="0" hangingPunct="1">
-        <a:defRPr sz="1800" kern="1200">
+      <a:lvl1pPr marL="0" algn="l" defTabSz="853410" rtl="0" eaLnBrk="1" latinLnBrk="0" hangingPunct="1">
+        <a:defRPr sz="1680" kern="1200">
           <a:solidFill>
             <a:schemeClr val="tx1"/>
           </a:solidFill>
@@ -3765,8 +4780,8 @@
           <a:cs typeface="+mn-cs"/>
         </a:defRPr>
       </a:lvl1pPr>
-      <a:lvl2pPr marL="457200" algn="l" defTabSz="914400" rtl="0" eaLnBrk="1" latinLnBrk="0" hangingPunct="1">
-        <a:defRPr sz="1800" kern="1200">
+      <a:lvl2pPr marL="426705" algn="l" defTabSz="853410" rtl="0" eaLnBrk="1" latinLnBrk="0" hangingPunct="1">
+        <a:defRPr sz="1680" kern="1200">
           <a:solidFill>
             <a:schemeClr val="tx1"/>
           </a:solidFill>
@@ -3775,8 +4790,8 @@
           <a:cs typeface="+mn-cs"/>
         </a:defRPr>
       </a:lvl2pPr>
-      <a:lvl3pPr marL="914400" algn="l" defTabSz="914400" rtl="0" eaLnBrk="1" latinLnBrk="0" hangingPunct="1">
-        <a:defRPr sz="1800" kern="1200">
+      <a:lvl3pPr marL="853410" algn="l" defTabSz="853410" rtl="0" eaLnBrk="1" latinLnBrk="0" hangingPunct="1">
+        <a:defRPr sz="1680" kern="1200">
           <a:solidFill>
             <a:schemeClr val="tx1"/>
           </a:solidFill>
@@ -3785,8 +4800,8 @@
           <a:cs typeface="+mn-cs"/>
         </a:defRPr>
       </a:lvl3pPr>
-      <a:lvl4pPr marL="1371600" algn="l" defTabSz="914400" rtl="0" eaLnBrk="1" latinLnBrk="0" hangingPunct="1">
-        <a:defRPr sz="1800" kern="1200">
+      <a:lvl4pPr marL="1280114" algn="l" defTabSz="853410" rtl="0" eaLnBrk="1" latinLnBrk="0" hangingPunct="1">
+        <a:defRPr sz="1680" kern="1200">
           <a:solidFill>
             <a:schemeClr val="tx1"/>
           </a:solidFill>
@@ -3795,8 +4810,8 @@
           <a:cs typeface="+mn-cs"/>
         </a:defRPr>
       </a:lvl4pPr>
-      <a:lvl5pPr marL="1828800" algn="l" defTabSz="914400" rtl="0" eaLnBrk="1" latinLnBrk="0" hangingPunct="1">
-        <a:defRPr sz="1800" kern="1200">
+      <a:lvl5pPr marL="1706819" algn="l" defTabSz="853410" rtl="0" eaLnBrk="1" latinLnBrk="0" hangingPunct="1">
+        <a:defRPr sz="1680" kern="1200">
           <a:solidFill>
             <a:schemeClr val="tx1"/>
           </a:solidFill>
@@ -3805,8 +4820,8 @@
           <a:cs typeface="+mn-cs"/>
         </a:defRPr>
       </a:lvl5pPr>
-      <a:lvl6pPr marL="2286000" algn="l" defTabSz="914400" rtl="0" eaLnBrk="1" latinLnBrk="0" hangingPunct="1">
-        <a:defRPr sz="1800" kern="1200">
+      <a:lvl6pPr marL="2133524" algn="l" defTabSz="853410" rtl="0" eaLnBrk="1" latinLnBrk="0" hangingPunct="1">
+        <a:defRPr sz="1680" kern="1200">
           <a:solidFill>
             <a:schemeClr val="tx1"/>
           </a:solidFill>
@@ -3815,8 +4830,8 @@
           <a:cs typeface="+mn-cs"/>
         </a:defRPr>
       </a:lvl6pPr>
-      <a:lvl7pPr marL="2743200" algn="l" defTabSz="914400" rtl="0" eaLnBrk="1" latinLnBrk="0" hangingPunct="1">
-        <a:defRPr sz="1800" kern="1200">
+      <a:lvl7pPr marL="2560229" algn="l" defTabSz="853410" rtl="0" eaLnBrk="1" latinLnBrk="0" hangingPunct="1">
+        <a:defRPr sz="1680" kern="1200">
           <a:solidFill>
             <a:schemeClr val="tx1"/>
           </a:solidFill>
@@ -3825,8 +4840,8 @@
           <a:cs typeface="+mn-cs"/>
         </a:defRPr>
       </a:lvl7pPr>
-      <a:lvl8pPr marL="3200400" algn="l" defTabSz="914400" rtl="0" eaLnBrk="1" latinLnBrk="0" hangingPunct="1">
-        <a:defRPr sz="1800" kern="1200">
+      <a:lvl8pPr marL="2986933" algn="l" defTabSz="853410" rtl="0" eaLnBrk="1" latinLnBrk="0" hangingPunct="1">
+        <a:defRPr sz="1680" kern="1200">
           <a:solidFill>
             <a:schemeClr val="tx1"/>
           </a:solidFill>
@@ -3835,8 +4850,8 @@
           <a:cs typeface="+mn-cs"/>
         </a:defRPr>
       </a:lvl8pPr>
-      <a:lvl9pPr marL="3657600" algn="l" defTabSz="914400" rtl="0" eaLnBrk="1" latinLnBrk="0" hangingPunct="1">
-        <a:defRPr sz="1800" kern="1200">
+      <a:lvl9pPr marL="3413638" algn="l" defTabSz="853410" rtl="0" eaLnBrk="1" latinLnBrk="0" hangingPunct="1">
+        <a:defRPr sz="1680" kern="1200">
           <a:solidFill>
             <a:schemeClr val="tx1"/>
           </a:solidFill>
@@ -3869,10 +4884,10 @@
       </p:grpSpPr>
       <p:grpSp>
         <p:nvGrpSpPr>
-          <p:cNvPr id="16" name="Group 15">
+          <p:cNvPr id="186" name="Group 185">
             <a:extLst>
               <a:ext uri="{FF2B5EF4-FFF2-40B4-BE49-F238E27FC236}">
-                <a16:creationId xmlns:a16="http://schemas.microsoft.com/office/drawing/2014/main" id="{4112BF9C-FBFD-F6FF-1DA6-8D81C6C1BDD8}"/>
+                <a16:creationId xmlns:a16="http://schemas.microsoft.com/office/drawing/2014/main" id="{E341C37D-6060-D94A-DECD-063F334E4673}"/>
               </a:ext>
             </a:extLst>
           </p:cNvPr>
@@ -3881,457 +4896,242 @@
         </p:nvGrpSpPr>
         <p:grpSpPr>
           <a:xfrm>
-            <a:off x="1287691" y="1309778"/>
-            <a:ext cx="1146931" cy="1195828"/>
-            <a:chOff x="857250" y="3768717"/>
-            <a:chExt cx="1146931" cy="1195828"/>
-          </a:xfrm>
-        </p:grpSpPr>
-        <p:pic>
-          <p:nvPicPr>
-            <p:cNvPr id="26" name="Picture 25">
-              <a:extLst>
-                <a:ext uri="{FF2B5EF4-FFF2-40B4-BE49-F238E27FC236}">
-                  <a16:creationId xmlns:a16="http://schemas.microsoft.com/office/drawing/2014/main" id="{C9231AFA-391C-14C4-C56E-524D53B6A033}"/>
-                </a:ext>
-              </a:extLst>
-            </p:cNvPr>
-            <p:cNvPicPr>
-              <a:picLocks noChangeAspect="1"/>
-            </p:cNvPicPr>
-            <p:nvPr/>
-          </p:nvPicPr>
-          <p:blipFill>
-            <a:blip r:embed="rId2"/>
-            <a:stretch>
-              <a:fillRect/>
-            </a:stretch>
-          </p:blipFill>
-          <p:spPr>
-            <a:xfrm>
-              <a:off x="857250" y="4294340"/>
-              <a:ext cx="1105838" cy="670205"/>
-            </a:xfrm>
-            <a:prstGeom prst="rect">
-              <a:avLst/>
-            </a:prstGeom>
-          </p:spPr>
-        </p:pic>
-        <p:cxnSp>
-          <p:nvCxnSpPr>
-            <p:cNvPr id="27" name="Straight Arrow Connector 26">
-              <a:extLst>
-                <a:ext uri="{FF2B5EF4-FFF2-40B4-BE49-F238E27FC236}">
-                  <a16:creationId xmlns:a16="http://schemas.microsoft.com/office/drawing/2014/main" id="{C9BCD99F-272A-E300-9470-ECE18F355444}"/>
-                </a:ext>
-              </a:extLst>
-            </p:cNvPr>
-            <p:cNvCxnSpPr>
-              <a:cxnSpLocks/>
-            </p:cNvCxnSpPr>
-            <p:nvPr/>
-          </p:nvCxnSpPr>
-          <p:spPr>
-            <a:xfrm flipH="1">
-              <a:off x="876816" y="4138049"/>
-              <a:ext cx="1066706" cy="0"/>
-            </a:xfrm>
-            <a:prstGeom prst="straightConnector1">
-              <a:avLst/>
-            </a:prstGeom>
-            <a:ln w="22225">
-              <a:solidFill>
-                <a:schemeClr val="tx1"/>
-              </a:solidFill>
-              <a:headEnd type="triangle" w="lg" len="lg"/>
-              <a:tailEnd type="triangle" w="lg" len="lg"/>
-            </a:ln>
-          </p:spPr>
-          <p:style>
-            <a:lnRef idx="2">
-              <a:schemeClr val="accent1"/>
-            </a:lnRef>
-            <a:fillRef idx="0">
-              <a:schemeClr val="accent1"/>
-            </a:fillRef>
-            <a:effectRef idx="1">
-              <a:schemeClr val="accent1"/>
-            </a:effectRef>
-            <a:fontRef idx="minor">
-              <a:schemeClr val="tx1"/>
-            </a:fontRef>
-          </p:style>
-        </p:cxnSp>
-        <p:sp>
-          <p:nvSpPr>
-            <p:cNvPr id="28" name="TextBox 27">
-              <a:extLst>
-                <a:ext uri="{FF2B5EF4-FFF2-40B4-BE49-F238E27FC236}">
-                  <a16:creationId xmlns:a16="http://schemas.microsoft.com/office/drawing/2014/main" id="{EC1FBF5A-3333-E899-2543-90256C7B2DC0}"/>
-                </a:ext>
-              </a:extLst>
-            </p:cNvPr>
-            <p:cNvSpPr txBox="1"/>
-            <p:nvPr/>
-          </p:nvSpPr>
-          <p:spPr>
-            <a:xfrm>
-              <a:off x="902086" y="3768717"/>
-              <a:ext cx="1102095" cy="369332"/>
-            </a:xfrm>
-            <a:prstGeom prst="rect">
-              <a:avLst/>
-            </a:prstGeom>
-            <a:noFill/>
-          </p:spPr>
-          <p:txBody>
-            <a:bodyPr wrap="square" rtlCol="0">
-              <a:spAutoFit/>
-            </a:bodyPr>
-            <a:lstStyle/>
-            <a:p>
-              <a:pPr algn="ctr"/>
-              <a:r>
-                <a:rPr lang="en-US" dirty="0">
-                  <a:latin typeface="Arial" panose="020B0604020202020204" pitchFamily="34" charset="0"/>
-                  <a:cs typeface="Arial" panose="020B0604020202020204" pitchFamily="34" charset="0"/>
-                </a:rPr>
-                <a:t>left/right</a:t>
-              </a:r>
-            </a:p>
-          </p:txBody>
-        </p:sp>
-      </p:grpSp>
-      <p:pic>
-        <p:nvPicPr>
-          <p:cNvPr id="24" name="Picture 23" descr="A dna strand in a black background&#10;&#10;AI-generated content may be incorrect.">
-            <a:extLst>
-              <a:ext uri="{FF2B5EF4-FFF2-40B4-BE49-F238E27FC236}">
-                <a16:creationId xmlns:a16="http://schemas.microsoft.com/office/drawing/2014/main" id="{63CF131A-C072-13E5-D148-6AFC2E15179D}"/>
-              </a:ext>
-            </a:extLst>
-          </p:cNvPr>
-          <p:cNvPicPr>
-            <a:picLocks noChangeAspect="1"/>
-          </p:cNvPicPr>
-          <p:nvPr/>
-        </p:nvPicPr>
-        <p:blipFill>
-          <a:blip r:embed="rId3"/>
-          <a:stretch>
-            <a:fillRect/>
-          </a:stretch>
-        </p:blipFill>
-        <p:spPr>
-          <a:xfrm rot="16200000">
-            <a:off x="3989510" y="1481612"/>
-            <a:ext cx="1002240" cy="1015056"/>
-          </a:xfrm>
-          <a:prstGeom prst="rect">
-            <a:avLst/>
-          </a:prstGeom>
-        </p:spPr>
-      </p:pic>
-      <p:pic>
-        <p:nvPicPr>
-          <p:cNvPr id="31" name="Picture 30">
-            <a:extLst>
-              <a:ext uri="{FF2B5EF4-FFF2-40B4-BE49-F238E27FC236}">
-                <a16:creationId xmlns:a16="http://schemas.microsoft.com/office/drawing/2014/main" id="{B89A559F-3D9B-F6E0-FB14-F38603D20325}"/>
-              </a:ext>
-            </a:extLst>
-          </p:cNvPr>
-          <p:cNvPicPr>
-            <a:picLocks noChangeAspect="1"/>
-          </p:cNvPicPr>
-          <p:nvPr/>
-        </p:nvPicPr>
-        <p:blipFill>
-          <a:blip r:embed="rId2"/>
-          <a:srcRect r="49333"/>
-          <a:stretch/>
-        </p:blipFill>
-        <p:spPr>
-          <a:xfrm>
-            <a:off x="1903500" y="3510169"/>
-            <a:ext cx="560300" cy="670205"/>
-          </a:xfrm>
-          <a:prstGeom prst="rect">
-            <a:avLst/>
-          </a:prstGeom>
-        </p:spPr>
-      </p:pic>
-      <p:sp>
-        <p:nvSpPr>
-          <p:cNvPr id="33" name="TextBox 32">
-            <a:extLst>
-              <a:ext uri="{FF2B5EF4-FFF2-40B4-BE49-F238E27FC236}">
-                <a16:creationId xmlns:a16="http://schemas.microsoft.com/office/drawing/2014/main" id="{6DD1B967-3B7C-B8E3-3AD9-127CC0BB85B5}"/>
-              </a:ext>
-            </a:extLst>
-          </p:cNvPr>
-          <p:cNvSpPr txBox="1"/>
-          <p:nvPr/>
-        </p:nvSpPr>
-        <p:spPr>
-          <a:xfrm>
-            <a:off x="1685869" y="3179278"/>
-            <a:ext cx="1102095" cy="369332"/>
-          </a:xfrm>
-          <a:prstGeom prst="rect">
-            <a:avLst/>
-          </a:prstGeom>
-          <a:noFill/>
-        </p:spPr>
-        <p:txBody>
-          <a:bodyPr wrap="square" rtlCol="0">
-            <a:spAutoFit/>
-          </a:bodyPr>
-          <a:lstStyle/>
-          <a:p>
-            <a:pPr algn="ctr"/>
-            <a:r>
-              <a:rPr lang="en-US" dirty="0">
-                <a:latin typeface="Arial" panose="020B0604020202020204" pitchFamily="34" charset="0"/>
-                <a:cs typeface="Arial" panose="020B0604020202020204" pitchFamily="34" charset="0"/>
-              </a:rPr>
-              <a:t>left</a:t>
-            </a:r>
-          </a:p>
-        </p:txBody>
-      </p:sp>
-      <p:pic>
-        <p:nvPicPr>
-          <p:cNvPr id="34" name="Picture 33">
-            <a:extLst>
-              <a:ext uri="{FF2B5EF4-FFF2-40B4-BE49-F238E27FC236}">
-                <a16:creationId xmlns:a16="http://schemas.microsoft.com/office/drawing/2014/main" id="{A19C1B91-2F0C-834D-5D19-0D9DCE67831D}"/>
-              </a:ext>
-            </a:extLst>
-          </p:cNvPr>
-          <p:cNvPicPr>
-            <a:picLocks noChangeAspect="1"/>
-          </p:cNvPicPr>
-          <p:nvPr/>
-        </p:nvPicPr>
-        <p:blipFill>
-          <a:blip r:embed="rId2"/>
-          <a:srcRect l="49902"/>
-          <a:stretch/>
-        </p:blipFill>
-        <p:spPr>
-          <a:xfrm>
-            <a:off x="2074333" y="4891868"/>
-            <a:ext cx="554004" cy="670205"/>
-          </a:xfrm>
-          <a:prstGeom prst="rect">
-            <a:avLst/>
-          </a:prstGeom>
-        </p:spPr>
-      </p:pic>
-      <p:sp>
-        <p:nvSpPr>
-          <p:cNvPr id="41" name="TextBox 40">
-            <a:extLst>
-              <a:ext uri="{FF2B5EF4-FFF2-40B4-BE49-F238E27FC236}">
-                <a16:creationId xmlns:a16="http://schemas.microsoft.com/office/drawing/2014/main" id="{489C7890-2293-260F-927E-3A0BAF6AE31E}"/>
-              </a:ext>
-            </a:extLst>
-          </p:cNvPr>
-          <p:cNvSpPr txBox="1"/>
-          <p:nvPr/>
-        </p:nvSpPr>
-        <p:spPr>
-          <a:xfrm>
-            <a:off x="1821335" y="4476312"/>
-            <a:ext cx="1102095" cy="369332"/>
-          </a:xfrm>
-          <a:prstGeom prst="rect">
-            <a:avLst/>
-          </a:prstGeom>
-          <a:noFill/>
-        </p:spPr>
-        <p:txBody>
-          <a:bodyPr wrap="square" rtlCol="0">
-            <a:spAutoFit/>
-          </a:bodyPr>
-          <a:lstStyle/>
-          <a:p>
-            <a:pPr algn="ctr"/>
-            <a:r>
-              <a:rPr lang="en-US" dirty="0">
-                <a:latin typeface="Arial" panose="020B0604020202020204" pitchFamily="34" charset="0"/>
-                <a:cs typeface="Arial" panose="020B0604020202020204" pitchFamily="34" charset="0"/>
-              </a:rPr>
-              <a:t>right</a:t>
-            </a:r>
-          </a:p>
-        </p:txBody>
-      </p:sp>
-      <p:sp>
-        <p:nvSpPr>
-          <p:cNvPr id="42" name="TextBox 41">
-            <a:extLst>
-              <a:ext uri="{FF2B5EF4-FFF2-40B4-BE49-F238E27FC236}">
-                <a16:creationId xmlns:a16="http://schemas.microsoft.com/office/drawing/2014/main" id="{BB15E696-D7E8-065F-22C9-1F1C225CBEE6}"/>
-              </a:ext>
-            </a:extLst>
-          </p:cNvPr>
-          <p:cNvSpPr txBox="1"/>
-          <p:nvPr/>
-        </p:nvSpPr>
-        <p:spPr>
-          <a:xfrm>
-            <a:off x="719666" y="372533"/>
-            <a:ext cx="2509020" cy="461665"/>
-          </a:xfrm>
-          <a:prstGeom prst="rect">
-            <a:avLst/>
-          </a:prstGeom>
-          <a:noFill/>
-        </p:spPr>
-        <p:txBody>
-          <a:bodyPr wrap="none" rtlCol="0">
-            <a:spAutoFit/>
-          </a:bodyPr>
-          <a:lstStyle/>
-          <a:p>
-            <a:r>
-              <a:rPr lang="en-US" sz="2400" dirty="0">
-                <a:latin typeface="Arial" panose="020B0604020202020204" pitchFamily="34" charset="0"/>
-                <a:cs typeface="Arial" panose="020B0604020202020204" pitchFamily="34" charset="0"/>
-              </a:rPr>
-              <a:t>Factor of Interest</a:t>
-            </a:r>
-          </a:p>
-        </p:txBody>
-      </p:sp>
-      <p:sp>
-        <p:nvSpPr>
-          <p:cNvPr id="43" name="TextBox 42">
-            <a:extLst>
-              <a:ext uri="{FF2B5EF4-FFF2-40B4-BE49-F238E27FC236}">
-                <a16:creationId xmlns:a16="http://schemas.microsoft.com/office/drawing/2014/main" id="{CDC17340-8A6A-952F-C785-2381010C19BF}"/>
-              </a:ext>
-            </a:extLst>
-          </p:cNvPr>
-          <p:cNvSpPr txBox="1"/>
-          <p:nvPr/>
-        </p:nvSpPr>
-        <p:spPr>
-          <a:xfrm>
-            <a:off x="186266" y="3191933"/>
-            <a:ext cx="1828801" cy="830997"/>
-          </a:xfrm>
-          <a:prstGeom prst="rect">
-            <a:avLst/>
-          </a:prstGeom>
-          <a:noFill/>
-        </p:spPr>
-        <p:txBody>
-          <a:bodyPr wrap="square" rtlCol="0">
-            <a:spAutoFit/>
-          </a:bodyPr>
-          <a:lstStyle/>
-          <a:p>
-            <a:r>
-              <a:rPr lang="en-US" sz="2400" dirty="0">
-                <a:latin typeface="Arial" panose="020B0604020202020204" pitchFamily="34" charset="0"/>
-                <a:cs typeface="Arial" panose="020B0604020202020204" pitchFamily="34" charset="0"/>
-              </a:rPr>
-              <a:t>Reference Level</a:t>
-            </a:r>
-          </a:p>
-        </p:txBody>
-      </p:sp>
-      <p:sp>
-        <p:nvSpPr>
-          <p:cNvPr id="44" name="TextBox 43">
-            <a:extLst>
-              <a:ext uri="{FF2B5EF4-FFF2-40B4-BE49-F238E27FC236}">
-                <a16:creationId xmlns:a16="http://schemas.microsoft.com/office/drawing/2014/main" id="{71DEAC27-2EA9-F41D-4751-9DC0B3CBC65F}"/>
-              </a:ext>
-            </a:extLst>
-          </p:cNvPr>
-          <p:cNvSpPr txBox="1"/>
-          <p:nvPr/>
-        </p:nvSpPr>
-        <p:spPr>
-          <a:xfrm>
-            <a:off x="169333" y="4817532"/>
-            <a:ext cx="1828801" cy="830997"/>
-          </a:xfrm>
-          <a:prstGeom prst="rect">
-            <a:avLst/>
-          </a:prstGeom>
-          <a:noFill/>
-        </p:spPr>
-        <p:txBody>
-          <a:bodyPr wrap="square" rtlCol="0">
-            <a:spAutoFit/>
-          </a:bodyPr>
-          <a:lstStyle/>
-          <a:p>
-            <a:r>
-              <a:rPr lang="en-US" sz="2400" dirty="0">
-                <a:latin typeface="Arial" panose="020B0604020202020204" pitchFamily="34" charset="0"/>
-                <a:cs typeface="Arial" panose="020B0604020202020204" pitchFamily="34" charset="0"/>
-              </a:rPr>
-              <a:t>Treatment Level</a:t>
-            </a:r>
-          </a:p>
-        </p:txBody>
-      </p:sp>
-      <p:grpSp>
-        <p:nvGrpSpPr>
-          <p:cNvPr id="45" name="Group 44">
-            <a:extLst>
-              <a:ext uri="{FF2B5EF4-FFF2-40B4-BE49-F238E27FC236}">
-                <a16:creationId xmlns:a16="http://schemas.microsoft.com/office/drawing/2014/main" id="{4FF82988-8CD1-293B-C955-4394041791E5}"/>
-              </a:ext>
-            </a:extLst>
-          </p:cNvPr>
-          <p:cNvGrpSpPr>
-            <a:grpSpLocks noChangeAspect="1"/>
-          </p:cNvGrpSpPr>
-          <p:nvPr/>
-        </p:nvGrpSpPr>
-        <p:grpSpPr>
-          <a:xfrm>
-            <a:off x="5181598" y="3143822"/>
-            <a:ext cx="1135211" cy="1063911"/>
-            <a:chOff x="3234842" y="2216575"/>
-            <a:chExt cx="2918242" cy="2734953"/>
+            <a:off x="1374022" y="210523"/>
+            <a:ext cx="3815905" cy="4727461"/>
+            <a:chOff x="277477" y="193570"/>
+            <a:chExt cx="3634195" cy="4502344"/>
           </a:xfrm>
         </p:grpSpPr>
         <p:grpSp>
           <p:nvGrpSpPr>
-            <p:cNvPr id="46" name="Group 45">
+            <p:cNvPr id="167" name="Group 166">
               <a:extLst>
                 <a:ext uri="{FF2B5EF4-FFF2-40B4-BE49-F238E27FC236}">
-                  <a16:creationId xmlns:a16="http://schemas.microsoft.com/office/drawing/2014/main" id="{52C81C25-92B5-F196-781D-B56B272E600D}"/>
+                  <a16:creationId xmlns:a16="http://schemas.microsoft.com/office/drawing/2014/main" id="{36DE713A-8CF2-594A-44D7-52E4BBCFA18A}"/>
                 </a:ext>
               </a:extLst>
             </p:cNvPr>
-            <p:cNvGrpSpPr>
-              <a:grpSpLocks noChangeAspect="1"/>
-            </p:cNvGrpSpPr>
+            <p:cNvGrpSpPr/>
             <p:nvPr/>
           </p:nvGrpSpPr>
           <p:grpSpPr>
             <a:xfrm>
-              <a:off x="3234842" y="2482647"/>
-              <a:ext cx="2468880" cy="2468881"/>
-              <a:chOff x="1277616" y="3447949"/>
-              <a:chExt cx="1188720" cy="1188720"/>
+              <a:off x="277477" y="193570"/>
+              <a:ext cx="3634195" cy="4502344"/>
+              <a:chOff x="277477" y="193570"/>
+              <a:chExt cx="3634195" cy="4502344"/>
             </a:xfrm>
           </p:grpSpPr>
+          <p:grpSp>
+            <p:nvGrpSpPr>
+              <p:cNvPr id="16" name="Group 15">
+                <a:extLst>
+                  <a:ext uri="{FF2B5EF4-FFF2-40B4-BE49-F238E27FC236}">
+                    <a16:creationId xmlns:a16="http://schemas.microsoft.com/office/drawing/2014/main" id="{4112BF9C-FBFD-F6FF-1DA6-8D81C6C1BDD8}"/>
+                  </a:ext>
+                </a:extLst>
+              </p:cNvPr>
+              <p:cNvGrpSpPr/>
+              <p:nvPr/>
+            </p:nvGrpSpPr>
+            <p:grpSpPr>
+              <a:xfrm>
+                <a:off x="1521108" y="723937"/>
+                <a:ext cx="1146931" cy="1195828"/>
+                <a:chOff x="857250" y="3768717"/>
+                <a:chExt cx="1146931" cy="1195828"/>
+              </a:xfrm>
+            </p:grpSpPr>
+            <p:pic>
+              <p:nvPicPr>
+                <p:cNvPr id="26" name="Picture 25">
+                  <a:extLst>
+                    <a:ext uri="{FF2B5EF4-FFF2-40B4-BE49-F238E27FC236}">
+                      <a16:creationId xmlns:a16="http://schemas.microsoft.com/office/drawing/2014/main" id="{C9231AFA-391C-14C4-C56E-524D53B6A033}"/>
+                    </a:ext>
+                  </a:extLst>
+                </p:cNvPr>
+                <p:cNvPicPr>
+                  <a:picLocks noChangeAspect="1"/>
+                </p:cNvPicPr>
+                <p:nvPr/>
+              </p:nvPicPr>
+              <p:blipFill>
+                <a:blip r:embed="rId2"/>
+                <a:stretch>
+                  <a:fillRect/>
+                </a:stretch>
+              </p:blipFill>
+              <p:spPr>
+                <a:xfrm>
+                  <a:off x="857250" y="4294340"/>
+                  <a:ext cx="1105838" cy="670205"/>
+                </a:xfrm>
+                <a:prstGeom prst="rect">
+                  <a:avLst/>
+                </a:prstGeom>
+              </p:spPr>
+            </p:pic>
+            <p:cxnSp>
+              <p:nvCxnSpPr>
+                <p:cNvPr id="27" name="Straight Arrow Connector 26">
+                  <a:extLst>
+                    <a:ext uri="{FF2B5EF4-FFF2-40B4-BE49-F238E27FC236}">
+                      <a16:creationId xmlns:a16="http://schemas.microsoft.com/office/drawing/2014/main" id="{C9BCD99F-272A-E300-9470-ECE18F355444}"/>
+                    </a:ext>
+                  </a:extLst>
+                </p:cNvPr>
+                <p:cNvCxnSpPr>
+                  <a:cxnSpLocks/>
+                </p:cNvCxnSpPr>
+                <p:nvPr/>
+              </p:nvCxnSpPr>
+              <p:spPr>
+                <a:xfrm flipH="1">
+                  <a:off x="876816" y="4138049"/>
+                  <a:ext cx="1066706" cy="0"/>
+                </a:xfrm>
+                <a:prstGeom prst="straightConnector1">
+                  <a:avLst/>
+                </a:prstGeom>
+                <a:ln w="22225">
+                  <a:solidFill>
+                    <a:schemeClr val="tx1"/>
+                  </a:solidFill>
+                  <a:headEnd type="triangle" w="lg" len="lg"/>
+                  <a:tailEnd type="triangle" w="lg" len="lg"/>
+                </a:ln>
+              </p:spPr>
+              <p:style>
+                <a:lnRef idx="2">
+                  <a:schemeClr val="accent1"/>
+                </a:lnRef>
+                <a:fillRef idx="0">
+                  <a:schemeClr val="accent1"/>
+                </a:fillRef>
+                <a:effectRef idx="1">
+                  <a:schemeClr val="accent1"/>
+                </a:effectRef>
+                <a:fontRef idx="minor">
+                  <a:schemeClr val="tx1"/>
+                </a:fontRef>
+              </p:style>
+            </p:cxnSp>
+            <p:sp>
+              <p:nvSpPr>
+                <p:cNvPr id="28" name="TextBox 27">
+                  <a:extLst>
+                    <a:ext uri="{FF2B5EF4-FFF2-40B4-BE49-F238E27FC236}">
+                      <a16:creationId xmlns:a16="http://schemas.microsoft.com/office/drawing/2014/main" id="{EC1FBF5A-3333-E899-2543-90256C7B2DC0}"/>
+                    </a:ext>
+                  </a:extLst>
+                </p:cNvPr>
+                <p:cNvSpPr txBox="1"/>
+                <p:nvPr/>
+              </p:nvSpPr>
+              <p:spPr>
+                <a:xfrm>
+                  <a:off x="902086" y="3768717"/>
+                  <a:ext cx="1102095" cy="364935"/>
+                </a:xfrm>
+                <a:prstGeom prst="rect">
+                  <a:avLst/>
+                </a:prstGeom>
+                <a:noFill/>
+              </p:spPr>
+              <p:txBody>
+                <a:bodyPr wrap="square" rtlCol="0">
+                  <a:spAutoFit/>
+                </a:bodyPr>
+                <a:lstStyle/>
+                <a:p>
+                  <a:pPr algn="ctr"/>
+                  <a:r>
+                    <a:rPr lang="en-US" sz="1890" dirty="0">
+                      <a:latin typeface="Arial" panose="020B0604020202020204" pitchFamily="34" charset="0"/>
+                      <a:cs typeface="Arial" panose="020B0604020202020204" pitchFamily="34" charset="0"/>
+                    </a:rPr>
+                    <a:t>left/right</a:t>
+                  </a:r>
+                </a:p>
+              </p:txBody>
+            </p:sp>
+          </p:grpSp>
+          <p:sp>
+            <p:nvSpPr>
+              <p:cNvPr id="42" name="TextBox 41">
+                <a:extLst>
+                  <a:ext uri="{FF2B5EF4-FFF2-40B4-BE49-F238E27FC236}">
+                    <a16:creationId xmlns:a16="http://schemas.microsoft.com/office/drawing/2014/main" id="{BB15E696-D7E8-065F-22C9-1F1C225CBEE6}"/>
+                  </a:ext>
+                </a:extLst>
+              </p:cNvPr>
+              <p:cNvSpPr txBox="1"/>
+              <p:nvPr/>
+            </p:nvSpPr>
+            <p:spPr>
+              <a:xfrm>
+                <a:off x="277477" y="193570"/>
+                <a:ext cx="3634195" cy="457268"/>
+              </a:xfrm>
+              <a:prstGeom prst="rect">
+                <a:avLst/>
+              </a:prstGeom>
+              <a:noFill/>
+            </p:spPr>
+            <p:txBody>
+              <a:bodyPr wrap="square" rtlCol="0">
+                <a:spAutoFit/>
+              </a:bodyPr>
+              <a:lstStyle/>
+              <a:p>
+                <a:pPr algn="ctr"/>
+                <a:r>
+                  <a:rPr lang="en-US" sz="2520" dirty="0">
+                    <a:latin typeface="Arial" panose="020B0604020202020204" pitchFamily="34" charset="0"/>
+                    <a:cs typeface="Arial" panose="020B0604020202020204" pitchFamily="34" charset="0"/>
+                  </a:rPr>
+                  <a:t>Differential Expression</a:t>
+                </a:r>
+              </a:p>
+            </p:txBody>
+          </p:sp>
           <p:pic>
             <p:nvPicPr>
-              <p:cNvPr id="52" name="Picture 51">
+              <p:cNvPr id="3" name="Picture 2" descr="A white and blue liquid in a glass container&#10;&#10;AI-generated content may be incorrect.">
                 <a:extLst>
                   <a:ext uri="{FF2B5EF4-FFF2-40B4-BE49-F238E27FC236}">
-                    <a16:creationId xmlns:a16="http://schemas.microsoft.com/office/drawing/2014/main" id="{5A60C0C9-5C59-AF4B-BD84-C5FC09133228}"/>
+                    <a16:creationId xmlns:a16="http://schemas.microsoft.com/office/drawing/2014/main" id="{E3A423F9-121E-9144-389D-86BF08D82B70}"/>
+                  </a:ext>
+                </a:extLst>
+              </p:cNvPr>
+              <p:cNvPicPr>
+                <a:picLocks noChangeAspect="1"/>
+              </p:cNvPicPr>
+              <p:nvPr/>
+            </p:nvPicPr>
+            <p:blipFill>
+              <a:blip r:embed="rId3"/>
+              <a:stretch>
+                <a:fillRect/>
+              </a:stretch>
+            </p:blipFill>
+            <p:spPr>
+              <a:xfrm>
+                <a:off x="1235729" y="1916571"/>
+                <a:ext cx="391989" cy="866733"/>
+              </a:xfrm>
+              <a:prstGeom prst="rect">
+                <a:avLst/>
+              </a:prstGeom>
+            </p:spPr>
+          </p:pic>
+          <p:pic>
+            <p:nvPicPr>
+              <p:cNvPr id="12" name="Picture 11" descr="A screen shot of a graph&#10;&#10;AI-generated content may be incorrect.">
+                <a:extLst>
+                  <a:ext uri="{FF2B5EF4-FFF2-40B4-BE49-F238E27FC236}">
+                    <a16:creationId xmlns:a16="http://schemas.microsoft.com/office/drawing/2014/main" id="{9C39DF87-DE4F-0F20-9282-C0EF4BBF038B}"/>
                   </a:ext>
                 </a:extLst>
               </p:cNvPr>
@@ -4347,73 +5147,21 @@
               </a:stretch>
             </p:blipFill>
             <p:spPr>
-              <a:xfrm rot="2861858">
-                <a:off x="2080121" y="3742596"/>
-                <a:ext cx="274320" cy="274320"/>
+              <a:xfrm>
+                <a:off x="1077572" y="2661911"/>
+                <a:ext cx="2034003" cy="2034003"/>
               </a:xfrm>
               <a:prstGeom prst="rect">
                 <a:avLst/>
               </a:prstGeom>
             </p:spPr>
           </p:pic>
-          <p:sp>
-            <p:nvSpPr>
-              <p:cNvPr id="53" name="Rectangle 52">
+          <p:pic>
+            <p:nvPicPr>
+              <p:cNvPr id="13" name="Picture 12" descr="A white and blue liquid in a glass container&#10;&#10;AI-generated content may be incorrect.">
                 <a:extLst>
                   <a:ext uri="{FF2B5EF4-FFF2-40B4-BE49-F238E27FC236}">
-                    <a16:creationId xmlns:a16="http://schemas.microsoft.com/office/drawing/2014/main" id="{B62E7BC5-ECD8-C3BD-8852-44E3A483EA27}"/>
-                  </a:ext>
-                </a:extLst>
-              </p:cNvPr>
-              <p:cNvSpPr/>
-              <p:nvPr/>
-            </p:nvSpPr>
-            <p:spPr>
-              <a:xfrm>
-                <a:off x="1277616" y="3447949"/>
-                <a:ext cx="1188720" cy="1188720"/>
-              </a:xfrm>
-              <a:prstGeom prst="rect">
-                <a:avLst/>
-              </a:prstGeom>
-              <a:noFill/>
-              <a:ln>
-                <a:solidFill>
-                  <a:schemeClr val="tx1"/>
-                </a:solidFill>
-              </a:ln>
-            </p:spPr>
-            <p:style>
-              <a:lnRef idx="2">
-                <a:schemeClr val="accent1">
-                  <a:shade val="15000"/>
-                </a:schemeClr>
-              </a:lnRef>
-              <a:fillRef idx="1">
-                <a:schemeClr val="accent1"/>
-              </a:fillRef>
-              <a:effectRef idx="0">
-                <a:schemeClr val="accent1"/>
-              </a:effectRef>
-              <a:fontRef idx="minor">
-                <a:schemeClr val="lt1"/>
-              </a:fontRef>
-            </p:style>
-            <p:txBody>
-              <a:bodyPr rtlCol="0" anchor="ctr"/>
-              <a:lstStyle/>
-              <a:p>
-                <a:pPr algn="ctr"/>
-                <a:endParaRPr lang="en-US"/>
-              </a:p>
-            </p:txBody>
-          </p:sp>
-          <p:pic>
-            <p:nvPicPr>
-              <p:cNvPr id="54" name="Picture 53">
-                <a:extLst>
-                  <a:ext uri="{FF2B5EF4-FFF2-40B4-BE49-F238E27FC236}">
-                    <a16:creationId xmlns:a16="http://schemas.microsoft.com/office/drawing/2014/main" id="{A7CE245C-4EF1-C382-A4CF-23FC847F2DBA}"/>
+                    <a16:creationId xmlns:a16="http://schemas.microsoft.com/office/drawing/2014/main" id="{997B0F20-AB6A-106F-B24A-0604B016B50A}"/>
                   </a:ext>
                 </a:extLst>
               </p:cNvPr>
@@ -4423,285 +5171,15 @@
               <p:nvPr/>
             </p:nvPicPr>
             <p:blipFill>
-              <a:blip r:embed="rId4"/>
+              <a:blip r:embed="rId3"/>
               <a:stretch>
                 <a:fillRect/>
               </a:stretch>
             </p:blipFill>
             <p:spPr>
-              <a:xfrm rot="18631204">
-                <a:off x="1722375" y="3479485"/>
-                <a:ext cx="274320" cy="274320"/>
-              </a:xfrm>
-              <a:prstGeom prst="rect">
-                <a:avLst/>
-              </a:prstGeom>
-            </p:spPr>
-          </p:pic>
-          <p:pic>
-            <p:nvPicPr>
-              <p:cNvPr id="55" name="Picture 54">
-                <a:extLst>
-                  <a:ext uri="{FF2B5EF4-FFF2-40B4-BE49-F238E27FC236}">
-                    <a16:creationId xmlns:a16="http://schemas.microsoft.com/office/drawing/2014/main" id="{F4F16760-2EB2-347B-0E91-D5351863D39B}"/>
-                  </a:ext>
-                </a:extLst>
-              </p:cNvPr>
-              <p:cNvPicPr>
-                <a:picLocks noChangeAspect="1"/>
-              </p:cNvPicPr>
-              <p:nvPr/>
-            </p:nvPicPr>
-            <p:blipFill>
-              <a:blip r:embed="rId4"/>
-              <a:stretch>
-                <a:fillRect/>
-              </a:stretch>
-            </p:blipFill>
-            <p:spPr>
-              <a:xfrm rot="5769712">
-                <a:off x="1486374" y="4183886"/>
-                <a:ext cx="274320" cy="274320"/>
-              </a:xfrm>
-              <a:prstGeom prst="rect">
-                <a:avLst/>
-              </a:prstGeom>
-            </p:spPr>
-          </p:pic>
-          <p:pic>
-            <p:nvPicPr>
-              <p:cNvPr id="56" name="Picture 55">
-                <a:extLst>
-                  <a:ext uri="{FF2B5EF4-FFF2-40B4-BE49-F238E27FC236}">
-                    <a16:creationId xmlns:a16="http://schemas.microsoft.com/office/drawing/2014/main" id="{BDF45D0D-DC02-F2BA-7330-D2FD1FE6B29C}"/>
-                  </a:ext>
-                </a:extLst>
-              </p:cNvPr>
-              <p:cNvPicPr>
-                <a:picLocks noChangeAspect="1"/>
-              </p:cNvPicPr>
-              <p:nvPr/>
-            </p:nvPicPr>
-            <p:blipFill>
-              <a:blip r:embed="rId4"/>
-              <a:stretch>
-                <a:fillRect/>
-              </a:stretch>
-            </p:blipFill>
-            <p:spPr>
-              <a:xfrm rot="14498233">
-                <a:off x="1727726" y="4282476"/>
-                <a:ext cx="274320" cy="274320"/>
-              </a:xfrm>
-              <a:prstGeom prst="rect">
-                <a:avLst/>
-              </a:prstGeom>
-            </p:spPr>
-          </p:pic>
-          <p:pic>
-            <p:nvPicPr>
-              <p:cNvPr id="57" name="Picture 56">
-                <a:extLst>
-                  <a:ext uri="{FF2B5EF4-FFF2-40B4-BE49-F238E27FC236}">
-                    <a16:creationId xmlns:a16="http://schemas.microsoft.com/office/drawing/2014/main" id="{E6696328-4CA1-ECA6-CB89-BCC0A938875B}"/>
-                  </a:ext>
-                </a:extLst>
-              </p:cNvPr>
-              <p:cNvPicPr>
-                <a:picLocks noChangeAspect="1"/>
-              </p:cNvPicPr>
-              <p:nvPr/>
-            </p:nvPicPr>
-            <p:blipFill>
-              <a:blip r:embed="rId4"/>
-              <a:stretch>
-                <a:fillRect/>
-              </a:stretch>
-            </p:blipFill>
-            <p:spPr>
-              <a:xfrm rot="20484834">
-                <a:off x="1413445" y="4154753"/>
-                <a:ext cx="274320" cy="274320"/>
-              </a:xfrm>
-              <a:prstGeom prst="rect">
-                <a:avLst/>
-              </a:prstGeom>
-            </p:spPr>
-          </p:pic>
-          <p:pic>
-            <p:nvPicPr>
-              <p:cNvPr id="58" name="Picture 57">
-                <a:extLst>
-                  <a:ext uri="{FF2B5EF4-FFF2-40B4-BE49-F238E27FC236}">
-                    <a16:creationId xmlns:a16="http://schemas.microsoft.com/office/drawing/2014/main" id="{55EEB0BF-F004-366F-3C12-BFAF34BB728B}"/>
-                  </a:ext>
-                </a:extLst>
-              </p:cNvPr>
-              <p:cNvPicPr>
-                <a:picLocks noChangeAspect="1"/>
-              </p:cNvPicPr>
-              <p:nvPr/>
-            </p:nvPicPr>
-            <p:blipFill>
-              <a:blip r:embed="rId4"/>
-              <a:stretch>
-                <a:fillRect/>
-              </a:stretch>
-            </p:blipFill>
-            <p:spPr>
-              <a:xfrm rot="19667271">
-                <a:off x="1426233" y="3932990"/>
-                <a:ext cx="274320" cy="274320"/>
-              </a:xfrm>
-              <a:prstGeom prst="rect">
-                <a:avLst/>
-              </a:prstGeom>
-            </p:spPr>
-          </p:pic>
-          <p:pic>
-            <p:nvPicPr>
-              <p:cNvPr id="59" name="Picture 58">
-                <a:extLst>
-                  <a:ext uri="{FF2B5EF4-FFF2-40B4-BE49-F238E27FC236}">
-                    <a16:creationId xmlns:a16="http://schemas.microsoft.com/office/drawing/2014/main" id="{14628946-491E-187E-5D16-D18631C92B4A}"/>
-                  </a:ext>
-                </a:extLst>
-              </p:cNvPr>
-              <p:cNvPicPr>
-                <a:picLocks noChangeAspect="1"/>
-              </p:cNvPicPr>
-              <p:nvPr/>
-            </p:nvPicPr>
-            <p:blipFill>
-              <a:blip r:embed="rId4"/>
-              <a:stretch>
-                <a:fillRect/>
-              </a:stretch>
-            </p:blipFill>
-            <p:spPr>
-              <a:xfrm rot="1593809">
-                <a:off x="1601903" y="3610305"/>
-                <a:ext cx="274320" cy="376767"/>
-              </a:xfrm>
-              <a:prstGeom prst="rect">
-                <a:avLst/>
-              </a:prstGeom>
-            </p:spPr>
-          </p:pic>
-          <p:pic>
-            <p:nvPicPr>
-              <p:cNvPr id="60" name="Picture 59">
-                <a:extLst>
-                  <a:ext uri="{FF2B5EF4-FFF2-40B4-BE49-F238E27FC236}">
-                    <a16:creationId xmlns:a16="http://schemas.microsoft.com/office/drawing/2014/main" id="{720E4CD2-DC57-35AF-3CB1-B8EA8DF0D6BC}"/>
-                  </a:ext>
-                </a:extLst>
-              </p:cNvPr>
-              <p:cNvPicPr>
-                <a:picLocks noChangeAspect="1"/>
-              </p:cNvPicPr>
-              <p:nvPr/>
-            </p:nvPicPr>
-            <p:blipFill>
-              <a:blip r:embed="rId4"/>
-              <a:stretch>
-                <a:fillRect/>
-              </a:stretch>
-            </p:blipFill>
-            <p:spPr>
-              <a:xfrm rot="6176903">
-                <a:off x="1335260" y="3943640"/>
-                <a:ext cx="274320" cy="274320"/>
-              </a:xfrm>
-              <a:prstGeom prst="rect">
-                <a:avLst/>
-              </a:prstGeom>
-            </p:spPr>
-          </p:pic>
-          <p:pic>
-            <p:nvPicPr>
-              <p:cNvPr id="62" name="Picture 61">
-                <a:extLst>
-                  <a:ext uri="{FF2B5EF4-FFF2-40B4-BE49-F238E27FC236}">
-                    <a16:creationId xmlns:a16="http://schemas.microsoft.com/office/drawing/2014/main" id="{317A05D2-7672-B423-84F6-595EC2ABB8B3}"/>
-                  </a:ext>
-                </a:extLst>
-              </p:cNvPr>
-              <p:cNvPicPr>
-                <a:picLocks noChangeAspect="1"/>
-              </p:cNvPicPr>
-              <p:nvPr/>
-            </p:nvPicPr>
-            <p:blipFill>
-              <a:blip r:embed="rId4"/>
-              <a:stretch>
-                <a:fillRect/>
-              </a:stretch>
-            </p:blipFill>
-            <p:spPr>
-              <a:xfrm rot="848181">
-                <a:off x="1901322" y="3961309"/>
-                <a:ext cx="274320" cy="274320"/>
-              </a:xfrm>
-              <a:prstGeom prst="rect">
-                <a:avLst/>
-              </a:prstGeom>
-            </p:spPr>
-          </p:pic>
-          <p:pic>
-            <p:nvPicPr>
-              <p:cNvPr id="65" name="Picture 64">
-                <a:extLst>
-                  <a:ext uri="{FF2B5EF4-FFF2-40B4-BE49-F238E27FC236}">
-                    <a16:creationId xmlns:a16="http://schemas.microsoft.com/office/drawing/2014/main" id="{C3818ED8-B2DD-FBE7-050E-C3DE8E87BA3F}"/>
-                  </a:ext>
-                </a:extLst>
-              </p:cNvPr>
-              <p:cNvPicPr>
-                <a:picLocks noChangeAspect="1"/>
-              </p:cNvPicPr>
-              <p:nvPr/>
-            </p:nvPicPr>
-            <p:blipFill>
-              <a:blip r:embed="rId4"/>
-              <a:stretch>
-                <a:fillRect/>
-              </a:stretch>
-            </p:blipFill>
-            <p:spPr>
-              <a:xfrm rot="4540034">
-                <a:off x="1362486" y="3611859"/>
-                <a:ext cx="274320" cy="274320"/>
-              </a:xfrm>
-              <a:prstGeom prst="rect">
-                <a:avLst/>
-              </a:prstGeom>
-            </p:spPr>
-          </p:pic>
-          <p:pic>
-            <p:nvPicPr>
-              <p:cNvPr id="66" name="Picture 65">
-                <a:extLst>
-                  <a:ext uri="{FF2B5EF4-FFF2-40B4-BE49-F238E27FC236}">
-                    <a16:creationId xmlns:a16="http://schemas.microsoft.com/office/drawing/2014/main" id="{99234713-FD55-10D7-8DEE-4C2A8B5A41C9}"/>
-                  </a:ext>
-                </a:extLst>
-              </p:cNvPr>
-              <p:cNvPicPr>
-                <a:picLocks noChangeAspect="1"/>
-              </p:cNvPicPr>
-              <p:nvPr/>
-            </p:nvPicPr>
-            <p:blipFill>
-              <a:blip r:embed="rId4"/>
-              <a:stretch>
-                <a:fillRect/>
-              </a:stretch>
-            </p:blipFill>
-            <p:spPr>
-              <a:xfrm rot="15602880">
-                <a:off x="1908490" y="3628743"/>
-                <a:ext cx="274320" cy="274320"/>
+              <a:xfrm flipH="1">
+                <a:off x="2547903" y="1916569"/>
+                <a:ext cx="391989" cy="866733"/>
               </a:xfrm>
               <a:prstGeom prst="rect">
                 <a:avLst/>
@@ -4711,10 +5189,10 @@
         </p:grpSp>
         <p:cxnSp>
           <p:nvCxnSpPr>
-            <p:cNvPr id="47" name="Straight Arrow Connector 46">
+            <p:cNvPr id="162" name="Straight Arrow Connector 161">
               <a:extLst>
                 <a:ext uri="{FF2B5EF4-FFF2-40B4-BE49-F238E27FC236}">
-                  <a16:creationId xmlns:a16="http://schemas.microsoft.com/office/drawing/2014/main" id="{B998E4B4-08EB-CD36-A9EF-6FBBE947C833}"/>
+                  <a16:creationId xmlns:a16="http://schemas.microsoft.com/office/drawing/2014/main" id="{48E10EE6-9415-511A-9FB1-9B28E04DEBB1}"/>
                 </a:ext>
               </a:extLst>
             </p:cNvPr>
@@ -4724,18 +5202,20 @@
             <p:nvPr/>
           </p:nvCxnSpPr>
           <p:spPr>
-            <a:xfrm flipV="1">
-              <a:off x="3304561" y="2216575"/>
-              <a:ext cx="3744" cy="2670196"/>
+            <a:xfrm>
+              <a:off x="2481786" y="1908734"/>
+              <a:ext cx="226711" cy="211596"/>
             </a:xfrm>
             <a:prstGeom prst="straightConnector1">
               <a:avLst/>
             </a:prstGeom>
-            <a:ln w="28575">
+            <a:ln w="47625">
               <a:solidFill>
-                <a:srgbClr val="FF0000"/>
+                <a:schemeClr val="bg1">
+                  <a:lumMod val="50000"/>
+                </a:schemeClr>
               </a:solidFill>
-              <a:tailEnd type="triangle" w="lg" len="lg"/>
+              <a:tailEnd type="triangle"/>
             </a:ln>
           </p:spPr>
           <p:style>
@@ -4755,514 +5235,31 @@
         </p:cxnSp>
         <p:cxnSp>
           <p:nvCxnSpPr>
-            <p:cNvPr id="49" name="Straight Arrow Connector 48">
+            <p:cNvPr id="166" name="Straight Arrow Connector 165">
               <a:extLst>
                 <a:ext uri="{FF2B5EF4-FFF2-40B4-BE49-F238E27FC236}">
-                  <a16:creationId xmlns:a16="http://schemas.microsoft.com/office/drawing/2014/main" id="{A5D31126-85AF-E004-5123-3BA58323122D}"/>
+                  <a16:creationId xmlns:a16="http://schemas.microsoft.com/office/drawing/2014/main" id="{9F3AD9B0-6D33-40D1-EDF9-B12507915D25}"/>
                 </a:ext>
               </a:extLst>
             </p:cNvPr>
-            <p:cNvCxnSpPr>
-              <a:cxnSpLocks/>
-            </p:cNvCxnSpPr>
+            <p:cNvCxnSpPr/>
             <p:nvPr/>
           </p:nvCxnSpPr>
           <p:spPr>
-            <a:xfrm>
-              <a:off x="3297975" y="4886771"/>
-              <a:ext cx="2855109" cy="0"/>
+            <a:xfrm flipH="1">
+              <a:off x="1458880" y="1908475"/>
+              <a:ext cx="226711" cy="211596"/>
             </a:xfrm>
             <a:prstGeom prst="straightConnector1">
               <a:avLst/>
             </a:prstGeom>
-            <a:ln w="28575">
+            <a:ln w="47625">
               <a:solidFill>
-                <a:srgbClr val="FF0000"/>
+                <a:schemeClr val="bg1">
+                  <a:lumMod val="50000"/>
+                </a:schemeClr>
               </a:solidFill>
-              <a:tailEnd type="triangle" w="lg" len="lg"/>
-            </a:ln>
-          </p:spPr>
-          <p:style>
-            <a:lnRef idx="2">
-              <a:schemeClr val="accent1"/>
-            </a:lnRef>
-            <a:fillRef idx="0">
-              <a:schemeClr val="accent1"/>
-            </a:fillRef>
-            <a:effectRef idx="1">
-              <a:schemeClr val="accent1"/>
-            </a:effectRef>
-            <a:fontRef idx="minor">
-              <a:schemeClr val="tx1"/>
-            </a:fontRef>
-          </p:style>
-        </p:cxnSp>
-      </p:grpSp>
-      <p:pic>
-        <p:nvPicPr>
-          <p:cNvPr id="67" name="Graphic 66" descr="Normal Distribution outline">
-            <a:extLst>
-              <a:ext uri="{FF2B5EF4-FFF2-40B4-BE49-F238E27FC236}">
-                <a16:creationId xmlns:a16="http://schemas.microsoft.com/office/drawing/2014/main" id="{2AEEA982-89AD-E6DA-4767-5E12320F1BCF}"/>
-              </a:ext>
-            </a:extLst>
-          </p:cNvPr>
-          <p:cNvPicPr>
-            <a:picLocks noChangeAspect="1"/>
-          </p:cNvPicPr>
-          <p:nvPr/>
-        </p:nvPicPr>
-        <p:blipFill>
-          <a:blip r:embed="rId5">
-            <a:extLst>
-              <a:ext uri="{96DAC541-7B7A-43D3-8B79-37D633B846F1}">
-                <asvg:svgBlip xmlns:asvg="http://schemas.microsoft.com/office/drawing/2016/SVG/main" r:embed="rId6"/>
-              </a:ext>
-            </a:extLst>
-          </a:blip>
-          <a:stretch>
-            <a:fillRect/>
-          </a:stretch>
-        </p:blipFill>
-        <p:spPr>
-          <a:xfrm>
-            <a:off x="4971323" y="1650743"/>
-            <a:ext cx="914400" cy="914400"/>
-          </a:xfrm>
-          <a:prstGeom prst="rect">
-            <a:avLst/>
-          </a:prstGeom>
-        </p:spPr>
-      </p:pic>
-      <p:grpSp>
-        <p:nvGrpSpPr>
-          <p:cNvPr id="101" name="Group 100">
-            <a:extLst>
-              <a:ext uri="{FF2B5EF4-FFF2-40B4-BE49-F238E27FC236}">
-                <a16:creationId xmlns:a16="http://schemas.microsoft.com/office/drawing/2014/main" id="{289FB2F7-62B1-6DC0-4D26-83891CDF8F1C}"/>
-              </a:ext>
-            </a:extLst>
-          </p:cNvPr>
-          <p:cNvGrpSpPr/>
-          <p:nvPr/>
-        </p:nvGrpSpPr>
-        <p:grpSpPr>
-          <a:xfrm>
-            <a:off x="5274731" y="4828689"/>
-            <a:ext cx="1135211" cy="1063911"/>
-            <a:chOff x="6070599" y="4642422"/>
-            <a:chExt cx="1135211" cy="1063911"/>
-          </a:xfrm>
-        </p:grpSpPr>
-        <p:pic>
-          <p:nvPicPr>
-            <p:cNvPr id="74" name="Picture 73">
-              <a:extLst>
-                <a:ext uri="{FF2B5EF4-FFF2-40B4-BE49-F238E27FC236}">
-                  <a16:creationId xmlns:a16="http://schemas.microsoft.com/office/drawing/2014/main" id="{9F82882C-D6ED-26E2-87C1-62569E364ACF}"/>
-                </a:ext>
-              </a:extLst>
-            </p:cNvPr>
-            <p:cNvPicPr>
-              <a:picLocks noChangeAspect="1"/>
-            </p:cNvPicPr>
-            <p:nvPr/>
-          </p:nvPicPr>
-          <p:blipFill>
-            <a:blip r:embed="rId4"/>
-            <a:stretch>
-              <a:fillRect/>
-            </a:stretch>
-          </p:blipFill>
-          <p:spPr>
-            <a:xfrm rot="2861858">
-              <a:off x="6718970" y="4983981"/>
-              <a:ext cx="221633" cy="221632"/>
-            </a:xfrm>
-            <a:prstGeom prst="rect">
-              <a:avLst/>
-            </a:prstGeom>
-          </p:spPr>
-        </p:pic>
-        <p:sp>
-          <p:nvSpPr>
-            <p:cNvPr id="75" name="Rectangle 74">
-              <a:extLst>
-                <a:ext uri="{FF2B5EF4-FFF2-40B4-BE49-F238E27FC236}">
-                  <a16:creationId xmlns:a16="http://schemas.microsoft.com/office/drawing/2014/main" id="{D4FA8A0E-0BBD-D32F-54AE-54E7BD6C418D}"/>
-                </a:ext>
-              </a:extLst>
-            </p:cNvPr>
-            <p:cNvSpPr/>
-            <p:nvPr/>
-          </p:nvSpPr>
-          <p:spPr>
-            <a:xfrm>
-              <a:off x="6070599" y="4745925"/>
-              <a:ext cx="960407" cy="960408"/>
-            </a:xfrm>
-            <a:prstGeom prst="rect">
-              <a:avLst/>
-            </a:prstGeom>
-            <a:noFill/>
-            <a:ln>
-              <a:solidFill>
-                <a:schemeClr val="tx1"/>
-              </a:solidFill>
-            </a:ln>
-          </p:spPr>
-          <p:style>
-            <a:lnRef idx="2">
-              <a:schemeClr val="accent1">
-                <a:shade val="15000"/>
-              </a:schemeClr>
-            </a:lnRef>
-            <a:fillRef idx="1">
-              <a:schemeClr val="accent1"/>
-            </a:fillRef>
-            <a:effectRef idx="0">
-              <a:schemeClr val="accent1"/>
-            </a:effectRef>
-            <a:fontRef idx="minor">
-              <a:schemeClr val="lt1"/>
-            </a:fontRef>
-          </p:style>
-          <p:txBody>
-            <a:bodyPr rtlCol="0" anchor="ctr"/>
-            <a:lstStyle/>
-            <a:p>
-              <a:pPr algn="ctr"/>
-              <a:endParaRPr lang="en-US"/>
-            </a:p>
-          </p:txBody>
-        </p:sp>
-        <p:pic>
-          <p:nvPicPr>
-            <p:cNvPr id="76" name="Picture 75">
-              <a:extLst>
-                <a:ext uri="{FF2B5EF4-FFF2-40B4-BE49-F238E27FC236}">
-                  <a16:creationId xmlns:a16="http://schemas.microsoft.com/office/drawing/2014/main" id="{D8AE5246-E369-3C53-4D82-E6B986A1C612}"/>
-                </a:ext>
-              </a:extLst>
-            </p:cNvPr>
-            <p:cNvPicPr>
-              <a:picLocks noChangeAspect="1"/>
-            </p:cNvPicPr>
-            <p:nvPr/>
-          </p:nvPicPr>
-          <p:blipFill>
-            <a:blip r:embed="rId4"/>
-            <a:stretch>
-              <a:fillRect/>
-            </a:stretch>
-          </p:blipFill>
-          <p:spPr>
-            <a:xfrm rot="18631204">
-              <a:off x="6463801" y="4957671"/>
-              <a:ext cx="221633" cy="221632"/>
-            </a:xfrm>
-            <a:prstGeom prst="rect">
-              <a:avLst/>
-            </a:prstGeom>
-          </p:spPr>
-        </p:pic>
-        <p:pic>
-          <p:nvPicPr>
-            <p:cNvPr id="79" name="Picture 78">
-              <a:extLst>
-                <a:ext uri="{FF2B5EF4-FFF2-40B4-BE49-F238E27FC236}">
-                  <a16:creationId xmlns:a16="http://schemas.microsoft.com/office/drawing/2014/main" id="{4EEFF05C-0B9A-4B87-4BBA-44FD43E8FE1F}"/>
-                </a:ext>
-              </a:extLst>
-            </p:cNvPr>
-            <p:cNvPicPr>
-              <a:picLocks noChangeAspect="1"/>
-            </p:cNvPicPr>
-            <p:nvPr/>
-          </p:nvPicPr>
-          <p:blipFill>
-            <a:blip r:embed="rId4"/>
-            <a:stretch>
-              <a:fillRect/>
-            </a:stretch>
-          </p:blipFill>
-          <p:spPr>
-            <a:xfrm rot="5769712">
-              <a:off x="6239262" y="5340514"/>
-              <a:ext cx="221633" cy="221632"/>
-            </a:xfrm>
-            <a:prstGeom prst="rect">
-              <a:avLst/>
-            </a:prstGeom>
-          </p:spPr>
-        </p:pic>
-        <p:pic>
-          <p:nvPicPr>
-            <p:cNvPr id="81" name="Picture 80">
-              <a:extLst>
-                <a:ext uri="{FF2B5EF4-FFF2-40B4-BE49-F238E27FC236}">
-                  <a16:creationId xmlns:a16="http://schemas.microsoft.com/office/drawing/2014/main" id="{277D2C22-B5FC-7C56-CD57-DEF5706D8A81}"/>
-                </a:ext>
-              </a:extLst>
-            </p:cNvPr>
-            <p:cNvPicPr>
-              <a:picLocks noChangeAspect="1"/>
-            </p:cNvPicPr>
-            <p:nvPr/>
-          </p:nvPicPr>
-          <p:blipFill>
-            <a:blip r:embed="rId4"/>
-            <a:stretch>
-              <a:fillRect/>
-            </a:stretch>
-          </p:blipFill>
-          <p:spPr>
-            <a:xfrm rot="14498233">
-              <a:off x="6434258" y="5420168"/>
-              <a:ext cx="221633" cy="221632"/>
-            </a:xfrm>
-            <a:prstGeom prst="rect">
-              <a:avLst/>
-            </a:prstGeom>
-          </p:spPr>
-        </p:pic>
-        <p:pic>
-          <p:nvPicPr>
-            <p:cNvPr id="82" name="Picture 81">
-              <a:extLst>
-                <a:ext uri="{FF2B5EF4-FFF2-40B4-BE49-F238E27FC236}">
-                  <a16:creationId xmlns:a16="http://schemas.microsoft.com/office/drawing/2014/main" id="{89CC01B9-9CE2-84B2-0602-CD869B0BD25D}"/>
-                </a:ext>
-              </a:extLst>
-            </p:cNvPr>
-            <p:cNvPicPr>
-              <a:picLocks noChangeAspect="1"/>
-            </p:cNvPicPr>
-            <p:nvPr/>
-          </p:nvPicPr>
-          <p:blipFill>
-            <a:blip r:embed="rId4"/>
-            <a:stretch>
-              <a:fillRect/>
-            </a:stretch>
-          </p:blipFill>
-          <p:spPr>
-            <a:xfrm rot="723729">
-              <a:off x="6197273" y="5367777"/>
-              <a:ext cx="221632" cy="221633"/>
-            </a:xfrm>
-            <a:prstGeom prst="rect">
-              <a:avLst/>
-            </a:prstGeom>
-          </p:spPr>
-        </p:pic>
-        <p:pic>
-          <p:nvPicPr>
-            <p:cNvPr id="84" name="Picture 83">
-              <a:extLst>
-                <a:ext uri="{FF2B5EF4-FFF2-40B4-BE49-F238E27FC236}">
-                  <a16:creationId xmlns:a16="http://schemas.microsoft.com/office/drawing/2014/main" id="{D96EA791-3966-80ED-A8C6-B57B6F96966B}"/>
-                </a:ext>
-              </a:extLst>
-            </p:cNvPr>
-            <p:cNvPicPr>
-              <a:picLocks noChangeAspect="1"/>
-            </p:cNvPicPr>
-            <p:nvPr/>
-          </p:nvPicPr>
-          <p:blipFill>
-            <a:blip r:embed="rId4"/>
-            <a:stretch>
-              <a:fillRect/>
-            </a:stretch>
-          </p:blipFill>
-          <p:spPr>
-            <a:xfrm rot="19667271">
-              <a:off x="6774871" y="5434140"/>
-              <a:ext cx="221632" cy="221633"/>
-            </a:xfrm>
-            <a:prstGeom prst="rect">
-              <a:avLst/>
-            </a:prstGeom>
-          </p:spPr>
-        </p:pic>
-        <p:pic>
-          <p:nvPicPr>
-            <p:cNvPr id="85" name="Picture 84">
-              <a:extLst>
-                <a:ext uri="{FF2B5EF4-FFF2-40B4-BE49-F238E27FC236}">
-                  <a16:creationId xmlns:a16="http://schemas.microsoft.com/office/drawing/2014/main" id="{B0544BF0-ABFB-7C23-6561-080A5D7551E8}"/>
-                </a:ext>
-              </a:extLst>
-            </p:cNvPr>
-            <p:cNvPicPr>
-              <a:picLocks noChangeAspect="1"/>
-            </p:cNvPicPr>
-            <p:nvPr/>
-          </p:nvPicPr>
-          <p:blipFill>
-            <a:blip r:embed="rId4"/>
-            <a:stretch>
-              <a:fillRect/>
-            </a:stretch>
-          </p:blipFill>
-          <p:spPr>
-            <a:xfrm rot="1593809">
-              <a:off x="6662801" y="5232698"/>
-              <a:ext cx="221632" cy="304403"/>
-            </a:xfrm>
-            <a:prstGeom prst="rect">
-              <a:avLst/>
-            </a:prstGeom>
-          </p:spPr>
-        </p:pic>
-        <p:pic>
-          <p:nvPicPr>
-            <p:cNvPr id="89" name="Picture 88">
-              <a:extLst>
-                <a:ext uri="{FF2B5EF4-FFF2-40B4-BE49-F238E27FC236}">
-                  <a16:creationId xmlns:a16="http://schemas.microsoft.com/office/drawing/2014/main" id="{7929F190-A752-4010-3357-80CC399F85F6}"/>
-                </a:ext>
-              </a:extLst>
-            </p:cNvPr>
-            <p:cNvPicPr>
-              <a:picLocks noChangeAspect="1"/>
-            </p:cNvPicPr>
-            <p:nvPr/>
-          </p:nvPicPr>
-          <p:blipFill>
-            <a:blip r:embed="rId4"/>
-            <a:stretch>
-              <a:fillRect/>
-            </a:stretch>
-          </p:blipFill>
-          <p:spPr>
-            <a:xfrm rot="6176903">
-              <a:off x="6582836" y="5383478"/>
-              <a:ext cx="221633" cy="221632"/>
-            </a:xfrm>
-            <a:prstGeom prst="rect">
-              <a:avLst/>
-            </a:prstGeom>
-          </p:spPr>
-        </p:pic>
-        <p:pic>
-          <p:nvPicPr>
-            <p:cNvPr id="90" name="Picture 89">
-              <a:extLst>
-                <a:ext uri="{FF2B5EF4-FFF2-40B4-BE49-F238E27FC236}">
-                  <a16:creationId xmlns:a16="http://schemas.microsoft.com/office/drawing/2014/main" id="{38388CF3-D632-3B04-E3E7-3B2C6451967E}"/>
-                </a:ext>
-              </a:extLst>
-            </p:cNvPr>
-            <p:cNvPicPr>
-              <a:picLocks noChangeAspect="1"/>
-            </p:cNvPicPr>
-            <p:nvPr/>
-          </p:nvPicPr>
-          <p:blipFill>
-            <a:blip r:embed="rId4"/>
-            <a:stretch>
-              <a:fillRect/>
-            </a:stretch>
-          </p:blipFill>
-          <p:spPr>
-            <a:xfrm rot="848181">
-              <a:off x="6574512" y="5160686"/>
-              <a:ext cx="221632" cy="221633"/>
-            </a:xfrm>
-            <a:prstGeom prst="rect">
-              <a:avLst/>
-            </a:prstGeom>
-          </p:spPr>
-        </p:pic>
-        <p:pic>
-          <p:nvPicPr>
-            <p:cNvPr id="91" name="Picture 90">
-              <a:extLst>
-                <a:ext uri="{FF2B5EF4-FFF2-40B4-BE49-F238E27FC236}">
-                  <a16:creationId xmlns:a16="http://schemas.microsoft.com/office/drawing/2014/main" id="{1EEED4F3-8791-582C-B098-77B2253030D1}"/>
-                </a:ext>
-              </a:extLst>
-            </p:cNvPr>
-            <p:cNvPicPr>
-              <a:picLocks noChangeAspect="1"/>
-            </p:cNvPicPr>
-            <p:nvPr/>
-          </p:nvPicPr>
-          <p:blipFill>
-            <a:blip r:embed="rId4"/>
-            <a:stretch>
-              <a:fillRect/>
-            </a:stretch>
-          </p:blipFill>
-          <p:spPr>
-            <a:xfrm rot="4540034">
-              <a:off x="6765701" y="4802154"/>
-              <a:ext cx="221633" cy="221632"/>
-            </a:xfrm>
-            <a:prstGeom prst="rect">
-              <a:avLst/>
-            </a:prstGeom>
-          </p:spPr>
-        </p:pic>
-        <p:pic>
-          <p:nvPicPr>
-            <p:cNvPr id="93" name="Picture 92">
-              <a:extLst>
-                <a:ext uri="{FF2B5EF4-FFF2-40B4-BE49-F238E27FC236}">
-                  <a16:creationId xmlns:a16="http://schemas.microsoft.com/office/drawing/2014/main" id="{E76476C7-11C9-593E-8F53-0BF0E78CCEEA}"/>
-                </a:ext>
-              </a:extLst>
-            </p:cNvPr>
-            <p:cNvPicPr>
-              <a:picLocks noChangeAspect="1"/>
-            </p:cNvPicPr>
-            <p:nvPr/>
-          </p:nvPicPr>
-          <p:blipFill>
-            <a:blip r:embed="rId4"/>
-            <a:stretch>
-              <a:fillRect/>
-            </a:stretch>
-          </p:blipFill>
-          <p:spPr>
-            <a:xfrm rot="15602880">
-              <a:off x="6597236" y="4841195"/>
-              <a:ext cx="221633" cy="221632"/>
-            </a:xfrm>
-            <a:prstGeom prst="rect">
-              <a:avLst/>
-            </a:prstGeom>
-          </p:spPr>
-        </p:pic>
-        <p:cxnSp>
-          <p:nvCxnSpPr>
-            <p:cNvPr id="72" name="Straight Arrow Connector 71">
-              <a:extLst>
-                <a:ext uri="{FF2B5EF4-FFF2-40B4-BE49-F238E27FC236}">
-                  <a16:creationId xmlns:a16="http://schemas.microsoft.com/office/drawing/2014/main" id="{C6F469BA-7D8F-5A53-C7D4-B8F3BA2A7CAF}"/>
-                </a:ext>
-              </a:extLst>
-            </p:cNvPr>
-            <p:cNvCxnSpPr>
-              <a:cxnSpLocks/>
-            </p:cNvCxnSpPr>
-            <p:nvPr/>
-          </p:nvCxnSpPr>
-          <p:spPr>
-            <a:xfrm flipV="1">
-              <a:off x="6097720" y="4642422"/>
-              <a:ext cx="1456" cy="1038720"/>
-            </a:xfrm>
-            <a:prstGeom prst="straightConnector1">
-              <a:avLst/>
-            </a:prstGeom>
-            <a:ln w="28575">
-              <a:solidFill>
-                <a:srgbClr val="FF0000"/>
-              </a:solidFill>
-              <a:tailEnd type="triangle" w="lg" len="lg"/>
+              <a:tailEnd type="triangle"/>
             </a:ln>
           </p:spPr>
           <p:style>
@@ -5282,10 +5279,10 @@
         </p:cxnSp>
         <p:cxnSp>
           <p:nvCxnSpPr>
-            <p:cNvPr id="73" name="Straight Arrow Connector 72">
+            <p:cNvPr id="169" name="Straight Arrow Connector 168">
               <a:extLst>
                 <a:ext uri="{FF2B5EF4-FFF2-40B4-BE49-F238E27FC236}">
-                  <a16:creationId xmlns:a16="http://schemas.microsoft.com/office/drawing/2014/main" id="{31A14183-2CA0-3DCA-D75F-F30BD5D183C6}"/>
+                  <a16:creationId xmlns:a16="http://schemas.microsoft.com/office/drawing/2014/main" id="{BC3A11C1-5CF4-1A5F-47CD-3452030CFDD8}"/>
                 </a:ext>
               </a:extLst>
             </p:cNvPr>
@@ -5296,17 +5293,19 @@
           </p:nvCxnSpPr>
           <p:spPr>
             <a:xfrm>
-              <a:off x="6095158" y="5681142"/>
-              <a:ext cx="1110652" cy="0"/>
+              <a:off x="1672024" y="2578680"/>
+              <a:ext cx="226711" cy="211596"/>
             </a:xfrm>
             <a:prstGeom prst="straightConnector1">
               <a:avLst/>
             </a:prstGeom>
-            <a:ln w="28575">
+            <a:ln w="47625">
               <a:solidFill>
-                <a:srgbClr val="FF0000"/>
+                <a:schemeClr val="bg1">
+                  <a:lumMod val="50000"/>
+                </a:schemeClr>
               </a:solidFill>
-              <a:tailEnd type="triangle" w="lg" len="lg"/>
+              <a:tailEnd type="triangle"/>
             </a:ln>
           </p:spPr>
           <p:style>
@@ -5324,280 +5323,99 @@
             </a:fontRef>
           </p:style>
         </p:cxnSp>
-        <p:pic>
-          <p:nvPicPr>
-            <p:cNvPr id="94" name="Picture 93">
+        <p:cxnSp>
+          <p:nvCxnSpPr>
+            <p:cNvPr id="170" name="Straight Arrow Connector 169">
               <a:extLst>
                 <a:ext uri="{FF2B5EF4-FFF2-40B4-BE49-F238E27FC236}">
-                  <a16:creationId xmlns:a16="http://schemas.microsoft.com/office/drawing/2014/main" id="{CC4669BA-5BD3-FC69-9B44-9E76C82D06D5}"/>
+                  <a16:creationId xmlns:a16="http://schemas.microsoft.com/office/drawing/2014/main" id="{C2E5EC6A-142D-8AB2-704D-E03693425C02}"/>
                 </a:ext>
               </a:extLst>
             </p:cNvPr>
-            <p:cNvPicPr>
-              <a:picLocks noChangeAspect="1"/>
-            </p:cNvPicPr>
+            <p:cNvCxnSpPr>
+              <a:cxnSpLocks/>
+            </p:cNvCxnSpPr>
             <p:nvPr/>
-          </p:nvPicPr>
-          <p:blipFill>
-            <a:blip r:embed="rId4"/>
-            <a:stretch>
-              <a:fillRect/>
-            </a:stretch>
-          </p:blipFill>
+          </p:nvCxnSpPr>
           <p:spPr>
-            <a:xfrm rot="20484834">
-              <a:off x="6392008" y="5240776"/>
-              <a:ext cx="221632" cy="221633"/>
+            <a:xfrm flipH="1">
+              <a:off x="2276886" y="2578680"/>
+              <a:ext cx="226711" cy="211596"/>
             </a:xfrm>
-            <a:prstGeom prst="rect">
+            <a:prstGeom prst="straightConnector1">
               <a:avLst/>
             </a:prstGeom>
+            <a:ln w="47625">
+              <a:solidFill>
+                <a:schemeClr val="bg1">
+                  <a:lumMod val="50000"/>
+                </a:schemeClr>
+              </a:solidFill>
+              <a:tailEnd type="triangle"/>
+            </a:ln>
           </p:spPr>
-        </p:pic>
-        <p:pic>
-          <p:nvPicPr>
-            <p:cNvPr id="96" name="Picture 95">
+          <p:style>
+            <a:lnRef idx="2">
+              <a:schemeClr val="accent1"/>
+            </a:lnRef>
+            <a:fillRef idx="0">
+              <a:schemeClr val="accent1"/>
+            </a:fillRef>
+            <a:effectRef idx="1">
+              <a:schemeClr val="accent1"/>
+            </a:effectRef>
+            <a:fontRef idx="minor">
+              <a:schemeClr val="tx1"/>
+            </a:fontRef>
+          </p:style>
+        </p:cxnSp>
+      </p:grpSp>
+      <p:grpSp>
+        <p:nvGrpSpPr>
+          <p:cNvPr id="189" name="Group 188">
+            <a:extLst>
+              <a:ext uri="{FF2B5EF4-FFF2-40B4-BE49-F238E27FC236}">
+                <a16:creationId xmlns:a16="http://schemas.microsoft.com/office/drawing/2014/main" id="{84B508D5-4790-168B-0F85-F57F9D5430A9}"/>
+              </a:ext>
+            </a:extLst>
+          </p:cNvPr>
+          <p:cNvGrpSpPr/>
+          <p:nvPr/>
+        </p:nvGrpSpPr>
+        <p:grpSpPr>
+          <a:xfrm>
+            <a:off x="9205982" y="210524"/>
+            <a:ext cx="3815906" cy="4706395"/>
+            <a:chOff x="8280327" y="193570"/>
+            <a:chExt cx="3634196" cy="4482281"/>
+          </a:xfrm>
+        </p:grpSpPr>
+        <p:grpSp>
+          <p:nvGrpSpPr>
+            <p:cNvPr id="156" name="Group 155">
               <a:extLst>
                 <a:ext uri="{FF2B5EF4-FFF2-40B4-BE49-F238E27FC236}">
-                  <a16:creationId xmlns:a16="http://schemas.microsoft.com/office/drawing/2014/main" id="{77F20841-A361-B805-210E-AAD9C91A5A12}"/>
+                  <a16:creationId xmlns:a16="http://schemas.microsoft.com/office/drawing/2014/main" id="{6F21B6B4-01CE-6FD0-73DE-9177204423B2}"/>
                 </a:ext>
               </a:extLst>
             </p:cNvPr>
-            <p:cNvPicPr>
-              <a:picLocks noChangeAspect="1"/>
-            </p:cNvPicPr>
+            <p:cNvGrpSpPr/>
             <p:nvPr/>
-          </p:nvPicPr>
-          <p:blipFill>
-            <a:blip r:embed="rId4"/>
-            <a:stretch>
-              <a:fillRect/>
-            </a:stretch>
-          </p:blipFill>
-          <p:spPr>
-            <a:xfrm rot="16200000">
-              <a:off x="6502074" y="5325443"/>
-              <a:ext cx="221632" cy="221633"/>
+          </p:nvGrpSpPr>
+          <p:grpSpPr>
+            <a:xfrm>
+              <a:off x="8280327" y="193570"/>
+              <a:ext cx="3634196" cy="4482281"/>
+              <a:chOff x="8279800" y="174095"/>
+              <a:chExt cx="3634196" cy="4482281"/>
             </a:xfrm>
-            <a:prstGeom prst="rect">
-              <a:avLst/>
-            </a:prstGeom>
-          </p:spPr>
-        </p:pic>
-        <p:pic>
-          <p:nvPicPr>
-            <p:cNvPr id="97" name="Picture 96">
-              <a:extLst>
-                <a:ext uri="{FF2B5EF4-FFF2-40B4-BE49-F238E27FC236}">
-                  <a16:creationId xmlns:a16="http://schemas.microsoft.com/office/drawing/2014/main" id="{B17B312D-3E66-1D63-A133-3E02B4198FF8}"/>
-                </a:ext>
-              </a:extLst>
-            </p:cNvPr>
-            <p:cNvPicPr>
-              <a:picLocks noChangeAspect="1"/>
-            </p:cNvPicPr>
-            <p:nvPr/>
-          </p:nvPicPr>
-          <p:blipFill>
-            <a:blip r:embed="rId4"/>
-            <a:stretch>
-              <a:fillRect/>
-            </a:stretch>
-          </p:blipFill>
-          <p:spPr>
-            <a:xfrm rot="20484834">
-              <a:off x="6756073" y="5173043"/>
-              <a:ext cx="221632" cy="221633"/>
-            </a:xfrm>
-            <a:prstGeom prst="rect">
-              <a:avLst/>
-            </a:prstGeom>
-          </p:spPr>
-        </p:pic>
-        <p:pic>
-          <p:nvPicPr>
-            <p:cNvPr id="99" name="Picture 98">
-              <a:extLst>
-                <a:ext uri="{FF2B5EF4-FFF2-40B4-BE49-F238E27FC236}">
-                  <a16:creationId xmlns:a16="http://schemas.microsoft.com/office/drawing/2014/main" id="{EE274D67-B5BF-6D84-6A4D-038EC6EF92C0}"/>
-                </a:ext>
-              </a:extLst>
-            </p:cNvPr>
-            <p:cNvPicPr>
-              <a:picLocks noChangeAspect="1"/>
-            </p:cNvPicPr>
-            <p:nvPr/>
-          </p:nvPicPr>
-          <p:blipFill>
-            <a:blip r:embed="rId4"/>
-            <a:stretch>
-              <a:fillRect/>
-            </a:stretch>
-          </p:blipFill>
-          <p:spPr>
-            <a:xfrm rot="2675650">
-              <a:off x="6459740" y="5308511"/>
-              <a:ext cx="221632" cy="221633"/>
-            </a:xfrm>
-            <a:prstGeom prst="rect">
-              <a:avLst/>
-            </a:prstGeom>
-          </p:spPr>
-        </p:pic>
-      </p:grpSp>
-      <p:sp>
-        <p:nvSpPr>
-          <p:cNvPr id="102" name="TextBox 101">
-            <a:extLst>
-              <a:ext uri="{FF2B5EF4-FFF2-40B4-BE49-F238E27FC236}">
-                <a16:creationId xmlns:a16="http://schemas.microsoft.com/office/drawing/2014/main" id="{1A3C6997-4E40-38F4-EB1E-1C61067AAE9F}"/>
-              </a:ext>
-            </a:extLst>
-          </p:cNvPr>
-          <p:cNvSpPr txBox="1"/>
-          <p:nvPr/>
-        </p:nvSpPr>
-        <p:spPr>
-          <a:xfrm>
-            <a:off x="4631266" y="465666"/>
-            <a:ext cx="3115734" cy="830997"/>
-          </a:xfrm>
-          <a:prstGeom prst="rect">
-            <a:avLst/>
-          </a:prstGeom>
-          <a:noFill/>
-        </p:spPr>
-        <p:txBody>
-          <a:bodyPr wrap="square" rtlCol="0">
-            <a:spAutoFit/>
-          </a:bodyPr>
-          <a:lstStyle/>
-          <a:p>
-            <a:r>
-              <a:rPr lang="en-US" sz="2400" dirty="0">
-                <a:latin typeface="Arial" panose="020B0604020202020204" pitchFamily="34" charset="0"/>
-                <a:cs typeface="Arial" panose="020B0604020202020204" pitchFamily="34" charset="0"/>
-              </a:rPr>
-              <a:t>Spatial Distribution of Gene Transcripts</a:t>
-            </a:r>
-          </a:p>
-        </p:txBody>
-      </p:sp>
-      <p:sp>
-        <p:nvSpPr>
-          <p:cNvPr id="103" name="Down Arrow 102">
-            <a:extLst>
-              <a:ext uri="{FF2B5EF4-FFF2-40B4-BE49-F238E27FC236}">
-                <a16:creationId xmlns:a16="http://schemas.microsoft.com/office/drawing/2014/main" id="{74CFA3CB-217D-96DE-8D0B-AA3628379351}"/>
-              </a:ext>
-            </a:extLst>
-          </p:cNvPr>
-          <p:cNvSpPr/>
-          <p:nvPr/>
-        </p:nvSpPr>
-        <p:spPr>
-          <a:xfrm>
-            <a:off x="6612466" y="3767667"/>
-            <a:ext cx="279400" cy="1286933"/>
-          </a:xfrm>
-          <a:prstGeom prst="downArrow">
-            <a:avLst/>
-          </a:prstGeom>
-          <a:solidFill>
-            <a:srgbClr val="00B0F0"/>
-          </a:solidFill>
-          <a:ln>
-            <a:noFill/>
-          </a:ln>
-        </p:spPr>
-        <p:style>
-          <a:lnRef idx="2">
-            <a:schemeClr val="accent1">
-              <a:shade val="15000"/>
-            </a:schemeClr>
-          </a:lnRef>
-          <a:fillRef idx="1">
-            <a:schemeClr val="accent1"/>
-          </a:fillRef>
-          <a:effectRef idx="0">
-            <a:schemeClr val="accent1"/>
-          </a:effectRef>
-          <a:fontRef idx="minor">
-            <a:schemeClr val="lt1"/>
-          </a:fontRef>
-        </p:style>
-        <p:txBody>
-          <a:bodyPr rtlCol="0" anchor="ctr"/>
-          <a:lstStyle/>
-          <a:p>
-            <a:pPr algn="ctr"/>
-            <a:endParaRPr lang="en-US"/>
-          </a:p>
-        </p:txBody>
-      </p:sp>
-      <p:sp>
-        <p:nvSpPr>
-          <p:cNvPr id="104" name="Down Arrow 103">
-            <a:extLst>
-              <a:ext uri="{FF2B5EF4-FFF2-40B4-BE49-F238E27FC236}">
-                <a16:creationId xmlns:a16="http://schemas.microsoft.com/office/drawing/2014/main" id="{B493F746-8314-8F87-5519-0151F9AFD43C}"/>
-              </a:ext>
-            </a:extLst>
-          </p:cNvPr>
-          <p:cNvSpPr/>
-          <p:nvPr/>
-        </p:nvSpPr>
-        <p:spPr>
-          <a:xfrm rot="16200000">
-            <a:off x="3539071" y="4025899"/>
-            <a:ext cx="571500" cy="918635"/>
-          </a:xfrm>
-          <a:prstGeom prst="downArrow">
-            <a:avLst/>
-          </a:prstGeom>
-          <a:solidFill>
-            <a:schemeClr val="tx1">
-              <a:lumMod val="50000"/>
-              <a:lumOff val="50000"/>
-            </a:schemeClr>
-          </a:solidFill>
-          <a:ln>
-            <a:noFill/>
-          </a:ln>
-        </p:spPr>
-        <p:style>
-          <a:lnRef idx="2">
-            <a:schemeClr val="accent1">
-              <a:shade val="15000"/>
-            </a:schemeClr>
-          </a:lnRef>
-          <a:fillRef idx="1">
-            <a:schemeClr val="accent1"/>
-          </a:fillRef>
-          <a:effectRef idx="0">
-            <a:schemeClr val="accent1"/>
-          </a:effectRef>
-          <a:fontRef idx="minor">
-            <a:schemeClr val="lt1"/>
-          </a:fontRef>
-        </p:style>
-        <p:txBody>
-          <a:bodyPr rtlCol="0" anchor="ctr"/>
-          <a:lstStyle/>
-          <a:p>
-            <a:pPr algn="ctr"/>
-            <a:endParaRPr lang="en-US"/>
-          </a:p>
-        </p:txBody>
-      </p:sp>
-      <mc:AlternateContent xmlns:mc="http://schemas.openxmlformats.org/markup-compatibility/2006">
-        <mc:Choice xmlns:a14="http://schemas.microsoft.com/office/drawing/2010/main" Requires="a14">
+          </p:grpSpPr>
           <p:sp>
             <p:nvSpPr>
-              <p:cNvPr id="109" name="TextBox 108">
+              <p:cNvPr id="110" name="TextBox 109">
                 <a:extLst>
                   <a:ext uri="{FF2B5EF4-FFF2-40B4-BE49-F238E27FC236}">
-                    <a16:creationId xmlns:a16="http://schemas.microsoft.com/office/drawing/2014/main" id="{C0CECDFC-29DC-9E49-F628-C98AF3712AF1}"/>
+                    <a16:creationId xmlns:a16="http://schemas.microsoft.com/office/drawing/2014/main" id="{DD6AAAD2-9A51-A203-8D3E-39A30D638981}"/>
                   </a:ext>
                 </a:extLst>
               </p:cNvPr>
@@ -5606,8 +5424,8 @@
             </p:nvSpPr>
             <p:spPr>
               <a:xfrm>
-                <a:off x="6853766" y="4097867"/>
-                <a:ext cx="310983" cy="492443"/>
+                <a:off x="8279800" y="174095"/>
+                <a:ext cx="3634196" cy="457268"/>
               </a:xfrm>
               <a:prstGeom prst="rect">
                 <a:avLst/>
@@ -5615,117 +5433,2498 @@
               <a:noFill/>
             </p:spPr>
             <p:txBody>
-              <a:bodyPr wrap="none" lIns="0" tIns="0" rIns="0" bIns="0" rtlCol="0">
+              <a:bodyPr wrap="square" rtlCol="0">
                 <a:spAutoFit/>
               </a:bodyPr>
               <a:lstStyle/>
               <a:p>
-                <a14:m>
-                  <m:oMathPara xmlns:m="http://schemas.openxmlformats.org/officeDocument/2006/math">
-                    <m:oMathParaPr>
-                      <m:jc m:val="centerGroup"/>
-                    </m:oMathParaPr>
-                    <m:oMath xmlns:m="http://schemas.openxmlformats.org/officeDocument/2006/math">
-                      <m:r>
-                        <m:rPr>
-                          <m:sty m:val="p"/>
-                        </m:rPr>
-                        <a:rPr lang="en-US" sz="3200" b="0" i="1" smtClean="0">
-                          <a:latin typeface="Cambria Math" panose="02040503050406030204" pitchFamily="18" charset="0"/>
-                        </a:rPr>
-                        <m:t>β</m:t>
-                      </m:r>
-                    </m:oMath>
-                  </m:oMathPara>
-                </a14:m>
-                <a:endParaRPr lang="en-US" sz="3200" b="0" dirty="0"/>
+                <a:pPr algn="ctr"/>
+                <a:r>
+                  <a:rPr lang="en-US" sz="2520" dirty="0">
+                    <a:latin typeface="Arial" panose="020B0604020202020204" pitchFamily="34" charset="0"/>
+                    <a:cs typeface="Arial" panose="020B0604020202020204" pitchFamily="34" charset="0"/>
+                  </a:rPr>
+                  <a:t>Functional Spatial Effects</a:t>
+                </a:r>
               </a:p>
             </p:txBody>
           </p:sp>
-        </mc:Choice>
-        <mc:Fallback>
-          <p:sp>
-            <p:nvSpPr>
-              <p:cNvPr id="109" name="TextBox 108">
+          <p:grpSp>
+            <p:nvGrpSpPr>
+              <p:cNvPr id="86" name="Group 85">
                 <a:extLst>
                   <a:ext uri="{FF2B5EF4-FFF2-40B4-BE49-F238E27FC236}">
-                    <a16:creationId xmlns:a16="http://schemas.microsoft.com/office/drawing/2014/main" id="{C0CECDFC-29DC-9E49-F628-C98AF3712AF1}"/>
+                    <a16:creationId xmlns:a16="http://schemas.microsoft.com/office/drawing/2014/main" id="{71E1B3D1-DC81-EDD7-7C52-3DBB70FED54F}"/>
                   </a:ext>
                 </a:extLst>
               </p:cNvPr>
-              <p:cNvSpPr txBox="1">
-                <a:spLocks noRot="1" noChangeAspect="1" noMove="1" noResize="1" noEditPoints="1" noAdjustHandles="1" noChangeArrowheads="1" noChangeShapeType="1" noTextEdit="1"/>
-              </p:cNvSpPr>
+              <p:cNvGrpSpPr/>
+              <p:nvPr/>
+            </p:nvGrpSpPr>
+            <p:grpSpPr>
+              <a:xfrm>
+                <a:off x="9523434" y="701266"/>
+                <a:ext cx="1146931" cy="1195828"/>
+                <a:chOff x="857250" y="3768717"/>
+                <a:chExt cx="1146931" cy="1195828"/>
+              </a:xfrm>
+            </p:grpSpPr>
+            <p:pic>
+              <p:nvPicPr>
+                <p:cNvPr id="87" name="Picture 86">
+                  <a:extLst>
+                    <a:ext uri="{FF2B5EF4-FFF2-40B4-BE49-F238E27FC236}">
+                      <a16:creationId xmlns:a16="http://schemas.microsoft.com/office/drawing/2014/main" id="{3B96F61D-49D3-DB8A-F3D8-A713E68F6E36}"/>
+                    </a:ext>
+                  </a:extLst>
+                </p:cNvPr>
+                <p:cNvPicPr>
+                  <a:picLocks noChangeAspect="1"/>
+                </p:cNvPicPr>
+                <p:nvPr/>
+              </p:nvPicPr>
+              <p:blipFill>
+                <a:blip r:embed="rId2"/>
+                <a:stretch>
+                  <a:fillRect/>
+                </a:stretch>
+              </p:blipFill>
+              <p:spPr>
+                <a:xfrm>
+                  <a:off x="857250" y="4294340"/>
+                  <a:ext cx="1105838" cy="670205"/>
+                </a:xfrm>
+                <a:prstGeom prst="rect">
+                  <a:avLst/>
+                </a:prstGeom>
+              </p:spPr>
+            </p:pic>
+            <p:cxnSp>
+              <p:nvCxnSpPr>
+                <p:cNvPr id="88" name="Straight Arrow Connector 87">
+                  <a:extLst>
+                    <a:ext uri="{FF2B5EF4-FFF2-40B4-BE49-F238E27FC236}">
+                      <a16:creationId xmlns:a16="http://schemas.microsoft.com/office/drawing/2014/main" id="{8EE9B2AA-52FC-B032-A408-E9A78BD78599}"/>
+                    </a:ext>
+                  </a:extLst>
+                </p:cNvPr>
+                <p:cNvCxnSpPr>
+                  <a:cxnSpLocks/>
+                </p:cNvCxnSpPr>
+                <p:nvPr/>
+              </p:nvCxnSpPr>
+              <p:spPr>
+                <a:xfrm flipH="1">
+                  <a:off x="876816" y="4138049"/>
+                  <a:ext cx="1066706" cy="0"/>
+                </a:xfrm>
+                <a:prstGeom prst="straightConnector1">
+                  <a:avLst/>
+                </a:prstGeom>
+                <a:ln w="22225">
+                  <a:solidFill>
+                    <a:schemeClr val="tx1"/>
+                  </a:solidFill>
+                  <a:headEnd type="triangle" w="lg" len="lg"/>
+                  <a:tailEnd type="triangle" w="lg" len="lg"/>
+                </a:ln>
+              </p:spPr>
+              <p:style>
+                <a:lnRef idx="2">
+                  <a:schemeClr val="accent1"/>
+                </a:lnRef>
+                <a:fillRef idx="0">
+                  <a:schemeClr val="accent1"/>
+                </a:fillRef>
+                <a:effectRef idx="1">
+                  <a:schemeClr val="accent1"/>
+                </a:effectRef>
+                <a:fontRef idx="minor">
+                  <a:schemeClr val="tx1"/>
+                </a:fontRef>
+              </p:style>
+            </p:cxnSp>
+            <p:sp>
+              <p:nvSpPr>
+                <p:cNvPr id="92" name="TextBox 91">
+                  <a:extLst>
+                    <a:ext uri="{FF2B5EF4-FFF2-40B4-BE49-F238E27FC236}">
+                      <a16:creationId xmlns:a16="http://schemas.microsoft.com/office/drawing/2014/main" id="{4BDE5564-FDBB-2E9F-4A79-62701D44C591}"/>
+                    </a:ext>
+                  </a:extLst>
+                </p:cNvPr>
+                <p:cNvSpPr txBox="1"/>
+                <p:nvPr/>
+              </p:nvSpPr>
+              <p:spPr>
+                <a:xfrm>
+                  <a:off x="902086" y="3768717"/>
+                  <a:ext cx="1102095" cy="364935"/>
+                </a:xfrm>
+                <a:prstGeom prst="rect">
+                  <a:avLst/>
+                </a:prstGeom>
+                <a:noFill/>
+              </p:spPr>
+              <p:txBody>
+                <a:bodyPr wrap="square" rtlCol="0">
+                  <a:spAutoFit/>
+                </a:bodyPr>
+                <a:lstStyle/>
+                <a:p>
+                  <a:pPr algn="ctr"/>
+                  <a:r>
+                    <a:rPr lang="en-US" sz="1890" dirty="0">
+                      <a:latin typeface="Arial" panose="020B0604020202020204" pitchFamily="34" charset="0"/>
+                      <a:cs typeface="Arial" panose="020B0604020202020204" pitchFamily="34" charset="0"/>
+                    </a:rPr>
+                    <a:t>left/right</a:t>
+                  </a:r>
+                </a:p>
+              </p:txBody>
+            </p:sp>
+          </p:grpSp>
+          <p:grpSp>
+            <p:nvGrpSpPr>
+              <p:cNvPr id="131" name="Group 130">
+                <a:extLst>
+                  <a:ext uri="{FF2B5EF4-FFF2-40B4-BE49-F238E27FC236}">
+                    <a16:creationId xmlns:a16="http://schemas.microsoft.com/office/drawing/2014/main" id="{76AAE9F0-9A16-40E0-25EB-09E2701D4BBC}"/>
+                  </a:ext>
+                </a:extLst>
+              </p:cNvPr>
+              <p:cNvGrpSpPr/>
+              <p:nvPr/>
+            </p:nvGrpSpPr>
+            <p:grpSpPr>
+              <a:xfrm>
+                <a:off x="8591286" y="1939708"/>
+                <a:ext cx="1148574" cy="695602"/>
+                <a:chOff x="5221208" y="4138261"/>
+                <a:chExt cx="1148574" cy="695602"/>
+              </a:xfrm>
+            </p:grpSpPr>
+            <p:pic>
+              <p:nvPicPr>
+                <p:cNvPr id="132" name="Picture 131" descr="A colorful dots on a black background&#10;&#10;AI-generated content may be incorrect.">
+                  <a:extLst>
+                    <a:ext uri="{FF2B5EF4-FFF2-40B4-BE49-F238E27FC236}">
+                      <a16:creationId xmlns:a16="http://schemas.microsoft.com/office/drawing/2014/main" id="{FD5BA5F0-A733-29B7-49CF-099D07EE37F9}"/>
+                    </a:ext>
+                  </a:extLst>
+                </p:cNvPr>
+                <p:cNvPicPr>
+                  <a:picLocks noChangeAspect="1"/>
+                </p:cNvPicPr>
+                <p:nvPr/>
+              </p:nvPicPr>
+              <p:blipFill>
+                <a:blip r:embed="rId5"/>
+                <a:stretch>
+                  <a:fillRect/>
+                </a:stretch>
+              </p:blipFill>
+              <p:spPr>
+                <a:xfrm>
+                  <a:off x="5221208" y="4138261"/>
+                  <a:ext cx="1147293" cy="695602"/>
+                </a:xfrm>
+                <a:prstGeom prst="rect">
+                  <a:avLst/>
+                </a:prstGeom>
+              </p:spPr>
+            </p:pic>
+            <p:sp>
+              <p:nvSpPr>
+                <p:cNvPr id="133" name="Rectangle 132">
+                  <a:extLst>
+                    <a:ext uri="{FF2B5EF4-FFF2-40B4-BE49-F238E27FC236}">
+                      <a16:creationId xmlns:a16="http://schemas.microsoft.com/office/drawing/2014/main" id="{5326F9BF-BA8B-220C-1E4F-EF4E2D0CEBD9}"/>
+                    </a:ext>
+                  </a:extLst>
+                </p:cNvPr>
+                <p:cNvSpPr/>
+                <p:nvPr/>
+              </p:nvSpPr>
+              <p:spPr>
+                <a:xfrm>
+                  <a:off x="5805392" y="4138261"/>
+                  <a:ext cx="564390" cy="695602"/>
+                </a:xfrm>
+                <a:prstGeom prst="rect">
+                  <a:avLst/>
+                </a:prstGeom>
+                <a:solidFill>
+                  <a:schemeClr val="bg1">
+                    <a:alpha val="80075"/>
+                  </a:schemeClr>
+                </a:solidFill>
+                <a:ln>
+                  <a:noFill/>
+                </a:ln>
+              </p:spPr>
+              <p:style>
+                <a:lnRef idx="2">
+                  <a:schemeClr val="accent1">
+                    <a:shade val="15000"/>
+                  </a:schemeClr>
+                </a:lnRef>
+                <a:fillRef idx="1">
+                  <a:schemeClr val="accent1"/>
+                </a:fillRef>
+                <a:effectRef idx="0">
+                  <a:schemeClr val="accent1"/>
+                </a:effectRef>
+                <a:fontRef idx="minor">
+                  <a:schemeClr val="lt1"/>
+                </a:fontRef>
+              </p:style>
+              <p:txBody>
+                <a:bodyPr rtlCol="0" anchor="ctr"/>
+                <a:lstStyle/>
+                <a:p>
+                  <a:pPr algn="ctr"/>
+                  <a:endParaRPr lang="en-US" sz="1890"/>
+                </a:p>
+              </p:txBody>
+            </p:sp>
+          </p:grpSp>
+          <p:grpSp>
+            <p:nvGrpSpPr>
+              <p:cNvPr id="134" name="Group 133">
+                <a:extLst>
+                  <a:ext uri="{FF2B5EF4-FFF2-40B4-BE49-F238E27FC236}">
+                    <a16:creationId xmlns:a16="http://schemas.microsoft.com/office/drawing/2014/main" id="{0E3CC465-6D9A-BA27-66D0-A50753484861}"/>
+                  </a:ext>
+                </a:extLst>
+              </p:cNvPr>
+              <p:cNvGrpSpPr/>
+              <p:nvPr/>
+            </p:nvGrpSpPr>
+            <p:grpSpPr>
+              <a:xfrm>
+                <a:off x="10383510" y="1933978"/>
+                <a:ext cx="1147293" cy="695602"/>
+                <a:chOff x="6795363" y="4069551"/>
+                <a:chExt cx="1147293" cy="695602"/>
+              </a:xfrm>
+            </p:grpSpPr>
+            <p:pic>
+              <p:nvPicPr>
+                <p:cNvPr id="135" name="Picture 134" descr="A colorful dots on a black background&#10;&#10;AI-generated content may be incorrect.">
+                  <a:extLst>
+                    <a:ext uri="{FF2B5EF4-FFF2-40B4-BE49-F238E27FC236}">
+                      <a16:creationId xmlns:a16="http://schemas.microsoft.com/office/drawing/2014/main" id="{A3D55B86-582A-C046-49A8-4290464C191E}"/>
+                    </a:ext>
+                  </a:extLst>
+                </p:cNvPr>
+                <p:cNvPicPr>
+                  <a:picLocks noChangeAspect="1"/>
+                </p:cNvPicPr>
+                <p:nvPr/>
+              </p:nvPicPr>
+              <p:blipFill>
+                <a:blip r:embed="rId5"/>
+                <a:stretch>
+                  <a:fillRect/>
+                </a:stretch>
+              </p:blipFill>
+              <p:spPr>
+                <a:xfrm>
+                  <a:off x="6795363" y="4069551"/>
+                  <a:ext cx="1147293" cy="695602"/>
+                </a:xfrm>
+                <a:prstGeom prst="rect">
+                  <a:avLst/>
+                </a:prstGeom>
+              </p:spPr>
+            </p:pic>
+            <p:sp>
+              <p:nvSpPr>
+                <p:cNvPr id="136" name="Rectangle 135">
+                  <a:extLst>
+                    <a:ext uri="{FF2B5EF4-FFF2-40B4-BE49-F238E27FC236}">
+                      <a16:creationId xmlns:a16="http://schemas.microsoft.com/office/drawing/2014/main" id="{97BDF13A-A893-407C-095C-6D54ABFE875B}"/>
+                    </a:ext>
+                  </a:extLst>
+                </p:cNvPr>
+                <p:cNvSpPr/>
+                <p:nvPr/>
+              </p:nvSpPr>
+              <p:spPr>
+                <a:xfrm>
+                  <a:off x="6795363" y="4069551"/>
+                  <a:ext cx="564390" cy="695602"/>
+                </a:xfrm>
+                <a:prstGeom prst="rect">
+                  <a:avLst/>
+                </a:prstGeom>
+                <a:solidFill>
+                  <a:schemeClr val="bg1">
+                    <a:alpha val="80075"/>
+                  </a:schemeClr>
+                </a:solidFill>
+                <a:ln>
+                  <a:noFill/>
+                </a:ln>
+              </p:spPr>
+              <p:style>
+                <a:lnRef idx="2">
+                  <a:schemeClr val="accent1">
+                    <a:shade val="15000"/>
+                  </a:schemeClr>
+                </a:lnRef>
+                <a:fillRef idx="1">
+                  <a:schemeClr val="accent1"/>
+                </a:fillRef>
+                <a:effectRef idx="0">
+                  <a:schemeClr val="accent1"/>
+                </a:effectRef>
+                <a:fontRef idx="minor">
+                  <a:schemeClr val="lt1"/>
+                </a:fontRef>
+              </p:style>
+              <p:txBody>
+                <a:bodyPr rtlCol="0" anchor="ctr"/>
+                <a:lstStyle/>
+                <a:p>
+                  <a:pPr algn="ctr"/>
+                  <a:endParaRPr lang="en-US" sz="1890"/>
+                </a:p>
+              </p:txBody>
+            </p:sp>
+          </p:grpSp>
+          <p:grpSp>
+            <p:nvGrpSpPr>
+              <p:cNvPr id="155" name="Group 154">
+                <a:extLst>
+                  <a:ext uri="{FF2B5EF4-FFF2-40B4-BE49-F238E27FC236}">
+                    <a16:creationId xmlns:a16="http://schemas.microsoft.com/office/drawing/2014/main" id="{84B6E706-79B8-7A95-0953-3AD1938BC187}"/>
+                  </a:ext>
+                </a:extLst>
+              </p:cNvPr>
+              <p:cNvGrpSpPr/>
+              <p:nvPr/>
+            </p:nvGrpSpPr>
+            <p:grpSpPr>
+              <a:xfrm>
+                <a:off x="9079896" y="2622373"/>
+                <a:ext cx="2034003" cy="2034003"/>
+                <a:chOff x="8169765" y="2639240"/>
+                <a:chExt cx="2034003" cy="2034003"/>
+              </a:xfrm>
+            </p:grpSpPr>
+            <p:grpSp>
+              <p:nvGrpSpPr>
+                <p:cNvPr id="119" name="Group 118">
+                  <a:extLst>
+                    <a:ext uri="{FF2B5EF4-FFF2-40B4-BE49-F238E27FC236}">
+                      <a16:creationId xmlns:a16="http://schemas.microsoft.com/office/drawing/2014/main" id="{D0A8173B-3F57-ABDF-96D0-40DADB369986}"/>
+                    </a:ext>
+                  </a:extLst>
+                </p:cNvPr>
+                <p:cNvGrpSpPr/>
+                <p:nvPr/>
+              </p:nvGrpSpPr>
+              <p:grpSpPr>
+                <a:xfrm>
+                  <a:off x="8169765" y="2639240"/>
+                  <a:ext cx="2034003" cy="2034003"/>
+                  <a:chOff x="9175551" y="4366798"/>
+                  <a:chExt cx="2034003" cy="2034003"/>
+                </a:xfrm>
+              </p:grpSpPr>
+              <p:grpSp>
+                <p:nvGrpSpPr>
+                  <p:cNvPr id="111" name="Group 110">
+                    <a:extLst>
+                      <a:ext uri="{FF2B5EF4-FFF2-40B4-BE49-F238E27FC236}">
+                        <a16:creationId xmlns:a16="http://schemas.microsoft.com/office/drawing/2014/main" id="{64F0C550-ECCD-28B9-5466-2F47BCEF0238}"/>
+                      </a:ext>
+                    </a:extLst>
+                  </p:cNvPr>
+                  <p:cNvGrpSpPr/>
+                  <p:nvPr/>
+                </p:nvGrpSpPr>
+                <p:grpSpPr>
+                  <a:xfrm>
+                    <a:off x="9175551" y="4366798"/>
+                    <a:ext cx="2034003" cy="2034003"/>
+                    <a:chOff x="5615108" y="4647858"/>
+                    <a:chExt cx="2034003" cy="2034003"/>
+                  </a:xfrm>
+                </p:grpSpPr>
+                <p:pic>
+                  <p:nvPicPr>
+                    <p:cNvPr id="116" name="Picture 115" descr="A screen shot of a graph&#10;&#10;AI-generated content may be incorrect.">
+                      <a:extLst>
+                        <a:ext uri="{FF2B5EF4-FFF2-40B4-BE49-F238E27FC236}">
+                          <a16:creationId xmlns:a16="http://schemas.microsoft.com/office/drawing/2014/main" id="{72E6E8E1-3D4B-D85E-A547-BEAC67A8F7B6}"/>
+                        </a:ext>
+                      </a:extLst>
+                    </p:cNvPr>
+                    <p:cNvPicPr>
+                      <a:picLocks noChangeAspect="1"/>
+                    </p:cNvPicPr>
+                    <p:nvPr/>
+                  </p:nvPicPr>
+                  <p:blipFill>
+                    <a:blip r:embed="rId4"/>
+                    <a:stretch>
+                      <a:fillRect/>
+                    </a:stretch>
+                  </p:blipFill>
+                  <p:spPr>
+                    <a:xfrm>
+                      <a:off x="5615108" y="4647858"/>
+                      <a:ext cx="2034003" cy="2034003"/>
+                    </a:xfrm>
+                    <a:prstGeom prst="rect">
+                      <a:avLst/>
+                    </a:prstGeom>
+                  </p:spPr>
+                </p:pic>
+                <p:sp>
+                  <p:nvSpPr>
+                    <p:cNvPr id="117" name="Rectangle 116">
+                      <a:extLst>
+                        <a:ext uri="{FF2B5EF4-FFF2-40B4-BE49-F238E27FC236}">
+                          <a16:creationId xmlns:a16="http://schemas.microsoft.com/office/drawing/2014/main" id="{FFFA2B60-14DC-D4AF-1B34-723767EC5F38}"/>
+                        </a:ext>
+                      </a:extLst>
+                    </p:cNvPr>
+                    <p:cNvSpPr/>
+                    <p:nvPr/>
+                  </p:nvSpPr>
+                  <p:spPr>
+                    <a:xfrm>
+                      <a:off x="6035347" y="4923178"/>
+                      <a:ext cx="1430509" cy="1350132"/>
+                    </a:xfrm>
+                    <a:prstGeom prst="rect">
+                      <a:avLst/>
+                    </a:prstGeom>
+                    <a:solidFill>
+                      <a:schemeClr val="bg1"/>
+                    </a:solidFill>
+                    <a:ln>
+                      <a:solidFill>
+                        <a:schemeClr val="bg1"/>
+                      </a:solidFill>
+                    </a:ln>
+                  </p:spPr>
+                  <p:style>
+                    <a:lnRef idx="2">
+                      <a:schemeClr val="accent1">
+                        <a:shade val="15000"/>
+                      </a:schemeClr>
+                    </a:lnRef>
+                    <a:fillRef idx="1">
+                      <a:schemeClr val="accent1"/>
+                    </a:fillRef>
+                    <a:effectRef idx="0">
+                      <a:schemeClr val="accent1"/>
+                    </a:effectRef>
+                    <a:fontRef idx="minor">
+                      <a:schemeClr val="lt1"/>
+                    </a:fontRef>
+                  </p:style>
+                  <p:txBody>
+                    <a:bodyPr rtlCol="0" anchor="ctr"/>
+                    <a:lstStyle/>
+                    <a:p>
+                      <a:pPr algn="ctr"/>
+                      <a:endParaRPr lang="en-US" sz="1890"/>
+                    </a:p>
+                  </p:txBody>
+                </p:sp>
+              </p:grpSp>
+              <p:sp>
+                <p:nvSpPr>
+                  <p:cNvPr id="118" name="Freeform 117">
+                    <a:extLst>
+                      <a:ext uri="{FF2B5EF4-FFF2-40B4-BE49-F238E27FC236}">
+                        <a16:creationId xmlns:a16="http://schemas.microsoft.com/office/drawing/2014/main" id="{FF80155E-BAC0-E66B-52DF-E6A0ADDFA323}"/>
+                      </a:ext>
+                    </a:extLst>
+                  </p:cNvPr>
+                  <p:cNvSpPr/>
+                  <p:nvPr/>
+                </p:nvSpPr>
+                <p:spPr>
+                  <a:xfrm>
+                    <a:off x="9649522" y="5218703"/>
+                    <a:ext cx="1137424" cy="631970"/>
+                  </a:xfrm>
+                  <a:custGeom>
+                    <a:avLst/>
+                    <a:gdLst>
+                      <a:gd name="connsiteX0" fmla="*/ 0 w 1137424"/>
+                      <a:gd name="connsiteY0" fmla="*/ 594825 h 631996"/>
+                      <a:gd name="connsiteX1" fmla="*/ 468351 w 1137424"/>
+                      <a:gd name="connsiteY1" fmla="*/ 94 h 631996"/>
+                      <a:gd name="connsiteX2" fmla="*/ 1137424 w 1137424"/>
+                      <a:gd name="connsiteY2" fmla="*/ 631996 h 631996"/>
+                      <a:gd name="connsiteX0" fmla="*/ 0 w 1137424"/>
+                      <a:gd name="connsiteY0" fmla="*/ 594799 h 631970"/>
+                      <a:gd name="connsiteX1" fmla="*/ 468351 w 1137424"/>
+                      <a:gd name="connsiteY1" fmla="*/ 68 h 631970"/>
+                      <a:gd name="connsiteX2" fmla="*/ 1137424 w 1137424"/>
+                      <a:gd name="connsiteY2" fmla="*/ 631970 h 631970"/>
+                      <a:gd name="connsiteX0" fmla="*/ 0 w 1137424"/>
+                      <a:gd name="connsiteY0" fmla="*/ 594799 h 631970"/>
+                      <a:gd name="connsiteX1" fmla="*/ 468351 w 1137424"/>
+                      <a:gd name="connsiteY1" fmla="*/ 68 h 631970"/>
+                      <a:gd name="connsiteX2" fmla="*/ 1137424 w 1137424"/>
+                      <a:gd name="connsiteY2" fmla="*/ 631970 h 631970"/>
+                      <a:gd name="connsiteX0" fmla="*/ 0 w 1137424"/>
+                      <a:gd name="connsiteY0" fmla="*/ 594799 h 631970"/>
+                      <a:gd name="connsiteX1" fmla="*/ 468351 w 1137424"/>
+                      <a:gd name="connsiteY1" fmla="*/ 68 h 631970"/>
+                      <a:gd name="connsiteX2" fmla="*/ 1137424 w 1137424"/>
+                      <a:gd name="connsiteY2" fmla="*/ 631970 h 631970"/>
+                    </a:gdLst>
+                    <a:ahLst/>
+                    <a:cxnLst>
+                      <a:cxn ang="0">
+                        <a:pos x="connsiteX0" y="connsiteY0"/>
+                      </a:cxn>
+                      <a:cxn ang="0">
+                        <a:pos x="connsiteX1" y="connsiteY1"/>
+                      </a:cxn>
+                      <a:cxn ang="0">
+                        <a:pos x="connsiteX2" y="connsiteY2"/>
+                      </a:cxn>
+                    </a:cxnLst>
+                    <a:rect l="l" t="t" r="r" b="b"/>
+                    <a:pathLst>
+                      <a:path w="1137424" h="631970">
+                        <a:moveTo>
+                          <a:pt x="0" y="594799"/>
+                        </a:moveTo>
+                        <a:cubicBezTo>
+                          <a:pt x="362414" y="413283"/>
+                          <a:pt x="278780" y="-6127"/>
+                          <a:pt x="468351" y="68"/>
+                        </a:cubicBezTo>
+                        <a:cubicBezTo>
+                          <a:pt x="657922" y="6263"/>
+                          <a:pt x="570570" y="601613"/>
+                          <a:pt x="1137424" y="631970"/>
+                        </a:cubicBezTo>
+                      </a:path>
+                    </a:pathLst>
+                  </a:custGeom>
+                  <a:noFill/>
+                  <a:ln w="31750">
+                    <a:solidFill>
+                      <a:srgbClr val="1FBFC9"/>
+                    </a:solidFill>
+                  </a:ln>
+                </p:spPr>
+                <p:style>
+                  <a:lnRef idx="2">
+                    <a:schemeClr val="accent1">
+                      <a:shade val="15000"/>
+                    </a:schemeClr>
+                  </a:lnRef>
+                  <a:fillRef idx="1">
+                    <a:schemeClr val="accent1"/>
+                  </a:fillRef>
+                  <a:effectRef idx="0">
+                    <a:schemeClr val="accent1"/>
+                  </a:effectRef>
+                  <a:fontRef idx="minor">
+                    <a:schemeClr val="lt1"/>
+                  </a:fontRef>
+                </p:style>
+                <p:txBody>
+                  <a:bodyPr rtlCol="0" anchor="ctr"/>
+                  <a:lstStyle/>
+                  <a:p>
+                    <a:pPr algn="ctr"/>
+                    <a:endParaRPr lang="en-US" sz="1890"/>
+                  </a:p>
+                </p:txBody>
+              </p:sp>
+            </p:grpSp>
+            <p:sp>
+              <p:nvSpPr>
+                <p:cNvPr id="122" name="Freeform 121">
+                  <a:extLst>
+                    <a:ext uri="{FF2B5EF4-FFF2-40B4-BE49-F238E27FC236}">
+                      <a16:creationId xmlns:a16="http://schemas.microsoft.com/office/drawing/2014/main" id="{94F0D5ED-F579-5836-7C72-CAB8552BFBBF}"/>
+                    </a:ext>
+                  </a:extLst>
+                </p:cNvPr>
+                <p:cNvSpPr/>
+                <p:nvPr/>
+              </p:nvSpPr>
+              <p:spPr>
+                <a:xfrm>
+                  <a:off x="8643736" y="3719276"/>
+                  <a:ext cx="1137424" cy="431254"/>
+                </a:xfrm>
+                <a:custGeom>
+                  <a:avLst/>
+                  <a:gdLst>
+                    <a:gd name="connsiteX0" fmla="*/ 0 w 1137424"/>
+                    <a:gd name="connsiteY0" fmla="*/ 594825 h 631996"/>
+                    <a:gd name="connsiteX1" fmla="*/ 468351 w 1137424"/>
+                    <a:gd name="connsiteY1" fmla="*/ 94 h 631996"/>
+                    <a:gd name="connsiteX2" fmla="*/ 1137424 w 1137424"/>
+                    <a:gd name="connsiteY2" fmla="*/ 631996 h 631996"/>
+                    <a:gd name="connsiteX0" fmla="*/ 0 w 1137424"/>
+                    <a:gd name="connsiteY0" fmla="*/ 594799 h 631970"/>
+                    <a:gd name="connsiteX1" fmla="*/ 468351 w 1137424"/>
+                    <a:gd name="connsiteY1" fmla="*/ 68 h 631970"/>
+                    <a:gd name="connsiteX2" fmla="*/ 1137424 w 1137424"/>
+                    <a:gd name="connsiteY2" fmla="*/ 631970 h 631970"/>
+                    <a:gd name="connsiteX0" fmla="*/ 0 w 1137424"/>
+                    <a:gd name="connsiteY0" fmla="*/ 594799 h 631970"/>
+                    <a:gd name="connsiteX1" fmla="*/ 468351 w 1137424"/>
+                    <a:gd name="connsiteY1" fmla="*/ 68 h 631970"/>
+                    <a:gd name="connsiteX2" fmla="*/ 1137424 w 1137424"/>
+                    <a:gd name="connsiteY2" fmla="*/ 631970 h 631970"/>
+                    <a:gd name="connsiteX0" fmla="*/ 0 w 1137424"/>
+                    <a:gd name="connsiteY0" fmla="*/ 594799 h 631970"/>
+                    <a:gd name="connsiteX1" fmla="*/ 468351 w 1137424"/>
+                    <a:gd name="connsiteY1" fmla="*/ 68 h 631970"/>
+                    <a:gd name="connsiteX2" fmla="*/ 1137424 w 1137424"/>
+                    <a:gd name="connsiteY2" fmla="*/ 631970 h 631970"/>
+                    <a:gd name="connsiteX0" fmla="*/ 0 w 1137424"/>
+                    <a:gd name="connsiteY0" fmla="*/ 379279 h 416450"/>
+                    <a:gd name="connsiteX1" fmla="*/ 713677 w 1137424"/>
+                    <a:gd name="connsiteY1" fmla="*/ 138 h 416450"/>
+                    <a:gd name="connsiteX2" fmla="*/ 1137424 w 1137424"/>
+                    <a:gd name="connsiteY2" fmla="*/ 416450 h 416450"/>
+                    <a:gd name="connsiteX0" fmla="*/ 0 w 1137424"/>
+                    <a:gd name="connsiteY0" fmla="*/ 379241 h 416412"/>
+                    <a:gd name="connsiteX1" fmla="*/ 713677 w 1137424"/>
+                    <a:gd name="connsiteY1" fmla="*/ 100 h 416412"/>
+                    <a:gd name="connsiteX2" fmla="*/ 1137424 w 1137424"/>
+                    <a:gd name="connsiteY2" fmla="*/ 416412 h 416412"/>
+                    <a:gd name="connsiteX0" fmla="*/ 0 w 1137424"/>
+                    <a:gd name="connsiteY0" fmla="*/ 379241 h 416412"/>
+                    <a:gd name="connsiteX1" fmla="*/ 713677 w 1137424"/>
+                    <a:gd name="connsiteY1" fmla="*/ 100 h 416412"/>
+                    <a:gd name="connsiteX2" fmla="*/ 1137424 w 1137424"/>
+                    <a:gd name="connsiteY2" fmla="*/ 416412 h 416412"/>
+                    <a:gd name="connsiteX0" fmla="*/ 0 w 1137424"/>
+                    <a:gd name="connsiteY0" fmla="*/ 379241 h 416412"/>
+                    <a:gd name="connsiteX1" fmla="*/ 713677 w 1137424"/>
+                    <a:gd name="connsiteY1" fmla="*/ 100 h 416412"/>
+                    <a:gd name="connsiteX2" fmla="*/ 1137424 w 1137424"/>
+                    <a:gd name="connsiteY2" fmla="*/ 416412 h 416412"/>
+                    <a:gd name="connsiteX0" fmla="*/ 0 w 1137424"/>
+                    <a:gd name="connsiteY0" fmla="*/ 379229 h 416400"/>
+                    <a:gd name="connsiteX1" fmla="*/ 713677 w 1137424"/>
+                    <a:gd name="connsiteY1" fmla="*/ 88 h 416400"/>
+                    <a:gd name="connsiteX2" fmla="*/ 1137424 w 1137424"/>
+                    <a:gd name="connsiteY2" fmla="*/ 416400 h 416400"/>
+                    <a:gd name="connsiteX0" fmla="*/ 0 w 1137424"/>
+                    <a:gd name="connsiteY0" fmla="*/ 431256 h 431256"/>
+                    <a:gd name="connsiteX1" fmla="*/ 713677 w 1137424"/>
+                    <a:gd name="connsiteY1" fmla="*/ 76 h 431256"/>
+                    <a:gd name="connsiteX2" fmla="*/ 1137424 w 1137424"/>
+                    <a:gd name="connsiteY2" fmla="*/ 416388 h 431256"/>
+                    <a:gd name="connsiteX0" fmla="*/ 0 w 1137424"/>
+                    <a:gd name="connsiteY0" fmla="*/ 431254 h 431254"/>
+                    <a:gd name="connsiteX1" fmla="*/ 713677 w 1137424"/>
+                    <a:gd name="connsiteY1" fmla="*/ 74 h 431254"/>
+                    <a:gd name="connsiteX2" fmla="*/ 1137424 w 1137424"/>
+                    <a:gd name="connsiteY2" fmla="*/ 416386 h 431254"/>
+                    <a:gd name="connsiteX0" fmla="*/ 0 w 1137424"/>
+                    <a:gd name="connsiteY0" fmla="*/ 431254 h 431254"/>
+                    <a:gd name="connsiteX1" fmla="*/ 713677 w 1137424"/>
+                    <a:gd name="connsiteY1" fmla="*/ 74 h 431254"/>
+                    <a:gd name="connsiteX2" fmla="*/ 1137424 w 1137424"/>
+                    <a:gd name="connsiteY2" fmla="*/ 416386 h 431254"/>
+                  </a:gdLst>
+                  <a:ahLst/>
+                  <a:cxnLst>
+                    <a:cxn ang="0">
+                      <a:pos x="connsiteX0" y="connsiteY0"/>
+                    </a:cxn>
+                    <a:cxn ang="0">
+                      <a:pos x="connsiteX1" y="connsiteY1"/>
+                    </a:cxn>
+                    <a:cxn ang="0">
+                      <a:pos x="connsiteX2" y="connsiteY2"/>
+                    </a:cxn>
+                  </a:cxnLst>
+                  <a:rect l="l" t="t" r="r" b="b"/>
+                  <a:pathLst>
+                    <a:path w="1137424" h="431254">
+                      <a:moveTo>
+                        <a:pt x="0" y="431254"/>
+                      </a:moveTo>
+                      <a:cubicBezTo>
+                        <a:pt x="615175" y="383552"/>
+                        <a:pt x="524106" y="-6121"/>
+                        <a:pt x="713677" y="74"/>
+                      </a:cubicBezTo>
+                      <a:cubicBezTo>
+                        <a:pt x="903248" y="6269"/>
+                        <a:pt x="823332" y="311687"/>
+                        <a:pt x="1137424" y="416386"/>
+                      </a:cubicBezTo>
+                    </a:path>
+                  </a:pathLst>
+                </a:custGeom>
+                <a:noFill/>
+                <a:ln w="31750">
+                  <a:solidFill>
+                    <a:srgbClr val="F15C62"/>
+                  </a:solidFill>
+                </a:ln>
+              </p:spPr>
+              <p:style>
+                <a:lnRef idx="2">
+                  <a:schemeClr val="accent1">
+                    <a:shade val="15000"/>
+                  </a:schemeClr>
+                </a:lnRef>
+                <a:fillRef idx="1">
+                  <a:schemeClr val="accent1"/>
+                </a:fillRef>
+                <a:effectRef idx="0">
+                  <a:schemeClr val="accent1"/>
+                </a:effectRef>
+                <a:fontRef idx="minor">
+                  <a:schemeClr val="lt1"/>
+                </a:fontRef>
+              </p:style>
+              <p:txBody>
+                <a:bodyPr rtlCol="0" anchor="ctr"/>
+                <a:lstStyle/>
+                <a:p>
+                  <a:pPr algn="ctr"/>
+                  <a:endParaRPr lang="en-US" sz="1890"/>
+                </a:p>
+              </p:txBody>
+            </p:sp>
+            <p:cxnSp>
+              <p:nvCxnSpPr>
+                <p:cNvPr id="151" name="Straight Arrow Connector 150">
+                  <a:extLst>
+                    <a:ext uri="{FF2B5EF4-FFF2-40B4-BE49-F238E27FC236}">
+                      <a16:creationId xmlns:a16="http://schemas.microsoft.com/office/drawing/2014/main" id="{EA4CDD37-288A-B2A9-5F0D-2AD5C4034158}"/>
+                    </a:ext>
+                  </a:extLst>
+                </p:cNvPr>
+                <p:cNvCxnSpPr>
+                  <a:cxnSpLocks/>
+                </p:cNvCxnSpPr>
+                <p:nvPr/>
+              </p:nvCxnSpPr>
+              <p:spPr>
+                <a:xfrm>
+                  <a:off x="8967203" y="3274979"/>
+                  <a:ext cx="490490" cy="0"/>
+                </a:xfrm>
+                <a:prstGeom prst="straightConnector1">
+                  <a:avLst/>
+                </a:prstGeom>
+                <a:ln w="34925">
+                  <a:solidFill>
+                    <a:schemeClr val="tx1"/>
+                  </a:solidFill>
+                  <a:tailEnd type="triangle" w="lg" len="lg"/>
+                </a:ln>
+              </p:spPr>
+              <p:style>
+                <a:lnRef idx="2">
+                  <a:schemeClr val="accent1"/>
+                </a:lnRef>
+                <a:fillRef idx="0">
+                  <a:schemeClr val="accent1"/>
+                </a:fillRef>
+                <a:effectRef idx="1">
+                  <a:schemeClr val="accent1"/>
+                </a:effectRef>
+                <a:fontRef idx="minor">
+                  <a:schemeClr val="tx1"/>
+                </a:fontRef>
+              </p:style>
+            </p:cxnSp>
+          </p:grpSp>
+        </p:grpSp>
+        <p:cxnSp>
+          <p:nvCxnSpPr>
+            <p:cNvPr id="173" name="Straight Arrow Connector 172">
+              <a:extLst>
+                <a:ext uri="{FF2B5EF4-FFF2-40B4-BE49-F238E27FC236}">
+                  <a16:creationId xmlns:a16="http://schemas.microsoft.com/office/drawing/2014/main" id="{0762801A-4D9C-483C-AFD4-18EAE506E776}"/>
+                </a:ext>
+              </a:extLst>
+            </p:cNvPr>
+            <p:cNvCxnSpPr>
+              <a:cxnSpLocks/>
+            </p:cNvCxnSpPr>
+            <p:nvPr/>
+          </p:nvCxnSpPr>
+          <p:spPr>
+            <a:xfrm>
+              <a:off x="10478347" y="1909958"/>
+              <a:ext cx="226711" cy="211596"/>
+            </a:xfrm>
+            <a:prstGeom prst="straightConnector1">
+              <a:avLst/>
+            </a:prstGeom>
+            <a:ln w="47625">
+              <a:solidFill>
+                <a:schemeClr val="bg1">
+                  <a:lumMod val="50000"/>
+                </a:schemeClr>
+              </a:solidFill>
+              <a:tailEnd type="triangle"/>
+            </a:ln>
+          </p:spPr>
+          <p:style>
+            <a:lnRef idx="2">
+              <a:schemeClr val="accent1"/>
+            </a:lnRef>
+            <a:fillRef idx="0">
+              <a:schemeClr val="accent1"/>
+            </a:fillRef>
+            <a:effectRef idx="1">
+              <a:schemeClr val="accent1"/>
+            </a:effectRef>
+            <a:fontRef idx="minor">
+              <a:schemeClr val="tx1"/>
+            </a:fontRef>
+          </p:style>
+        </p:cxnSp>
+        <p:cxnSp>
+          <p:nvCxnSpPr>
+            <p:cNvPr id="174" name="Straight Arrow Connector 173">
+              <a:extLst>
+                <a:ext uri="{FF2B5EF4-FFF2-40B4-BE49-F238E27FC236}">
+                  <a16:creationId xmlns:a16="http://schemas.microsoft.com/office/drawing/2014/main" id="{64EEE992-19CC-11C3-9AFD-92F7CCECCC03}"/>
+                </a:ext>
+              </a:extLst>
+            </p:cNvPr>
+            <p:cNvCxnSpPr/>
+            <p:nvPr/>
+          </p:nvCxnSpPr>
+          <p:spPr>
+            <a:xfrm flipH="1">
+              <a:off x="9455441" y="1909699"/>
+              <a:ext cx="226711" cy="211596"/>
+            </a:xfrm>
+            <a:prstGeom prst="straightConnector1">
+              <a:avLst/>
+            </a:prstGeom>
+            <a:ln w="47625">
+              <a:solidFill>
+                <a:schemeClr val="bg1">
+                  <a:lumMod val="50000"/>
+                </a:schemeClr>
+              </a:solidFill>
+              <a:tailEnd type="triangle"/>
+            </a:ln>
+          </p:spPr>
+          <p:style>
+            <a:lnRef idx="2">
+              <a:schemeClr val="accent1"/>
+            </a:lnRef>
+            <a:fillRef idx="0">
+              <a:schemeClr val="accent1"/>
+            </a:fillRef>
+            <a:effectRef idx="1">
+              <a:schemeClr val="accent1"/>
+            </a:effectRef>
+            <a:fontRef idx="minor">
+              <a:schemeClr val="tx1"/>
+            </a:fontRef>
+          </p:style>
+        </p:cxnSp>
+        <p:cxnSp>
+          <p:nvCxnSpPr>
+            <p:cNvPr id="176" name="Straight Arrow Connector 175">
+              <a:extLst>
+                <a:ext uri="{FF2B5EF4-FFF2-40B4-BE49-F238E27FC236}">
+                  <a16:creationId xmlns:a16="http://schemas.microsoft.com/office/drawing/2014/main" id="{4D393FFA-9817-BB1D-318E-A549EDA51366}"/>
+                </a:ext>
+              </a:extLst>
+            </p:cNvPr>
+            <p:cNvCxnSpPr>
+              <a:cxnSpLocks/>
+            </p:cNvCxnSpPr>
+            <p:nvPr/>
+          </p:nvCxnSpPr>
+          <p:spPr>
+            <a:xfrm>
+              <a:off x="9633882" y="2654976"/>
+              <a:ext cx="226711" cy="211596"/>
+            </a:xfrm>
+            <a:prstGeom prst="straightConnector1">
+              <a:avLst/>
+            </a:prstGeom>
+            <a:ln w="47625">
+              <a:solidFill>
+                <a:schemeClr val="bg1">
+                  <a:lumMod val="50000"/>
+                </a:schemeClr>
+              </a:solidFill>
+              <a:tailEnd type="triangle"/>
+            </a:ln>
+          </p:spPr>
+          <p:style>
+            <a:lnRef idx="2">
+              <a:schemeClr val="accent1"/>
+            </a:lnRef>
+            <a:fillRef idx="0">
+              <a:schemeClr val="accent1"/>
+            </a:fillRef>
+            <a:effectRef idx="1">
+              <a:schemeClr val="accent1"/>
+            </a:effectRef>
+            <a:fontRef idx="minor">
+              <a:schemeClr val="tx1"/>
+            </a:fontRef>
+          </p:style>
+        </p:cxnSp>
+        <p:cxnSp>
+          <p:nvCxnSpPr>
+            <p:cNvPr id="177" name="Straight Arrow Connector 176">
+              <a:extLst>
+                <a:ext uri="{FF2B5EF4-FFF2-40B4-BE49-F238E27FC236}">
+                  <a16:creationId xmlns:a16="http://schemas.microsoft.com/office/drawing/2014/main" id="{C9BF565C-1FB2-3757-5FC4-E48A80BC7244}"/>
+                </a:ext>
+              </a:extLst>
+            </p:cNvPr>
+            <p:cNvCxnSpPr>
+              <a:cxnSpLocks/>
+            </p:cNvCxnSpPr>
+            <p:nvPr/>
+          </p:nvCxnSpPr>
+          <p:spPr>
+            <a:xfrm flipH="1">
+              <a:off x="10238744" y="2654976"/>
+              <a:ext cx="226711" cy="211596"/>
+            </a:xfrm>
+            <a:prstGeom prst="straightConnector1">
+              <a:avLst/>
+            </a:prstGeom>
+            <a:ln w="47625">
+              <a:solidFill>
+                <a:schemeClr val="bg1">
+                  <a:lumMod val="50000"/>
+                </a:schemeClr>
+              </a:solidFill>
+              <a:tailEnd type="triangle"/>
+            </a:ln>
+          </p:spPr>
+          <p:style>
+            <a:lnRef idx="2">
+              <a:schemeClr val="accent1"/>
+            </a:lnRef>
+            <a:fillRef idx="0">
+              <a:schemeClr val="accent1"/>
+            </a:fillRef>
+            <a:effectRef idx="1">
+              <a:schemeClr val="accent1"/>
+            </a:effectRef>
+            <a:fontRef idx="minor">
+              <a:schemeClr val="tx1"/>
+            </a:fontRef>
+          </p:style>
+        </p:cxnSp>
+      </p:grpSp>
+      <p:grpSp>
+        <p:nvGrpSpPr>
+          <p:cNvPr id="188" name="Group 187">
+            <a:extLst>
+              <a:ext uri="{FF2B5EF4-FFF2-40B4-BE49-F238E27FC236}">
+                <a16:creationId xmlns:a16="http://schemas.microsoft.com/office/drawing/2014/main" id="{E40BF04C-D254-2888-5982-D8F51CE558C0}"/>
+              </a:ext>
+            </a:extLst>
+          </p:cNvPr>
+          <p:cNvGrpSpPr/>
+          <p:nvPr/>
+        </p:nvGrpSpPr>
+        <p:grpSpPr>
+          <a:xfrm>
+            <a:off x="5228924" y="210523"/>
+            <a:ext cx="4029313" cy="4727461"/>
+            <a:chOff x="4231025" y="193571"/>
+            <a:chExt cx="3837441" cy="4502344"/>
+          </a:xfrm>
+        </p:grpSpPr>
+        <p:grpSp>
+          <p:nvGrpSpPr>
+            <p:cNvPr id="145" name="Group 144">
+              <a:extLst>
+                <a:ext uri="{FF2B5EF4-FFF2-40B4-BE49-F238E27FC236}">
+                  <a16:creationId xmlns:a16="http://schemas.microsoft.com/office/drawing/2014/main" id="{95C3F5A5-58AA-8C23-6C90-A93557A95D43}"/>
+                </a:ext>
+              </a:extLst>
+            </p:cNvPr>
+            <p:cNvGrpSpPr/>
+            <p:nvPr/>
+          </p:nvGrpSpPr>
+          <p:grpSpPr>
+            <a:xfrm>
+              <a:off x="4231025" y="193571"/>
+              <a:ext cx="3837441" cy="4502344"/>
+              <a:chOff x="4221334" y="133116"/>
+              <a:chExt cx="3837441" cy="4502344"/>
+            </a:xfrm>
+          </p:grpSpPr>
+          <p:sp>
+            <p:nvSpPr>
+              <p:cNvPr id="102" name="TextBox 101">
+                <a:extLst>
+                  <a:ext uri="{FF2B5EF4-FFF2-40B4-BE49-F238E27FC236}">
+                    <a16:creationId xmlns:a16="http://schemas.microsoft.com/office/drawing/2014/main" id="{1A3C6997-4E40-38F4-EB1E-1C61067AAE9F}"/>
+                  </a:ext>
+                </a:extLst>
+              </p:cNvPr>
+              <p:cNvSpPr txBox="1"/>
               <p:nvPr/>
             </p:nvSpPr>
             <p:spPr>
               <a:xfrm>
-                <a:off x="6853766" y="4097867"/>
-                <a:ext cx="310983" cy="492443"/>
+                <a:off x="4278902" y="133116"/>
+                <a:ext cx="3634196" cy="457268"/>
               </a:xfrm>
               <a:prstGeom prst="rect">
                 <a:avLst/>
               </a:prstGeom>
-              <a:blipFill>
-                <a:blip r:embed="rId7"/>
-                <a:stretch>
-                  <a:fillRect l="-44000" r="-48000" b="-32500"/>
-                </a:stretch>
-              </a:blipFill>
+              <a:noFill/>
             </p:spPr>
             <p:txBody>
-              <a:bodyPr/>
+              <a:bodyPr wrap="square" rtlCol="0">
+                <a:spAutoFit/>
+              </a:bodyPr>
               <a:lstStyle/>
               <a:p>
+                <a:pPr algn="ctr"/>
                 <a:r>
-                  <a:rPr lang="en-US">
-                    <a:noFill/>
+                  <a:rPr lang="en-US" sz="2520" dirty="0">
+                    <a:latin typeface="Arial" panose="020B0604020202020204" pitchFamily="34" charset="0"/>
+                    <a:cs typeface="Arial" panose="020B0604020202020204" pitchFamily="34" charset="0"/>
                   </a:rPr>
-                  <a:t> </a:t>
+                  <a:t>Spatial Variability</a:t>
                 </a:r>
               </a:p>
             </p:txBody>
           </p:sp>
-        </mc:Fallback>
-      </mc:AlternateContent>
-      <p:sp>
-        <p:nvSpPr>
-          <p:cNvPr id="110" name="TextBox 109">
+          <p:grpSp>
+            <p:nvGrpSpPr>
+              <p:cNvPr id="25" name="Group 24">
+                <a:extLst>
+                  <a:ext uri="{FF2B5EF4-FFF2-40B4-BE49-F238E27FC236}">
+                    <a16:creationId xmlns:a16="http://schemas.microsoft.com/office/drawing/2014/main" id="{9C0464E5-BF56-6BC8-18D0-430219D1F32C}"/>
+                  </a:ext>
+                </a:extLst>
+              </p:cNvPr>
+              <p:cNvGrpSpPr/>
+              <p:nvPr/>
+            </p:nvGrpSpPr>
+            <p:grpSpPr>
+              <a:xfrm>
+                <a:off x="5522534" y="663482"/>
+                <a:ext cx="1146931" cy="1195828"/>
+                <a:chOff x="857250" y="3768717"/>
+                <a:chExt cx="1146931" cy="1195828"/>
+              </a:xfrm>
+            </p:grpSpPr>
+            <p:pic>
+              <p:nvPicPr>
+                <p:cNvPr id="29" name="Picture 28">
+                  <a:extLst>
+                    <a:ext uri="{FF2B5EF4-FFF2-40B4-BE49-F238E27FC236}">
+                      <a16:creationId xmlns:a16="http://schemas.microsoft.com/office/drawing/2014/main" id="{868C0546-6005-D1C1-44EE-E30888C94466}"/>
+                    </a:ext>
+                  </a:extLst>
+                </p:cNvPr>
+                <p:cNvPicPr>
+                  <a:picLocks noChangeAspect="1"/>
+                </p:cNvPicPr>
+                <p:nvPr/>
+              </p:nvPicPr>
+              <p:blipFill>
+                <a:blip r:embed="rId2"/>
+                <a:stretch>
+                  <a:fillRect/>
+                </a:stretch>
+              </p:blipFill>
+              <p:spPr>
+                <a:xfrm>
+                  <a:off x="857250" y="4294340"/>
+                  <a:ext cx="1105838" cy="670205"/>
+                </a:xfrm>
+                <a:prstGeom prst="rect">
+                  <a:avLst/>
+                </a:prstGeom>
+              </p:spPr>
+            </p:pic>
+            <p:cxnSp>
+              <p:nvCxnSpPr>
+                <p:cNvPr id="30" name="Straight Arrow Connector 29">
+                  <a:extLst>
+                    <a:ext uri="{FF2B5EF4-FFF2-40B4-BE49-F238E27FC236}">
+                      <a16:creationId xmlns:a16="http://schemas.microsoft.com/office/drawing/2014/main" id="{E54F3572-AB21-F2C4-A1AB-861577B0C288}"/>
+                    </a:ext>
+                  </a:extLst>
+                </p:cNvPr>
+                <p:cNvCxnSpPr>
+                  <a:cxnSpLocks/>
+                </p:cNvCxnSpPr>
+                <p:nvPr/>
+              </p:nvCxnSpPr>
+              <p:spPr>
+                <a:xfrm flipH="1">
+                  <a:off x="876816" y="4138049"/>
+                  <a:ext cx="1066706" cy="0"/>
+                </a:xfrm>
+                <a:prstGeom prst="straightConnector1">
+                  <a:avLst/>
+                </a:prstGeom>
+                <a:ln w="22225">
+                  <a:solidFill>
+                    <a:schemeClr val="tx1"/>
+                  </a:solidFill>
+                  <a:headEnd type="triangle" w="lg" len="lg"/>
+                  <a:tailEnd type="triangle" w="lg" len="lg"/>
+                </a:ln>
+              </p:spPr>
+              <p:style>
+                <a:lnRef idx="2">
+                  <a:schemeClr val="accent1"/>
+                </a:lnRef>
+                <a:fillRef idx="0">
+                  <a:schemeClr val="accent1"/>
+                </a:fillRef>
+                <a:effectRef idx="1">
+                  <a:schemeClr val="accent1"/>
+                </a:effectRef>
+                <a:fontRef idx="minor">
+                  <a:schemeClr val="tx1"/>
+                </a:fontRef>
+              </p:style>
+            </p:cxnSp>
+            <p:sp>
+              <p:nvSpPr>
+                <p:cNvPr id="32" name="TextBox 31">
+                  <a:extLst>
+                    <a:ext uri="{FF2B5EF4-FFF2-40B4-BE49-F238E27FC236}">
+                      <a16:creationId xmlns:a16="http://schemas.microsoft.com/office/drawing/2014/main" id="{A3075410-58E7-5FAB-0677-F603233F606C}"/>
+                    </a:ext>
+                  </a:extLst>
+                </p:cNvPr>
+                <p:cNvSpPr txBox="1"/>
+                <p:nvPr/>
+              </p:nvSpPr>
+              <p:spPr>
+                <a:xfrm>
+                  <a:off x="902086" y="3768717"/>
+                  <a:ext cx="1102095" cy="364935"/>
+                </a:xfrm>
+                <a:prstGeom prst="rect">
+                  <a:avLst/>
+                </a:prstGeom>
+                <a:noFill/>
+              </p:spPr>
+              <p:txBody>
+                <a:bodyPr wrap="square" rtlCol="0">
+                  <a:spAutoFit/>
+                </a:bodyPr>
+                <a:lstStyle/>
+                <a:p>
+                  <a:pPr algn="ctr"/>
+                  <a:r>
+                    <a:rPr lang="en-US" sz="1890" dirty="0">
+                      <a:latin typeface="Arial" panose="020B0604020202020204" pitchFamily="34" charset="0"/>
+                      <a:cs typeface="Arial" panose="020B0604020202020204" pitchFamily="34" charset="0"/>
+                    </a:rPr>
+                    <a:t>left/right</a:t>
+                  </a:r>
+                </a:p>
+              </p:txBody>
+            </p:sp>
+          </p:grpSp>
+          <p:grpSp>
+            <p:nvGrpSpPr>
+              <p:cNvPr id="38" name="Group 37">
+                <a:extLst>
+                  <a:ext uri="{FF2B5EF4-FFF2-40B4-BE49-F238E27FC236}">
+                    <a16:creationId xmlns:a16="http://schemas.microsoft.com/office/drawing/2014/main" id="{A025C0CE-7EE4-6B2E-7F8C-576D54AD0479}"/>
+                  </a:ext>
+                </a:extLst>
+              </p:cNvPr>
+              <p:cNvGrpSpPr/>
+              <p:nvPr/>
+            </p:nvGrpSpPr>
+            <p:grpSpPr>
+              <a:xfrm>
+                <a:off x="4626931" y="1905855"/>
+                <a:ext cx="1148574" cy="695602"/>
+                <a:chOff x="5221208" y="4138261"/>
+                <a:chExt cx="1148574" cy="695602"/>
+              </a:xfrm>
+            </p:grpSpPr>
+            <p:pic>
+              <p:nvPicPr>
+                <p:cNvPr id="23" name="Picture 22" descr="A colorful dots on a black background&#10;&#10;AI-generated content may be incorrect.">
+                  <a:extLst>
+                    <a:ext uri="{FF2B5EF4-FFF2-40B4-BE49-F238E27FC236}">
+                      <a16:creationId xmlns:a16="http://schemas.microsoft.com/office/drawing/2014/main" id="{0D6163F7-F13D-70A1-591D-3B2B9CB653DE}"/>
+                    </a:ext>
+                  </a:extLst>
+                </p:cNvPr>
+                <p:cNvPicPr>
+                  <a:picLocks noChangeAspect="1"/>
+                </p:cNvPicPr>
+                <p:nvPr/>
+              </p:nvPicPr>
+              <p:blipFill>
+                <a:blip r:embed="rId5"/>
+                <a:stretch>
+                  <a:fillRect/>
+                </a:stretch>
+              </p:blipFill>
+              <p:spPr>
+                <a:xfrm>
+                  <a:off x="5221208" y="4138261"/>
+                  <a:ext cx="1147293" cy="695602"/>
+                </a:xfrm>
+                <a:prstGeom prst="rect">
+                  <a:avLst/>
+                </a:prstGeom>
+              </p:spPr>
+            </p:pic>
+            <p:sp>
+              <p:nvSpPr>
+                <p:cNvPr id="35" name="Rectangle 34">
+                  <a:extLst>
+                    <a:ext uri="{FF2B5EF4-FFF2-40B4-BE49-F238E27FC236}">
+                      <a16:creationId xmlns:a16="http://schemas.microsoft.com/office/drawing/2014/main" id="{E3CFEEBD-B3A3-4DD4-A67D-99C9207168B2}"/>
+                    </a:ext>
+                  </a:extLst>
+                </p:cNvPr>
+                <p:cNvSpPr/>
+                <p:nvPr/>
+              </p:nvSpPr>
+              <p:spPr>
+                <a:xfrm>
+                  <a:off x="5805392" y="4138261"/>
+                  <a:ext cx="564390" cy="695602"/>
+                </a:xfrm>
+                <a:prstGeom prst="rect">
+                  <a:avLst/>
+                </a:prstGeom>
+                <a:solidFill>
+                  <a:schemeClr val="bg1">
+                    <a:alpha val="80075"/>
+                  </a:schemeClr>
+                </a:solidFill>
+                <a:ln>
+                  <a:noFill/>
+                </a:ln>
+              </p:spPr>
+              <p:style>
+                <a:lnRef idx="2">
+                  <a:schemeClr val="accent1">
+                    <a:shade val="15000"/>
+                  </a:schemeClr>
+                </a:lnRef>
+                <a:fillRef idx="1">
+                  <a:schemeClr val="accent1"/>
+                </a:fillRef>
+                <a:effectRef idx="0">
+                  <a:schemeClr val="accent1"/>
+                </a:effectRef>
+                <a:fontRef idx="minor">
+                  <a:schemeClr val="lt1"/>
+                </a:fontRef>
+              </p:style>
+              <p:txBody>
+                <a:bodyPr rtlCol="0" anchor="ctr"/>
+                <a:lstStyle/>
+                <a:p>
+                  <a:pPr algn="ctr"/>
+                  <a:endParaRPr lang="en-US" sz="1890"/>
+                </a:p>
+              </p:txBody>
+            </p:sp>
+          </p:grpSp>
+          <p:grpSp>
+            <p:nvGrpSpPr>
+              <p:cNvPr id="37" name="Group 36">
+                <a:extLst>
+                  <a:ext uri="{FF2B5EF4-FFF2-40B4-BE49-F238E27FC236}">
+                    <a16:creationId xmlns:a16="http://schemas.microsoft.com/office/drawing/2014/main" id="{46CC87C5-872E-FF3A-8A85-ADDB3FD4AF80}"/>
+                  </a:ext>
+                </a:extLst>
+              </p:cNvPr>
+              <p:cNvGrpSpPr/>
+              <p:nvPr/>
+            </p:nvGrpSpPr>
+            <p:grpSpPr>
+              <a:xfrm>
+                <a:off x="6416497" y="1900125"/>
+                <a:ext cx="1147293" cy="695602"/>
+                <a:chOff x="6795363" y="4069551"/>
+                <a:chExt cx="1147293" cy="695602"/>
+              </a:xfrm>
+            </p:grpSpPr>
+            <p:pic>
+              <p:nvPicPr>
+                <p:cNvPr id="20" name="Picture 19" descr="A colorful dots on a black background&#10;&#10;AI-generated content may be incorrect.">
+                  <a:extLst>
+                    <a:ext uri="{FF2B5EF4-FFF2-40B4-BE49-F238E27FC236}">
+                      <a16:creationId xmlns:a16="http://schemas.microsoft.com/office/drawing/2014/main" id="{141E12E8-8546-E0CF-D1D5-547DD97B3731}"/>
+                    </a:ext>
+                  </a:extLst>
+                </p:cNvPr>
+                <p:cNvPicPr>
+                  <a:picLocks noChangeAspect="1"/>
+                </p:cNvPicPr>
+                <p:nvPr/>
+              </p:nvPicPr>
+              <p:blipFill>
+                <a:blip r:embed="rId5"/>
+                <a:stretch>
+                  <a:fillRect/>
+                </a:stretch>
+              </p:blipFill>
+              <p:spPr>
+                <a:xfrm>
+                  <a:off x="6795363" y="4069551"/>
+                  <a:ext cx="1147293" cy="695602"/>
+                </a:xfrm>
+                <a:prstGeom prst="rect">
+                  <a:avLst/>
+                </a:prstGeom>
+              </p:spPr>
+            </p:pic>
+            <p:sp>
+              <p:nvSpPr>
+                <p:cNvPr id="36" name="Rectangle 35">
+                  <a:extLst>
+                    <a:ext uri="{FF2B5EF4-FFF2-40B4-BE49-F238E27FC236}">
+                      <a16:creationId xmlns:a16="http://schemas.microsoft.com/office/drawing/2014/main" id="{6FDA9154-6D2F-4A4A-9556-6290A63FE165}"/>
+                    </a:ext>
+                  </a:extLst>
+                </p:cNvPr>
+                <p:cNvSpPr/>
+                <p:nvPr/>
+              </p:nvSpPr>
+              <p:spPr>
+                <a:xfrm>
+                  <a:off x="6795363" y="4069551"/>
+                  <a:ext cx="564390" cy="695602"/>
+                </a:xfrm>
+                <a:prstGeom prst="rect">
+                  <a:avLst/>
+                </a:prstGeom>
+                <a:solidFill>
+                  <a:schemeClr val="bg1">
+                    <a:alpha val="80075"/>
+                  </a:schemeClr>
+                </a:solidFill>
+                <a:ln>
+                  <a:noFill/>
+                </a:ln>
+              </p:spPr>
+              <p:style>
+                <a:lnRef idx="2">
+                  <a:schemeClr val="accent1">
+                    <a:shade val="15000"/>
+                  </a:schemeClr>
+                </a:lnRef>
+                <a:fillRef idx="1">
+                  <a:schemeClr val="accent1"/>
+                </a:fillRef>
+                <a:effectRef idx="0">
+                  <a:schemeClr val="accent1"/>
+                </a:effectRef>
+                <a:fontRef idx="minor">
+                  <a:schemeClr val="lt1"/>
+                </a:fontRef>
+              </p:style>
+              <p:txBody>
+                <a:bodyPr rtlCol="0" anchor="ctr"/>
+                <a:lstStyle/>
+                <a:p>
+                  <a:pPr algn="ctr"/>
+                  <a:endParaRPr lang="en-US" sz="1890"/>
+                </a:p>
+              </p:txBody>
+            </p:sp>
+          </p:grpSp>
+          <p:grpSp>
+            <p:nvGrpSpPr>
+              <p:cNvPr id="143" name="Group 142">
+                <a:extLst>
+                  <a:ext uri="{FF2B5EF4-FFF2-40B4-BE49-F238E27FC236}">
+                    <a16:creationId xmlns:a16="http://schemas.microsoft.com/office/drawing/2014/main" id="{B01C5DC6-D44F-B272-A2A1-249EEC3FF885}"/>
+                  </a:ext>
+                </a:extLst>
+              </p:cNvPr>
+              <p:cNvGrpSpPr/>
+              <p:nvPr/>
+            </p:nvGrpSpPr>
+            <p:grpSpPr>
+              <a:xfrm>
+                <a:off x="6024772" y="2601456"/>
+                <a:ext cx="2034003" cy="2034003"/>
+                <a:chOff x="4116111" y="2677610"/>
+                <a:chExt cx="2034003" cy="2034003"/>
+              </a:xfrm>
+            </p:grpSpPr>
+            <p:pic>
+              <p:nvPicPr>
+                <p:cNvPr id="39" name="Picture 38" descr="A screen shot of a graph&#10;&#10;AI-generated content may be incorrect.">
+                  <a:extLst>
+                    <a:ext uri="{FF2B5EF4-FFF2-40B4-BE49-F238E27FC236}">
+                      <a16:creationId xmlns:a16="http://schemas.microsoft.com/office/drawing/2014/main" id="{69D302A1-C458-A769-07C2-1DC5FE9AA927}"/>
+                    </a:ext>
+                  </a:extLst>
+                </p:cNvPr>
+                <p:cNvPicPr>
+                  <a:picLocks noChangeAspect="1"/>
+                </p:cNvPicPr>
+                <p:nvPr/>
+              </p:nvPicPr>
+              <p:blipFill>
+                <a:blip r:embed="rId4"/>
+                <a:stretch>
+                  <a:fillRect/>
+                </a:stretch>
+              </p:blipFill>
+              <p:spPr>
+                <a:xfrm>
+                  <a:off x="4116111" y="2677610"/>
+                  <a:ext cx="2034003" cy="2034003"/>
+                </a:xfrm>
+                <a:prstGeom prst="rect">
+                  <a:avLst/>
+                </a:prstGeom>
+              </p:spPr>
+            </p:pic>
+            <p:sp>
+              <p:nvSpPr>
+                <p:cNvPr id="40" name="Rectangle 39">
+                  <a:extLst>
+                    <a:ext uri="{FF2B5EF4-FFF2-40B4-BE49-F238E27FC236}">
+                      <a16:creationId xmlns:a16="http://schemas.microsoft.com/office/drawing/2014/main" id="{7B5F8C9B-DE1D-A2B4-48E4-F738B68D11F2}"/>
+                    </a:ext>
+                  </a:extLst>
+                </p:cNvPr>
+                <p:cNvSpPr/>
+                <p:nvPr/>
+              </p:nvSpPr>
+              <p:spPr>
+                <a:xfrm>
+                  <a:off x="4526825" y="2950863"/>
+                  <a:ext cx="1430509" cy="1350132"/>
+                </a:xfrm>
+                <a:prstGeom prst="rect">
+                  <a:avLst/>
+                </a:prstGeom>
+                <a:solidFill>
+                  <a:schemeClr val="bg1"/>
+                </a:solidFill>
+                <a:ln>
+                  <a:solidFill>
+                    <a:schemeClr val="bg1"/>
+                  </a:solidFill>
+                </a:ln>
+              </p:spPr>
+              <p:style>
+                <a:lnRef idx="2">
+                  <a:schemeClr val="accent1">
+                    <a:shade val="15000"/>
+                  </a:schemeClr>
+                </a:lnRef>
+                <a:fillRef idx="1">
+                  <a:schemeClr val="accent1"/>
+                </a:fillRef>
+                <a:effectRef idx="0">
+                  <a:schemeClr val="accent1"/>
+                </a:effectRef>
+                <a:fontRef idx="minor">
+                  <a:schemeClr val="lt1"/>
+                </a:fontRef>
+              </p:style>
+              <p:txBody>
+                <a:bodyPr rtlCol="0" anchor="ctr"/>
+                <a:lstStyle/>
+                <a:p>
+                  <a:pPr algn="ctr"/>
+                  <a:endParaRPr lang="en-US" sz="1890"/>
+                </a:p>
+              </p:txBody>
+            </p:sp>
+            <p:sp>
+              <p:nvSpPr>
+                <p:cNvPr id="50" name="Oval 49">
+                  <a:extLst>
+                    <a:ext uri="{FF2B5EF4-FFF2-40B4-BE49-F238E27FC236}">
+                      <a16:creationId xmlns:a16="http://schemas.microsoft.com/office/drawing/2014/main" id="{9316C8CA-EF5A-7928-4A64-8F05EA11A88F}"/>
+                    </a:ext>
+                  </a:extLst>
+                </p:cNvPr>
+                <p:cNvSpPr/>
+                <p:nvPr/>
+              </p:nvSpPr>
+              <p:spPr>
+                <a:xfrm rot="20303825">
+                  <a:off x="4786057" y="3473164"/>
+                  <a:ext cx="960186" cy="335122"/>
+                </a:xfrm>
+                <a:prstGeom prst="ellipse">
+                  <a:avLst/>
+                </a:prstGeom>
+                <a:noFill/>
+                <a:ln w="34925">
+                  <a:solidFill>
+                    <a:schemeClr val="tx1"/>
+                  </a:solidFill>
+                </a:ln>
+              </p:spPr>
+              <p:style>
+                <a:lnRef idx="2">
+                  <a:schemeClr val="accent1">
+                    <a:shade val="15000"/>
+                  </a:schemeClr>
+                </a:lnRef>
+                <a:fillRef idx="1">
+                  <a:schemeClr val="accent1"/>
+                </a:fillRef>
+                <a:effectRef idx="0">
+                  <a:schemeClr val="accent1"/>
+                </a:effectRef>
+                <a:fontRef idx="minor">
+                  <a:schemeClr val="lt1"/>
+                </a:fontRef>
+              </p:style>
+              <p:txBody>
+                <a:bodyPr rtlCol="0" anchor="ctr"/>
+                <a:lstStyle/>
+                <a:p>
+                  <a:pPr algn="ctr"/>
+                  <a:endParaRPr lang="en-US" sz="1890"/>
+                </a:p>
+              </p:txBody>
+            </p:sp>
+            <p:sp>
+              <p:nvSpPr>
+                <p:cNvPr id="64" name="Oval 63">
+                  <a:extLst>
+                    <a:ext uri="{FF2B5EF4-FFF2-40B4-BE49-F238E27FC236}">
+                      <a16:creationId xmlns:a16="http://schemas.microsoft.com/office/drawing/2014/main" id="{7BA4831B-95DD-C630-EF30-FEBB3DA4C883}"/>
+                    </a:ext>
+                  </a:extLst>
+                </p:cNvPr>
+                <p:cNvSpPr/>
+                <p:nvPr/>
+              </p:nvSpPr>
+              <p:spPr>
+                <a:xfrm rot="20303825">
+                  <a:off x="4638533" y="3331687"/>
+                  <a:ext cx="1264327" cy="606625"/>
+                </a:xfrm>
+                <a:prstGeom prst="ellipse">
+                  <a:avLst/>
+                </a:prstGeom>
+                <a:noFill/>
+                <a:ln w="34925">
+                  <a:solidFill>
+                    <a:schemeClr val="bg1">
+                      <a:lumMod val="75000"/>
+                    </a:schemeClr>
+                  </a:solidFill>
+                </a:ln>
+              </p:spPr>
+              <p:style>
+                <a:lnRef idx="2">
+                  <a:schemeClr val="accent1">
+                    <a:shade val="15000"/>
+                  </a:schemeClr>
+                </a:lnRef>
+                <a:fillRef idx="1">
+                  <a:schemeClr val="accent1"/>
+                </a:fillRef>
+                <a:effectRef idx="0">
+                  <a:schemeClr val="accent1"/>
+                </a:effectRef>
+                <a:fontRef idx="minor">
+                  <a:schemeClr val="lt1"/>
+                </a:fontRef>
+              </p:style>
+              <p:txBody>
+                <a:bodyPr rtlCol="0" anchor="ctr"/>
+                <a:lstStyle/>
+                <a:p>
+                  <a:pPr algn="ctr"/>
+                  <a:endParaRPr lang="en-US" sz="1890"/>
+                </a:p>
+              </p:txBody>
+            </p:sp>
+            <p:sp>
+              <p:nvSpPr>
+                <p:cNvPr id="68" name="Oval 67">
+                  <a:extLst>
+                    <a:ext uri="{FF2B5EF4-FFF2-40B4-BE49-F238E27FC236}">
+                      <a16:creationId xmlns:a16="http://schemas.microsoft.com/office/drawing/2014/main" id="{FE26D807-9A68-F894-F807-D4DE88AD4FC0}"/>
+                    </a:ext>
+                  </a:extLst>
+                </p:cNvPr>
+                <p:cNvSpPr/>
+                <p:nvPr/>
+              </p:nvSpPr>
+              <p:spPr>
+                <a:xfrm rot="20303825">
+                  <a:off x="4699183" y="3401497"/>
+                  <a:ext cx="1139058" cy="466859"/>
+                </a:xfrm>
+                <a:prstGeom prst="ellipse">
+                  <a:avLst/>
+                </a:prstGeom>
+                <a:noFill/>
+                <a:ln w="34925">
+                  <a:solidFill>
+                    <a:schemeClr val="tx1">
+                      <a:lumMod val="50000"/>
+                      <a:lumOff val="50000"/>
+                    </a:schemeClr>
+                  </a:solidFill>
+                </a:ln>
+              </p:spPr>
+              <p:style>
+                <a:lnRef idx="2">
+                  <a:schemeClr val="accent1">
+                    <a:shade val="15000"/>
+                  </a:schemeClr>
+                </a:lnRef>
+                <a:fillRef idx="1">
+                  <a:schemeClr val="accent1"/>
+                </a:fillRef>
+                <a:effectRef idx="0">
+                  <a:schemeClr val="accent1"/>
+                </a:effectRef>
+                <a:fontRef idx="minor">
+                  <a:schemeClr val="lt1"/>
+                </a:fontRef>
+              </p:style>
+              <p:txBody>
+                <a:bodyPr rtlCol="0" anchor="ctr"/>
+                <a:lstStyle/>
+                <a:p>
+                  <a:pPr algn="ctr"/>
+                  <a:endParaRPr lang="en-US" sz="1890"/>
+                </a:p>
+              </p:txBody>
+            </p:sp>
+          </p:grpSp>
+          <p:grpSp>
+            <p:nvGrpSpPr>
+              <p:cNvPr id="142" name="Group 141">
+                <a:extLst>
+                  <a:ext uri="{FF2B5EF4-FFF2-40B4-BE49-F238E27FC236}">
+                    <a16:creationId xmlns:a16="http://schemas.microsoft.com/office/drawing/2014/main" id="{3A008576-BADA-58D0-E0DC-5FFA225BD27D}"/>
+                  </a:ext>
+                </a:extLst>
+              </p:cNvPr>
+              <p:cNvGrpSpPr/>
+              <p:nvPr/>
+            </p:nvGrpSpPr>
+            <p:grpSpPr>
+              <a:xfrm>
+                <a:off x="4221334" y="2601457"/>
+                <a:ext cx="2034003" cy="2034003"/>
+                <a:chOff x="5884586" y="3007810"/>
+                <a:chExt cx="2034003" cy="2034003"/>
+              </a:xfrm>
+            </p:grpSpPr>
+            <p:pic>
+              <p:nvPicPr>
+                <p:cNvPr id="137" name="Picture 136" descr="A screen shot of a graph&#10;&#10;AI-generated content may be incorrect.">
+                  <a:extLst>
+                    <a:ext uri="{FF2B5EF4-FFF2-40B4-BE49-F238E27FC236}">
+                      <a16:creationId xmlns:a16="http://schemas.microsoft.com/office/drawing/2014/main" id="{58F8D6FA-FECC-63A9-B4C2-F05F650A6058}"/>
+                    </a:ext>
+                  </a:extLst>
+                </p:cNvPr>
+                <p:cNvPicPr>
+                  <a:picLocks noChangeAspect="1"/>
+                </p:cNvPicPr>
+                <p:nvPr/>
+              </p:nvPicPr>
+              <p:blipFill>
+                <a:blip r:embed="rId4"/>
+                <a:stretch>
+                  <a:fillRect/>
+                </a:stretch>
+              </p:blipFill>
+              <p:spPr>
+                <a:xfrm>
+                  <a:off x="5884586" y="3007810"/>
+                  <a:ext cx="2034003" cy="2034003"/>
+                </a:xfrm>
+                <a:prstGeom prst="rect">
+                  <a:avLst/>
+                </a:prstGeom>
+              </p:spPr>
+            </p:pic>
+            <p:sp>
+              <p:nvSpPr>
+                <p:cNvPr id="138" name="Rectangle 137">
+                  <a:extLst>
+                    <a:ext uri="{FF2B5EF4-FFF2-40B4-BE49-F238E27FC236}">
+                      <a16:creationId xmlns:a16="http://schemas.microsoft.com/office/drawing/2014/main" id="{FFB33957-C7D5-2272-4F29-57CB3E60E8D5}"/>
+                    </a:ext>
+                  </a:extLst>
+                </p:cNvPr>
+                <p:cNvSpPr/>
+                <p:nvPr/>
+              </p:nvSpPr>
+              <p:spPr>
+                <a:xfrm>
+                  <a:off x="6295300" y="3281063"/>
+                  <a:ext cx="1430509" cy="1350132"/>
+                </a:xfrm>
+                <a:prstGeom prst="rect">
+                  <a:avLst/>
+                </a:prstGeom>
+                <a:solidFill>
+                  <a:schemeClr val="bg1"/>
+                </a:solidFill>
+                <a:ln>
+                  <a:solidFill>
+                    <a:schemeClr val="bg1"/>
+                  </a:solidFill>
+                </a:ln>
+              </p:spPr>
+              <p:style>
+                <a:lnRef idx="2">
+                  <a:schemeClr val="accent1">
+                    <a:shade val="15000"/>
+                  </a:schemeClr>
+                </a:lnRef>
+                <a:fillRef idx="1">
+                  <a:schemeClr val="accent1"/>
+                </a:fillRef>
+                <a:effectRef idx="0">
+                  <a:schemeClr val="accent1"/>
+                </a:effectRef>
+                <a:fontRef idx="minor">
+                  <a:schemeClr val="lt1"/>
+                </a:fontRef>
+              </p:style>
+              <p:txBody>
+                <a:bodyPr rtlCol="0" anchor="ctr"/>
+                <a:lstStyle/>
+                <a:p>
+                  <a:pPr algn="ctr"/>
+                  <a:endParaRPr lang="en-US" sz="1890"/>
+                </a:p>
+              </p:txBody>
+            </p:sp>
+            <p:sp>
+              <p:nvSpPr>
+                <p:cNvPr id="139" name="Oval 138">
+                  <a:extLst>
+                    <a:ext uri="{FF2B5EF4-FFF2-40B4-BE49-F238E27FC236}">
+                      <a16:creationId xmlns:a16="http://schemas.microsoft.com/office/drawing/2014/main" id="{2293D57C-EC8B-5FBD-4115-099B2922BF81}"/>
+                    </a:ext>
+                  </a:extLst>
+                </p:cNvPr>
+                <p:cNvSpPr/>
+                <p:nvPr/>
+              </p:nvSpPr>
+              <p:spPr>
+                <a:xfrm rot="18552479">
+                  <a:off x="6386256" y="3835113"/>
+                  <a:ext cx="960186" cy="335122"/>
+                </a:xfrm>
+                <a:prstGeom prst="ellipse">
+                  <a:avLst/>
+                </a:prstGeom>
+                <a:noFill/>
+                <a:ln w="34925">
+                  <a:solidFill>
+                    <a:schemeClr val="tx1"/>
+                  </a:solidFill>
+                </a:ln>
+              </p:spPr>
+              <p:style>
+                <a:lnRef idx="2">
+                  <a:schemeClr val="accent1">
+                    <a:shade val="15000"/>
+                  </a:schemeClr>
+                </a:lnRef>
+                <a:fillRef idx="1">
+                  <a:schemeClr val="accent1"/>
+                </a:fillRef>
+                <a:effectRef idx="0">
+                  <a:schemeClr val="accent1"/>
+                </a:effectRef>
+                <a:fontRef idx="minor">
+                  <a:schemeClr val="lt1"/>
+                </a:fontRef>
+              </p:style>
+              <p:txBody>
+                <a:bodyPr rtlCol="0" anchor="ctr"/>
+                <a:lstStyle/>
+                <a:p>
+                  <a:pPr algn="ctr"/>
+                  <a:endParaRPr lang="en-US" sz="1890"/>
+                </a:p>
+              </p:txBody>
+            </p:sp>
+            <p:sp>
+              <p:nvSpPr>
+                <p:cNvPr id="140" name="Oval 139">
+                  <a:extLst>
+                    <a:ext uri="{FF2B5EF4-FFF2-40B4-BE49-F238E27FC236}">
+                      <a16:creationId xmlns:a16="http://schemas.microsoft.com/office/drawing/2014/main" id="{4D13E371-1A41-9EFE-6480-A5F8E8AB352E}"/>
+                    </a:ext>
+                  </a:extLst>
+                </p:cNvPr>
+                <p:cNvSpPr/>
+                <p:nvPr/>
+              </p:nvSpPr>
+              <p:spPr>
+                <a:xfrm rot="18552479">
+                  <a:off x="6238732" y="3693636"/>
+                  <a:ext cx="1264327" cy="606625"/>
+                </a:xfrm>
+                <a:prstGeom prst="ellipse">
+                  <a:avLst/>
+                </a:prstGeom>
+                <a:noFill/>
+                <a:ln w="34925">
+                  <a:solidFill>
+                    <a:schemeClr val="bg1">
+                      <a:lumMod val="75000"/>
+                    </a:schemeClr>
+                  </a:solidFill>
+                </a:ln>
+              </p:spPr>
+              <p:style>
+                <a:lnRef idx="2">
+                  <a:schemeClr val="accent1">
+                    <a:shade val="15000"/>
+                  </a:schemeClr>
+                </a:lnRef>
+                <a:fillRef idx="1">
+                  <a:schemeClr val="accent1"/>
+                </a:fillRef>
+                <a:effectRef idx="0">
+                  <a:schemeClr val="accent1"/>
+                </a:effectRef>
+                <a:fontRef idx="minor">
+                  <a:schemeClr val="lt1"/>
+                </a:fontRef>
+              </p:style>
+              <p:txBody>
+                <a:bodyPr rtlCol="0" anchor="ctr"/>
+                <a:lstStyle/>
+                <a:p>
+                  <a:pPr algn="ctr"/>
+                  <a:endParaRPr lang="en-US" sz="1890"/>
+                </a:p>
+              </p:txBody>
+            </p:sp>
+            <p:sp>
+              <p:nvSpPr>
+                <p:cNvPr id="141" name="Oval 140">
+                  <a:extLst>
+                    <a:ext uri="{FF2B5EF4-FFF2-40B4-BE49-F238E27FC236}">
+                      <a16:creationId xmlns:a16="http://schemas.microsoft.com/office/drawing/2014/main" id="{84827807-33C5-4A50-46EC-767F2558440A}"/>
+                    </a:ext>
+                  </a:extLst>
+                </p:cNvPr>
+                <p:cNvSpPr/>
+                <p:nvPr/>
+              </p:nvSpPr>
+              <p:spPr>
+                <a:xfrm rot="18552479">
+                  <a:off x="6299382" y="3763446"/>
+                  <a:ext cx="1139058" cy="466859"/>
+                </a:xfrm>
+                <a:prstGeom prst="ellipse">
+                  <a:avLst/>
+                </a:prstGeom>
+                <a:noFill/>
+                <a:ln w="34925">
+                  <a:solidFill>
+                    <a:schemeClr val="tx1">
+                      <a:lumMod val="50000"/>
+                      <a:lumOff val="50000"/>
+                    </a:schemeClr>
+                  </a:solidFill>
+                </a:ln>
+              </p:spPr>
+              <p:style>
+                <a:lnRef idx="2">
+                  <a:schemeClr val="accent1">
+                    <a:shade val="15000"/>
+                  </a:schemeClr>
+                </a:lnRef>
+                <a:fillRef idx="1">
+                  <a:schemeClr val="accent1"/>
+                </a:fillRef>
+                <a:effectRef idx="0">
+                  <a:schemeClr val="accent1"/>
+                </a:effectRef>
+                <a:fontRef idx="minor">
+                  <a:schemeClr val="lt1"/>
+                </a:fontRef>
+              </p:style>
+              <p:txBody>
+                <a:bodyPr rtlCol="0" anchor="ctr"/>
+                <a:lstStyle/>
+                <a:p>
+                  <a:pPr algn="ctr"/>
+                  <a:endParaRPr lang="en-US" sz="1890"/>
+                </a:p>
+              </p:txBody>
+            </p:sp>
+          </p:grpSp>
+        </p:grpSp>
+        <p:cxnSp>
+          <p:nvCxnSpPr>
+            <p:cNvPr id="171" name="Straight Arrow Connector 170">
+              <a:extLst>
+                <a:ext uri="{FF2B5EF4-FFF2-40B4-BE49-F238E27FC236}">
+                  <a16:creationId xmlns:a16="http://schemas.microsoft.com/office/drawing/2014/main" id="{9847A009-9C96-3B25-89B1-5015E0DAEF60}"/>
+                </a:ext>
+              </a:extLst>
+            </p:cNvPr>
+            <p:cNvCxnSpPr>
+              <a:cxnSpLocks/>
+            </p:cNvCxnSpPr>
+            <p:nvPr/>
+          </p:nvCxnSpPr>
+          <p:spPr>
+            <a:xfrm>
+              <a:off x="6501820" y="1908734"/>
+              <a:ext cx="226711" cy="211596"/>
+            </a:xfrm>
+            <a:prstGeom prst="straightConnector1">
+              <a:avLst/>
+            </a:prstGeom>
+            <a:ln w="47625">
+              <a:solidFill>
+                <a:schemeClr val="bg1">
+                  <a:lumMod val="50000"/>
+                </a:schemeClr>
+              </a:solidFill>
+              <a:tailEnd type="triangle"/>
+            </a:ln>
+          </p:spPr>
+          <p:style>
+            <a:lnRef idx="2">
+              <a:schemeClr val="accent1"/>
+            </a:lnRef>
+            <a:fillRef idx="0">
+              <a:schemeClr val="accent1"/>
+            </a:fillRef>
+            <a:effectRef idx="1">
+              <a:schemeClr val="accent1"/>
+            </a:effectRef>
+            <a:fontRef idx="minor">
+              <a:schemeClr val="tx1"/>
+            </a:fontRef>
+          </p:style>
+        </p:cxnSp>
+        <p:cxnSp>
+          <p:nvCxnSpPr>
+            <p:cNvPr id="172" name="Straight Arrow Connector 171">
+              <a:extLst>
+                <a:ext uri="{FF2B5EF4-FFF2-40B4-BE49-F238E27FC236}">
+                  <a16:creationId xmlns:a16="http://schemas.microsoft.com/office/drawing/2014/main" id="{252B7414-7C08-E9B7-188C-3BF22D881A8D}"/>
+                </a:ext>
+              </a:extLst>
+            </p:cNvPr>
+            <p:cNvCxnSpPr/>
+            <p:nvPr/>
+          </p:nvCxnSpPr>
+          <p:spPr>
+            <a:xfrm flipH="1">
+              <a:off x="5478914" y="1908475"/>
+              <a:ext cx="226711" cy="211596"/>
+            </a:xfrm>
+            <a:prstGeom prst="straightConnector1">
+              <a:avLst/>
+            </a:prstGeom>
+            <a:ln w="47625">
+              <a:solidFill>
+                <a:schemeClr val="bg1">
+                  <a:lumMod val="50000"/>
+                </a:schemeClr>
+              </a:solidFill>
+              <a:tailEnd type="triangle"/>
+            </a:ln>
+          </p:spPr>
+          <p:style>
+            <a:lnRef idx="2">
+              <a:schemeClr val="accent1"/>
+            </a:lnRef>
+            <a:fillRef idx="0">
+              <a:schemeClr val="accent1"/>
+            </a:fillRef>
+            <a:effectRef idx="1">
+              <a:schemeClr val="accent1"/>
+            </a:effectRef>
+            <a:fontRef idx="minor">
+              <a:schemeClr val="tx1"/>
+            </a:fontRef>
+          </p:style>
+        </p:cxnSp>
+        <p:cxnSp>
+          <p:nvCxnSpPr>
+            <p:cNvPr id="178" name="Straight Arrow Connector 177">
+              <a:extLst>
+                <a:ext uri="{FF2B5EF4-FFF2-40B4-BE49-F238E27FC236}">
+                  <a16:creationId xmlns:a16="http://schemas.microsoft.com/office/drawing/2014/main" id="{EDA566E4-E547-A1DF-F439-5D57E93E07F3}"/>
+                </a:ext>
+              </a:extLst>
+            </p:cNvPr>
+            <p:cNvCxnSpPr>
+              <a:cxnSpLocks/>
+            </p:cNvCxnSpPr>
+            <p:nvPr/>
+          </p:nvCxnSpPr>
+          <p:spPr>
+            <a:xfrm>
+              <a:off x="5217334" y="2708457"/>
+              <a:ext cx="8584" cy="307567"/>
+            </a:xfrm>
+            <a:prstGeom prst="straightConnector1">
+              <a:avLst/>
+            </a:prstGeom>
+            <a:ln w="47625">
+              <a:solidFill>
+                <a:schemeClr val="bg1">
+                  <a:lumMod val="50000"/>
+                </a:schemeClr>
+              </a:solidFill>
+              <a:tailEnd type="triangle"/>
+            </a:ln>
+          </p:spPr>
+          <p:style>
+            <a:lnRef idx="2">
+              <a:schemeClr val="accent1"/>
+            </a:lnRef>
+            <a:fillRef idx="0">
+              <a:schemeClr val="accent1"/>
+            </a:fillRef>
+            <a:effectRef idx="1">
+              <a:schemeClr val="accent1"/>
+            </a:effectRef>
+            <a:fontRef idx="minor">
+              <a:schemeClr val="tx1"/>
+            </a:fontRef>
+          </p:style>
+        </p:cxnSp>
+        <p:cxnSp>
+          <p:nvCxnSpPr>
+            <p:cNvPr id="181" name="Straight Arrow Connector 180">
+              <a:extLst>
+                <a:ext uri="{FF2B5EF4-FFF2-40B4-BE49-F238E27FC236}">
+                  <a16:creationId xmlns:a16="http://schemas.microsoft.com/office/drawing/2014/main" id="{19C0C6A8-2348-465B-AAD4-971B229D26B3}"/>
+                </a:ext>
+              </a:extLst>
+            </p:cNvPr>
+            <p:cNvCxnSpPr>
+              <a:cxnSpLocks/>
+            </p:cNvCxnSpPr>
+            <p:nvPr/>
+          </p:nvCxnSpPr>
+          <p:spPr>
+            <a:xfrm>
+              <a:off x="7025064" y="2708457"/>
+              <a:ext cx="8584" cy="307567"/>
+            </a:xfrm>
+            <a:prstGeom prst="straightConnector1">
+              <a:avLst/>
+            </a:prstGeom>
+            <a:ln w="47625">
+              <a:solidFill>
+                <a:schemeClr val="bg1">
+                  <a:lumMod val="50000"/>
+                </a:schemeClr>
+              </a:solidFill>
+              <a:tailEnd type="triangle"/>
+            </a:ln>
+          </p:spPr>
+          <p:style>
+            <a:lnRef idx="2">
+              <a:schemeClr val="accent1"/>
+            </a:lnRef>
+            <a:fillRef idx="0">
+              <a:schemeClr val="accent1"/>
+            </a:fillRef>
+            <a:effectRef idx="1">
+              <a:schemeClr val="accent1"/>
+            </a:effectRef>
+            <a:fontRef idx="minor">
+              <a:schemeClr val="tx1"/>
+            </a:fontRef>
+          </p:style>
+        </p:cxnSp>
+      </p:grpSp>
+      <p:grpSp>
+        <p:nvGrpSpPr>
+          <p:cNvPr id="199" name="Group 198">
             <a:extLst>
               <a:ext uri="{FF2B5EF4-FFF2-40B4-BE49-F238E27FC236}">
-                <a16:creationId xmlns:a16="http://schemas.microsoft.com/office/drawing/2014/main" id="{DD6AAAD2-9A51-A203-8D3E-39A30D638981}"/>
+                <a16:creationId xmlns:a16="http://schemas.microsoft.com/office/drawing/2014/main" id="{638CAE59-3ACA-31DE-F1ED-D412BA9E80F5}"/>
               </a:ext>
             </a:extLst>
           </p:cNvPr>
-          <p:cNvSpPr txBox="1"/>
+          <p:cNvGrpSpPr/>
           <p:nvPr/>
-        </p:nvSpPr>
-        <p:spPr>
+        </p:nvGrpSpPr>
+        <p:grpSpPr>
           <a:xfrm>
-            <a:off x="8915400" y="457199"/>
-            <a:ext cx="3115734" cy="1200329"/>
+            <a:off x="189254" y="4740534"/>
+            <a:ext cx="11441179" cy="738664"/>
+            <a:chOff x="-226625" y="4784214"/>
+            <a:chExt cx="10896361" cy="703490"/>
           </a:xfrm>
-          <a:prstGeom prst="rect">
-            <a:avLst/>
-          </a:prstGeom>
-          <a:noFill/>
-        </p:spPr>
-        <p:txBody>
-          <a:bodyPr wrap="square" rtlCol="0">
-            <a:spAutoFit/>
-          </a:bodyPr>
-          <a:lstStyle/>
-          <a:p>
-            <a:r>
-              <a:rPr lang="en-US" sz="2400" dirty="0">
-                <a:latin typeface="Arial" panose="020B0604020202020204" pitchFamily="34" charset="0"/>
-                <a:cs typeface="Arial" panose="020B0604020202020204" pitchFamily="34" charset="0"/>
-              </a:rPr>
-              <a:t>Biological or Cognitive Functioning</a:t>
-            </a:r>
-          </a:p>
-        </p:txBody>
-      </p:sp>
+        </p:grpSpPr>
+        <p:sp>
+          <p:nvSpPr>
+            <p:cNvPr id="184" name="TextBox 183">
+              <a:extLst>
+                <a:ext uri="{FF2B5EF4-FFF2-40B4-BE49-F238E27FC236}">
+                  <a16:creationId xmlns:a16="http://schemas.microsoft.com/office/drawing/2014/main" id="{0F69969E-C89D-FC3B-3D75-9F48D5BF9959}"/>
+                </a:ext>
+              </a:extLst>
+            </p:cNvPr>
+            <p:cNvSpPr txBox="1"/>
+            <p:nvPr/>
+          </p:nvSpPr>
+          <p:spPr>
+            <a:xfrm>
+              <a:off x="-226625" y="4784214"/>
+              <a:ext cx="1684141" cy="703490"/>
+            </a:xfrm>
+            <a:prstGeom prst="rect">
+              <a:avLst/>
+            </a:prstGeom>
+            <a:noFill/>
+          </p:spPr>
+          <p:txBody>
+            <a:bodyPr wrap="square" rtlCol="0">
+              <a:spAutoFit/>
+            </a:bodyPr>
+            <a:lstStyle/>
+            <a:p>
+              <a:r>
+                <a:rPr lang="en-US" sz="2100" dirty="0">
+                  <a:latin typeface="Arial" panose="020B0604020202020204" pitchFamily="34" charset="0"/>
+                  <a:cs typeface="Arial" panose="020B0604020202020204" pitchFamily="34" charset="0"/>
+                </a:rPr>
+                <a:t>Spatial Information?</a:t>
+              </a:r>
+            </a:p>
+          </p:txBody>
+        </p:sp>
+        <p:sp>
+          <p:nvSpPr>
+            <p:cNvPr id="194" name="TextBox 193">
+              <a:extLst>
+                <a:ext uri="{FF2B5EF4-FFF2-40B4-BE49-F238E27FC236}">
+                  <a16:creationId xmlns:a16="http://schemas.microsoft.com/office/drawing/2014/main" id="{D7510943-98D5-B205-C2A0-C0A0077566F8}"/>
+                </a:ext>
+              </a:extLst>
+            </p:cNvPr>
+            <p:cNvSpPr txBox="1"/>
+            <p:nvPr/>
+          </p:nvSpPr>
+          <p:spPr>
+            <a:xfrm>
+              <a:off x="2251259" y="4943868"/>
+              <a:ext cx="850223" cy="395713"/>
+            </a:xfrm>
+            <a:prstGeom prst="rect">
+              <a:avLst/>
+            </a:prstGeom>
+            <a:noFill/>
+          </p:spPr>
+          <p:txBody>
+            <a:bodyPr wrap="square" rtlCol="0">
+              <a:spAutoFit/>
+            </a:bodyPr>
+            <a:lstStyle/>
+            <a:p>
+              <a:pPr algn="ctr"/>
+              <a:r>
+                <a:rPr lang="en-US" sz="2100" b="1" dirty="0">
+                  <a:latin typeface="Arial" panose="020B0604020202020204" pitchFamily="34" charset="0"/>
+                  <a:cs typeface="Arial" panose="020B0604020202020204" pitchFamily="34" charset="0"/>
+                </a:rPr>
+                <a:t>NO</a:t>
+              </a:r>
+            </a:p>
+          </p:txBody>
+        </p:sp>
+        <p:sp>
+          <p:nvSpPr>
+            <p:cNvPr id="196" name="TextBox 195">
+              <a:extLst>
+                <a:ext uri="{FF2B5EF4-FFF2-40B4-BE49-F238E27FC236}">
+                  <a16:creationId xmlns:a16="http://schemas.microsoft.com/office/drawing/2014/main" id="{94B2DCD7-D35D-F5A8-570B-21B4E35EAD37}"/>
+                </a:ext>
+              </a:extLst>
+            </p:cNvPr>
+            <p:cNvSpPr txBox="1"/>
+            <p:nvPr/>
+          </p:nvSpPr>
+          <p:spPr>
+            <a:xfrm>
+              <a:off x="6022613" y="4943868"/>
+              <a:ext cx="850223" cy="395713"/>
+            </a:xfrm>
+            <a:prstGeom prst="rect">
+              <a:avLst/>
+            </a:prstGeom>
+            <a:noFill/>
+          </p:spPr>
+          <p:txBody>
+            <a:bodyPr wrap="square" rtlCol="0">
+              <a:spAutoFit/>
+            </a:bodyPr>
+            <a:lstStyle/>
+            <a:p>
+              <a:pPr algn="ctr"/>
+              <a:r>
+                <a:rPr lang="en-US" sz="2100" b="1" dirty="0">
+                  <a:latin typeface="Arial" panose="020B0604020202020204" pitchFamily="34" charset="0"/>
+                  <a:cs typeface="Arial" panose="020B0604020202020204" pitchFamily="34" charset="0"/>
+                </a:rPr>
+                <a:t>YES</a:t>
+              </a:r>
+            </a:p>
+          </p:txBody>
+        </p:sp>
+        <p:sp>
+          <p:nvSpPr>
+            <p:cNvPr id="197" name="TextBox 196">
+              <a:extLst>
+                <a:ext uri="{FF2B5EF4-FFF2-40B4-BE49-F238E27FC236}">
+                  <a16:creationId xmlns:a16="http://schemas.microsoft.com/office/drawing/2014/main" id="{6D7CD4F6-C114-0C27-861E-85CD05973F0C}"/>
+                </a:ext>
+              </a:extLst>
+            </p:cNvPr>
+            <p:cNvSpPr txBox="1"/>
+            <p:nvPr/>
+          </p:nvSpPr>
+          <p:spPr>
+            <a:xfrm>
+              <a:off x="9819513" y="4938103"/>
+              <a:ext cx="850223" cy="395713"/>
+            </a:xfrm>
+            <a:prstGeom prst="rect">
+              <a:avLst/>
+            </a:prstGeom>
+            <a:noFill/>
+          </p:spPr>
+          <p:txBody>
+            <a:bodyPr wrap="square" rtlCol="0">
+              <a:spAutoFit/>
+            </a:bodyPr>
+            <a:lstStyle/>
+            <a:p>
+              <a:pPr algn="ctr"/>
+              <a:r>
+                <a:rPr lang="en-US" sz="2100" b="1" dirty="0">
+                  <a:latin typeface="Arial" panose="020B0604020202020204" pitchFamily="34" charset="0"/>
+                  <a:cs typeface="Arial" panose="020B0604020202020204" pitchFamily="34" charset="0"/>
+                </a:rPr>
+                <a:t>YES</a:t>
+              </a:r>
+            </a:p>
+          </p:txBody>
+        </p:sp>
+      </p:grpSp>
+      <p:grpSp>
+        <p:nvGrpSpPr>
+          <p:cNvPr id="200" name="Group 199">
+            <a:extLst>
+              <a:ext uri="{FF2B5EF4-FFF2-40B4-BE49-F238E27FC236}">
+                <a16:creationId xmlns:a16="http://schemas.microsoft.com/office/drawing/2014/main" id="{62FF7366-DFD8-D478-5CEC-9F314A591E3D}"/>
+              </a:ext>
+            </a:extLst>
+          </p:cNvPr>
+          <p:cNvGrpSpPr/>
+          <p:nvPr/>
+        </p:nvGrpSpPr>
+        <p:grpSpPr>
+          <a:xfrm>
+            <a:off x="188408" y="5519564"/>
+            <a:ext cx="11442025" cy="738664"/>
+            <a:chOff x="-227431" y="5664731"/>
+            <a:chExt cx="10897167" cy="703490"/>
+          </a:xfrm>
+        </p:grpSpPr>
+        <p:sp>
+          <p:nvSpPr>
+            <p:cNvPr id="185" name="TextBox 184">
+              <a:extLst>
+                <a:ext uri="{FF2B5EF4-FFF2-40B4-BE49-F238E27FC236}">
+                  <a16:creationId xmlns:a16="http://schemas.microsoft.com/office/drawing/2014/main" id="{292B5B58-2FC4-A32B-E7BB-38300C5BBC38}"/>
+                </a:ext>
+              </a:extLst>
+            </p:cNvPr>
+            <p:cNvSpPr txBox="1"/>
+            <p:nvPr/>
+          </p:nvSpPr>
+          <p:spPr>
+            <a:xfrm>
+              <a:off x="-227431" y="5664731"/>
+              <a:ext cx="2023474" cy="703490"/>
+            </a:xfrm>
+            <a:prstGeom prst="rect">
+              <a:avLst/>
+            </a:prstGeom>
+            <a:noFill/>
+          </p:spPr>
+          <p:txBody>
+            <a:bodyPr wrap="square" rtlCol="0">
+              <a:spAutoFit/>
+            </a:bodyPr>
+            <a:lstStyle/>
+            <a:p>
+              <a:r>
+                <a:rPr lang="en-US" sz="2100" dirty="0">
+                  <a:latin typeface="Arial" panose="020B0604020202020204" pitchFamily="34" charset="0"/>
+                  <a:cs typeface="Arial" panose="020B0604020202020204" pitchFamily="34" charset="0"/>
+                </a:rPr>
+                <a:t>Between-Group Comparison?</a:t>
+              </a:r>
+            </a:p>
+          </p:txBody>
+        </p:sp>
+        <p:sp>
+          <p:nvSpPr>
+            <p:cNvPr id="192" name="TextBox 191">
+              <a:extLst>
+                <a:ext uri="{FF2B5EF4-FFF2-40B4-BE49-F238E27FC236}">
+                  <a16:creationId xmlns:a16="http://schemas.microsoft.com/office/drawing/2014/main" id="{DD1375E4-34B2-EE72-C956-1670D95DFA51}"/>
+                </a:ext>
+              </a:extLst>
+            </p:cNvPr>
+            <p:cNvSpPr txBox="1"/>
+            <p:nvPr/>
+          </p:nvSpPr>
+          <p:spPr>
+            <a:xfrm>
+              <a:off x="2251259" y="5818620"/>
+              <a:ext cx="850223" cy="395713"/>
+            </a:xfrm>
+            <a:prstGeom prst="rect">
+              <a:avLst/>
+            </a:prstGeom>
+            <a:noFill/>
+          </p:spPr>
+          <p:txBody>
+            <a:bodyPr wrap="square" rtlCol="0">
+              <a:spAutoFit/>
+            </a:bodyPr>
+            <a:lstStyle/>
+            <a:p>
+              <a:pPr algn="ctr"/>
+              <a:r>
+                <a:rPr lang="en-US" sz="2100" b="1" dirty="0">
+                  <a:latin typeface="Arial" panose="020B0604020202020204" pitchFamily="34" charset="0"/>
+                  <a:cs typeface="Arial" panose="020B0604020202020204" pitchFamily="34" charset="0"/>
+                </a:rPr>
+                <a:t>YES</a:t>
+              </a:r>
+            </a:p>
+          </p:txBody>
+        </p:sp>
+        <p:sp>
+          <p:nvSpPr>
+            <p:cNvPr id="195" name="TextBox 194">
+              <a:extLst>
+                <a:ext uri="{FF2B5EF4-FFF2-40B4-BE49-F238E27FC236}">
+                  <a16:creationId xmlns:a16="http://schemas.microsoft.com/office/drawing/2014/main" id="{4C04DCD4-F294-DBBF-DE89-FACEC363BA5E}"/>
+                </a:ext>
+              </a:extLst>
+            </p:cNvPr>
+            <p:cNvSpPr txBox="1"/>
+            <p:nvPr/>
+          </p:nvSpPr>
+          <p:spPr>
+            <a:xfrm>
+              <a:off x="9819513" y="5818620"/>
+              <a:ext cx="850223" cy="395713"/>
+            </a:xfrm>
+            <a:prstGeom prst="rect">
+              <a:avLst/>
+            </a:prstGeom>
+            <a:noFill/>
+          </p:spPr>
+          <p:txBody>
+            <a:bodyPr wrap="square" rtlCol="0">
+              <a:spAutoFit/>
+            </a:bodyPr>
+            <a:lstStyle/>
+            <a:p>
+              <a:pPr algn="ctr"/>
+              <a:r>
+                <a:rPr lang="en-US" sz="2100" b="1" dirty="0">
+                  <a:latin typeface="Arial" panose="020B0604020202020204" pitchFamily="34" charset="0"/>
+                  <a:cs typeface="Arial" panose="020B0604020202020204" pitchFamily="34" charset="0"/>
+                </a:rPr>
+                <a:t>YES</a:t>
+              </a:r>
+            </a:p>
+          </p:txBody>
+        </p:sp>
+        <p:sp>
+          <p:nvSpPr>
+            <p:cNvPr id="198" name="TextBox 197">
+              <a:extLst>
+                <a:ext uri="{FF2B5EF4-FFF2-40B4-BE49-F238E27FC236}">
+                  <a16:creationId xmlns:a16="http://schemas.microsoft.com/office/drawing/2014/main" id="{3B8BAC3B-89DB-69AD-8EEE-304EBF3113D4}"/>
+                </a:ext>
+              </a:extLst>
+            </p:cNvPr>
+            <p:cNvSpPr txBox="1"/>
+            <p:nvPr/>
+          </p:nvSpPr>
+          <p:spPr>
+            <a:xfrm>
+              <a:off x="6035386" y="5818620"/>
+              <a:ext cx="850223" cy="395713"/>
+            </a:xfrm>
+            <a:prstGeom prst="rect">
+              <a:avLst/>
+            </a:prstGeom>
+            <a:noFill/>
+          </p:spPr>
+          <p:txBody>
+            <a:bodyPr wrap="square" rtlCol="0">
+              <a:spAutoFit/>
+            </a:bodyPr>
+            <a:lstStyle/>
+            <a:p>
+              <a:pPr algn="ctr"/>
+              <a:r>
+                <a:rPr lang="en-US" sz="2100" b="1" dirty="0">
+                  <a:latin typeface="Arial" panose="020B0604020202020204" pitchFamily="34" charset="0"/>
+                  <a:cs typeface="Arial" panose="020B0604020202020204" pitchFamily="34" charset="0"/>
+                </a:rPr>
+                <a:t>NO</a:t>
+              </a:r>
+            </a:p>
+          </p:txBody>
+        </p:sp>
+      </p:grpSp>
     </p:spTree>
     <p:extLst>
       <p:ext uri="{BB962C8B-B14F-4D97-AF65-F5344CB8AC3E}">
@@ -5742,7 +7941,7 @@
 <file path=ppt/theme/theme1.xml><?xml version="1.0" encoding="utf-8"?>
 <a:theme xmlns:a="http://schemas.openxmlformats.org/drawingml/2006/main" name="Office Theme">
   <a:themeElements>
-    <a:clrScheme name="Office">
+    <a:clrScheme name="Office Theme">
       <a:dk1>
         <a:sysClr val="windowText" lastClr="000000"/>
       </a:dk1>
@@ -5780,7 +7979,7 @@
         <a:srgbClr val="96607D"/>
       </a:folHlink>
     </a:clrScheme>
-    <a:fontScheme name="Office">
+    <a:fontScheme name="Office Theme">
       <a:majorFont>
         <a:latin typeface="Aptos Display" panose="02110004020202020204"/>
         <a:ea typeface=""/>
@@ -5886,7 +8085,7 @@
         <a:font script="Tfng" typeface="Ebrima"/>
       </a:minorFont>
     </a:fontScheme>
-    <a:fmtScheme name="Office">
+    <a:fmtScheme name="Office Theme">
       <a:fillStyleLst>
         <a:solidFill>
           <a:schemeClr val="phClr"/>

--- a/figs/fig_FSE.pptx
+++ b/figs/fig_FSE.pptx
@@ -126,6 +126,7 @@
 <file path=ppt/revisionInfo.xml><?xml version="1.0" encoding="utf-8"?>
 <p1510:revInfo xmlns:a="http://schemas.openxmlformats.org/drawingml/2006/main" xmlns:r="http://schemas.openxmlformats.org/officeDocument/2006/relationships" xmlns:p1510="http://schemas.microsoft.com/office/powerpoint/2015/10/main">
   <p1510:revLst>
+    <p1510:client id="{6F0EF6E8-3B32-EE45-9FCF-294DF6CDB004}" v="5" dt="2025-05-21T11:57:28.001"/>
     <p1510:client id="{F19F6765-F9C2-2F4B-B759-1DC0051C5417}" v="134" dt="2025-05-20T17:15:26.142"/>
   </p1510:revLst>
 </p1510:revInfo>
@@ -2014,6 +2015,158 @@
           </pc:spChg>
         </pc:sldLayoutChg>
       </pc:sldMasterChg>
+    </pc:docChg>
+  </pc:docChgLst>
+  <pc:docChgLst>
+    <pc:chgData name="Barkasi, Michael" userId="604489e9-c8b5-4a18-ae0d-3a3e29c44efc" providerId="ADAL" clId="{6F0EF6E8-3B32-EE45-9FCF-294DF6CDB004}"/>
+    <pc:docChg chg="undo custSel modSld">
+      <pc:chgData name="Barkasi, Michael" userId="604489e9-c8b5-4a18-ae0d-3a3e29c44efc" providerId="ADAL" clId="{6F0EF6E8-3B32-EE45-9FCF-294DF6CDB004}" dt="2025-05-21T11:57:28.001" v="18" actId="164"/>
+      <pc:docMkLst>
+        <pc:docMk/>
+      </pc:docMkLst>
+      <pc:sldChg chg="addSp delSp modSp mod">
+        <pc:chgData name="Barkasi, Michael" userId="604489e9-c8b5-4a18-ae0d-3a3e29c44efc" providerId="ADAL" clId="{6F0EF6E8-3B32-EE45-9FCF-294DF6CDB004}" dt="2025-05-21T11:57:28.001" v="18" actId="164"/>
+        <pc:sldMkLst>
+          <pc:docMk/>
+          <pc:sldMk cId="1160241537" sldId="256"/>
+        </pc:sldMkLst>
+        <pc:spChg chg="mod">
+          <ac:chgData name="Barkasi, Michael" userId="604489e9-c8b5-4a18-ae0d-3a3e29c44efc" providerId="ADAL" clId="{6F0EF6E8-3B32-EE45-9FCF-294DF6CDB004}" dt="2025-05-21T11:50:10.265" v="1" actId="165"/>
+          <ac:spMkLst>
+            <pc:docMk/>
+            <pc:sldMk cId="1160241537" sldId="256"/>
+            <ac:spMk id="32" creationId="{A3075410-58E7-5FAB-0677-F603233F606C}"/>
+          </ac:spMkLst>
+        </pc:spChg>
+        <pc:spChg chg="mod">
+          <ac:chgData name="Barkasi, Michael" userId="604489e9-c8b5-4a18-ae0d-3a3e29c44efc" providerId="ADAL" clId="{6F0EF6E8-3B32-EE45-9FCF-294DF6CDB004}" dt="2025-05-21T11:50:10.265" v="1" actId="165"/>
+          <ac:spMkLst>
+            <pc:docMk/>
+            <pc:sldMk cId="1160241537" sldId="256"/>
+            <ac:spMk id="35" creationId="{E3CFEEBD-B3A3-4DD4-A67D-99C9207168B2}"/>
+          </ac:spMkLst>
+        </pc:spChg>
+        <pc:spChg chg="mod">
+          <ac:chgData name="Barkasi, Michael" userId="604489e9-c8b5-4a18-ae0d-3a3e29c44efc" providerId="ADAL" clId="{6F0EF6E8-3B32-EE45-9FCF-294DF6CDB004}" dt="2025-05-21T11:50:10.265" v="1" actId="165"/>
+          <ac:spMkLst>
+            <pc:docMk/>
+            <pc:sldMk cId="1160241537" sldId="256"/>
+            <ac:spMk id="36" creationId="{6FDA9154-6D2F-4A4A-9556-6290A63FE165}"/>
+          </ac:spMkLst>
+        </pc:spChg>
+        <pc:spChg chg="mod topLvl">
+          <ac:chgData name="Barkasi, Michael" userId="604489e9-c8b5-4a18-ae0d-3a3e29c44efc" providerId="ADAL" clId="{6F0EF6E8-3B32-EE45-9FCF-294DF6CDB004}" dt="2025-05-21T11:57:28.001" v="18" actId="164"/>
+          <ac:spMkLst>
+            <pc:docMk/>
+            <pc:sldMk cId="1160241537" sldId="256"/>
+            <ac:spMk id="40" creationId="{7B5F8C9B-DE1D-A2B4-48E4-F738B68D11F2}"/>
+          </ac:spMkLst>
+        </pc:spChg>
+        <pc:spChg chg="mod topLvl">
+          <ac:chgData name="Barkasi, Michael" userId="604489e9-c8b5-4a18-ae0d-3a3e29c44efc" providerId="ADAL" clId="{6F0EF6E8-3B32-EE45-9FCF-294DF6CDB004}" dt="2025-05-21T11:57:28.001" v="18" actId="164"/>
+          <ac:spMkLst>
+            <pc:docMk/>
+            <pc:sldMk cId="1160241537" sldId="256"/>
+            <ac:spMk id="50" creationId="{9316C8CA-EF5A-7928-4A64-8F05EA11A88F}"/>
+          </ac:spMkLst>
+        </pc:spChg>
+        <pc:spChg chg="mod topLvl">
+          <ac:chgData name="Barkasi, Michael" userId="604489e9-c8b5-4a18-ae0d-3a3e29c44efc" providerId="ADAL" clId="{6F0EF6E8-3B32-EE45-9FCF-294DF6CDB004}" dt="2025-05-21T11:57:28.001" v="18" actId="164"/>
+          <ac:spMkLst>
+            <pc:docMk/>
+            <pc:sldMk cId="1160241537" sldId="256"/>
+            <ac:spMk id="64" creationId="{7BA4831B-95DD-C630-EF30-FEBB3DA4C883}"/>
+          </ac:spMkLst>
+        </pc:spChg>
+        <pc:spChg chg="mod topLvl">
+          <ac:chgData name="Barkasi, Michael" userId="604489e9-c8b5-4a18-ae0d-3a3e29c44efc" providerId="ADAL" clId="{6F0EF6E8-3B32-EE45-9FCF-294DF6CDB004}" dt="2025-05-21T11:57:28.001" v="18" actId="164"/>
+          <ac:spMkLst>
+            <pc:docMk/>
+            <pc:sldMk cId="1160241537" sldId="256"/>
+            <ac:spMk id="68" creationId="{FE26D807-9A68-F894-F807-D4DE88AD4FC0}"/>
+          </ac:spMkLst>
+        </pc:spChg>
+        <pc:spChg chg="mod topLvl">
+          <ac:chgData name="Barkasi, Michael" userId="604489e9-c8b5-4a18-ae0d-3a3e29c44efc" providerId="ADAL" clId="{6F0EF6E8-3B32-EE45-9FCF-294DF6CDB004}" dt="2025-05-21T11:57:28.001" v="18" actId="164"/>
+          <ac:spMkLst>
+            <pc:docMk/>
+            <pc:sldMk cId="1160241537" sldId="256"/>
+            <ac:spMk id="102" creationId="{1A3C6997-4E40-38F4-EB1E-1C61067AAE9F}"/>
+          </ac:spMkLst>
+        </pc:spChg>
+        <pc:spChg chg="mod topLvl">
+          <ac:chgData name="Barkasi, Michael" userId="604489e9-c8b5-4a18-ae0d-3a3e29c44efc" providerId="ADAL" clId="{6F0EF6E8-3B32-EE45-9FCF-294DF6CDB004}" dt="2025-05-21T11:57:28.001" v="18" actId="164"/>
+          <ac:spMkLst>
+            <pc:docMk/>
+            <pc:sldMk cId="1160241537" sldId="256"/>
+            <ac:spMk id="138" creationId="{FFB33957-C7D5-2272-4F29-57CB3E60E8D5}"/>
+          </ac:spMkLst>
+        </pc:spChg>
+        <pc:spChg chg="add del mod topLvl">
+          <ac:chgData name="Barkasi, Michael" userId="604489e9-c8b5-4a18-ae0d-3a3e29c44efc" providerId="ADAL" clId="{6F0EF6E8-3B32-EE45-9FCF-294DF6CDB004}" dt="2025-05-21T11:57:28.001" v="18" actId="164"/>
+          <ac:spMkLst>
+            <pc:docMk/>
+            <pc:sldMk cId="1160241537" sldId="256"/>
+            <ac:spMk id="139" creationId="{2293D57C-EC8B-5FBD-4115-099B2922BF81}"/>
+          </ac:spMkLst>
+        </pc:spChg>
+        <pc:spChg chg="add del mod topLvl">
+          <ac:chgData name="Barkasi, Michael" userId="604489e9-c8b5-4a18-ae0d-3a3e29c44efc" providerId="ADAL" clId="{6F0EF6E8-3B32-EE45-9FCF-294DF6CDB004}" dt="2025-05-21T11:57:28.001" v="18" actId="164"/>
+          <ac:spMkLst>
+            <pc:docMk/>
+            <pc:sldMk cId="1160241537" sldId="256"/>
+            <ac:spMk id="140" creationId="{4D13E371-1A41-9EFE-6480-A5F8E8AB352E}"/>
+          </ac:spMkLst>
+        </pc:spChg>
+        <pc:spChg chg="add del mod topLvl">
+          <ac:chgData name="Barkasi, Michael" userId="604489e9-c8b5-4a18-ae0d-3a3e29c44efc" providerId="ADAL" clId="{6F0EF6E8-3B32-EE45-9FCF-294DF6CDB004}" dt="2025-05-21T11:57:28.001" v="18" actId="164"/>
+          <ac:spMkLst>
+            <pc:docMk/>
+            <pc:sldMk cId="1160241537" sldId="256"/>
+            <ac:spMk id="141" creationId="{84827807-33C5-4A50-46EC-767F2558440A}"/>
+          </ac:spMkLst>
+        </pc:spChg>
+        <pc:grpChg chg="mod">
+          <ac:chgData name="Barkasi, Michael" userId="604489e9-c8b5-4a18-ae0d-3a3e29c44efc" providerId="ADAL" clId="{6F0EF6E8-3B32-EE45-9FCF-294DF6CDB004}" dt="2025-05-21T11:57:28.001" v="18" actId="164"/>
+          <ac:grpSpMkLst>
+            <pc:docMk/>
+            <pc:sldMk cId="1160241537" sldId="256"/>
+            <ac:grpSpMk id="38" creationId="{A025C0CE-7EE4-6B2E-7F8C-576D54AD0479}"/>
+          </ac:grpSpMkLst>
+        </pc:grpChg>
+        <pc:grpChg chg="del">
+          <ac:chgData name="Barkasi, Michael" userId="604489e9-c8b5-4a18-ae0d-3a3e29c44efc" providerId="ADAL" clId="{6F0EF6E8-3B32-EE45-9FCF-294DF6CDB004}" dt="2025-05-21T11:50:21.829" v="2" actId="165"/>
+          <ac:grpSpMkLst>
+            <pc:docMk/>
+            <pc:sldMk cId="1160241537" sldId="256"/>
+            <ac:grpSpMk id="142" creationId="{3A008576-BADA-58D0-E0DC-5FFA225BD27D}"/>
+          </ac:grpSpMkLst>
+        </pc:grpChg>
+        <pc:grpChg chg="del">
+          <ac:chgData name="Barkasi, Michael" userId="604489e9-c8b5-4a18-ae0d-3a3e29c44efc" providerId="ADAL" clId="{6F0EF6E8-3B32-EE45-9FCF-294DF6CDB004}" dt="2025-05-21T11:50:27.313" v="3" actId="165"/>
+          <ac:grpSpMkLst>
+            <pc:docMk/>
+            <pc:sldMk cId="1160241537" sldId="256"/>
+            <ac:grpSpMk id="143" creationId="{B01C5DC6-D44F-B272-A2A1-249EEC3FF885}"/>
+          </ac:grpSpMkLst>
+        </pc:grpChg>
+        <pc:picChg chg="mod topLvl">
+          <ac:chgData name="Barkasi, Michael" userId="604489e9-c8b5-4a18-ae0d-3a3e29c44efc" providerId="ADAL" clId="{6F0EF6E8-3B32-EE45-9FCF-294DF6CDB004}" dt="2025-05-21T11:50:27.313" v="3" actId="165"/>
+          <ac:picMkLst>
+            <pc:docMk/>
+            <pc:sldMk cId="1160241537" sldId="256"/>
+            <ac:picMk id="39" creationId="{69D302A1-C458-A769-07C2-1DC5FE9AA927}"/>
+          </ac:picMkLst>
+        </pc:picChg>
+        <pc:picChg chg="mod topLvl">
+          <ac:chgData name="Barkasi, Michael" userId="604489e9-c8b5-4a18-ae0d-3a3e29c44efc" providerId="ADAL" clId="{6F0EF6E8-3B32-EE45-9FCF-294DF6CDB004}" dt="2025-05-21T11:50:21.829" v="2" actId="165"/>
+          <ac:picMkLst>
+            <pc:docMk/>
+            <pc:sldMk cId="1160241537" sldId="256"/>
+            <ac:picMk id="137" creationId="{58F8D6FA-FECC-63A9-B4C2-F05F650A6058}"/>
+          </ac:picMkLst>
+        </pc:picChg>
+      </pc:sldChg>
     </pc:docChg>
   </pc:docChgLst>
 </pc:chgInfo>
@@ -2150,7 +2303,7 @@
           <a:p>
             <a:fld id="{0671BF96-9467-0B49-AF35-7149D7F70E39}" type="datetimeFigureOut">
               <a:rPr lang="en-US" smtClean="0"/>
-              <a:t>5/20/25</a:t>
+              <a:t>5/21/25</a:t>
             </a:fld>
             <a:endParaRPr lang="en-US"/>
           </a:p>
@@ -2320,7 +2473,7 @@
           <a:p>
             <a:fld id="{0671BF96-9467-0B49-AF35-7149D7F70E39}" type="datetimeFigureOut">
               <a:rPr lang="en-US" smtClean="0"/>
-              <a:t>5/20/25</a:t>
+              <a:t>5/21/25</a:t>
             </a:fld>
             <a:endParaRPr lang="en-US"/>
           </a:p>
@@ -2500,7 +2653,7 @@
           <a:p>
             <a:fld id="{0671BF96-9467-0B49-AF35-7149D7F70E39}" type="datetimeFigureOut">
               <a:rPr lang="en-US" smtClean="0"/>
-              <a:t>5/20/25</a:t>
+              <a:t>5/21/25</a:t>
             </a:fld>
             <a:endParaRPr lang="en-US"/>
           </a:p>
@@ -2670,7 +2823,7 @@
           <a:p>
             <a:fld id="{0671BF96-9467-0B49-AF35-7149D7F70E39}" type="datetimeFigureOut">
               <a:rPr lang="en-US" smtClean="0"/>
-              <a:t>5/20/25</a:t>
+              <a:t>5/21/25</a:t>
             </a:fld>
             <a:endParaRPr lang="en-US"/>
           </a:p>
@@ -2916,7 +3069,7 @@
           <a:p>
             <a:fld id="{0671BF96-9467-0B49-AF35-7149D7F70E39}" type="datetimeFigureOut">
               <a:rPr lang="en-US" smtClean="0"/>
-              <a:t>5/20/25</a:t>
+              <a:t>5/21/25</a:t>
             </a:fld>
             <a:endParaRPr lang="en-US"/>
           </a:p>
@@ -3148,7 +3301,7 @@
           <a:p>
             <a:fld id="{0671BF96-9467-0B49-AF35-7149D7F70E39}" type="datetimeFigureOut">
               <a:rPr lang="en-US" smtClean="0"/>
-              <a:t>5/20/25</a:t>
+              <a:t>5/21/25</a:t>
             </a:fld>
             <a:endParaRPr lang="en-US"/>
           </a:p>
@@ -3515,7 +3668,7 @@
           <a:p>
             <a:fld id="{0671BF96-9467-0B49-AF35-7149D7F70E39}" type="datetimeFigureOut">
               <a:rPr lang="en-US" smtClean="0"/>
-              <a:t>5/20/25</a:t>
+              <a:t>5/21/25</a:t>
             </a:fld>
             <a:endParaRPr lang="en-US"/>
           </a:p>
@@ -3633,7 +3786,7 @@
           <a:p>
             <a:fld id="{0671BF96-9467-0B49-AF35-7149D7F70E39}" type="datetimeFigureOut">
               <a:rPr lang="en-US" smtClean="0"/>
-              <a:t>5/20/25</a:t>
+              <a:t>5/21/25</a:t>
             </a:fld>
             <a:endParaRPr lang="en-US"/>
           </a:p>
@@ -3728,7 +3881,7 @@
           <a:p>
             <a:fld id="{0671BF96-9467-0B49-AF35-7149D7F70E39}" type="datetimeFigureOut">
               <a:rPr lang="en-US" smtClean="0"/>
-              <a:t>5/20/25</a:t>
+              <a:t>5/21/25</a:t>
             </a:fld>
             <a:endParaRPr lang="en-US"/>
           </a:p>
@@ -4005,7 +4158,7 @@
           <a:p>
             <a:fld id="{0671BF96-9467-0B49-AF35-7149D7F70E39}" type="datetimeFigureOut">
               <a:rPr lang="en-US" smtClean="0"/>
-              <a:t>5/20/25</a:t>
+              <a:t>5/21/25</a:t>
             </a:fld>
             <a:endParaRPr lang="en-US"/>
           </a:p>
@@ -4262,7 +4415,7 @@
           <a:p>
             <a:fld id="{0671BF96-9467-0B49-AF35-7149D7F70E39}" type="datetimeFigureOut">
               <a:rPr lang="en-US" smtClean="0"/>
-              <a:t>5/20/25</a:t>
+              <a:t>5/21/25</a:t>
             </a:fld>
             <a:endParaRPr lang="en-US"/>
           </a:p>
@@ -4476,7 +4629,7 @@
             <a:fld id="{0671BF96-9467-0B49-AF35-7149D7F70E39}" type="datetimeFigureOut">
               <a:rPr lang="en-US" smtClean="0"/>
               <a:pPr/>
-              <a:t>5/20/25</a:t>
+              <a:t>5/21/25</a:t>
             </a:fld>
             <a:endParaRPr lang="en-US" dirty="0"/>
           </a:p>
@@ -6433,12 +6586,72 @@
           </p:style>
         </p:cxnSp>
       </p:grpSp>
+      <p:pic>
+        <p:nvPicPr>
+          <p:cNvPr id="39" name="Picture 38" descr="A screen shot of a graph&#10;&#10;AI-generated content may be incorrect.">
+            <a:extLst>
+              <a:ext uri="{FF2B5EF4-FFF2-40B4-BE49-F238E27FC236}">
+                <a16:creationId xmlns:a16="http://schemas.microsoft.com/office/drawing/2014/main" id="{69D302A1-C458-A769-07C2-1DC5FE9AA927}"/>
+              </a:ext>
+            </a:extLst>
+          </p:cNvPr>
+          <p:cNvPicPr>
+            <a:picLocks noChangeAspect="1"/>
+          </p:cNvPicPr>
+          <p:nvPr/>
+        </p:nvPicPr>
+        <p:blipFill>
+          <a:blip r:embed="rId4"/>
+          <a:stretch>
+            <a:fillRect/>
+          </a:stretch>
+        </p:blipFill>
+        <p:spPr>
+          <a:xfrm>
+            <a:off x="7122534" y="2802280"/>
+            <a:ext cx="2135703" cy="2135703"/>
+          </a:xfrm>
+          <a:prstGeom prst="rect">
+            <a:avLst/>
+          </a:prstGeom>
+        </p:spPr>
+      </p:pic>
+      <p:pic>
+        <p:nvPicPr>
+          <p:cNvPr id="137" name="Picture 136" descr="A screen shot of a graph&#10;&#10;AI-generated content may be incorrect.">
+            <a:extLst>
+              <a:ext uri="{FF2B5EF4-FFF2-40B4-BE49-F238E27FC236}">
+                <a16:creationId xmlns:a16="http://schemas.microsoft.com/office/drawing/2014/main" id="{58F8D6FA-FECC-63A9-B4C2-F05F650A6058}"/>
+              </a:ext>
+            </a:extLst>
+          </p:cNvPr>
+          <p:cNvPicPr>
+            <a:picLocks noChangeAspect="1"/>
+          </p:cNvPicPr>
+          <p:nvPr/>
+        </p:nvPicPr>
+        <p:blipFill>
+          <a:blip r:embed="rId4"/>
+          <a:stretch>
+            <a:fillRect/>
+          </a:stretch>
+        </p:blipFill>
+        <p:spPr>
+          <a:xfrm>
+            <a:off x="5228924" y="2802281"/>
+            <a:ext cx="2135703" cy="2135703"/>
+          </a:xfrm>
+          <a:prstGeom prst="rect">
+            <a:avLst/>
+          </a:prstGeom>
+        </p:spPr>
+      </p:pic>
       <p:grpSp>
         <p:nvGrpSpPr>
-          <p:cNvPr id="188" name="Group 187">
+          <p:cNvPr id="2" name="Group 1">
             <a:extLst>
               <a:ext uri="{FF2B5EF4-FFF2-40B4-BE49-F238E27FC236}">
-                <a16:creationId xmlns:a16="http://schemas.microsoft.com/office/drawing/2014/main" id="{E40BF04C-D254-2888-5982-D8F51CE558C0}"/>
+                <a16:creationId xmlns:a16="http://schemas.microsoft.com/office/drawing/2014/main" id="{095466B8-7E3D-6809-8D48-9DD2FA0829F0}"/>
               </a:ext>
             </a:extLst>
           </p:cNvPr>
@@ -6447,18 +6660,57 @@
         </p:nvGrpSpPr>
         <p:grpSpPr>
           <a:xfrm>
-            <a:off x="5228924" y="210523"/>
-            <a:ext cx="4029313" cy="4727461"/>
-            <a:chOff x="4231025" y="193571"/>
-            <a:chExt cx="3837441" cy="4502344"/>
+            <a:off x="5289370" y="210523"/>
+            <a:ext cx="3815906" cy="4296313"/>
+            <a:chOff x="5289370" y="210523"/>
+            <a:chExt cx="3815906" cy="4296313"/>
           </a:xfrm>
         </p:grpSpPr>
+        <p:sp>
+          <p:nvSpPr>
+            <p:cNvPr id="102" name="TextBox 101">
+              <a:extLst>
+                <a:ext uri="{FF2B5EF4-FFF2-40B4-BE49-F238E27FC236}">
+                  <a16:creationId xmlns:a16="http://schemas.microsoft.com/office/drawing/2014/main" id="{1A3C6997-4E40-38F4-EB1E-1C61067AAE9F}"/>
+                </a:ext>
+              </a:extLst>
+            </p:cNvPr>
+            <p:cNvSpPr txBox="1"/>
+            <p:nvPr/>
+          </p:nvSpPr>
+          <p:spPr>
+            <a:xfrm>
+              <a:off x="5289370" y="210523"/>
+              <a:ext cx="3815906" cy="480131"/>
+            </a:xfrm>
+            <a:prstGeom prst="rect">
+              <a:avLst/>
+            </a:prstGeom>
+            <a:noFill/>
+          </p:spPr>
+          <p:txBody>
+            <a:bodyPr wrap="square" rtlCol="0">
+              <a:spAutoFit/>
+            </a:bodyPr>
+            <a:lstStyle/>
+            <a:p>
+              <a:pPr algn="ctr"/>
+              <a:r>
+                <a:rPr lang="en-US" sz="2520" dirty="0">
+                  <a:latin typeface="Arial" panose="020B0604020202020204" pitchFamily="34" charset="0"/>
+                  <a:cs typeface="Arial" panose="020B0604020202020204" pitchFamily="34" charset="0"/>
+                </a:rPr>
+                <a:t>Spatial Variability</a:t>
+              </a:r>
+            </a:p>
+          </p:txBody>
+        </p:sp>
         <p:grpSp>
           <p:nvGrpSpPr>
-            <p:cNvPr id="145" name="Group 144">
+            <p:cNvPr id="25" name="Group 24">
               <a:extLst>
                 <a:ext uri="{FF2B5EF4-FFF2-40B4-BE49-F238E27FC236}">
-                  <a16:creationId xmlns:a16="http://schemas.microsoft.com/office/drawing/2014/main" id="{95C3F5A5-58AA-8C23-6C90-A93557A95D43}"/>
+                  <a16:creationId xmlns:a16="http://schemas.microsoft.com/office/drawing/2014/main" id="{9C0464E5-BF56-6BC8-18D0-430219D1F32C}"/>
                 </a:ext>
               </a:extLst>
             </p:cNvPr>
@@ -6467,18 +6719,93 @@
           </p:nvGrpSpPr>
           <p:grpSpPr>
             <a:xfrm>
-              <a:off x="4231025" y="193571"/>
-              <a:ext cx="3837441" cy="4502344"/>
-              <a:chOff x="4221334" y="133116"/>
-              <a:chExt cx="3837441" cy="4502344"/>
+              <a:off x="6595184" y="767407"/>
+              <a:ext cx="1204278" cy="1255619"/>
+              <a:chOff x="857250" y="3768717"/>
+              <a:chExt cx="1146931" cy="1195828"/>
             </a:xfrm>
           </p:grpSpPr>
+          <p:pic>
+            <p:nvPicPr>
+              <p:cNvPr id="29" name="Picture 28">
+                <a:extLst>
+                  <a:ext uri="{FF2B5EF4-FFF2-40B4-BE49-F238E27FC236}">
+                    <a16:creationId xmlns:a16="http://schemas.microsoft.com/office/drawing/2014/main" id="{868C0546-6005-D1C1-44EE-E30888C94466}"/>
+                  </a:ext>
+                </a:extLst>
+              </p:cNvPr>
+              <p:cNvPicPr>
+                <a:picLocks noChangeAspect="1"/>
+              </p:cNvPicPr>
+              <p:nvPr/>
+            </p:nvPicPr>
+            <p:blipFill>
+              <a:blip r:embed="rId2"/>
+              <a:stretch>
+                <a:fillRect/>
+              </a:stretch>
+            </p:blipFill>
+            <p:spPr>
+              <a:xfrm>
+                <a:off x="857250" y="4294340"/>
+                <a:ext cx="1105838" cy="670205"/>
+              </a:xfrm>
+              <a:prstGeom prst="rect">
+                <a:avLst/>
+              </a:prstGeom>
+            </p:spPr>
+          </p:pic>
+          <p:cxnSp>
+            <p:nvCxnSpPr>
+              <p:cNvPr id="30" name="Straight Arrow Connector 29">
+                <a:extLst>
+                  <a:ext uri="{FF2B5EF4-FFF2-40B4-BE49-F238E27FC236}">
+                    <a16:creationId xmlns:a16="http://schemas.microsoft.com/office/drawing/2014/main" id="{E54F3572-AB21-F2C4-A1AB-861577B0C288}"/>
+                  </a:ext>
+                </a:extLst>
+              </p:cNvPr>
+              <p:cNvCxnSpPr>
+                <a:cxnSpLocks/>
+              </p:cNvCxnSpPr>
+              <p:nvPr/>
+            </p:nvCxnSpPr>
+            <p:spPr>
+              <a:xfrm flipH="1">
+                <a:off x="876816" y="4138049"/>
+                <a:ext cx="1066706" cy="0"/>
+              </a:xfrm>
+              <a:prstGeom prst="straightConnector1">
+                <a:avLst/>
+              </a:prstGeom>
+              <a:ln w="22225">
+                <a:solidFill>
+                  <a:schemeClr val="tx1"/>
+                </a:solidFill>
+                <a:headEnd type="triangle" w="lg" len="lg"/>
+                <a:tailEnd type="triangle" w="lg" len="lg"/>
+              </a:ln>
+            </p:spPr>
+            <p:style>
+              <a:lnRef idx="2">
+                <a:schemeClr val="accent1"/>
+              </a:lnRef>
+              <a:fillRef idx="0">
+                <a:schemeClr val="accent1"/>
+              </a:fillRef>
+              <a:effectRef idx="1">
+                <a:schemeClr val="accent1"/>
+              </a:effectRef>
+              <a:fontRef idx="minor">
+                <a:schemeClr val="tx1"/>
+              </a:fontRef>
+            </p:style>
+          </p:cxnSp>
           <p:sp>
             <p:nvSpPr>
-              <p:cNvPr id="102" name="TextBox 101">
+              <p:cNvPr id="32" name="TextBox 31">
                 <a:extLst>
                   <a:ext uri="{FF2B5EF4-FFF2-40B4-BE49-F238E27FC236}">
-                    <a16:creationId xmlns:a16="http://schemas.microsoft.com/office/drawing/2014/main" id="{1A3C6997-4E40-38F4-EB1E-1C61067AAE9F}"/>
+                    <a16:creationId xmlns:a16="http://schemas.microsoft.com/office/drawing/2014/main" id="{A3075410-58E7-5FAB-0677-F603233F606C}"/>
                   </a:ext>
                 </a:extLst>
               </p:cNvPr>
@@ -6487,8 +6814,8 @@
             </p:nvSpPr>
             <p:spPr>
               <a:xfrm>
-                <a:off x="4278902" y="133116"/>
-                <a:ext cx="3634196" cy="457268"/>
+                <a:off x="902086" y="3768717"/>
+                <a:ext cx="1102095" cy="364935"/>
               </a:xfrm>
               <a:prstGeom prst="rect">
                 <a:avLst/>
@@ -6503,893 +6830,646 @@
               <a:p>
                 <a:pPr algn="ctr"/>
                 <a:r>
-                  <a:rPr lang="en-US" sz="2520" dirty="0">
+                  <a:rPr lang="en-US" sz="1890" dirty="0">
                     <a:latin typeface="Arial" panose="020B0604020202020204" pitchFamily="34" charset="0"/>
                     <a:cs typeface="Arial" panose="020B0604020202020204" pitchFamily="34" charset="0"/>
                   </a:rPr>
-                  <a:t>Spatial Variability</a:t>
+                  <a:t>left/right</a:t>
                 </a:r>
               </a:p>
             </p:txBody>
           </p:sp>
-          <p:grpSp>
-            <p:nvGrpSpPr>
-              <p:cNvPr id="25" name="Group 24">
+        </p:grpSp>
+        <p:grpSp>
+          <p:nvGrpSpPr>
+            <p:cNvPr id="38" name="Group 37">
+              <a:extLst>
+                <a:ext uri="{FF2B5EF4-FFF2-40B4-BE49-F238E27FC236}">
+                  <a16:creationId xmlns:a16="http://schemas.microsoft.com/office/drawing/2014/main" id="{A025C0CE-7EE4-6B2E-7F8C-576D54AD0479}"/>
+                </a:ext>
+              </a:extLst>
+            </p:cNvPr>
+            <p:cNvGrpSpPr/>
+            <p:nvPr/>
+          </p:nvGrpSpPr>
+          <p:grpSpPr>
+            <a:xfrm>
+              <a:off x="5654801" y="2071899"/>
+              <a:ext cx="1206003" cy="730382"/>
+              <a:chOff x="5221208" y="4138261"/>
+              <a:chExt cx="1148574" cy="695602"/>
+            </a:xfrm>
+          </p:grpSpPr>
+          <p:pic>
+            <p:nvPicPr>
+              <p:cNvPr id="23" name="Picture 22" descr="A colorful dots on a black background&#10;&#10;AI-generated content may be incorrect.">
                 <a:extLst>
                   <a:ext uri="{FF2B5EF4-FFF2-40B4-BE49-F238E27FC236}">
-                    <a16:creationId xmlns:a16="http://schemas.microsoft.com/office/drawing/2014/main" id="{9C0464E5-BF56-6BC8-18D0-430219D1F32C}"/>
+                    <a16:creationId xmlns:a16="http://schemas.microsoft.com/office/drawing/2014/main" id="{0D6163F7-F13D-70A1-591D-3B2B9CB653DE}"/>
                   </a:ext>
                 </a:extLst>
               </p:cNvPr>
-              <p:cNvGrpSpPr/>
+              <p:cNvPicPr>
+                <a:picLocks noChangeAspect="1"/>
+              </p:cNvPicPr>
               <p:nvPr/>
-            </p:nvGrpSpPr>
-            <p:grpSpPr>
+            </p:nvPicPr>
+            <p:blipFill>
+              <a:blip r:embed="rId5"/>
+              <a:stretch>
+                <a:fillRect/>
+              </a:stretch>
+            </p:blipFill>
+            <p:spPr>
               <a:xfrm>
-                <a:off x="5522534" y="663482"/>
-                <a:ext cx="1146931" cy="1195828"/>
-                <a:chOff x="857250" y="3768717"/>
-                <a:chExt cx="1146931" cy="1195828"/>
+                <a:off x="5221208" y="4138261"/>
+                <a:ext cx="1147293" cy="695602"/>
               </a:xfrm>
-            </p:grpSpPr>
-            <p:pic>
-              <p:nvPicPr>
-                <p:cNvPr id="29" name="Picture 28">
-                  <a:extLst>
-                    <a:ext uri="{FF2B5EF4-FFF2-40B4-BE49-F238E27FC236}">
-                      <a16:creationId xmlns:a16="http://schemas.microsoft.com/office/drawing/2014/main" id="{868C0546-6005-D1C1-44EE-E30888C94466}"/>
-                    </a:ext>
-                  </a:extLst>
-                </p:cNvPr>
-                <p:cNvPicPr>
-                  <a:picLocks noChangeAspect="1"/>
-                </p:cNvPicPr>
-                <p:nvPr/>
-              </p:nvPicPr>
-              <p:blipFill>
-                <a:blip r:embed="rId2"/>
-                <a:stretch>
-                  <a:fillRect/>
-                </a:stretch>
-              </p:blipFill>
-              <p:spPr>
-                <a:xfrm>
-                  <a:off x="857250" y="4294340"/>
-                  <a:ext cx="1105838" cy="670205"/>
-                </a:xfrm>
-                <a:prstGeom prst="rect">
-                  <a:avLst/>
-                </a:prstGeom>
-              </p:spPr>
-            </p:pic>
-            <p:cxnSp>
-              <p:nvCxnSpPr>
-                <p:cNvPr id="30" name="Straight Arrow Connector 29">
-                  <a:extLst>
-                    <a:ext uri="{FF2B5EF4-FFF2-40B4-BE49-F238E27FC236}">
-                      <a16:creationId xmlns:a16="http://schemas.microsoft.com/office/drawing/2014/main" id="{E54F3572-AB21-F2C4-A1AB-861577B0C288}"/>
-                    </a:ext>
-                  </a:extLst>
-                </p:cNvPr>
-                <p:cNvCxnSpPr>
-                  <a:cxnSpLocks/>
-                </p:cNvCxnSpPr>
-                <p:nvPr/>
-              </p:nvCxnSpPr>
-              <p:spPr>
-                <a:xfrm flipH="1">
-                  <a:off x="876816" y="4138049"/>
-                  <a:ext cx="1066706" cy="0"/>
-                </a:xfrm>
-                <a:prstGeom prst="straightConnector1">
-                  <a:avLst/>
-                </a:prstGeom>
-                <a:ln w="22225">
-                  <a:solidFill>
-                    <a:schemeClr val="tx1"/>
-                  </a:solidFill>
-                  <a:headEnd type="triangle" w="lg" len="lg"/>
-                  <a:tailEnd type="triangle" w="lg" len="lg"/>
-                </a:ln>
-              </p:spPr>
-              <p:style>
-                <a:lnRef idx="2">
-                  <a:schemeClr val="accent1"/>
-                </a:lnRef>
-                <a:fillRef idx="0">
-                  <a:schemeClr val="accent1"/>
-                </a:fillRef>
-                <a:effectRef idx="1">
-                  <a:schemeClr val="accent1"/>
-                </a:effectRef>
-                <a:fontRef idx="minor">
-                  <a:schemeClr val="tx1"/>
-                </a:fontRef>
-              </p:style>
-            </p:cxnSp>
-            <p:sp>
-              <p:nvSpPr>
-                <p:cNvPr id="32" name="TextBox 31">
-                  <a:extLst>
-                    <a:ext uri="{FF2B5EF4-FFF2-40B4-BE49-F238E27FC236}">
-                      <a16:creationId xmlns:a16="http://schemas.microsoft.com/office/drawing/2014/main" id="{A3075410-58E7-5FAB-0677-F603233F606C}"/>
-                    </a:ext>
-                  </a:extLst>
-                </p:cNvPr>
-                <p:cNvSpPr txBox="1"/>
-                <p:nvPr/>
-              </p:nvSpPr>
-              <p:spPr>
-                <a:xfrm>
-                  <a:off x="902086" y="3768717"/>
-                  <a:ext cx="1102095" cy="364935"/>
-                </a:xfrm>
-                <a:prstGeom prst="rect">
-                  <a:avLst/>
-                </a:prstGeom>
-                <a:noFill/>
-              </p:spPr>
-              <p:txBody>
-                <a:bodyPr wrap="square" rtlCol="0">
-                  <a:spAutoFit/>
-                </a:bodyPr>
-                <a:lstStyle/>
-                <a:p>
-                  <a:pPr algn="ctr"/>
-                  <a:r>
-                    <a:rPr lang="en-US" sz="1890" dirty="0">
-                      <a:latin typeface="Arial" panose="020B0604020202020204" pitchFamily="34" charset="0"/>
-                      <a:cs typeface="Arial" panose="020B0604020202020204" pitchFamily="34" charset="0"/>
-                    </a:rPr>
-                    <a:t>left/right</a:t>
-                  </a:r>
-                </a:p>
-              </p:txBody>
-            </p:sp>
-          </p:grpSp>
-          <p:grpSp>
-            <p:nvGrpSpPr>
-              <p:cNvPr id="38" name="Group 37">
+              <a:prstGeom prst="rect">
+                <a:avLst/>
+              </a:prstGeom>
+            </p:spPr>
+          </p:pic>
+          <p:sp>
+            <p:nvSpPr>
+              <p:cNvPr id="35" name="Rectangle 34">
                 <a:extLst>
                   <a:ext uri="{FF2B5EF4-FFF2-40B4-BE49-F238E27FC236}">
-                    <a16:creationId xmlns:a16="http://schemas.microsoft.com/office/drawing/2014/main" id="{A025C0CE-7EE4-6B2E-7F8C-576D54AD0479}"/>
+                    <a16:creationId xmlns:a16="http://schemas.microsoft.com/office/drawing/2014/main" id="{E3CFEEBD-B3A3-4DD4-A67D-99C9207168B2}"/>
                   </a:ext>
                 </a:extLst>
               </p:cNvPr>
-              <p:cNvGrpSpPr/>
+              <p:cNvSpPr/>
               <p:nvPr/>
-            </p:nvGrpSpPr>
-            <p:grpSpPr>
+            </p:nvSpPr>
+            <p:spPr>
               <a:xfrm>
-                <a:off x="4626931" y="1905855"/>
-                <a:ext cx="1148574" cy="695602"/>
-                <a:chOff x="5221208" y="4138261"/>
-                <a:chExt cx="1148574" cy="695602"/>
+                <a:off x="5805392" y="4138261"/>
+                <a:ext cx="564390" cy="695602"/>
               </a:xfrm>
-            </p:grpSpPr>
-            <p:pic>
-              <p:nvPicPr>
-                <p:cNvPr id="23" name="Picture 22" descr="A colorful dots on a black background&#10;&#10;AI-generated content may be incorrect.">
-                  <a:extLst>
-                    <a:ext uri="{FF2B5EF4-FFF2-40B4-BE49-F238E27FC236}">
-                      <a16:creationId xmlns:a16="http://schemas.microsoft.com/office/drawing/2014/main" id="{0D6163F7-F13D-70A1-591D-3B2B9CB653DE}"/>
-                    </a:ext>
-                  </a:extLst>
-                </p:cNvPr>
-                <p:cNvPicPr>
-                  <a:picLocks noChangeAspect="1"/>
-                </p:cNvPicPr>
-                <p:nvPr/>
-              </p:nvPicPr>
-              <p:blipFill>
-                <a:blip r:embed="rId5"/>
-                <a:stretch>
-                  <a:fillRect/>
-                </a:stretch>
-              </p:blipFill>
-              <p:spPr>
-                <a:xfrm>
-                  <a:off x="5221208" y="4138261"/>
-                  <a:ext cx="1147293" cy="695602"/>
-                </a:xfrm>
-                <a:prstGeom prst="rect">
-                  <a:avLst/>
-                </a:prstGeom>
-              </p:spPr>
-            </p:pic>
-            <p:sp>
-              <p:nvSpPr>
-                <p:cNvPr id="35" name="Rectangle 34">
-                  <a:extLst>
-                    <a:ext uri="{FF2B5EF4-FFF2-40B4-BE49-F238E27FC236}">
-                      <a16:creationId xmlns:a16="http://schemas.microsoft.com/office/drawing/2014/main" id="{E3CFEEBD-B3A3-4DD4-A67D-99C9207168B2}"/>
-                    </a:ext>
-                  </a:extLst>
-                </p:cNvPr>
-                <p:cNvSpPr/>
-                <p:nvPr/>
-              </p:nvSpPr>
-              <p:spPr>
-                <a:xfrm>
-                  <a:off x="5805392" y="4138261"/>
-                  <a:ext cx="564390" cy="695602"/>
-                </a:xfrm>
-                <a:prstGeom prst="rect">
-                  <a:avLst/>
-                </a:prstGeom>
-                <a:solidFill>
-                  <a:schemeClr val="bg1">
-                    <a:alpha val="80075"/>
-                  </a:schemeClr>
-                </a:solidFill>
-                <a:ln>
-                  <a:noFill/>
-                </a:ln>
-              </p:spPr>
-              <p:style>
-                <a:lnRef idx="2">
-                  <a:schemeClr val="accent1">
-                    <a:shade val="15000"/>
-                  </a:schemeClr>
-                </a:lnRef>
-                <a:fillRef idx="1">
-                  <a:schemeClr val="accent1"/>
-                </a:fillRef>
-                <a:effectRef idx="0">
-                  <a:schemeClr val="accent1"/>
-                </a:effectRef>
-                <a:fontRef idx="minor">
-                  <a:schemeClr val="lt1"/>
-                </a:fontRef>
-              </p:style>
-              <p:txBody>
-                <a:bodyPr rtlCol="0" anchor="ctr"/>
-                <a:lstStyle/>
-                <a:p>
-                  <a:pPr algn="ctr"/>
-                  <a:endParaRPr lang="en-US" sz="1890"/>
-                </a:p>
-              </p:txBody>
-            </p:sp>
-          </p:grpSp>
-          <p:grpSp>
-            <p:nvGrpSpPr>
-              <p:cNvPr id="37" name="Group 36">
+              <a:prstGeom prst="rect">
+                <a:avLst/>
+              </a:prstGeom>
+              <a:solidFill>
+                <a:schemeClr val="bg1">
+                  <a:alpha val="80075"/>
+                </a:schemeClr>
+              </a:solidFill>
+              <a:ln>
+                <a:noFill/>
+              </a:ln>
+            </p:spPr>
+            <p:style>
+              <a:lnRef idx="2">
+                <a:schemeClr val="accent1">
+                  <a:shade val="15000"/>
+                </a:schemeClr>
+              </a:lnRef>
+              <a:fillRef idx="1">
+                <a:schemeClr val="accent1"/>
+              </a:fillRef>
+              <a:effectRef idx="0">
+                <a:schemeClr val="accent1"/>
+              </a:effectRef>
+              <a:fontRef idx="minor">
+                <a:schemeClr val="lt1"/>
+              </a:fontRef>
+            </p:style>
+            <p:txBody>
+              <a:bodyPr rtlCol="0" anchor="ctr"/>
+              <a:lstStyle/>
+              <a:p>
+                <a:pPr algn="ctr"/>
+                <a:endParaRPr lang="en-US" sz="1890"/>
+              </a:p>
+            </p:txBody>
+          </p:sp>
+        </p:grpSp>
+        <p:grpSp>
+          <p:nvGrpSpPr>
+            <p:cNvPr id="37" name="Group 36">
+              <a:extLst>
+                <a:ext uri="{FF2B5EF4-FFF2-40B4-BE49-F238E27FC236}">
+                  <a16:creationId xmlns:a16="http://schemas.microsoft.com/office/drawing/2014/main" id="{46CC87C5-872E-FF3A-8A85-ADDB3FD4AF80}"/>
+                </a:ext>
+              </a:extLst>
+            </p:cNvPr>
+            <p:cNvGrpSpPr/>
+            <p:nvPr/>
+          </p:nvGrpSpPr>
+          <p:grpSpPr>
+            <a:xfrm>
+              <a:off x="7533845" y="2065882"/>
+              <a:ext cx="1204658" cy="730382"/>
+              <a:chOff x="6795363" y="4069551"/>
+              <a:chExt cx="1147293" cy="695602"/>
+            </a:xfrm>
+          </p:grpSpPr>
+          <p:pic>
+            <p:nvPicPr>
+              <p:cNvPr id="20" name="Picture 19" descr="A colorful dots on a black background&#10;&#10;AI-generated content may be incorrect.">
                 <a:extLst>
                   <a:ext uri="{FF2B5EF4-FFF2-40B4-BE49-F238E27FC236}">
-                    <a16:creationId xmlns:a16="http://schemas.microsoft.com/office/drawing/2014/main" id="{46CC87C5-872E-FF3A-8A85-ADDB3FD4AF80}"/>
+                    <a16:creationId xmlns:a16="http://schemas.microsoft.com/office/drawing/2014/main" id="{141E12E8-8546-E0CF-D1D5-547DD97B3731}"/>
                   </a:ext>
                 </a:extLst>
               </p:cNvPr>
-              <p:cNvGrpSpPr/>
+              <p:cNvPicPr>
+                <a:picLocks noChangeAspect="1"/>
+              </p:cNvPicPr>
               <p:nvPr/>
-            </p:nvGrpSpPr>
-            <p:grpSpPr>
+            </p:nvPicPr>
+            <p:blipFill>
+              <a:blip r:embed="rId5"/>
+              <a:stretch>
+                <a:fillRect/>
+              </a:stretch>
+            </p:blipFill>
+            <p:spPr>
               <a:xfrm>
-                <a:off x="6416497" y="1900125"/>
+                <a:off x="6795363" y="4069551"/>
                 <a:ext cx="1147293" cy="695602"/>
-                <a:chOff x="6795363" y="4069551"/>
-                <a:chExt cx="1147293" cy="695602"/>
               </a:xfrm>
-            </p:grpSpPr>
-            <p:pic>
-              <p:nvPicPr>
-                <p:cNvPr id="20" name="Picture 19" descr="A colorful dots on a black background&#10;&#10;AI-generated content may be incorrect.">
-                  <a:extLst>
-                    <a:ext uri="{FF2B5EF4-FFF2-40B4-BE49-F238E27FC236}">
-                      <a16:creationId xmlns:a16="http://schemas.microsoft.com/office/drawing/2014/main" id="{141E12E8-8546-E0CF-D1D5-547DD97B3731}"/>
-                    </a:ext>
-                  </a:extLst>
-                </p:cNvPr>
-                <p:cNvPicPr>
-                  <a:picLocks noChangeAspect="1"/>
-                </p:cNvPicPr>
-                <p:nvPr/>
-              </p:nvPicPr>
-              <p:blipFill>
-                <a:blip r:embed="rId5"/>
-                <a:stretch>
-                  <a:fillRect/>
-                </a:stretch>
-              </p:blipFill>
-              <p:spPr>
-                <a:xfrm>
-                  <a:off x="6795363" y="4069551"/>
-                  <a:ext cx="1147293" cy="695602"/>
-                </a:xfrm>
-                <a:prstGeom prst="rect">
-                  <a:avLst/>
-                </a:prstGeom>
-              </p:spPr>
-            </p:pic>
-            <p:sp>
-              <p:nvSpPr>
-                <p:cNvPr id="36" name="Rectangle 35">
-                  <a:extLst>
-                    <a:ext uri="{FF2B5EF4-FFF2-40B4-BE49-F238E27FC236}">
-                      <a16:creationId xmlns:a16="http://schemas.microsoft.com/office/drawing/2014/main" id="{6FDA9154-6D2F-4A4A-9556-6290A63FE165}"/>
-                    </a:ext>
-                  </a:extLst>
-                </p:cNvPr>
-                <p:cNvSpPr/>
-                <p:nvPr/>
-              </p:nvSpPr>
-              <p:spPr>
-                <a:xfrm>
-                  <a:off x="6795363" y="4069551"/>
-                  <a:ext cx="564390" cy="695602"/>
-                </a:xfrm>
-                <a:prstGeom prst="rect">
-                  <a:avLst/>
-                </a:prstGeom>
-                <a:solidFill>
-                  <a:schemeClr val="bg1">
-                    <a:alpha val="80075"/>
-                  </a:schemeClr>
-                </a:solidFill>
-                <a:ln>
-                  <a:noFill/>
-                </a:ln>
-              </p:spPr>
-              <p:style>
-                <a:lnRef idx="2">
-                  <a:schemeClr val="accent1">
-                    <a:shade val="15000"/>
-                  </a:schemeClr>
-                </a:lnRef>
-                <a:fillRef idx="1">
-                  <a:schemeClr val="accent1"/>
-                </a:fillRef>
-                <a:effectRef idx="0">
-                  <a:schemeClr val="accent1"/>
-                </a:effectRef>
-                <a:fontRef idx="minor">
-                  <a:schemeClr val="lt1"/>
-                </a:fontRef>
-              </p:style>
-              <p:txBody>
-                <a:bodyPr rtlCol="0" anchor="ctr"/>
-                <a:lstStyle/>
-                <a:p>
-                  <a:pPr algn="ctr"/>
-                  <a:endParaRPr lang="en-US" sz="1890"/>
-                </a:p>
-              </p:txBody>
-            </p:sp>
-          </p:grpSp>
-          <p:grpSp>
-            <p:nvGrpSpPr>
-              <p:cNvPr id="143" name="Group 142">
+              <a:prstGeom prst="rect">
+                <a:avLst/>
+              </a:prstGeom>
+            </p:spPr>
+          </p:pic>
+          <p:sp>
+            <p:nvSpPr>
+              <p:cNvPr id="36" name="Rectangle 35">
                 <a:extLst>
                   <a:ext uri="{FF2B5EF4-FFF2-40B4-BE49-F238E27FC236}">
-                    <a16:creationId xmlns:a16="http://schemas.microsoft.com/office/drawing/2014/main" id="{B01C5DC6-D44F-B272-A2A1-249EEC3FF885}"/>
+                    <a16:creationId xmlns:a16="http://schemas.microsoft.com/office/drawing/2014/main" id="{6FDA9154-6D2F-4A4A-9556-6290A63FE165}"/>
                   </a:ext>
                 </a:extLst>
               </p:cNvPr>
-              <p:cNvGrpSpPr/>
+              <p:cNvSpPr/>
               <p:nvPr/>
-            </p:nvGrpSpPr>
-            <p:grpSpPr>
+            </p:nvSpPr>
+            <p:spPr>
               <a:xfrm>
-                <a:off x="6024772" y="2601456"/>
-                <a:ext cx="2034003" cy="2034003"/>
-                <a:chOff x="4116111" y="2677610"/>
-                <a:chExt cx="2034003" cy="2034003"/>
+                <a:off x="6795363" y="4069551"/>
+                <a:ext cx="564390" cy="695602"/>
               </a:xfrm>
-            </p:grpSpPr>
-            <p:pic>
-              <p:nvPicPr>
-                <p:cNvPr id="39" name="Picture 38" descr="A screen shot of a graph&#10;&#10;AI-generated content may be incorrect.">
-                  <a:extLst>
-                    <a:ext uri="{FF2B5EF4-FFF2-40B4-BE49-F238E27FC236}">
-                      <a16:creationId xmlns:a16="http://schemas.microsoft.com/office/drawing/2014/main" id="{69D302A1-C458-A769-07C2-1DC5FE9AA927}"/>
-                    </a:ext>
-                  </a:extLst>
-                </p:cNvPr>
-                <p:cNvPicPr>
-                  <a:picLocks noChangeAspect="1"/>
-                </p:cNvPicPr>
-                <p:nvPr/>
-              </p:nvPicPr>
-              <p:blipFill>
-                <a:blip r:embed="rId4"/>
-                <a:stretch>
-                  <a:fillRect/>
-                </a:stretch>
-              </p:blipFill>
-              <p:spPr>
-                <a:xfrm>
-                  <a:off x="4116111" y="2677610"/>
-                  <a:ext cx="2034003" cy="2034003"/>
-                </a:xfrm>
-                <a:prstGeom prst="rect">
-                  <a:avLst/>
-                </a:prstGeom>
-              </p:spPr>
-            </p:pic>
-            <p:sp>
-              <p:nvSpPr>
-                <p:cNvPr id="40" name="Rectangle 39">
-                  <a:extLst>
-                    <a:ext uri="{FF2B5EF4-FFF2-40B4-BE49-F238E27FC236}">
-                      <a16:creationId xmlns:a16="http://schemas.microsoft.com/office/drawing/2014/main" id="{7B5F8C9B-DE1D-A2B4-48E4-F738B68D11F2}"/>
-                    </a:ext>
-                  </a:extLst>
-                </p:cNvPr>
-                <p:cNvSpPr/>
-                <p:nvPr/>
-              </p:nvSpPr>
-              <p:spPr>
-                <a:xfrm>
-                  <a:off x="4526825" y="2950863"/>
-                  <a:ext cx="1430509" cy="1350132"/>
-                </a:xfrm>
-                <a:prstGeom prst="rect">
-                  <a:avLst/>
-                </a:prstGeom>
-                <a:solidFill>
-                  <a:schemeClr val="bg1"/>
-                </a:solidFill>
-                <a:ln>
-                  <a:solidFill>
-                    <a:schemeClr val="bg1"/>
-                  </a:solidFill>
-                </a:ln>
-              </p:spPr>
-              <p:style>
-                <a:lnRef idx="2">
-                  <a:schemeClr val="accent1">
-                    <a:shade val="15000"/>
-                  </a:schemeClr>
-                </a:lnRef>
-                <a:fillRef idx="1">
-                  <a:schemeClr val="accent1"/>
-                </a:fillRef>
-                <a:effectRef idx="0">
-                  <a:schemeClr val="accent1"/>
-                </a:effectRef>
-                <a:fontRef idx="minor">
-                  <a:schemeClr val="lt1"/>
-                </a:fontRef>
-              </p:style>
-              <p:txBody>
-                <a:bodyPr rtlCol="0" anchor="ctr"/>
-                <a:lstStyle/>
-                <a:p>
-                  <a:pPr algn="ctr"/>
-                  <a:endParaRPr lang="en-US" sz="1890"/>
-                </a:p>
-              </p:txBody>
-            </p:sp>
-            <p:sp>
-              <p:nvSpPr>
-                <p:cNvPr id="50" name="Oval 49">
-                  <a:extLst>
-                    <a:ext uri="{FF2B5EF4-FFF2-40B4-BE49-F238E27FC236}">
-                      <a16:creationId xmlns:a16="http://schemas.microsoft.com/office/drawing/2014/main" id="{9316C8CA-EF5A-7928-4A64-8F05EA11A88F}"/>
-                    </a:ext>
-                  </a:extLst>
-                </p:cNvPr>
-                <p:cNvSpPr/>
-                <p:nvPr/>
-              </p:nvSpPr>
-              <p:spPr>
-                <a:xfrm rot="20303825">
-                  <a:off x="4786057" y="3473164"/>
-                  <a:ext cx="960186" cy="335122"/>
-                </a:xfrm>
-                <a:prstGeom prst="ellipse">
-                  <a:avLst/>
-                </a:prstGeom>
+              <a:prstGeom prst="rect">
+                <a:avLst/>
+              </a:prstGeom>
+              <a:solidFill>
+                <a:schemeClr val="bg1">
+                  <a:alpha val="80075"/>
+                </a:schemeClr>
+              </a:solidFill>
+              <a:ln>
                 <a:noFill/>
-                <a:ln w="34925">
-                  <a:solidFill>
-                    <a:schemeClr val="tx1"/>
-                  </a:solidFill>
-                </a:ln>
-              </p:spPr>
-              <p:style>
-                <a:lnRef idx="2">
-                  <a:schemeClr val="accent1">
-                    <a:shade val="15000"/>
-                  </a:schemeClr>
-                </a:lnRef>
-                <a:fillRef idx="1">
-                  <a:schemeClr val="accent1"/>
-                </a:fillRef>
-                <a:effectRef idx="0">
-                  <a:schemeClr val="accent1"/>
-                </a:effectRef>
-                <a:fontRef idx="minor">
-                  <a:schemeClr val="lt1"/>
-                </a:fontRef>
-              </p:style>
-              <p:txBody>
-                <a:bodyPr rtlCol="0" anchor="ctr"/>
-                <a:lstStyle/>
-                <a:p>
-                  <a:pPr algn="ctr"/>
-                  <a:endParaRPr lang="en-US" sz="1890"/>
-                </a:p>
-              </p:txBody>
-            </p:sp>
-            <p:sp>
-              <p:nvSpPr>
-                <p:cNvPr id="64" name="Oval 63">
-                  <a:extLst>
-                    <a:ext uri="{FF2B5EF4-FFF2-40B4-BE49-F238E27FC236}">
-                      <a16:creationId xmlns:a16="http://schemas.microsoft.com/office/drawing/2014/main" id="{7BA4831B-95DD-C630-EF30-FEBB3DA4C883}"/>
-                    </a:ext>
-                  </a:extLst>
-                </p:cNvPr>
-                <p:cNvSpPr/>
-                <p:nvPr/>
-              </p:nvSpPr>
-              <p:spPr>
-                <a:xfrm rot="20303825">
-                  <a:off x="4638533" y="3331687"/>
-                  <a:ext cx="1264327" cy="606625"/>
-                </a:xfrm>
-                <a:prstGeom prst="ellipse">
-                  <a:avLst/>
-                </a:prstGeom>
-                <a:noFill/>
-                <a:ln w="34925">
-                  <a:solidFill>
-                    <a:schemeClr val="bg1">
-                      <a:lumMod val="75000"/>
-                    </a:schemeClr>
-                  </a:solidFill>
-                </a:ln>
-              </p:spPr>
-              <p:style>
-                <a:lnRef idx="2">
-                  <a:schemeClr val="accent1">
-                    <a:shade val="15000"/>
-                  </a:schemeClr>
-                </a:lnRef>
-                <a:fillRef idx="1">
-                  <a:schemeClr val="accent1"/>
-                </a:fillRef>
-                <a:effectRef idx="0">
-                  <a:schemeClr val="accent1"/>
-                </a:effectRef>
-                <a:fontRef idx="minor">
-                  <a:schemeClr val="lt1"/>
-                </a:fontRef>
-              </p:style>
-              <p:txBody>
-                <a:bodyPr rtlCol="0" anchor="ctr"/>
-                <a:lstStyle/>
-                <a:p>
-                  <a:pPr algn="ctr"/>
-                  <a:endParaRPr lang="en-US" sz="1890"/>
-                </a:p>
-              </p:txBody>
-            </p:sp>
-            <p:sp>
-              <p:nvSpPr>
-                <p:cNvPr id="68" name="Oval 67">
-                  <a:extLst>
-                    <a:ext uri="{FF2B5EF4-FFF2-40B4-BE49-F238E27FC236}">
-                      <a16:creationId xmlns:a16="http://schemas.microsoft.com/office/drawing/2014/main" id="{FE26D807-9A68-F894-F807-D4DE88AD4FC0}"/>
-                    </a:ext>
-                  </a:extLst>
-                </p:cNvPr>
-                <p:cNvSpPr/>
-                <p:nvPr/>
-              </p:nvSpPr>
-              <p:spPr>
-                <a:xfrm rot="20303825">
-                  <a:off x="4699183" y="3401497"/>
-                  <a:ext cx="1139058" cy="466859"/>
-                </a:xfrm>
-                <a:prstGeom prst="ellipse">
-                  <a:avLst/>
-                </a:prstGeom>
-                <a:noFill/>
-                <a:ln w="34925">
-                  <a:solidFill>
-                    <a:schemeClr val="tx1">
-                      <a:lumMod val="50000"/>
-                      <a:lumOff val="50000"/>
-                    </a:schemeClr>
-                  </a:solidFill>
-                </a:ln>
-              </p:spPr>
-              <p:style>
-                <a:lnRef idx="2">
-                  <a:schemeClr val="accent1">
-                    <a:shade val="15000"/>
-                  </a:schemeClr>
-                </a:lnRef>
-                <a:fillRef idx="1">
-                  <a:schemeClr val="accent1"/>
-                </a:fillRef>
-                <a:effectRef idx="0">
-                  <a:schemeClr val="accent1"/>
-                </a:effectRef>
-                <a:fontRef idx="minor">
-                  <a:schemeClr val="lt1"/>
-                </a:fontRef>
-              </p:style>
-              <p:txBody>
-                <a:bodyPr rtlCol="0" anchor="ctr"/>
-                <a:lstStyle/>
-                <a:p>
-                  <a:pPr algn="ctr"/>
-                  <a:endParaRPr lang="en-US" sz="1890"/>
-                </a:p>
-              </p:txBody>
-            </p:sp>
-          </p:grpSp>
-          <p:grpSp>
-            <p:nvGrpSpPr>
-              <p:cNvPr id="142" name="Group 141">
-                <a:extLst>
-                  <a:ext uri="{FF2B5EF4-FFF2-40B4-BE49-F238E27FC236}">
-                    <a16:creationId xmlns:a16="http://schemas.microsoft.com/office/drawing/2014/main" id="{3A008576-BADA-58D0-E0DC-5FFA225BD27D}"/>
-                  </a:ext>
-                </a:extLst>
-              </p:cNvPr>
-              <p:cNvGrpSpPr/>
-              <p:nvPr/>
-            </p:nvGrpSpPr>
-            <p:grpSpPr>
-              <a:xfrm>
-                <a:off x="4221334" y="2601457"/>
-                <a:ext cx="2034003" cy="2034003"/>
-                <a:chOff x="5884586" y="3007810"/>
-                <a:chExt cx="2034003" cy="2034003"/>
-              </a:xfrm>
-            </p:grpSpPr>
-            <p:pic>
-              <p:nvPicPr>
-                <p:cNvPr id="137" name="Picture 136" descr="A screen shot of a graph&#10;&#10;AI-generated content may be incorrect.">
-                  <a:extLst>
-                    <a:ext uri="{FF2B5EF4-FFF2-40B4-BE49-F238E27FC236}">
-                      <a16:creationId xmlns:a16="http://schemas.microsoft.com/office/drawing/2014/main" id="{58F8D6FA-FECC-63A9-B4C2-F05F650A6058}"/>
-                    </a:ext>
-                  </a:extLst>
-                </p:cNvPr>
-                <p:cNvPicPr>
-                  <a:picLocks noChangeAspect="1"/>
-                </p:cNvPicPr>
-                <p:nvPr/>
-              </p:nvPicPr>
-              <p:blipFill>
-                <a:blip r:embed="rId4"/>
-                <a:stretch>
-                  <a:fillRect/>
-                </a:stretch>
-              </p:blipFill>
-              <p:spPr>
-                <a:xfrm>
-                  <a:off x="5884586" y="3007810"/>
-                  <a:ext cx="2034003" cy="2034003"/>
-                </a:xfrm>
-                <a:prstGeom prst="rect">
-                  <a:avLst/>
-                </a:prstGeom>
-              </p:spPr>
-            </p:pic>
-            <p:sp>
-              <p:nvSpPr>
-                <p:cNvPr id="138" name="Rectangle 137">
-                  <a:extLst>
-                    <a:ext uri="{FF2B5EF4-FFF2-40B4-BE49-F238E27FC236}">
-                      <a16:creationId xmlns:a16="http://schemas.microsoft.com/office/drawing/2014/main" id="{FFB33957-C7D5-2272-4F29-57CB3E60E8D5}"/>
-                    </a:ext>
-                  </a:extLst>
-                </p:cNvPr>
-                <p:cNvSpPr/>
-                <p:nvPr/>
-              </p:nvSpPr>
-              <p:spPr>
-                <a:xfrm>
-                  <a:off x="6295300" y="3281063"/>
-                  <a:ext cx="1430509" cy="1350132"/>
-                </a:xfrm>
-                <a:prstGeom prst="rect">
-                  <a:avLst/>
-                </a:prstGeom>
-                <a:solidFill>
-                  <a:schemeClr val="bg1"/>
-                </a:solidFill>
-                <a:ln>
-                  <a:solidFill>
-                    <a:schemeClr val="bg1"/>
-                  </a:solidFill>
-                </a:ln>
-              </p:spPr>
-              <p:style>
-                <a:lnRef idx="2">
-                  <a:schemeClr val="accent1">
-                    <a:shade val="15000"/>
-                  </a:schemeClr>
-                </a:lnRef>
-                <a:fillRef idx="1">
-                  <a:schemeClr val="accent1"/>
-                </a:fillRef>
-                <a:effectRef idx="0">
-                  <a:schemeClr val="accent1"/>
-                </a:effectRef>
-                <a:fontRef idx="minor">
-                  <a:schemeClr val="lt1"/>
-                </a:fontRef>
-              </p:style>
-              <p:txBody>
-                <a:bodyPr rtlCol="0" anchor="ctr"/>
-                <a:lstStyle/>
-                <a:p>
-                  <a:pPr algn="ctr"/>
-                  <a:endParaRPr lang="en-US" sz="1890"/>
-                </a:p>
-              </p:txBody>
-            </p:sp>
-            <p:sp>
-              <p:nvSpPr>
-                <p:cNvPr id="139" name="Oval 138">
-                  <a:extLst>
-                    <a:ext uri="{FF2B5EF4-FFF2-40B4-BE49-F238E27FC236}">
-                      <a16:creationId xmlns:a16="http://schemas.microsoft.com/office/drawing/2014/main" id="{2293D57C-EC8B-5FBD-4115-099B2922BF81}"/>
-                    </a:ext>
-                  </a:extLst>
-                </p:cNvPr>
-                <p:cNvSpPr/>
-                <p:nvPr/>
-              </p:nvSpPr>
-              <p:spPr>
-                <a:xfrm rot="18552479">
-                  <a:off x="6386256" y="3835113"/>
-                  <a:ext cx="960186" cy="335122"/>
-                </a:xfrm>
-                <a:prstGeom prst="ellipse">
-                  <a:avLst/>
-                </a:prstGeom>
-                <a:noFill/>
-                <a:ln w="34925">
-                  <a:solidFill>
-                    <a:schemeClr val="tx1"/>
-                  </a:solidFill>
-                </a:ln>
-              </p:spPr>
-              <p:style>
-                <a:lnRef idx="2">
-                  <a:schemeClr val="accent1">
-                    <a:shade val="15000"/>
-                  </a:schemeClr>
-                </a:lnRef>
-                <a:fillRef idx="1">
-                  <a:schemeClr val="accent1"/>
-                </a:fillRef>
-                <a:effectRef idx="0">
-                  <a:schemeClr val="accent1"/>
-                </a:effectRef>
-                <a:fontRef idx="minor">
-                  <a:schemeClr val="lt1"/>
-                </a:fontRef>
-              </p:style>
-              <p:txBody>
-                <a:bodyPr rtlCol="0" anchor="ctr"/>
-                <a:lstStyle/>
-                <a:p>
-                  <a:pPr algn="ctr"/>
-                  <a:endParaRPr lang="en-US" sz="1890"/>
-                </a:p>
-              </p:txBody>
-            </p:sp>
-            <p:sp>
-              <p:nvSpPr>
-                <p:cNvPr id="140" name="Oval 139">
-                  <a:extLst>
-                    <a:ext uri="{FF2B5EF4-FFF2-40B4-BE49-F238E27FC236}">
-                      <a16:creationId xmlns:a16="http://schemas.microsoft.com/office/drawing/2014/main" id="{4D13E371-1A41-9EFE-6480-A5F8E8AB352E}"/>
-                    </a:ext>
-                  </a:extLst>
-                </p:cNvPr>
-                <p:cNvSpPr/>
-                <p:nvPr/>
-              </p:nvSpPr>
-              <p:spPr>
-                <a:xfrm rot="18552479">
-                  <a:off x="6238732" y="3693636"/>
-                  <a:ext cx="1264327" cy="606625"/>
-                </a:xfrm>
-                <a:prstGeom prst="ellipse">
-                  <a:avLst/>
-                </a:prstGeom>
-                <a:noFill/>
-                <a:ln w="34925">
-                  <a:solidFill>
-                    <a:schemeClr val="bg1">
-                      <a:lumMod val="75000"/>
-                    </a:schemeClr>
-                  </a:solidFill>
-                </a:ln>
-              </p:spPr>
-              <p:style>
-                <a:lnRef idx="2">
-                  <a:schemeClr val="accent1">
-                    <a:shade val="15000"/>
-                  </a:schemeClr>
-                </a:lnRef>
-                <a:fillRef idx="1">
-                  <a:schemeClr val="accent1"/>
-                </a:fillRef>
-                <a:effectRef idx="0">
-                  <a:schemeClr val="accent1"/>
-                </a:effectRef>
-                <a:fontRef idx="minor">
-                  <a:schemeClr val="lt1"/>
-                </a:fontRef>
-              </p:style>
-              <p:txBody>
-                <a:bodyPr rtlCol="0" anchor="ctr"/>
-                <a:lstStyle/>
-                <a:p>
-                  <a:pPr algn="ctr"/>
-                  <a:endParaRPr lang="en-US" sz="1890"/>
-                </a:p>
-              </p:txBody>
-            </p:sp>
-            <p:sp>
-              <p:nvSpPr>
-                <p:cNvPr id="141" name="Oval 140">
-                  <a:extLst>
-                    <a:ext uri="{FF2B5EF4-FFF2-40B4-BE49-F238E27FC236}">
-                      <a16:creationId xmlns:a16="http://schemas.microsoft.com/office/drawing/2014/main" id="{84827807-33C5-4A50-46EC-767F2558440A}"/>
-                    </a:ext>
-                  </a:extLst>
-                </p:cNvPr>
-                <p:cNvSpPr/>
-                <p:nvPr/>
-              </p:nvSpPr>
-              <p:spPr>
-                <a:xfrm rot="18552479">
-                  <a:off x="6299382" y="3763446"/>
-                  <a:ext cx="1139058" cy="466859"/>
-                </a:xfrm>
-                <a:prstGeom prst="ellipse">
-                  <a:avLst/>
-                </a:prstGeom>
-                <a:noFill/>
-                <a:ln w="34925">
-                  <a:solidFill>
-                    <a:schemeClr val="tx1">
-                      <a:lumMod val="50000"/>
-                      <a:lumOff val="50000"/>
-                    </a:schemeClr>
-                  </a:solidFill>
-                </a:ln>
-              </p:spPr>
-              <p:style>
-                <a:lnRef idx="2">
-                  <a:schemeClr val="accent1">
-                    <a:shade val="15000"/>
-                  </a:schemeClr>
-                </a:lnRef>
-                <a:fillRef idx="1">
-                  <a:schemeClr val="accent1"/>
-                </a:fillRef>
-                <a:effectRef idx="0">
-                  <a:schemeClr val="accent1"/>
-                </a:effectRef>
-                <a:fontRef idx="minor">
-                  <a:schemeClr val="lt1"/>
-                </a:fontRef>
-              </p:style>
-              <p:txBody>
-                <a:bodyPr rtlCol="0" anchor="ctr"/>
-                <a:lstStyle/>
-                <a:p>
-                  <a:pPr algn="ctr"/>
-                  <a:endParaRPr lang="en-US" sz="1890"/>
-                </a:p>
-              </p:txBody>
-            </p:sp>
-          </p:grpSp>
+              </a:ln>
+            </p:spPr>
+            <p:style>
+              <a:lnRef idx="2">
+                <a:schemeClr val="accent1">
+                  <a:shade val="15000"/>
+                </a:schemeClr>
+              </a:lnRef>
+              <a:fillRef idx="1">
+                <a:schemeClr val="accent1"/>
+              </a:fillRef>
+              <a:effectRef idx="0">
+                <a:schemeClr val="accent1"/>
+              </a:effectRef>
+              <a:fontRef idx="minor">
+                <a:schemeClr val="lt1"/>
+              </a:fontRef>
+            </p:style>
+            <p:txBody>
+              <a:bodyPr rtlCol="0" anchor="ctr"/>
+              <a:lstStyle/>
+              <a:p>
+                <a:pPr algn="ctr"/>
+                <a:endParaRPr lang="en-US" sz="1890"/>
+              </a:p>
+            </p:txBody>
+          </p:sp>
         </p:grpSp>
+        <p:sp>
+          <p:nvSpPr>
+            <p:cNvPr id="40" name="Rectangle 39">
+              <a:extLst>
+                <a:ext uri="{FF2B5EF4-FFF2-40B4-BE49-F238E27FC236}">
+                  <a16:creationId xmlns:a16="http://schemas.microsoft.com/office/drawing/2014/main" id="{7B5F8C9B-DE1D-A2B4-48E4-F738B68D11F2}"/>
+                </a:ext>
+              </a:extLst>
+            </p:cNvPr>
+            <p:cNvSpPr/>
+            <p:nvPr/>
+          </p:nvSpPr>
+          <p:spPr>
+            <a:xfrm>
+              <a:off x="7553784" y="3089196"/>
+              <a:ext cx="1502034" cy="1417639"/>
+            </a:xfrm>
+            <a:prstGeom prst="rect">
+              <a:avLst/>
+            </a:prstGeom>
+            <a:solidFill>
+              <a:schemeClr val="bg1"/>
+            </a:solidFill>
+            <a:ln>
+              <a:solidFill>
+                <a:schemeClr val="bg1"/>
+              </a:solidFill>
+            </a:ln>
+          </p:spPr>
+          <p:style>
+            <a:lnRef idx="2">
+              <a:schemeClr val="accent1">
+                <a:shade val="15000"/>
+              </a:schemeClr>
+            </a:lnRef>
+            <a:fillRef idx="1">
+              <a:schemeClr val="accent1"/>
+            </a:fillRef>
+            <a:effectRef idx="0">
+              <a:schemeClr val="accent1"/>
+            </a:effectRef>
+            <a:fontRef idx="minor">
+              <a:schemeClr val="lt1"/>
+            </a:fontRef>
+          </p:style>
+          <p:txBody>
+            <a:bodyPr rtlCol="0" anchor="ctr"/>
+            <a:lstStyle/>
+            <a:p>
+              <a:pPr algn="ctr"/>
+              <a:endParaRPr lang="en-US" sz="1890"/>
+            </a:p>
+          </p:txBody>
+        </p:sp>
+        <p:sp>
+          <p:nvSpPr>
+            <p:cNvPr id="50" name="Oval 49">
+              <a:extLst>
+                <a:ext uri="{FF2B5EF4-FFF2-40B4-BE49-F238E27FC236}">
+                  <a16:creationId xmlns:a16="http://schemas.microsoft.com/office/drawing/2014/main" id="{9316C8CA-EF5A-7928-4A64-8F05EA11A88F}"/>
+                </a:ext>
+              </a:extLst>
+            </p:cNvPr>
+            <p:cNvSpPr/>
+            <p:nvPr/>
+          </p:nvSpPr>
+          <p:spPr>
+            <a:xfrm rot="20303825">
+              <a:off x="7825977" y="3637612"/>
+              <a:ext cx="1008195" cy="351878"/>
+            </a:xfrm>
+            <a:prstGeom prst="ellipse">
+              <a:avLst/>
+            </a:prstGeom>
+            <a:noFill/>
+            <a:ln w="34925">
+              <a:solidFill>
+                <a:srgbClr val="F15C61"/>
+              </a:solidFill>
+            </a:ln>
+          </p:spPr>
+          <p:style>
+            <a:lnRef idx="2">
+              <a:schemeClr val="accent1">
+                <a:shade val="15000"/>
+              </a:schemeClr>
+            </a:lnRef>
+            <a:fillRef idx="1">
+              <a:schemeClr val="accent1"/>
+            </a:fillRef>
+            <a:effectRef idx="0">
+              <a:schemeClr val="accent1"/>
+            </a:effectRef>
+            <a:fontRef idx="minor">
+              <a:schemeClr val="lt1"/>
+            </a:fontRef>
+          </p:style>
+          <p:txBody>
+            <a:bodyPr rtlCol="0" anchor="ctr"/>
+            <a:lstStyle/>
+            <a:p>
+              <a:pPr algn="ctr"/>
+              <a:endParaRPr lang="en-US" sz="1890"/>
+            </a:p>
+          </p:txBody>
+        </p:sp>
+        <p:sp>
+          <p:nvSpPr>
+            <p:cNvPr id="64" name="Oval 63">
+              <a:extLst>
+                <a:ext uri="{FF2B5EF4-FFF2-40B4-BE49-F238E27FC236}">
+                  <a16:creationId xmlns:a16="http://schemas.microsoft.com/office/drawing/2014/main" id="{7BA4831B-95DD-C630-EF30-FEBB3DA4C883}"/>
+                </a:ext>
+              </a:extLst>
+            </p:cNvPr>
+            <p:cNvSpPr/>
+            <p:nvPr/>
+          </p:nvSpPr>
+          <p:spPr>
+            <a:xfrm rot="20303825">
+              <a:off x="7671077" y="3489061"/>
+              <a:ext cx="1327543" cy="636956"/>
+            </a:xfrm>
+            <a:prstGeom prst="ellipse">
+              <a:avLst/>
+            </a:prstGeom>
+            <a:noFill/>
+            <a:ln w="34925">
+              <a:solidFill>
+                <a:srgbClr val="FCC6C7"/>
+              </a:solidFill>
+            </a:ln>
+          </p:spPr>
+          <p:style>
+            <a:lnRef idx="2">
+              <a:schemeClr val="accent1">
+                <a:shade val="15000"/>
+              </a:schemeClr>
+            </a:lnRef>
+            <a:fillRef idx="1">
+              <a:schemeClr val="accent1"/>
+            </a:fillRef>
+            <a:effectRef idx="0">
+              <a:schemeClr val="accent1"/>
+            </a:effectRef>
+            <a:fontRef idx="minor">
+              <a:schemeClr val="lt1"/>
+            </a:fontRef>
+          </p:style>
+          <p:txBody>
+            <a:bodyPr rtlCol="0" anchor="ctr"/>
+            <a:lstStyle/>
+            <a:p>
+              <a:pPr algn="ctr"/>
+              <a:endParaRPr lang="en-US" sz="1890"/>
+            </a:p>
+          </p:txBody>
+        </p:sp>
+        <p:sp>
+          <p:nvSpPr>
+            <p:cNvPr id="68" name="Oval 67">
+              <a:extLst>
+                <a:ext uri="{FF2B5EF4-FFF2-40B4-BE49-F238E27FC236}">
+                  <a16:creationId xmlns:a16="http://schemas.microsoft.com/office/drawing/2014/main" id="{FE26D807-9A68-F894-F807-D4DE88AD4FC0}"/>
+                </a:ext>
+              </a:extLst>
+            </p:cNvPr>
+            <p:cNvSpPr/>
+            <p:nvPr/>
+          </p:nvSpPr>
+          <p:spPr>
+            <a:xfrm rot="20303825">
+              <a:off x="7734760" y="3562361"/>
+              <a:ext cx="1196011" cy="490202"/>
+            </a:xfrm>
+            <a:prstGeom prst="ellipse">
+              <a:avLst/>
+            </a:prstGeom>
+            <a:noFill/>
+            <a:ln w="34925">
+              <a:solidFill>
+                <a:srgbClr val="F78C90"/>
+              </a:solidFill>
+            </a:ln>
+          </p:spPr>
+          <p:style>
+            <a:lnRef idx="2">
+              <a:schemeClr val="accent1">
+                <a:shade val="15000"/>
+              </a:schemeClr>
+            </a:lnRef>
+            <a:fillRef idx="1">
+              <a:schemeClr val="accent1"/>
+            </a:fillRef>
+            <a:effectRef idx="0">
+              <a:schemeClr val="accent1"/>
+            </a:effectRef>
+            <a:fontRef idx="minor">
+              <a:schemeClr val="lt1"/>
+            </a:fontRef>
+          </p:style>
+          <p:txBody>
+            <a:bodyPr rtlCol="0" anchor="ctr"/>
+            <a:lstStyle/>
+            <a:p>
+              <a:pPr algn="ctr"/>
+              <a:endParaRPr lang="en-US" sz="1890"/>
+            </a:p>
+          </p:txBody>
+        </p:sp>
+        <p:sp>
+          <p:nvSpPr>
+            <p:cNvPr id="138" name="Rectangle 137">
+              <a:extLst>
+                <a:ext uri="{FF2B5EF4-FFF2-40B4-BE49-F238E27FC236}">
+                  <a16:creationId xmlns:a16="http://schemas.microsoft.com/office/drawing/2014/main" id="{FFB33957-C7D5-2272-4F29-57CB3E60E8D5}"/>
+                </a:ext>
+              </a:extLst>
+            </p:cNvPr>
+            <p:cNvSpPr/>
+            <p:nvPr/>
+          </p:nvSpPr>
+          <p:spPr>
+            <a:xfrm>
+              <a:off x="5660174" y="3089197"/>
+              <a:ext cx="1502034" cy="1417639"/>
+            </a:xfrm>
+            <a:prstGeom prst="rect">
+              <a:avLst/>
+            </a:prstGeom>
+            <a:solidFill>
+              <a:schemeClr val="bg1"/>
+            </a:solidFill>
+            <a:ln>
+              <a:solidFill>
+                <a:schemeClr val="bg1"/>
+              </a:solidFill>
+            </a:ln>
+          </p:spPr>
+          <p:style>
+            <a:lnRef idx="2">
+              <a:schemeClr val="accent1">
+                <a:shade val="15000"/>
+              </a:schemeClr>
+            </a:lnRef>
+            <a:fillRef idx="1">
+              <a:schemeClr val="accent1"/>
+            </a:fillRef>
+            <a:effectRef idx="0">
+              <a:schemeClr val="accent1"/>
+            </a:effectRef>
+            <a:fontRef idx="minor">
+              <a:schemeClr val="lt1"/>
+            </a:fontRef>
+          </p:style>
+          <p:txBody>
+            <a:bodyPr rtlCol="0" anchor="ctr"/>
+            <a:lstStyle/>
+            <a:p>
+              <a:pPr algn="ctr"/>
+              <a:endParaRPr lang="en-US" sz="1890"/>
+            </a:p>
+          </p:txBody>
+        </p:sp>
+        <p:sp>
+          <p:nvSpPr>
+            <p:cNvPr id="139" name="Oval 138">
+              <a:extLst>
+                <a:ext uri="{FF2B5EF4-FFF2-40B4-BE49-F238E27FC236}">
+                  <a16:creationId xmlns:a16="http://schemas.microsoft.com/office/drawing/2014/main" id="{2293D57C-EC8B-5FBD-4115-099B2922BF81}"/>
+                </a:ext>
+              </a:extLst>
+            </p:cNvPr>
+            <p:cNvSpPr/>
+            <p:nvPr/>
+          </p:nvSpPr>
+          <p:spPr>
+            <a:xfrm rot="18552479">
+              <a:off x="5755677" y="3670949"/>
+              <a:ext cx="1008195" cy="351878"/>
+            </a:xfrm>
+            <a:prstGeom prst="ellipse">
+              <a:avLst/>
+            </a:prstGeom>
+            <a:noFill/>
+            <a:ln w="34925">
+              <a:solidFill>
+                <a:srgbClr val="1EBEC9"/>
+              </a:solidFill>
+            </a:ln>
+          </p:spPr>
+          <p:style>
+            <a:lnRef idx="2">
+              <a:schemeClr val="accent1">
+                <a:shade val="15000"/>
+              </a:schemeClr>
+            </a:lnRef>
+            <a:fillRef idx="1">
+              <a:schemeClr val="accent1"/>
+            </a:fillRef>
+            <a:effectRef idx="0">
+              <a:schemeClr val="accent1"/>
+            </a:effectRef>
+            <a:fontRef idx="minor">
+              <a:schemeClr val="lt1"/>
+            </a:fontRef>
+          </p:style>
+          <p:txBody>
+            <a:bodyPr rtlCol="0" anchor="ctr"/>
+            <a:lstStyle/>
+            <a:p>
+              <a:pPr algn="ctr"/>
+              <a:endParaRPr lang="en-US" sz="1890"/>
+            </a:p>
+          </p:txBody>
+        </p:sp>
+        <p:sp>
+          <p:nvSpPr>
+            <p:cNvPr id="140" name="Oval 139">
+              <a:extLst>
+                <a:ext uri="{FF2B5EF4-FFF2-40B4-BE49-F238E27FC236}">
+                  <a16:creationId xmlns:a16="http://schemas.microsoft.com/office/drawing/2014/main" id="{4D13E371-1A41-9EFE-6480-A5F8E8AB352E}"/>
+                </a:ext>
+              </a:extLst>
+            </p:cNvPr>
+            <p:cNvSpPr/>
+            <p:nvPr/>
+          </p:nvSpPr>
+          <p:spPr>
+            <a:xfrm rot="18552479">
+              <a:off x="5600777" y="3522398"/>
+              <a:ext cx="1327543" cy="636956"/>
+            </a:xfrm>
+            <a:prstGeom prst="ellipse">
+              <a:avLst/>
+            </a:prstGeom>
+            <a:noFill/>
+            <a:ln w="34925">
+              <a:solidFill>
+                <a:srgbClr val="B7E9EB"/>
+              </a:solidFill>
+            </a:ln>
+          </p:spPr>
+          <p:style>
+            <a:lnRef idx="2">
+              <a:schemeClr val="accent1">
+                <a:shade val="15000"/>
+              </a:schemeClr>
+            </a:lnRef>
+            <a:fillRef idx="1">
+              <a:schemeClr val="accent1"/>
+            </a:fillRef>
+            <a:effectRef idx="0">
+              <a:schemeClr val="accent1"/>
+            </a:effectRef>
+            <a:fontRef idx="minor">
+              <a:schemeClr val="lt1"/>
+            </a:fontRef>
+          </p:style>
+          <p:txBody>
+            <a:bodyPr rtlCol="0" anchor="ctr"/>
+            <a:lstStyle/>
+            <a:p>
+              <a:pPr algn="ctr"/>
+              <a:endParaRPr lang="en-US" sz="1890"/>
+            </a:p>
+          </p:txBody>
+        </p:sp>
+        <p:sp>
+          <p:nvSpPr>
+            <p:cNvPr id="141" name="Oval 140">
+              <a:extLst>
+                <a:ext uri="{FF2B5EF4-FFF2-40B4-BE49-F238E27FC236}">
+                  <a16:creationId xmlns:a16="http://schemas.microsoft.com/office/drawing/2014/main" id="{84827807-33C5-4A50-46EC-767F2558440A}"/>
+                </a:ext>
+              </a:extLst>
+            </p:cNvPr>
+            <p:cNvSpPr/>
+            <p:nvPr/>
+          </p:nvSpPr>
+          <p:spPr>
+            <a:xfrm rot="18552479">
+              <a:off x="5664460" y="3595699"/>
+              <a:ext cx="1196011" cy="490202"/>
+            </a:xfrm>
+            <a:prstGeom prst="ellipse">
+              <a:avLst/>
+            </a:prstGeom>
+            <a:noFill/>
+            <a:ln w="34925">
+              <a:solidFill>
+                <a:srgbClr val="6DD1D7"/>
+              </a:solidFill>
+            </a:ln>
+          </p:spPr>
+          <p:style>
+            <a:lnRef idx="2">
+              <a:schemeClr val="accent1">
+                <a:shade val="15000"/>
+              </a:schemeClr>
+            </a:lnRef>
+            <a:fillRef idx="1">
+              <a:schemeClr val="accent1"/>
+            </a:fillRef>
+            <a:effectRef idx="0">
+              <a:schemeClr val="accent1"/>
+            </a:effectRef>
+            <a:fontRef idx="minor">
+              <a:schemeClr val="lt1"/>
+            </a:fontRef>
+          </p:style>
+          <p:txBody>
+            <a:bodyPr rtlCol="0" anchor="ctr"/>
+            <a:lstStyle/>
+            <a:p>
+              <a:pPr algn="ctr"/>
+              <a:endParaRPr lang="en-US" sz="1890"/>
+            </a:p>
+          </p:txBody>
+        </p:sp>
         <p:cxnSp>
           <p:nvCxnSpPr>
             <p:cNvPr id="171" name="Straight Arrow Connector 170">
@@ -7406,8 +7486,8 @@
           </p:nvCxnSpPr>
           <p:spPr>
             <a:xfrm>
-              <a:off x="6501820" y="1908734"/>
-              <a:ext cx="226711" cy="211596"/>
+              <a:off x="7613259" y="2011444"/>
+              <a:ext cx="238047" cy="222176"/>
             </a:xfrm>
             <a:prstGeom prst="straightConnector1">
               <a:avLst/>
@@ -7450,8 +7530,8 @@
           </p:nvCxnSpPr>
           <p:spPr>
             <a:xfrm flipH="1">
-              <a:off x="5478914" y="1908475"/>
-              <a:ext cx="226711" cy="211596"/>
+              <a:off x="6539207" y="2011172"/>
+              <a:ext cx="238047" cy="222176"/>
             </a:xfrm>
             <a:prstGeom prst="straightConnector1">
               <a:avLst/>
@@ -7496,8 +7576,8 @@
           </p:nvCxnSpPr>
           <p:spPr>
             <a:xfrm>
-              <a:off x="5217334" y="2708457"/>
-              <a:ext cx="8584" cy="307567"/>
+              <a:off x="6264548" y="2851153"/>
+              <a:ext cx="9013" cy="322945"/>
             </a:xfrm>
             <a:prstGeom prst="straightConnector1">
               <a:avLst/>
@@ -7542,8 +7622,8 @@
           </p:nvCxnSpPr>
           <p:spPr>
             <a:xfrm>
-              <a:off x="7025064" y="2708457"/>
-              <a:ext cx="8584" cy="307567"/>
+              <a:off x="8162665" y="2851153"/>
+              <a:ext cx="9013" cy="322945"/>
             </a:xfrm>
             <a:prstGeom prst="straightConnector1">
               <a:avLst/>
